--- a/相关技术文档/Dubbo培训与实战.pptx
+++ b/相关技术文档/Dubbo培训与实战.pptx
@@ -1,41 +1,42 @@
 
 <file path=ppt/presentation.xml><?xml version="1.0" encoding="utf-8"?>
-<p:presentation xmlns:a="http://schemas.openxmlformats.org/drawingml/2006/main" xmlns:r="http://schemas.openxmlformats.org/officeDocument/2006/relationships" xmlns:p="http://schemas.openxmlformats.org/presentationml/2006/main" saveSubsetFonts="1">
+<p:presentation xmlns:a="http://schemas.openxmlformats.org/drawingml/2006/main" xmlns:r="http://schemas.openxmlformats.org/officeDocument/2006/relationships" xmlns:p="http://schemas.openxmlformats.org/presentationml/2006/main">
   <p:sldMasterIdLst>
     <p:sldMasterId id="2147483648" r:id="rId1"/>
   </p:sldMasterIdLst>
   <p:notesMasterIdLst>
-    <p:notesMasterId r:id="rId30"/>
+    <p:notesMasterId r:id="rId4"/>
   </p:notesMasterIdLst>
   <p:sldIdLst>
-    <p:sldId id="256" r:id="rId2"/>
-    <p:sldId id="520" r:id="rId3"/>
-    <p:sldId id="541" r:id="rId4"/>
-    <p:sldId id="544" r:id="rId5"/>
-    <p:sldId id="545" r:id="rId6"/>
-    <p:sldId id="548" r:id="rId7"/>
-    <p:sldId id="546" r:id="rId8"/>
-    <p:sldId id="547" r:id="rId9"/>
-    <p:sldId id="559" r:id="rId10"/>
-    <p:sldId id="569" r:id="rId11"/>
-    <p:sldId id="549" r:id="rId12"/>
-    <p:sldId id="550" r:id="rId13"/>
-    <p:sldId id="556" r:id="rId14"/>
-    <p:sldId id="551" r:id="rId15"/>
-    <p:sldId id="553" r:id="rId16"/>
-    <p:sldId id="552" r:id="rId17"/>
-    <p:sldId id="554" r:id="rId18"/>
-    <p:sldId id="557" r:id="rId19"/>
-    <p:sldId id="555" r:id="rId20"/>
-    <p:sldId id="560" r:id="rId21"/>
-    <p:sldId id="561" r:id="rId22"/>
-    <p:sldId id="563" r:id="rId23"/>
-    <p:sldId id="564" r:id="rId24"/>
-    <p:sldId id="565" r:id="rId25"/>
-    <p:sldId id="566" r:id="rId26"/>
-    <p:sldId id="567" r:id="rId27"/>
-    <p:sldId id="568" r:id="rId28"/>
-    <p:sldId id="558" r:id="rId29"/>
+    <p:sldId id="256" r:id="rId3"/>
+    <p:sldId id="520" r:id="rId5"/>
+    <p:sldId id="541" r:id="rId6"/>
+    <p:sldId id="544" r:id="rId7"/>
+    <p:sldId id="545" r:id="rId8"/>
+    <p:sldId id="548" r:id="rId9"/>
+    <p:sldId id="546" r:id="rId10"/>
+    <p:sldId id="547" r:id="rId11"/>
+    <p:sldId id="559" r:id="rId12"/>
+    <p:sldId id="588" r:id="rId13"/>
+    <p:sldId id="569" r:id="rId14"/>
+    <p:sldId id="549" r:id="rId15"/>
+    <p:sldId id="550" r:id="rId16"/>
+    <p:sldId id="556" r:id="rId17"/>
+    <p:sldId id="551" r:id="rId18"/>
+    <p:sldId id="553" r:id="rId19"/>
+    <p:sldId id="552" r:id="rId20"/>
+    <p:sldId id="554" r:id="rId21"/>
+    <p:sldId id="557" r:id="rId22"/>
+    <p:sldId id="555" r:id="rId23"/>
+    <p:sldId id="560" r:id="rId24"/>
+    <p:sldId id="561" r:id="rId25"/>
+    <p:sldId id="563" r:id="rId26"/>
+    <p:sldId id="564" r:id="rId27"/>
+    <p:sldId id="565" r:id="rId28"/>
+    <p:sldId id="566" r:id="rId29"/>
+    <p:sldId id="567" r:id="rId30"/>
+    <p:sldId id="568" r:id="rId31"/>
+    <p:sldId id="558" r:id="rId32"/>
   </p:sldIdLst>
   <p:sldSz cx="9144000" cy="6858000" type="screen4x3"/>
   <p:notesSz cx="6858000" cy="9144000"/>
@@ -134,22 +135,6 @@
       </a:defRPr>
     </a:lvl9pPr>
   </p:defaultTextStyle>
-  <p:extLst>
-    <p:ext uri="{EFAFB233-063F-42B5-8137-9DF3F51BA10A}">
-      <p15:sldGuideLst xmlns:p15="http://schemas.microsoft.com/office/powerpoint/2012/main" xmlns="">
-        <p15:guide id="1" orient="horz" pos="2160">
-          <p15:clr>
-            <a:srgbClr val="A4A3A4"/>
-          </p15:clr>
-        </p15:guide>
-        <p15:guide id="2" pos="2880">
-          <p15:clr>
-            <a:srgbClr val="A4A3A4"/>
-          </p15:clr>
-        </p15:guide>
-      </p15:sldGuideLst>
-    </p:ext>
-  </p:extLst>
 </p:presentation>
 </file>
 
@@ -199,7 +184,7 @@
           <a:lstStyle>
             <a:lvl1pPr algn="l">
               <a:defRPr sz="1200">
-                <a:ea typeface="微软雅黑" pitchFamily="34" charset="-122"/>
+                <a:ea typeface="微软雅黑" panose="020B0503020204020204" pitchFamily="34" charset="-122"/>
               </a:defRPr>
             </a:lvl1pPr>
           </a:lstStyle>
@@ -232,15 +217,13 @@
           <a:lstStyle>
             <a:lvl1pPr algn="r">
               <a:defRPr sz="1200">
-                <a:ea typeface="微软雅黑" pitchFamily="34" charset="-122"/>
+                <a:ea typeface="微软雅黑" panose="020B0503020204020204" pitchFamily="34" charset="-122"/>
               </a:defRPr>
             </a:lvl1pPr>
           </a:lstStyle>
           <a:p>
             <a:fld id="{33B6808E-BC7B-4482-9902-0856725DA3D1}" type="datetimeFigureOut">
               <a:rPr lang="zh-CN" altLang="en-US" smtClean="0"/>
-              <a:pPr/>
-              <a:t>2016/4/22</a:t>
             </a:fld>
             <a:endParaRPr lang="zh-CN" altLang="en-US" dirty="0"/>
           </a:p>
@@ -309,6 +292,7 @@
               <a:rPr lang="zh-CN" altLang="en-US" dirty="0" smtClean="0"/>
               <a:t>单击此处编辑母版文本样式</a:t>
             </a:r>
+            <a:endParaRPr lang="zh-CN" altLang="en-US" dirty="0" smtClean="0"/>
           </a:p>
           <a:p>
             <a:pPr lvl="1"/>
@@ -316,6 +300,7 @@
               <a:rPr lang="zh-CN" altLang="en-US" dirty="0" smtClean="0"/>
               <a:t>第二级</a:t>
             </a:r>
+            <a:endParaRPr lang="zh-CN" altLang="en-US" dirty="0" smtClean="0"/>
           </a:p>
           <a:p>
             <a:pPr lvl="2"/>
@@ -323,6 +308,7 @@
               <a:rPr lang="zh-CN" altLang="en-US" dirty="0" smtClean="0"/>
               <a:t>第三级</a:t>
             </a:r>
+            <a:endParaRPr lang="zh-CN" altLang="en-US" dirty="0" smtClean="0"/>
           </a:p>
           <a:p>
             <a:pPr lvl="3"/>
@@ -330,6 +316,7 @@
               <a:rPr lang="zh-CN" altLang="en-US" dirty="0" smtClean="0"/>
               <a:t>第四级</a:t>
             </a:r>
+            <a:endParaRPr lang="zh-CN" altLang="en-US" dirty="0" smtClean="0"/>
           </a:p>
           <a:p>
             <a:pPr lvl="4"/>
@@ -365,7 +352,7 @@
           <a:lstStyle>
             <a:lvl1pPr algn="l">
               <a:defRPr sz="1200">
-                <a:ea typeface="微软雅黑" pitchFamily="34" charset="-122"/>
+                <a:ea typeface="微软雅黑" panose="020B0503020204020204" pitchFamily="34" charset="-122"/>
               </a:defRPr>
             </a:lvl1pPr>
           </a:lstStyle>
@@ -398,26 +385,19 @@
           <a:lstStyle>
             <a:lvl1pPr algn="r">
               <a:defRPr sz="1200">
-                <a:ea typeface="微软雅黑" pitchFamily="34" charset="-122"/>
+                <a:ea typeface="微软雅黑" panose="020B0503020204020204" pitchFamily="34" charset="-122"/>
               </a:defRPr>
             </a:lvl1pPr>
           </a:lstStyle>
           <a:p>
             <a:fld id="{FD140B6F-3FEA-4ABD-AEEC-54E41C3D422B}" type="slidenum">
               <a:rPr lang="zh-CN" altLang="en-US" smtClean="0"/>
-              <a:pPr/>
-              <a:t>‹#›</a:t>
             </a:fld>
             <a:endParaRPr lang="zh-CN" altLang="en-US" dirty="0"/>
           </a:p>
         </p:txBody>
       </p:sp>
     </p:spTree>
-    <p:extLst>
-      <p:ext uri="{BB962C8B-B14F-4D97-AF65-F5344CB8AC3E}">
-        <p14:creationId xmlns:p14="http://schemas.microsoft.com/office/powerpoint/2010/main" xmlns="" val="4228992937"/>
-      </p:ext>
-    </p:extLst>
   </p:cSld>
   <p:clrMap bg1="lt1" tx1="dk1" bg2="lt2" tx2="dk2" accent1="accent1" accent2="accent2" accent3="accent3" accent4="accent4" accent5="accent5" accent6="accent6" hlink="hlink" folHlink="folHlink"/>
   <p:notesStyle>
@@ -427,7 +407,7 @@
           <a:schemeClr val="tx1"/>
         </a:solidFill>
         <a:latin typeface="+mn-lt"/>
-        <a:ea typeface="微软雅黑" pitchFamily="34" charset="-122"/>
+        <a:ea typeface="微软雅黑" panose="020B0503020204020204" pitchFamily="34" charset="-122"/>
         <a:cs typeface="+mn-cs"/>
       </a:defRPr>
     </a:lvl1pPr>
@@ -437,7 +417,7 @@
           <a:schemeClr val="tx1"/>
         </a:solidFill>
         <a:latin typeface="+mn-lt"/>
-        <a:ea typeface="微软雅黑" pitchFamily="34" charset="-122"/>
+        <a:ea typeface="微软雅黑" panose="020B0503020204020204" pitchFamily="34" charset="-122"/>
         <a:cs typeface="+mn-cs"/>
       </a:defRPr>
     </a:lvl2pPr>
@@ -447,7 +427,7 @@
           <a:schemeClr val="tx1"/>
         </a:solidFill>
         <a:latin typeface="+mn-lt"/>
-        <a:ea typeface="微软雅黑" pitchFamily="34" charset="-122"/>
+        <a:ea typeface="微软雅黑" panose="020B0503020204020204" pitchFamily="34" charset="-122"/>
         <a:cs typeface="+mn-cs"/>
       </a:defRPr>
     </a:lvl3pPr>
@@ -457,7 +437,7 @@
           <a:schemeClr val="tx1"/>
         </a:solidFill>
         <a:latin typeface="+mn-lt"/>
-        <a:ea typeface="微软雅黑" pitchFamily="34" charset="-122"/>
+        <a:ea typeface="微软雅黑" panose="020B0503020204020204" pitchFamily="34" charset="-122"/>
         <a:cs typeface="+mn-cs"/>
       </a:defRPr>
     </a:lvl4pPr>
@@ -467,7 +447,7 @@
           <a:schemeClr val="tx1"/>
         </a:solidFill>
         <a:latin typeface="+mn-lt"/>
-        <a:ea typeface="微软雅黑" pitchFamily="34" charset="-122"/>
+        <a:ea typeface="微软雅黑" panose="020B0503020204020204" pitchFamily="34" charset="-122"/>
         <a:cs typeface="+mn-cs"/>
       </a:defRPr>
     </a:lvl5pPr>
@@ -580,19 +560,12 @@
           <a:p>
             <a:fld id="{FD140B6F-3FEA-4ABD-AEEC-54E41C3D422B}" type="slidenum">
               <a:rPr lang="zh-CN" altLang="en-US" smtClean="0"/>
-              <a:pPr/>
-              <a:t>1</a:t>
             </a:fld>
             <a:endParaRPr lang="zh-CN" altLang="en-US"/>
           </a:p>
         </p:txBody>
       </p:sp>
     </p:spTree>
-    <p:extLst>
-      <p:ext uri="{BB962C8B-B14F-4D97-AF65-F5344CB8AC3E}">
-        <p14:creationId xmlns:p14="http://schemas.microsoft.com/office/powerpoint/2010/main" xmlns="" val="2318678654"/>
-      </p:ext>
-    </p:extLst>
   </p:cSld>
   <p:clrMapOvr>
     <a:masterClrMapping/>
@@ -663,7 +636,7 @@
                   <a:schemeClr val="tx1"/>
                 </a:solidFill>
                 <a:latin typeface="+mn-lt"/>
-                <a:ea typeface="微软雅黑" pitchFamily="34" charset="-122"/>
+                <a:ea typeface="微软雅黑" panose="020B0503020204020204" pitchFamily="34" charset="-122"/>
                 <a:cs typeface="+mn-cs"/>
                 <a:hlinkClick r:id="rId3"/>
               </a:rPr>
@@ -679,7 +652,7 @@
                   <a:schemeClr val="tx1"/>
                 </a:solidFill>
                 <a:latin typeface="+mn-lt"/>
-                <a:ea typeface="微软雅黑" pitchFamily="34" charset="-122"/>
+                <a:ea typeface="微软雅黑" panose="020B0503020204020204" pitchFamily="34" charset="-122"/>
                 <a:cs typeface="+mn-cs"/>
                 <a:hlinkClick r:id="rId4"/>
               </a:rPr>
@@ -702,7 +675,7 @@
                   <a:schemeClr val="tx1"/>
                 </a:solidFill>
                 <a:latin typeface="+mn-lt"/>
-                <a:ea typeface="微软雅黑" pitchFamily="34" charset="-122"/>
+                <a:ea typeface="微软雅黑" panose="020B0503020204020204" pitchFamily="34" charset="-122"/>
                 <a:cs typeface="+mn-cs"/>
                 <a:hlinkClick r:id="rId5"/>
               </a:rPr>
@@ -732,7 +705,6 @@
               <a:buSzTx/>
               <a:buFontTx/>
               <a:buNone/>
-              <a:tabLst/>
               <a:defRPr/>
             </a:pPr>
             <a:r>
@@ -743,8 +715,8 @@
                     <a:lumOff val="40000"/>
                   </a:schemeClr>
                 </a:solidFill>
-                <a:latin typeface="微软雅黑" pitchFamily="34" charset="-122"/>
-                <a:ea typeface="微软雅黑" pitchFamily="34" charset="-122"/>
+                <a:latin typeface="微软雅黑" panose="020B0503020204020204" pitchFamily="34" charset="-122"/>
+                <a:ea typeface="微软雅黑" panose="020B0503020204020204" pitchFamily="34" charset="-122"/>
               </a:rPr>
               <a:t>大家经常看到的网页，并非单单是设计师的功劳，一般设计师出来的的设计稿还要经过单独的切图经由开发同学技术实现，切图作为设计师与开发者之间的桥梁，它的作用很关键，合适的切图、精准的位置可以最大限度的还原效果图的设计，精妙的切图更会有事半功倍的效果哦</a:t>
             </a:r>
@@ -756,8 +728,8 @@
                     <a:lumOff val="40000"/>
                   </a:schemeClr>
                 </a:solidFill>
-                <a:latin typeface="微软雅黑" pitchFamily="34" charset="-122"/>
-                <a:ea typeface="微软雅黑" pitchFamily="34" charset="-122"/>
+                <a:latin typeface="微软雅黑" panose="020B0503020204020204" pitchFamily="34" charset="-122"/>
+                <a:ea typeface="微软雅黑" panose="020B0503020204020204" pitchFamily="34" charset="-122"/>
               </a:rPr>
               <a:t>!</a:t>
             </a:r>
@@ -769,8 +741,8 @@
                     <a:lumOff val="40000"/>
                   </a:schemeClr>
                 </a:solidFill>
-                <a:latin typeface="微软雅黑" pitchFamily="34" charset="-122"/>
-                <a:ea typeface="微软雅黑" pitchFamily="34" charset="-122"/>
+                <a:latin typeface="微软雅黑" panose="020B0503020204020204" pitchFamily="34" charset="-122"/>
+                <a:ea typeface="微软雅黑" panose="020B0503020204020204" pitchFamily="34" charset="-122"/>
               </a:rPr>
               <a:t>做为设计师也要多少了解这些，在与技术的交流中会有所帮助。</a:t>
             </a:r>
@@ -781,8 +753,8 @@
                   <a:lumOff val="40000"/>
                 </a:schemeClr>
               </a:solidFill>
-              <a:latin typeface="微软雅黑" pitchFamily="34" charset="-122"/>
-              <a:ea typeface="微软雅黑" pitchFamily="34" charset="-122"/>
+              <a:latin typeface="微软雅黑" panose="020B0503020204020204" pitchFamily="34" charset="-122"/>
+              <a:ea typeface="微软雅黑" panose="020B0503020204020204" pitchFamily="34" charset="-122"/>
             </a:endParaRPr>
           </a:p>
           <a:p>
@@ -807,19 +779,12 @@
           <a:p>
             <a:fld id="{FD140B6F-3FEA-4ABD-AEEC-54E41C3D422B}" type="slidenum">
               <a:rPr lang="zh-CN" altLang="en-US" smtClean="0"/>
-              <a:pPr/>
-              <a:t>19</a:t>
             </a:fld>
             <a:endParaRPr lang="zh-CN" altLang="en-US" dirty="0"/>
           </a:p>
         </p:txBody>
       </p:sp>
     </p:spTree>
-    <p:extLst>
-      <p:ext uri="{BB962C8B-B14F-4D97-AF65-F5344CB8AC3E}">
-        <p14:creationId xmlns:p14="http://schemas.microsoft.com/office/powerpoint/2010/main" xmlns="" val="3235436297"/>
-      </p:ext>
-    </p:extLst>
   </p:cSld>
   <p:clrMapOvr>
     <a:masterClrMapping/>
@@ -890,7 +855,7 @@
                   <a:schemeClr val="tx1"/>
                 </a:solidFill>
                 <a:latin typeface="+mn-lt"/>
-                <a:ea typeface="微软雅黑" pitchFamily="34" charset="-122"/>
+                <a:ea typeface="微软雅黑" panose="020B0503020204020204" pitchFamily="34" charset="-122"/>
                 <a:cs typeface="+mn-cs"/>
                 <a:hlinkClick r:id="rId3"/>
               </a:rPr>
@@ -906,7 +871,7 @@
                   <a:schemeClr val="tx1"/>
                 </a:solidFill>
                 <a:latin typeface="+mn-lt"/>
-                <a:ea typeface="微软雅黑" pitchFamily="34" charset="-122"/>
+                <a:ea typeface="微软雅黑" panose="020B0503020204020204" pitchFamily="34" charset="-122"/>
                 <a:cs typeface="+mn-cs"/>
                 <a:hlinkClick r:id="rId4"/>
               </a:rPr>
@@ -929,7 +894,7 @@
                   <a:schemeClr val="tx1"/>
                 </a:solidFill>
                 <a:latin typeface="+mn-lt"/>
-                <a:ea typeface="微软雅黑" pitchFamily="34" charset="-122"/>
+                <a:ea typeface="微软雅黑" panose="020B0503020204020204" pitchFamily="34" charset="-122"/>
                 <a:cs typeface="+mn-cs"/>
                 <a:hlinkClick r:id="rId5"/>
               </a:rPr>
@@ -959,7 +924,6 @@
               <a:buSzTx/>
               <a:buFontTx/>
               <a:buNone/>
-              <a:tabLst/>
               <a:defRPr/>
             </a:pPr>
             <a:r>
@@ -970,8 +934,8 @@
                     <a:lumOff val="40000"/>
                   </a:schemeClr>
                 </a:solidFill>
-                <a:latin typeface="微软雅黑" pitchFamily="34" charset="-122"/>
-                <a:ea typeface="微软雅黑" pitchFamily="34" charset="-122"/>
+                <a:latin typeface="微软雅黑" panose="020B0503020204020204" pitchFamily="34" charset="-122"/>
+                <a:ea typeface="微软雅黑" panose="020B0503020204020204" pitchFamily="34" charset="-122"/>
               </a:rPr>
               <a:t>大家经常看到的网页，并非单单是设计师的功劳，一般设计师出来的的设计稿还要经过单独的切图经由开发同学技术实现，切图作为设计师与开发者之间的桥梁，它的作用很关键，合适的切图、精准的位置可以最大限度的还原效果图的设计，精妙的切图更会有事半功倍的效果哦</a:t>
             </a:r>
@@ -983,8 +947,8 @@
                     <a:lumOff val="40000"/>
                   </a:schemeClr>
                 </a:solidFill>
-                <a:latin typeface="微软雅黑" pitchFamily="34" charset="-122"/>
-                <a:ea typeface="微软雅黑" pitchFamily="34" charset="-122"/>
+                <a:latin typeface="微软雅黑" panose="020B0503020204020204" pitchFamily="34" charset="-122"/>
+                <a:ea typeface="微软雅黑" panose="020B0503020204020204" pitchFamily="34" charset="-122"/>
               </a:rPr>
               <a:t>!</a:t>
             </a:r>
@@ -996,8 +960,8 @@
                     <a:lumOff val="40000"/>
                   </a:schemeClr>
                 </a:solidFill>
-                <a:latin typeface="微软雅黑" pitchFamily="34" charset="-122"/>
-                <a:ea typeface="微软雅黑" pitchFamily="34" charset="-122"/>
+                <a:latin typeface="微软雅黑" panose="020B0503020204020204" pitchFamily="34" charset="-122"/>
+                <a:ea typeface="微软雅黑" panose="020B0503020204020204" pitchFamily="34" charset="-122"/>
               </a:rPr>
               <a:t>做为设计师也要多少了解这些，在与技术的交流中会有所帮助。</a:t>
             </a:r>
@@ -1008,8 +972,8 @@
                   <a:lumOff val="40000"/>
                 </a:schemeClr>
               </a:solidFill>
-              <a:latin typeface="微软雅黑" pitchFamily="34" charset="-122"/>
-              <a:ea typeface="微软雅黑" pitchFamily="34" charset="-122"/>
+              <a:latin typeface="微软雅黑" panose="020B0503020204020204" pitchFamily="34" charset="-122"/>
+              <a:ea typeface="微软雅黑" panose="020B0503020204020204" pitchFamily="34" charset="-122"/>
             </a:endParaRPr>
           </a:p>
           <a:p>
@@ -1034,19 +998,12 @@
           <a:p>
             <a:fld id="{FD140B6F-3FEA-4ABD-AEEC-54E41C3D422B}" type="slidenum">
               <a:rPr lang="zh-CN" altLang="en-US" smtClean="0"/>
-              <a:pPr/>
-              <a:t>20</a:t>
             </a:fld>
             <a:endParaRPr lang="zh-CN" altLang="en-US" dirty="0"/>
           </a:p>
         </p:txBody>
       </p:sp>
     </p:spTree>
-    <p:extLst>
-      <p:ext uri="{BB962C8B-B14F-4D97-AF65-F5344CB8AC3E}">
-        <p14:creationId xmlns:p14="http://schemas.microsoft.com/office/powerpoint/2010/main" xmlns="" val="3235436297"/>
-      </p:ext>
-    </p:extLst>
   </p:cSld>
   <p:clrMapOvr>
     <a:masterClrMapping/>
@@ -1117,7 +1074,7 @@
                   <a:schemeClr val="tx1"/>
                 </a:solidFill>
                 <a:latin typeface="+mn-lt"/>
-                <a:ea typeface="微软雅黑" pitchFamily="34" charset="-122"/>
+                <a:ea typeface="微软雅黑" panose="020B0503020204020204" pitchFamily="34" charset="-122"/>
                 <a:cs typeface="+mn-cs"/>
                 <a:hlinkClick r:id="rId3"/>
               </a:rPr>
@@ -1133,7 +1090,7 @@
                   <a:schemeClr val="tx1"/>
                 </a:solidFill>
                 <a:latin typeface="+mn-lt"/>
-                <a:ea typeface="微软雅黑" pitchFamily="34" charset="-122"/>
+                <a:ea typeface="微软雅黑" panose="020B0503020204020204" pitchFamily="34" charset="-122"/>
                 <a:cs typeface="+mn-cs"/>
                 <a:hlinkClick r:id="rId4"/>
               </a:rPr>
@@ -1156,7 +1113,7 @@
                   <a:schemeClr val="tx1"/>
                 </a:solidFill>
                 <a:latin typeface="+mn-lt"/>
-                <a:ea typeface="微软雅黑" pitchFamily="34" charset="-122"/>
+                <a:ea typeface="微软雅黑" panose="020B0503020204020204" pitchFamily="34" charset="-122"/>
                 <a:cs typeface="+mn-cs"/>
                 <a:hlinkClick r:id="rId5"/>
               </a:rPr>
@@ -1186,7 +1143,6 @@
               <a:buSzTx/>
               <a:buFontTx/>
               <a:buNone/>
-              <a:tabLst/>
               <a:defRPr/>
             </a:pPr>
             <a:r>
@@ -1197,8 +1153,8 @@
                     <a:lumOff val="40000"/>
                   </a:schemeClr>
                 </a:solidFill>
-                <a:latin typeface="微软雅黑" pitchFamily="34" charset="-122"/>
-                <a:ea typeface="微软雅黑" pitchFamily="34" charset="-122"/>
+                <a:latin typeface="微软雅黑" panose="020B0503020204020204" pitchFamily="34" charset="-122"/>
+                <a:ea typeface="微软雅黑" panose="020B0503020204020204" pitchFamily="34" charset="-122"/>
               </a:rPr>
               <a:t>大家经常看到的网页，并非单单是设计师的功劳，一般设计师出来的的设计稿还要经过单独的切图经由开发同学技术实现，切图作为设计师与开发者之间的桥梁，它的作用很关键，合适的切图、精准的位置可以最大限度的还原效果图的设计，精妙的切图更会有事半功倍的效果哦</a:t>
             </a:r>
@@ -1210,8 +1166,8 @@
                     <a:lumOff val="40000"/>
                   </a:schemeClr>
                 </a:solidFill>
-                <a:latin typeface="微软雅黑" pitchFamily="34" charset="-122"/>
-                <a:ea typeface="微软雅黑" pitchFamily="34" charset="-122"/>
+                <a:latin typeface="微软雅黑" panose="020B0503020204020204" pitchFamily="34" charset="-122"/>
+                <a:ea typeface="微软雅黑" panose="020B0503020204020204" pitchFamily="34" charset="-122"/>
               </a:rPr>
               <a:t>!</a:t>
             </a:r>
@@ -1223,8 +1179,8 @@
                     <a:lumOff val="40000"/>
                   </a:schemeClr>
                 </a:solidFill>
-                <a:latin typeface="微软雅黑" pitchFamily="34" charset="-122"/>
-                <a:ea typeface="微软雅黑" pitchFamily="34" charset="-122"/>
+                <a:latin typeface="微软雅黑" panose="020B0503020204020204" pitchFamily="34" charset="-122"/>
+                <a:ea typeface="微软雅黑" panose="020B0503020204020204" pitchFamily="34" charset="-122"/>
               </a:rPr>
               <a:t>做为设计师也要多少了解这些，在与技术的交流中会有所帮助。</a:t>
             </a:r>
@@ -1235,8 +1191,8 @@
                   <a:lumOff val="40000"/>
                 </a:schemeClr>
               </a:solidFill>
-              <a:latin typeface="微软雅黑" pitchFamily="34" charset="-122"/>
-              <a:ea typeface="微软雅黑" pitchFamily="34" charset="-122"/>
+              <a:latin typeface="微软雅黑" panose="020B0503020204020204" pitchFamily="34" charset="-122"/>
+              <a:ea typeface="微软雅黑" panose="020B0503020204020204" pitchFamily="34" charset="-122"/>
             </a:endParaRPr>
           </a:p>
           <a:p>
@@ -1261,19 +1217,12 @@
           <a:p>
             <a:fld id="{FD140B6F-3FEA-4ABD-AEEC-54E41C3D422B}" type="slidenum">
               <a:rPr lang="zh-CN" altLang="en-US" smtClean="0"/>
-              <a:pPr/>
-              <a:t>22</a:t>
             </a:fld>
             <a:endParaRPr lang="zh-CN" altLang="en-US" dirty="0"/>
           </a:p>
         </p:txBody>
       </p:sp>
     </p:spTree>
-    <p:extLst>
-      <p:ext uri="{BB962C8B-B14F-4D97-AF65-F5344CB8AC3E}">
-        <p14:creationId xmlns:p14="http://schemas.microsoft.com/office/powerpoint/2010/main" xmlns="" val="3235436297"/>
-      </p:ext>
-    </p:extLst>
   </p:cSld>
   <p:clrMapOvr>
     <a:masterClrMapping/>
@@ -1344,7 +1293,7 @@
                   <a:schemeClr val="tx1"/>
                 </a:solidFill>
                 <a:latin typeface="+mn-lt"/>
-                <a:ea typeface="微软雅黑" pitchFamily="34" charset="-122"/>
+                <a:ea typeface="微软雅黑" panose="020B0503020204020204" pitchFamily="34" charset="-122"/>
                 <a:cs typeface="+mn-cs"/>
                 <a:hlinkClick r:id="rId3"/>
               </a:rPr>
@@ -1360,7 +1309,7 @@
                   <a:schemeClr val="tx1"/>
                 </a:solidFill>
                 <a:latin typeface="+mn-lt"/>
-                <a:ea typeface="微软雅黑" pitchFamily="34" charset="-122"/>
+                <a:ea typeface="微软雅黑" panose="020B0503020204020204" pitchFamily="34" charset="-122"/>
                 <a:cs typeface="+mn-cs"/>
                 <a:hlinkClick r:id="rId4"/>
               </a:rPr>
@@ -1383,7 +1332,7 @@
                   <a:schemeClr val="tx1"/>
                 </a:solidFill>
                 <a:latin typeface="+mn-lt"/>
-                <a:ea typeface="微软雅黑" pitchFamily="34" charset="-122"/>
+                <a:ea typeface="微软雅黑" panose="020B0503020204020204" pitchFamily="34" charset="-122"/>
                 <a:cs typeface="+mn-cs"/>
                 <a:hlinkClick r:id="rId5"/>
               </a:rPr>
@@ -1413,7 +1362,6 @@
               <a:buSzTx/>
               <a:buFontTx/>
               <a:buNone/>
-              <a:tabLst/>
               <a:defRPr/>
             </a:pPr>
             <a:r>
@@ -1424,8 +1372,8 @@
                     <a:lumOff val="40000"/>
                   </a:schemeClr>
                 </a:solidFill>
-                <a:latin typeface="微软雅黑" pitchFamily="34" charset="-122"/>
-                <a:ea typeface="微软雅黑" pitchFamily="34" charset="-122"/>
+                <a:latin typeface="微软雅黑" panose="020B0503020204020204" pitchFamily="34" charset="-122"/>
+                <a:ea typeface="微软雅黑" panose="020B0503020204020204" pitchFamily="34" charset="-122"/>
               </a:rPr>
               <a:t>大家经常看到的网页，并非单单是设计师的功劳，一般设计师出来的的设计稿还要经过单独的切图经由开发同学技术实现，切图作为设计师与开发者之间的桥梁，它的作用很关键，合适的切图、精准的位置可以最大限度的还原效果图的设计，精妙的切图更会有事半功倍的效果哦</a:t>
             </a:r>
@@ -1437,8 +1385,8 @@
                     <a:lumOff val="40000"/>
                   </a:schemeClr>
                 </a:solidFill>
-                <a:latin typeface="微软雅黑" pitchFamily="34" charset="-122"/>
-                <a:ea typeface="微软雅黑" pitchFamily="34" charset="-122"/>
+                <a:latin typeface="微软雅黑" panose="020B0503020204020204" pitchFamily="34" charset="-122"/>
+                <a:ea typeface="微软雅黑" panose="020B0503020204020204" pitchFamily="34" charset="-122"/>
               </a:rPr>
               <a:t>!</a:t>
             </a:r>
@@ -1450,8 +1398,8 @@
                     <a:lumOff val="40000"/>
                   </a:schemeClr>
                 </a:solidFill>
-                <a:latin typeface="微软雅黑" pitchFamily="34" charset="-122"/>
-                <a:ea typeface="微软雅黑" pitchFamily="34" charset="-122"/>
+                <a:latin typeface="微软雅黑" panose="020B0503020204020204" pitchFamily="34" charset="-122"/>
+                <a:ea typeface="微软雅黑" panose="020B0503020204020204" pitchFamily="34" charset="-122"/>
               </a:rPr>
               <a:t>做为设计师也要多少了解这些，在与技术的交流中会有所帮助。</a:t>
             </a:r>
@@ -1462,8 +1410,8 @@
                   <a:lumOff val="40000"/>
                 </a:schemeClr>
               </a:solidFill>
-              <a:latin typeface="微软雅黑" pitchFamily="34" charset="-122"/>
-              <a:ea typeface="微软雅黑" pitchFamily="34" charset="-122"/>
+              <a:latin typeface="微软雅黑" panose="020B0503020204020204" pitchFamily="34" charset="-122"/>
+              <a:ea typeface="微软雅黑" panose="020B0503020204020204" pitchFamily="34" charset="-122"/>
             </a:endParaRPr>
           </a:p>
           <a:p>
@@ -1488,19 +1436,12 @@
           <a:p>
             <a:fld id="{FD140B6F-3FEA-4ABD-AEEC-54E41C3D422B}" type="slidenum">
               <a:rPr lang="zh-CN" altLang="en-US" smtClean="0"/>
-              <a:pPr/>
-              <a:t>23</a:t>
             </a:fld>
             <a:endParaRPr lang="zh-CN" altLang="en-US" dirty="0"/>
           </a:p>
         </p:txBody>
       </p:sp>
     </p:spTree>
-    <p:extLst>
-      <p:ext uri="{BB962C8B-B14F-4D97-AF65-F5344CB8AC3E}">
-        <p14:creationId xmlns:p14="http://schemas.microsoft.com/office/powerpoint/2010/main" xmlns="" val="3235436297"/>
-      </p:ext>
-    </p:extLst>
   </p:cSld>
   <p:clrMapOvr>
     <a:masterClrMapping/>
@@ -1571,7 +1512,7 @@
                   <a:schemeClr val="tx1"/>
                 </a:solidFill>
                 <a:latin typeface="+mn-lt"/>
-                <a:ea typeface="微软雅黑" pitchFamily="34" charset="-122"/>
+                <a:ea typeface="微软雅黑" panose="020B0503020204020204" pitchFamily="34" charset="-122"/>
                 <a:cs typeface="+mn-cs"/>
                 <a:hlinkClick r:id="rId3"/>
               </a:rPr>
@@ -1587,7 +1528,7 @@
                   <a:schemeClr val="tx1"/>
                 </a:solidFill>
                 <a:latin typeface="+mn-lt"/>
-                <a:ea typeface="微软雅黑" pitchFamily="34" charset="-122"/>
+                <a:ea typeface="微软雅黑" panose="020B0503020204020204" pitchFamily="34" charset="-122"/>
                 <a:cs typeface="+mn-cs"/>
                 <a:hlinkClick r:id="rId4"/>
               </a:rPr>
@@ -1610,7 +1551,7 @@
                   <a:schemeClr val="tx1"/>
                 </a:solidFill>
                 <a:latin typeface="+mn-lt"/>
-                <a:ea typeface="微软雅黑" pitchFamily="34" charset="-122"/>
+                <a:ea typeface="微软雅黑" panose="020B0503020204020204" pitchFamily="34" charset="-122"/>
                 <a:cs typeface="+mn-cs"/>
                 <a:hlinkClick r:id="rId5"/>
               </a:rPr>
@@ -1640,7 +1581,6 @@
               <a:buSzTx/>
               <a:buFontTx/>
               <a:buNone/>
-              <a:tabLst/>
               <a:defRPr/>
             </a:pPr>
             <a:r>
@@ -1651,8 +1591,8 @@
                     <a:lumOff val="40000"/>
                   </a:schemeClr>
                 </a:solidFill>
-                <a:latin typeface="微软雅黑" pitchFamily="34" charset="-122"/>
-                <a:ea typeface="微软雅黑" pitchFamily="34" charset="-122"/>
+                <a:latin typeface="微软雅黑" panose="020B0503020204020204" pitchFamily="34" charset="-122"/>
+                <a:ea typeface="微软雅黑" panose="020B0503020204020204" pitchFamily="34" charset="-122"/>
               </a:rPr>
               <a:t>大家经常看到的网页，并非单单是设计师的功劳，一般设计师出来的的设计稿还要经过单独的切图经由开发同学技术实现，切图作为设计师与开发者之间的桥梁，它的作用很关键，合适的切图、精准的位置可以最大限度的还原效果图的设计，精妙的切图更会有事半功倍的效果哦</a:t>
             </a:r>
@@ -1664,8 +1604,8 @@
                     <a:lumOff val="40000"/>
                   </a:schemeClr>
                 </a:solidFill>
-                <a:latin typeface="微软雅黑" pitchFamily="34" charset="-122"/>
-                <a:ea typeface="微软雅黑" pitchFamily="34" charset="-122"/>
+                <a:latin typeface="微软雅黑" panose="020B0503020204020204" pitchFamily="34" charset="-122"/>
+                <a:ea typeface="微软雅黑" panose="020B0503020204020204" pitchFamily="34" charset="-122"/>
               </a:rPr>
               <a:t>!</a:t>
             </a:r>
@@ -1677,8 +1617,8 @@
                     <a:lumOff val="40000"/>
                   </a:schemeClr>
                 </a:solidFill>
-                <a:latin typeface="微软雅黑" pitchFamily="34" charset="-122"/>
-                <a:ea typeface="微软雅黑" pitchFamily="34" charset="-122"/>
+                <a:latin typeface="微软雅黑" panose="020B0503020204020204" pitchFamily="34" charset="-122"/>
+                <a:ea typeface="微软雅黑" panose="020B0503020204020204" pitchFamily="34" charset="-122"/>
               </a:rPr>
               <a:t>做为设计师也要多少了解这些，在与技术的交流中会有所帮助。</a:t>
             </a:r>
@@ -1689,8 +1629,8 @@
                   <a:lumOff val="40000"/>
                 </a:schemeClr>
               </a:solidFill>
-              <a:latin typeface="微软雅黑" pitchFamily="34" charset="-122"/>
-              <a:ea typeface="微软雅黑" pitchFamily="34" charset="-122"/>
+              <a:latin typeface="微软雅黑" panose="020B0503020204020204" pitchFamily="34" charset="-122"/>
+              <a:ea typeface="微软雅黑" panose="020B0503020204020204" pitchFamily="34" charset="-122"/>
             </a:endParaRPr>
           </a:p>
           <a:p>
@@ -1715,19 +1655,12 @@
           <a:p>
             <a:fld id="{FD140B6F-3FEA-4ABD-AEEC-54E41C3D422B}" type="slidenum">
               <a:rPr lang="zh-CN" altLang="en-US" smtClean="0"/>
-              <a:pPr/>
-              <a:t>24</a:t>
             </a:fld>
             <a:endParaRPr lang="zh-CN" altLang="en-US" dirty="0"/>
           </a:p>
         </p:txBody>
       </p:sp>
     </p:spTree>
-    <p:extLst>
-      <p:ext uri="{BB962C8B-B14F-4D97-AF65-F5344CB8AC3E}">
-        <p14:creationId xmlns:p14="http://schemas.microsoft.com/office/powerpoint/2010/main" xmlns="" val="3235436297"/>
-      </p:ext>
-    </p:extLst>
   </p:cSld>
   <p:clrMapOvr>
     <a:masterClrMapping/>
@@ -1798,7 +1731,7 @@
                   <a:schemeClr val="tx1"/>
                 </a:solidFill>
                 <a:latin typeface="+mn-lt"/>
-                <a:ea typeface="微软雅黑" pitchFamily="34" charset="-122"/>
+                <a:ea typeface="微软雅黑" panose="020B0503020204020204" pitchFamily="34" charset="-122"/>
                 <a:cs typeface="+mn-cs"/>
                 <a:hlinkClick r:id="rId3"/>
               </a:rPr>
@@ -1814,7 +1747,7 @@
                   <a:schemeClr val="tx1"/>
                 </a:solidFill>
                 <a:latin typeface="+mn-lt"/>
-                <a:ea typeface="微软雅黑" pitchFamily="34" charset="-122"/>
+                <a:ea typeface="微软雅黑" panose="020B0503020204020204" pitchFamily="34" charset="-122"/>
                 <a:cs typeface="+mn-cs"/>
                 <a:hlinkClick r:id="rId4"/>
               </a:rPr>
@@ -1837,7 +1770,7 @@
                   <a:schemeClr val="tx1"/>
                 </a:solidFill>
                 <a:latin typeface="+mn-lt"/>
-                <a:ea typeface="微软雅黑" pitchFamily="34" charset="-122"/>
+                <a:ea typeface="微软雅黑" panose="020B0503020204020204" pitchFamily="34" charset="-122"/>
                 <a:cs typeface="+mn-cs"/>
                 <a:hlinkClick r:id="rId5"/>
               </a:rPr>
@@ -1867,7 +1800,6 @@
               <a:buSzTx/>
               <a:buFontTx/>
               <a:buNone/>
-              <a:tabLst/>
               <a:defRPr/>
             </a:pPr>
             <a:r>
@@ -1878,8 +1810,8 @@
                     <a:lumOff val="40000"/>
                   </a:schemeClr>
                 </a:solidFill>
-                <a:latin typeface="微软雅黑" pitchFamily="34" charset="-122"/>
-                <a:ea typeface="微软雅黑" pitchFamily="34" charset="-122"/>
+                <a:latin typeface="微软雅黑" panose="020B0503020204020204" pitchFamily="34" charset="-122"/>
+                <a:ea typeface="微软雅黑" panose="020B0503020204020204" pitchFamily="34" charset="-122"/>
               </a:rPr>
               <a:t>大家经常看到的网页，并非单单是设计师的功劳，一般设计师出来的的设计稿还要经过单独的切图经由开发同学技术实现，切图作为设计师与开发者之间的桥梁，它的作用很关键，合适的切图、精准的位置可以最大限度的还原效果图的设计，精妙的切图更会有事半功倍的效果哦</a:t>
             </a:r>
@@ -1891,8 +1823,8 @@
                     <a:lumOff val="40000"/>
                   </a:schemeClr>
                 </a:solidFill>
-                <a:latin typeface="微软雅黑" pitchFamily="34" charset="-122"/>
-                <a:ea typeface="微软雅黑" pitchFamily="34" charset="-122"/>
+                <a:latin typeface="微软雅黑" panose="020B0503020204020204" pitchFamily="34" charset="-122"/>
+                <a:ea typeface="微软雅黑" panose="020B0503020204020204" pitchFamily="34" charset="-122"/>
               </a:rPr>
               <a:t>!</a:t>
             </a:r>
@@ -1904,8 +1836,8 @@
                     <a:lumOff val="40000"/>
                   </a:schemeClr>
                 </a:solidFill>
-                <a:latin typeface="微软雅黑" pitchFamily="34" charset="-122"/>
-                <a:ea typeface="微软雅黑" pitchFamily="34" charset="-122"/>
+                <a:latin typeface="微软雅黑" panose="020B0503020204020204" pitchFamily="34" charset="-122"/>
+                <a:ea typeface="微软雅黑" panose="020B0503020204020204" pitchFamily="34" charset="-122"/>
               </a:rPr>
               <a:t>做为设计师也要多少了解这些，在与技术的交流中会有所帮助。</a:t>
             </a:r>
@@ -1916,8 +1848,8 @@
                   <a:lumOff val="40000"/>
                 </a:schemeClr>
               </a:solidFill>
-              <a:latin typeface="微软雅黑" pitchFamily="34" charset="-122"/>
-              <a:ea typeface="微软雅黑" pitchFamily="34" charset="-122"/>
+              <a:latin typeface="微软雅黑" panose="020B0503020204020204" pitchFamily="34" charset="-122"/>
+              <a:ea typeface="微软雅黑" panose="020B0503020204020204" pitchFamily="34" charset="-122"/>
             </a:endParaRPr>
           </a:p>
           <a:p>
@@ -1942,19 +1874,12 @@
           <a:p>
             <a:fld id="{FD140B6F-3FEA-4ABD-AEEC-54E41C3D422B}" type="slidenum">
               <a:rPr lang="zh-CN" altLang="en-US" smtClean="0"/>
-              <a:pPr/>
-              <a:t>25</a:t>
             </a:fld>
             <a:endParaRPr lang="zh-CN" altLang="en-US" dirty="0"/>
           </a:p>
         </p:txBody>
       </p:sp>
     </p:spTree>
-    <p:extLst>
-      <p:ext uri="{BB962C8B-B14F-4D97-AF65-F5344CB8AC3E}">
-        <p14:creationId xmlns:p14="http://schemas.microsoft.com/office/powerpoint/2010/main" xmlns="" val="3235436297"/>
-      </p:ext>
-    </p:extLst>
   </p:cSld>
   <p:clrMapOvr>
     <a:masterClrMapping/>
@@ -2025,7 +1950,7 @@
                   <a:schemeClr val="tx1"/>
                 </a:solidFill>
                 <a:latin typeface="+mn-lt"/>
-                <a:ea typeface="微软雅黑" pitchFamily="34" charset="-122"/>
+                <a:ea typeface="微软雅黑" panose="020B0503020204020204" pitchFamily="34" charset="-122"/>
                 <a:cs typeface="+mn-cs"/>
                 <a:hlinkClick r:id="rId3"/>
               </a:rPr>
@@ -2041,7 +1966,7 @@
                   <a:schemeClr val="tx1"/>
                 </a:solidFill>
                 <a:latin typeface="+mn-lt"/>
-                <a:ea typeface="微软雅黑" pitchFamily="34" charset="-122"/>
+                <a:ea typeface="微软雅黑" panose="020B0503020204020204" pitchFamily="34" charset="-122"/>
                 <a:cs typeface="+mn-cs"/>
                 <a:hlinkClick r:id="rId4"/>
               </a:rPr>
@@ -2064,7 +1989,7 @@
                   <a:schemeClr val="tx1"/>
                 </a:solidFill>
                 <a:latin typeface="+mn-lt"/>
-                <a:ea typeface="微软雅黑" pitchFamily="34" charset="-122"/>
+                <a:ea typeface="微软雅黑" panose="020B0503020204020204" pitchFamily="34" charset="-122"/>
                 <a:cs typeface="+mn-cs"/>
                 <a:hlinkClick r:id="rId5"/>
               </a:rPr>
@@ -2094,7 +2019,6 @@
               <a:buSzTx/>
               <a:buFontTx/>
               <a:buNone/>
-              <a:tabLst/>
               <a:defRPr/>
             </a:pPr>
             <a:r>
@@ -2105,8 +2029,8 @@
                     <a:lumOff val="40000"/>
                   </a:schemeClr>
                 </a:solidFill>
-                <a:latin typeface="微软雅黑" pitchFamily="34" charset="-122"/>
-                <a:ea typeface="微软雅黑" pitchFamily="34" charset="-122"/>
+                <a:latin typeface="微软雅黑" panose="020B0503020204020204" pitchFamily="34" charset="-122"/>
+                <a:ea typeface="微软雅黑" panose="020B0503020204020204" pitchFamily="34" charset="-122"/>
               </a:rPr>
               <a:t>大家经常看到的网页，并非单单是设计师的功劳，一般设计师出来的的设计稿还要经过单独的切图经由开发同学技术实现，切图作为设计师与开发者之间的桥梁，它的作用很关键，合适的切图、精准的位置可以最大限度的还原效果图的设计，精妙的切图更会有事半功倍的效果哦</a:t>
             </a:r>
@@ -2118,8 +2042,8 @@
                     <a:lumOff val="40000"/>
                   </a:schemeClr>
                 </a:solidFill>
-                <a:latin typeface="微软雅黑" pitchFamily="34" charset="-122"/>
-                <a:ea typeface="微软雅黑" pitchFamily="34" charset="-122"/>
+                <a:latin typeface="微软雅黑" panose="020B0503020204020204" pitchFamily="34" charset="-122"/>
+                <a:ea typeface="微软雅黑" panose="020B0503020204020204" pitchFamily="34" charset="-122"/>
               </a:rPr>
               <a:t>!</a:t>
             </a:r>
@@ -2131,8 +2055,8 @@
                     <a:lumOff val="40000"/>
                   </a:schemeClr>
                 </a:solidFill>
-                <a:latin typeface="微软雅黑" pitchFamily="34" charset="-122"/>
-                <a:ea typeface="微软雅黑" pitchFamily="34" charset="-122"/>
+                <a:latin typeface="微软雅黑" panose="020B0503020204020204" pitchFamily="34" charset="-122"/>
+                <a:ea typeface="微软雅黑" panose="020B0503020204020204" pitchFamily="34" charset="-122"/>
               </a:rPr>
               <a:t>做为设计师也要多少了解这些，在与技术的交流中会有所帮助。</a:t>
             </a:r>
@@ -2143,8 +2067,8 @@
                   <a:lumOff val="40000"/>
                 </a:schemeClr>
               </a:solidFill>
-              <a:latin typeface="微软雅黑" pitchFamily="34" charset="-122"/>
-              <a:ea typeface="微软雅黑" pitchFamily="34" charset="-122"/>
+              <a:latin typeface="微软雅黑" panose="020B0503020204020204" pitchFamily="34" charset="-122"/>
+              <a:ea typeface="微软雅黑" panose="020B0503020204020204" pitchFamily="34" charset="-122"/>
             </a:endParaRPr>
           </a:p>
           <a:p>
@@ -2169,19 +2093,12 @@
           <a:p>
             <a:fld id="{FD140B6F-3FEA-4ABD-AEEC-54E41C3D422B}" type="slidenum">
               <a:rPr lang="zh-CN" altLang="en-US" smtClean="0"/>
-              <a:pPr/>
-              <a:t>26</a:t>
             </a:fld>
             <a:endParaRPr lang="zh-CN" altLang="en-US" dirty="0"/>
           </a:p>
         </p:txBody>
       </p:sp>
     </p:spTree>
-    <p:extLst>
-      <p:ext uri="{BB962C8B-B14F-4D97-AF65-F5344CB8AC3E}">
-        <p14:creationId xmlns:p14="http://schemas.microsoft.com/office/powerpoint/2010/main" xmlns="" val="3235436297"/>
-      </p:ext>
-    </p:extLst>
   </p:cSld>
   <p:clrMapOvr>
     <a:masterClrMapping/>
@@ -2252,7 +2169,7 @@
                   <a:schemeClr val="tx1"/>
                 </a:solidFill>
                 <a:latin typeface="+mn-lt"/>
-                <a:ea typeface="微软雅黑" pitchFamily="34" charset="-122"/>
+                <a:ea typeface="微软雅黑" panose="020B0503020204020204" pitchFamily="34" charset="-122"/>
                 <a:cs typeface="+mn-cs"/>
                 <a:hlinkClick r:id="rId3"/>
               </a:rPr>
@@ -2268,7 +2185,7 @@
                   <a:schemeClr val="tx1"/>
                 </a:solidFill>
                 <a:latin typeface="+mn-lt"/>
-                <a:ea typeface="微软雅黑" pitchFamily="34" charset="-122"/>
+                <a:ea typeface="微软雅黑" panose="020B0503020204020204" pitchFamily="34" charset="-122"/>
                 <a:cs typeface="+mn-cs"/>
                 <a:hlinkClick r:id="rId4"/>
               </a:rPr>
@@ -2291,7 +2208,7 @@
                   <a:schemeClr val="tx1"/>
                 </a:solidFill>
                 <a:latin typeface="+mn-lt"/>
-                <a:ea typeface="微软雅黑" pitchFamily="34" charset="-122"/>
+                <a:ea typeface="微软雅黑" panose="020B0503020204020204" pitchFamily="34" charset="-122"/>
                 <a:cs typeface="+mn-cs"/>
                 <a:hlinkClick r:id="rId5"/>
               </a:rPr>
@@ -2321,7 +2238,6 @@
               <a:buSzTx/>
               <a:buFontTx/>
               <a:buNone/>
-              <a:tabLst/>
               <a:defRPr/>
             </a:pPr>
             <a:r>
@@ -2332,8 +2248,8 @@
                     <a:lumOff val="40000"/>
                   </a:schemeClr>
                 </a:solidFill>
-                <a:latin typeface="微软雅黑" pitchFamily="34" charset="-122"/>
-                <a:ea typeface="微软雅黑" pitchFamily="34" charset="-122"/>
+                <a:latin typeface="微软雅黑" panose="020B0503020204020204" pitchFamily="34" charset="-122"/>
+                <a:ea typeface="微软雅黑" panose="020B0503020204020204" pitchFamily="34" charset="-122"/>
               </a:rPr>
               <a:t>大家经常看到的网页，并非单单是设计师的功劳，一般设计师出来的的设计稿还要经过单独的切图经由开发同学技术实现，切图作为设计师与开发者之间的桥梁，它的作用很关键，合适的切图、精准的位置可以最大限度的还原效果图的设计，精妙的切图更会有事半功倍的效果哦</a:t>
             </a:r>
@@ -2345,8 +2261,8 @@
                     <a:lumOff val="40000"/>
                   </a:schemeClr>
                 </a:solidFill>
-                <a:latin typeface="微软雅黑" pitchFamily="34" charset="-122"/>
-                <a:ea typeface="微软雅黑" pitchFamily="34" charset="-122"/>
+                <a:latin typeface="微软雅黑" panose="020B0503020204020204" pitchFamily="34" charset="-122"/>
+                <a:ea typeface="微软雅黑" panose="020B0503020204020204" pitchFamily="34" charset="-122"/>
               </a:rPr>
               <a:t>!</a:t>
             </a:r>
@@ -2358,8 +2274,8 @@
                     <a:lumOff val="40000"/>
                   </a:schemeClr>
                 </a:solidFill>
-                <a:latin typeface="微软雅黑" pitchFamily="34" charset="-122"/>
-                <a:ea typeface="微软雅黑" pitchFamily="34" charset="-122"/>
+                <a:latin typeface="微软雅黑" panose="020B0503020204020204" pitchFamily="34" charset="-122"/>
+                <a:ea typeface="微软雅黑" panose="020B0503020204020204" pitchFamily="34" charset="-122"/>
               </a:rPr>
               <a:t>做为设计师也要多少了解这些，在与技术的交流中会有所帮助。</a:t>
             </a:r>
@@ -2370,8 +2286,8 @@
                   <a:lumOff val="40000"/>
                 </a:schemeClr>
               </a:solidFill>
-              <a:latin typeface="微软雅黑" pitchFamily="34" charset="-122"/>
-              <a:ea typeface="微软雅黑" pitchFamily="34" charset="-122"/>
+              <a:latin typeface="微软雅黑" panose="020B0503020204020204" pitchFamily="34" charset="-122"/>
+              <a:ea typeface="微软雅黑" panose="020B0503020204020204" pitchFamily="34" charset="-122"/>
             </a:endParaRPr>
           </a:p>
           <a:p>
@@ -2396,19 +2312,12 @@
           <a:p>
             <a:fld id="{FD140B6F-3FEA-4ABD-AEEC-54E41C3D422B}" type="slidenum">
               <a:rPr lang="zh-CN" altLang="en-US" smtClean="0"/>
-              <a:pPr/>
-              <a:t>27</a:t>
             </a:fld>
             <a:endParaRPr lang="zh-CN" altLang="en-US" dirty="0"/>
           </a:p>
         </p:txBody>
       </p:sp>
     </p:spTree>
-    <p:extLst>
-      <p:ext uri="{BB962C8B-B14F-4D97-AF65-F5344CB8AC3E}">
-        <p14:creationId xmlns:p14="http://schemas.microsoft.com/office/powerpoint/2010/main" xmlns="" val="3235436297"/>
-      </p:ext>
-    </p:extLst>
   </p:cSld>
   <p:clrMapOvr>
     <a:masterClrMapping/>
@@ -2479,7 +2388,7 @@
                   <a:schemeClr val="tx1"/>
                 </a:solidFill>
                 <a:latin typeface="+mn-lt"/>
-                <a:ea typeface="微软雅黑" pitchFamily="34" charset="-122"/>
+                <a:ea typeface="微软雅黑" panose="020B0503020204020204" pitchFamily="34" charset="-122"/>
                 <a:cs typeface="+mn-cs"/>
                 <a:hlinkClick r:id="rId3"/>
               </a:rPr>
@@ -2495,7 +2404,7 @@
                   <a:schemeClr val="tx1"/>
                 </a:solidFill>
                 <a:latin typeface="+mn-lt"/>
-                <a:ea typeface="微软雅黑" pitchFamily="34" charset="-122"/>
+                <a:ea typeface="微软雅黑" panose="020B0503020204020204" pitchFamily="34" charset="-122"/>
                 <a:cs typeface="+mn-cs"/>
                 <a:hlinkClick r:id="rId4"/>
               </a:rPr>
@@ -2518,7 +2427,7 @@
                   <a:schemeClr val="tx1"/>
                 </a:solidFill>
                 <a:latin typeface="+mn-lt"/>
-                <a:ea typeface="微软雅黑" pitchFamily="34" charset="-122"/>
+                <a:ea typeface="微软雅黑" panose="020B0503020204020204" pitchFamily="34" charset="-122"/>
                 <a:cs typeface="+mn-cs"/>
                 <a:hlinkClick r:id="rId5"/>
               </a:rPr>
@@ -2548,7 +2457,6 @@
               <a:buSzTx/>
               <a:buFontTx/>
               <a:buNone/>
-              <a:tabLst/>
               <a:defRPr/>
             </a:pPr>
             <a:r>
@@ -2559,8 +2467,8 @@
                     <a:lumOff val="40000"/>
                   </a:schemeClr>
                 </a:solidFill>
-                <a:latin typeface="微软雅黑" pitchFamily="34" charset="-122"/>
-                <a:ea typeface="微软雅黑" pitchFamily="34" charset="-122"/>
+                <a:latin typeface="微软雅黑" panose="020B0503020204020204" pitchFamily="34" charset="-122"/>
+                <a:ea typeface="微软雅黑" panose="020B0503020204020204" pitchFamily="34" charset="-122"/>
               </a:rPr>
               <a:t>大家经常看到的网页，并非单单是设计师的功劳，一般设计师出来的的设计稿还要经过单独的切图经由开发同学技术实现，切图作为设计师与开发者之间的桥梁，它的作用很关键，合适的切图、精准的位置可以最大限度的还原效果图的设计，精妙的切图更会有事半功倍的效果哦</a:t>
             </a:r>
@@ -2572,8 +2480,8 @@
                     <a:lumOff val="40000"/>
                   </a:schemeClr>
                 </a:solidFill>
-                <a:latin typeface="微软雅黑" pitchFamily="34" charset="-122"/>
-                <a:ea typeface="微软雅黑" pitchFamily="34" charset="-122"/>
+                <a:latin typeface="微软雅黑" panose="020B0503020204020204" pitchFamily="34" charset="-122"/>
+                <a:ea typeface="微软雅黑" panose="020B0503020204020204" pitchFamily="34" charset="-122"/>
               </a:rPr>
               <a:t>!</a:t>
             </a:r>
@@ -2585,8 +2493,8 @@
                     <a:lumOff val="40000"/>
                   </a:schemeClr>
                 </a:solidFill>
-                <a:latin typeface="微软雅黑" pitchFamily="34" charset="-122"/>
-                <a:ea typeface="微软雅黑" pitchFamily="34" charset="-122"/>
+                <a:latin typeface="微软雅黑" panose="020B0503020204020204" pitchFamily="34" charset="-122"/>
+                <a:ea typeface="微软雅黑" panose="020B0503020204020204" pitchFamily="34" charset="-122"/>
               </a:rPr>
               <a:t>做为设计师也要多少了解这些，在与技术的交流中会有所帮助。</a:t>
             </a:r>
@@ -2597,8 +2505,8 @@
                   <a:lumOff val="40000"/>
                 </a:schemeClr>
               </a:solidFill>
-              <a:latin typeface="微软雅黑" pitchFamily="34" charset="-122"/>
-              <a:ea typeface="微软雅黑" pitchFamily="34" charset="-122"/>
+              <a:latin typeface="微软雅黑" panose="020B0503020204020204" pitchFamily="34" charset="-122"/>
+              <a:ea typeface="微软雅黑" panose="020B0503020204020204" pitchFamily="34" charset="-122"/>
             </a:endParaRPr>
           </a:p>
           <a:p>
@@ -2623,19 +2531,12 @@
           <a:p>
             <a:fld id="{FD140B6F-3FEA-4ABD-AEEC-54E41C3D422B}" type="slidenum">
               <a:rPr lang="zh-CN" altLang="en-US" smtClean="0"/>
-              <a:pPr/>
-              <a:t>28</a:t>
             </a:fld>
             <a:endParaRPr lang="zh-CN" altLang="en-US" dirty="0"/>
           </a:p>
         </p:txBody>
       </p:sp>
     </p:spTree>
-    <p:extLst>
-      <p:ext uri="{BB962C8B-B14F-4D97-AF65-F5344CB8AC3E}">
-        <p14:creationId xmlns:p14="http://schemas.microsoft.com/office/powerpoint/2010/main" xmlns="" val="3235436297"/>
-      </p:ext>
-    </p:extLst>
   </p:cSld>
   <p:clrMapOvr>
     <a:masterClrMapping/>
@@ -2706,7 +2607,7 @@
                   <a:schemeClr val="tx1"/>
                 </a:solidFill>
                 <a:latin typeface="+mn-lt"/>
-                <a:ea typeface="微软雅黑" pitchFamily="34" charset="-122"/>
+                <a:ea typeface="微软雅黑" panose="020B0503020204020204" pitchFamily="34" charset="-122"/>
                 <a:cs typeface="+mn-cs"/>
                 <a:hlinkClick r:id="rId3"/>
               </a:rPr>
@@ -2722,7 +2623,7 @@
                   <a:schemeClr val="tx1"/>
                 </a:solidFill>
                 <a:latin typeface="+mn-lt"/>
-                <a:ea typeface="微软雅黑" pitchFamily="34" charset="-122"/>
+                <a:ea typeface="微软雅黑" panose="020B0503020204020204" pitchFamily="34" charset="-122"/>
                 <a:cs typeface="+mn-cs"/>
                 <a:hlinkClick r:id="rId4"/>
               </a:rPr>
@@ -2745,7 +2646,7 @@
                   <a:schemeClr val="tx1"/>
                 </a:solidFill>
                 <a:latin typeface="+mn-lt"/>
-                <a:ea typeface="微软雅黑" pitchFamily="34" charset="-122"/>
+                <a:ea typeface="微软雅黑" panose="020B0503020204020204" pitchFamily="34" charset="-122"/>
                 <a:cs typeface="+mn-cs"/>
                 <a:hlinkClick r:id="rId5"/>
               </a:rPr>
@@ -2775,7 +2676,6 @@
               <a:buSzTx/>
               <a:buFontTx/>
               <a:buNone/>
-              <a:tabLst/>
               <a:defRPr/>
             </a:pPr>
             <a:r>
@@ -2786,8 +2686,8 @@
                     <a:lumOff val="40000"/>
                   </a:schemeClr>
                 </a:solidFill>
-                <a:latin typeface="微软雅黑" pitchFamily="34" charset="-122"/>
-                <a:ea typeface="微软雅黑" pitchFamily="34" charset="-122"/>
+                <a:latin typeface="微软雅黑" panose="020B0503020204020204" pitchFamily="34" charset="-122"/>
+                <a:ea typeface="微软雅黑" panose="020B0503020204020204" pitchFamily="34" charset="-122"/>
               </a:rPr>
               <a:t>大家经常看到的网页，并非单单是设计师的功劳，一般设计师出来的的设计稿还要经过单独的切图经由开发同学技术实现，切图作为设计师与开发者之间的桥梁，它的作用很关键，合适的切图、精准的位置可以最大限度的还原效果图的设计，精妙的切图更会有事半功倍的效果哦</a:t>
             </a:r>
@@ -2799,8 +2699,8 @@
                     <a:lumOff val="40000"/>
                   </a:schemeClr>
                 </a:solidFill>
-                <a:latin typeface="微软雅黑" pitchFamily="34" charset="-122"/>
-                <a:ea typeface="微软雅黑" pitchFamily="34" charset="-122"/>
+                <a:latin typeface="微软雅黑" panose="020B0503020204020204" pitchFamily="34" charset="-122"/>
+                <a:ea typeface="微软雅黑" panose="020B0503020204020204" pitchFamily="34" charset="-122"/>
               </a:rPr>
               <a:t>!</a:t>
             </a:r>
@@ -2812,8 +2712,8 @@
                     <a:lumOff val="40000"/>
                   </a:schemeClr>
                 </a:solidFill>
-                <a:latin typeface="微软雅黑" pitchFamily="34" charset="-122"/>
-                <a:ea typeface="微软雅黑" pitchFamily="34" charset="-122"/>
+                <a:latin typeface="微软雅黑" panose="020B0503020204020204" pitchFamily="34" charset="-122"/>
+                <a:ea typeface="微软雅黑" panose="020B0503020204020204" pitchFamily="34" charset="-122"/>
               </a:rPr>
               <a:t>做为设计师也要多少了解这些，在与技术的交流中会有所帮助。</a:t>
             </a:r>
@@ -2824,8 +2724,8 @@
                   <a:lumOff val="40000"/>
                 </a:schemeClr>
               </a:solidFill>
-              <a:latin typeface="微软雅黑" pitchFamily="34" charset="-122"/>
-              <a:ea typeface="微软雅黑" pitchFamily="34" charset="-122"/>
+              <a:latin typeface="微软雅黑" panose="020B0503020204020204" pitchFamily="34" charset="-122"/>
+              <a:ea typeface="微软雅黑" panose="020B0503020204020204" pitchFamily="34" charset="-122"/>
             </a:endParaRPr>
           </a:p>
           <a:p>
@@ -2850,19 +2750,12 @@
           <a:p>
             <a:fld id="{FD140B6F-3FEA-4ABD-AEEC-54E41C3D422B}" type="slidenum">
               <a:rPr lang="zh-CN" altLang="en-US" smtClean="0"/>
-              <a:pPr/>
-              <a:t>5</a:t>
             </a:fld>
             <a:endParaRPr lang="zh-CN" altLang="en-US" dirty="0"/>
           </a:p>
         </p:txBody>
       </p:sp>
     </p:spTree>
-    <p:extLst>
-      <p:ext uri="{BB962C8B-B14F-4D97-AF65-F5344CB8AC3E}">
-        <p14:creationId xmlns:p14="http://schemas.microsoft.com/office/powerpoint/2010/main" xmlns="" val="3235436297"/>
-      </p:ext>
-    </p:extLst>
   </p:cSld>
   <p:clrMapOvr>
     <a:masterClrMapping/>
@@ -2933,7 +2826,7 @@
                   <a:schemeClr val="tx1"/>
                 </a:solidFill>
                 <a:latin typeface="+mn-lt"/>
-                <a:ea typeface="微软雅黑" pitchFamily="34" charset="-122"/>
+                <a:ea typeface="微软雅黑" panose="020B0503020204020204" pitchFamily="34" charset="-122"/>
                 <a:cs typeface="+mn-cs"/>
                 <a:hlinkClick r:id="rId3"/>
               </a:rPr>
@@ -2949,7 +2842,7 @@
                   <a:schemeClr val="tx1"/>
                 </a:solidFill>
                 <a:latin typeface="+mn-lt"/>
-                <a:ea typeface="微软雅黑" pitchFamily="34" charset="-122"/>
+                <a:ea typeface="微软雅黑" panose="020B0503020204020204" pitchFamily="34" charset="-122"/>
                 <a:cs typeface="+mn-cs"/>
                 <a:hlinkClick r:id="rId4"/>
               </a:rPr>
@@ -2972,7 +2865,7 @@
                   <a:schemeClr val="tx1"/>
                 </a:solidFill>
                 <a:latin typeface="+mn-lt"/>
-                <a:ea typeface="微软雅黑" pitchFamily="34" charset="-122"/>
+                <a:ea typeface="微软雅黑" panose="020B0503020204020204" pitchFamily="34" charset="-122"/>
                 <a:cs typeface="+mn-cs"/>
                 <a:hlinkClick r:id="rId5"/>
               </a:rPr>
@@ -3002,7 +2895,6 @@
               <a:buSzTx/>
               <a:buFontTx/>
               <a:buNone/>
-              <a:tabLst/>
               <a:defRPr/>
             </a:pPr>
             <a:r>
@@ -3013,8 +2905,8 @@
                     <a:lumOff val="40000"/>
                   </a:schemeClr>
                 </a:solidFill>
-                <a:latin typeface="微软雅黑" pitchFamily="34" charset="-122"/>
-                <a:ea typeface="微软雅黑" pitchFamily="34" charset="-122"/>
+                <a:latin typeface="微软雅黑" panose="020B0503020204020204" pitchFamily="34" charset="-122"/>
+                <a:ea typeface="微软雅黑" panose="020B0503020204020204" pitchFamily="34" charset="-122"/>
               </a:rPr>
               <a:t>大家经常看到的网页，并非单单是设计师的功劳，一般设计师出来的的设计稿还要经过单独的切图经由开发同学技术实现，切图作为设计师与开发者之间的桥梁，它的作用很关键，合适的切图、精准的位置可以最大限度的还原效果图的设计，精妙的切图更会有事半功倍的效果哦</a:t>
             </a:r>
@@ -3026,8 +2918,8 @@
                     <a:lumOff val="40000"/>
                   </a:schemeClr>
                 </a:solidFill>
-                <a:latin typeface="微软雅黑" pitchFamily="34" charset="-122"/>
-                <a:ea typeface="微软雅黑" pitchFamily="34" charset="-122"/>
+                <a:latin typeface="微软雅黑" panose="020B0503020204020204" pitchFamily="34" charset="-122"/>
+                <a:ea typeface="微软雅黑" panose="020B0503020204020204" pitchFamily="34" charset="-122"/>
               </a:rPr>
               <a:t>!</a:t>
             </a:r>
@@ -3039,8 +2931,8 @@
                     <a:lumOff val="40000"/>
                   </a:schemeClr>
                 </a:solidFill>
-                <a:latin typeface="微软雅黑" pitchFamily="34" charset="-122"/>
-                <a:ea typeface="微软雅黑" pitchFamily="34" charset="-122"/>
+                <a:latin typeface="微软雅黑" panose="020B0503020204020204" pitchFamily="34" charset="-122"/>
+                <a:ea typeface="微软雅黑" panose="020B0503020204020204" pitchFamily="34" charset="-122"/>
               </a:rPr>
               <a:t>做为设计师也要多少了解这些，在与技术的交流中会有所帮助。</a:t>
             </a:r>
@@ -3051,8 +2943,8 @@
                   <a:lumOff val="40000"/>
                 </a:schemeClr>
               </a:solidFill>
-              <a:latin typeface="微软雅黑" pitchFamily="34" charset="-122"/>
-              <a:ea typeface="微软雅黑" pitchFamily="34" charset="-122"/>
+              <a:latin typeface="微软雅黑" panose="020B0503020204020204" pitchFamily="34" charset="-122"/>
+              <a:ea typeface="微软雅黑" panose="020B0503020204020204" pitchFamily="34" charset="-122"/>
             </a:endParaRPr>
           </a:p>
           <a:p>
@@ -3077,19 +2969,12 @@
           <a:p>
             <a:fld id="{FD140B6F-3FEA-4ABD-AEEC-54E41C3D422B}" type="slidenum">
               <a:rPr lang="zh-CN" altLang="en-US" smtClean="0"/>
-              <a:pPr/>
-              <a:t>6</a:t>
             </a:fld>
             <a:endParaRPr lang="zh-CN" altLang="en-US" dirty="0"/>
           </a:p>
         </p:txBody>
       </p:sp>
     </p:spTree>
-    <p:extLst>
-      <p:ext uri="{BB962C8B-B14F-4D97-AF65-F5344CB8AC3E}">
-        <p14:creationId xmlns:p14="http://schemas.microsoft.com/office/powerpoint/2010/main" xmlns="" val="3235436297"/>
-      </p:ext>
-    </p:extLst>
   </p:cSld>
   <p:clrMapOvr>
     <a:masterClrMapping/>
@@ -3160,7 +3045,7 @@
                   <a:schemeClr val="tx1"/>
                 </a:solidFill>
                 <a:latin typeface="+mn-lt"/>
-                <a:ea typeface="微软雅黑" pitchFamily="34" charset="-122"/>
+                <a:ea typeface="微软雅黑" panose="020B0503020204020204" pitchFamily="34" charset="-122"/>
                 <a:cs typeface="+mn-cs"/>
                 <a:hlinkClick r:id="rId3"/>
               </a:rPr>
@@ -3176,7 +3061,7 @@
                   <a:schemeClr val="tx1"/>
                 </a:solidFill>
                 <a:latin typeface="+mn-lt"/>
-                <a:ea typeface="微软雅黑" pitchFamily="34" charset="-122"/>
+                <a:ea typeface="微软雅黑" panose="020B0503020204020204" pitchFamily="34" charset="-122"/>
                 <a:cs typeface="+mn-cs"/>
                 <a:hlinkClick r:id="rId4"/>
               </a:rPr>
@@ -3199,7 +3084,7 @@
                   <a:schemeClr val="tx1"/>
                 </a:solidFill>
                 <a:latin typeface="+mn-lt"/>
-                <a:ea typeface="微软雅黑" pitchFamily="34" charset="-122"/>
+                <a:ea typeface="微软雅黑" panose="020B0503020204020204" pitchFamily="34" charset="-122"/>
                 <a:cs typeface="+mn-cs"/>
                 <a:hlinkClick r:id="rId5"/>
               </a:rPr>
@@ -3229,7 +3114,6 @@
               <a:buSzTx/>
               <a:buFontTx/>
               <a:buNone/>
-              <a:tabLst/>
               <a:defRPr/>
             </a:pPr>
             <a:r>
@@ -3240,8 +3124,8 @@
                     <a:lumOff val="40000"/>
                   </a:schemeClr>
                 </a:solidFill>
-                <a:latin typeface="微软雅黑" pitchFamily="34" charset="-122"/>
-                <a:ea typeface="微软雅黑" pitchFamily="34" charset="-122"/>
+                <a:latin typeface="微软雅黑" panose="020B0503020204020204" pitchFamily="34" charset="-122"/>
+                <a:ea typeface="微软雅黑" panose="020B0503020204020204" pitchFamily="34" charset="-122"/>
               </a:rPr>
               <a:t>大家经常看到的网页，并非单单是设计师的功劳，一般设计师出来的的设计稿还要经过单独的切图经由开发同学技术实现，切图作为设计师与开发者之间的桥梁，它的作用很关键，合适的切图、精准的位置可以最大限度的还原效果图的设计，精妙的切图更会有事半功倍的效果哦</a:t>
             </a:r>
@@ -3253,8 +3137,8 @@
                     <a:lumOff val="40000"/>
                   </a:schemeClr>
                 </a:solidFill>
-                <a:latin typeface="微软雅黑" pitchFamily="34" charset="-122"/>
-                <a:ea typeface="微软雅黑" pitchFamily="34" charset="-122"/>
+                <a:latin typeface="微软雅黑" panose="020B0503020204020204" pitchFamily="34" charset="-122"/>
+                <a:ea typeface="微软雅黑" panose="020B0503020204020204" pitchFamily="34" charset="-122"/>
               </a:rPr>
               <a:t>!</a:t>
             </a:r>
@@ -3266,8 +3150,8 @@
                     <a:lumOff val="40000"/>
                   </a:schemeClr>
                 </a:solidFill>
-                <a:latin typeface="微软雅黑" pitchFamily="34" charset="-122"/>
-                <a:ea typeface="微软雅黑" pitchFamily="34" charset="-122"/>
+                <a:latin typeface="微软雅黑" panose="020B0503020204020204" pitchFamily="34" charset="-122"/>
+                <a:ea typeface="微软雅黑" panose="020B0503020204020204" pitchFamily="34" charset="-122"/>
               </a:rPr>
               <a:t>做为设计师也要多少了解这些，在与技术的交流中会有所帮助。</a:t>
             </a:r>
@@ -3278,8 +3162,8 @@
                   <a:lumOff val="40000"/>
                 </a:schemeClr>
               </a:solidFill>
-              <a:latin typeface="微软雅黑" pitchFamily="34" charset="-122"/>
-              <a:ea typeface="微软雅黑" pitchFamily="34" charset="-122"/>
+              <a:latin typeface="微软雅黑" panose="020B0503020204020204" pitchFamily="34" charset="-122"/>
+              <a:ea typeface="微软雅黑" panose="020B0503020204020204" pitchFamily="34" charset="-122"/>
             </a:endParaRPr>
           </a:p>
           <a:p>
@@ -3304,19 +3188,12 @@
           <a:p>
             <a:fld id="{FD140B6F-3FEA-4ABD-AEEC-54E41C3D422B}" type="slidenum">
               <a:rPr lang="zh-CN" altLang="en-US" smtClean="0"/>
-              <a:pPr/>
-              <a:t>8</a:t>
             </a:fld>
             <a:endParaRPr lang="zh-CN" altLang="en-US" dirty="0"/>
           </a:p>
         </p:txBody>
       </p:sp>
     </p:spTree>
-    <p:extLst>
-      <p:ext uri="{BB962C8B-B14F-4D97-AF65-F5344CB8AC3E}">
-        <p14:creationId xmlns:p14="http://schemas.microsoft.com/office/powerpoint/2010/main" xmlns="" val="3235436297"/>
-      </p:ext>
-    </p:extLst>
   </p:cSld>
   <p:clrMapOvr>
     <a:masterClrMapping/>
@@ -3387,7 +3264,7 @@
                   <a:schemeClr val="tx1"/>
                 </a:solidFill>
                 <a:latin typeface="+mn-lt"/>
-                <a:ea typeface="微软雅黑" pitchFamily="34" charset="-122"/>
+                <a:ea typeface="微软雅黑" panose="020B0503020204020204" pitchFamily="34" charset="-122"/>
                 <a:cs typeface="+mn-cs"/>
                 <a:hlinkClick r:id="rId3"/>
               </a:rPr>
@@ -3403,7 +3280,7 @@
                   <a:schemeClr val="tx1"/>
                 </a:solidFill>
                 <a:latin typeface="+mn-lt"/>
-                <a:ea typeface="微软雅黑" pitchFamily="34" charset="-122"/>
+                <a:ea typeface="微软雅黑" panose="020B0503020204020204" pitchFamily="34" charset="-122"/>
                 <a:cs typeface="+mn-cs"/>
                 <a:hlinkClick r:id="rId4"/>
               </a:rPr>
@@ -3426,7 +3303,7 @@
                   <a:schemeClr val="tx1"/>
                 </a:solidFill>
                 <a:latin typeface="+mn-lt"/>
-                <a:ea typeface="微软雅黑" pitchFamily="34" charset="-122"/>
+                <a:ea typeface="微软雅黑" panose="020B0503020204020204" pitchFamily="34" charset="-122"/>
                 <a:cs typeface="+mn-cs"/>
                 <a:hlinkClick r:id="rId5"/>
               </a:rPr>
@@ -3456,7 +3333,6 @@
               <a:buSzTx/>
               <a:buFontTx/>
               <a:buNone/>
-              <a:tabLst/>
               <a:defRPr/>
             </a:pPr>
             <a:r>
@@ -3467,8 +3343,8 @@
                     <a:lumOff val="40000"/>
                   </a:schemeClr>
                 </a:solidFill>
-                <a:latin typeface="微软雅黑" pitchFamily="34" charset="-122"/>
-                <a:ea typeface="微软雅黑" pitchFamily="34" charset="-122"/>
+                <a:latin typeface="微软雅黑" panose="020B0503020204020204" pitchFamily="34" charset="-122"/>
+                <a:ea typeface="微软雅黑" panose="020B0503020204020204" pitchFamily="34" charset="-122"/>
               </a:rPr>
               <a:t>大家经常看到的网页，并非单单是设计师的功劳，一般设计师出来的的设计稿还要经过单独的切图经由开发同学技术实现，切图作为设计师与开发者之间的桥梁，它的作用很关键，合适的切图、精准的位置可以最大限度的还原效果图的设计，精妙的切图更会有事半功倍的效果哦</a:t>
             </a:r>
@@ -3480,8 +3356,8 @@
                     <a:lumOff val="40000"/>
                   </a:schemeClr>
                 </a:solidFill>
-                <a:latin typeface="微软雅黑" pitchFamily="34" charset="-122"/>
-                <a:ea typeface="微软雅黑" pitchFamily="34" charset="-122"/>
+                <a:latin typeface="微软雅黑" panose="020B0503020204020204" pitchFamily="34" charset="-122"/>
+                <a:ea typeface="微软雅黑" panose="020B0503020204020204" pitchFamily="34" charset="-122"/>
               </a:rPr>
               <a:t>!</a:t>
             </a:r>
@@ -3493,8 +3369,8 @@
                     <a:lumOff val="40000"/>
                   </a:schemeClr>
                 </a:solidFill>
-                <a:latin typeface="微软雅黑" pitchFamily="34" charset="-122"/>
-                <a:ea typeface="微软雅黑" pitchFamily="34" charset="-122"/>
+                <a:latin typeface="微软雅黑" panose="020B0503020204020204" pitchFamily="34" charset="-122"/>
+                <a:ea typeface="微软雅黑" panose="020B0503020204020204" pitchFamily="34" charset="-122"/>
               </a:rPr>
               <a:t>做为设计师也要多少了解这些，在与技术的交流中会有所帮助。</a:t>
             </a:r>
@@ -3505,8 +3381,8 @@
                   <a:lumOff val="40000"/>
                 </a:schemeClr>
               </a:solidFill>
-              <a:latin typeface="微软雅黑" pitchFamily="34" charset="-122"/>
-              <a:ea typeface="微软雅黑" pitchFamily="34" charset="-122"/>
+              <a:latin typeface="微软雅黑" panose="020B0503020204020204" pitchFamily="34" charset="-122"/>
+              <a:ea typeface="微软雅黑" panose="020B0503020204020204" pitchFamily="34" charset="-122"/>
             </a:endParaRPr>
           </a:p>
           <a:p>
@@ -3531,19 +3407,12 @@
           <a:p>
             <a:fld id="{FD140B6F-3FEA-4ABD-AEEC-54E41C3D422B}" type="slidenum">
               <a:rPr lang="zh-CN" altLang="en-US" smtClean="0"/>
-              <a:pPr/>
-              <a:t>12</a:t>
             </a:fld>
             <a:endParaRPr lang="zh-CN" altLang="en-US" dirty="0"/>
           </a:p>
         </p:txBody>
       </p:sp>
     </p:spTree>
-    <p:extLst>
-      <p:ext uri="{BB962C8B-B14F-4D97-AF65-F5344CB8AC3E}">
-        <p14:creationId xmlns:p14="http://schemas.microsoft.com/office/powerpoint/2010/main" xmlns="" val="3235436297"/>
-      </p:ext>
-    </p:extLst>
   </p:cSld>
   <p:clrMapOvr>
     <a:masterClrMapping/>
@@ -3614,7 +3483,7 @@
                   <a:schemeClr val="tx1"/>
                 </a:solidFill>
                 <a:latin typeface="+mn-lt"/>
-                <a:ea typeface="微软雅黑" pitchFamily="34" charset="-122"/>
+                <a:ea typeface="微软雅黑" panose="020B0503020204020204" pitchFamily="34" charset="-122"/>
                 <a:cs typeface="+mn-cs"/>
                 <a:hlinkClick r:id="rId3"/>
               </a:rPr>
@@ -3630,7 +3499,7 @@
                   <a:schemeClr val="tx1"/>
                 </a:solidFill>
                 <a:latin typeface="+mn-lt"/>
-                <a:ea typeface="微软雅黑" pitchFamily="34" charset="-122"/>
+                <a:ea typeface="微软雅黑" panose="020B0503020204020204" pitchFamily="34" charset="-122"/>
                 <a:cs typeface="+mn-cs"/>
                 <a:hlinkClick r:id="rId4"/>
               </a:rPr>
@@ -3653,7 +3522,7 @@
                   <a:schemeClr val="tx1"/>
                 </a:solidFill>
                 <a:latin typeface="+mn-lt"/>
-                <a:ea typeface="微软雅黑" pitchFamily="34" charset="-122"/>
+                <a:ea typeface="微软雅黑" panose="020B0503020204020204" pitchFamily="34" charset="-122"/>
                 <a:cs typeface="+mn-cs"/>
                 <a:hlinkClick r:id="rId5"/>
               </a:rPr>
@@ -3683,7 +3552,6 @@
               <a:buSzTx/>
               <a:buFontTx/>
               <a:buNone/>
-              <a:tabLst/>
               <a:defRPr/>
             </a:pPr>
             <a:r>
@@ -3694,8 +3562,8 @@
                     <a:lumOff val="40000"/>
                   </a:schemeClr>
                 </a:solidFill>
-                <a:latin typeface="微软雅黑" pitchFamily="34" charset="-122"/>
-                <a:ea typeface="微软雅黑" pitchFamily="34" charset="-122"/>
+                <a:latin typeface="微软雅黑" panose="020B0503020204020204" pitchFamily="34" charset="-122"/>
+                <a:ea typeface="微软雅黑" panose="020B0503020204020204" pitchFamily="34" charset="-122"/>
               </a:rPr>
               <a:t>大家经常看到的网页，并非单单是设计师的功劳，一般设计师出来的的设计稿还要经过单独的切图经由开发同学技术实现，切图作为设计师与开发者之间的桥梁，它的作用很关键，合适的切图、精准的位置可以最大限度的还原效果图的设计，精妙的切图更会有事半功倍的效果哦</a:t>
             </a:r>
@@ -3707,8 +3575,8 @@
                     <a:lumOff val="40000"/>
                   </a:schemeClr>
                 </a:solidFill>
-                <a:latin typeface="微软雅黑" pitchFamily="34" charset="-122"/>
-                <a:ea typeface="微软雅黑" pitchFamily="34" charset="-122"/>
+                <a:latin typeface="微软雅黑" panose="020B0503020204020204" pitchFamily="34" charset="-122"/>
+                <a:ea typeface="微软雅黑" panose="020B0503020204020204" pitchFamily="34" charset="-122"/>
               </a:rPr>
               <a:t>!</a:t>
             </a:r>
@@ -3720,8 +3588,8 @@
                     <a:lumOff val="40000"/>
                   </a:schemeClr>
                 </a:solidFill>
-                <a:latin typeface="微软雅黑" pitchFamily="34" charset="-122"/>
-                <a:ea typeface="微软雅黑" pitchFamily="34" charset="-122"/>
+                <a:latin typeface="微软雅黑" panose="020B0503020204020204" pitchFamily="34" charset="-122"/>
+                <a:ea typeface="微软雅黑" panose="020B0503020204020204" pitchFamily="34" charset="-122"/>
               </a:rPr>
               <a:t>做为设计师也要多少了解这些，在与技术的交流中会有所帮助。</a:t>
             </a:r>
@@ -3732,8 +3600,8 @@
                   <a:lumOff val="40000"/>
                 </a:schemeClr>
               </a:solidFill>
-              <a:latin typeface="微软雅黑" pitchFamily="34" charset="-122"/>
-              <a:ea typeface="微软雅黑" pitchFamily="34" charset="-122"/>
+              <a:latin typeface="微软雅黑" panose="020B0503020204020204" pitchFamily="34" charset="-122"/>
+              <a:ea typeface="微软雅黑" panose="020B0503020204020204" pitchFamily="34" charset="-122"/>
             </a:endParaRPr>
           </a:p>
           <a:p>
@@ -3758,19 +3626,12 @@
           <a:p>
             <a:fld id="{FD140B6F-3FEA-4ABD-AEEC-54E41C3D422B}" type="slidenum">
               <a:rPr lang="zh-CN" altLang="en-US" smtClean="0"/>
-              <a:pPr/>
-              <a:t>14</a:t>
             </a:fld>
             <a:endParaRPr lang="zh-CN" altLang="en-US" dirty="0"/>
           </a:p>
         </p:txBody>
       </p:sp>
     </p:spTree>
-    <p:extLst>
-      <p:ext uri="{BB962C8B-B14F-4D97-AF65-F5344CB8AC3E}">
-        <p14:creationId xmlns:p14="http://schemas.microsoft.com/office/powerpoint/2010/main" xmlns="" val="3235436297"/>
-      </p:ext>
-    </p:extLst>
   </p:cSld>
   <p:clrMapOvr>
     <a:masterClrMapping/>
@@ -3841,7 +3702,7 @@
                   <a:schemeClr val="tx1"/>
                 </a:solidFill>
                 <a:latin typeface="+mn-lt"/>
-                <a:ea typeface="微软雅黑" pitchFamily="34" charset="-122"/>
+                <a:ea typeface="微软雅黑" panose="020B0503020204020204" pitchFamily="34" charset="-122"/>
                 <a:cs typeface="+mn-cs"/>
                 <a:hlinkClick r:id="rId3"/>
               </a:rPr>
@@ -3857,7 +3718,7 @@
                   <a:schemeClr val="tx1"/>
                 </a:solidFill>
                 <a:latin typeface="+mn-lt"/>
-                <a:ea typeface="微软雅黑" pitchFamily="34" charset="-122"/>
+                <a:ea typeface="微软雅黑" panose="020B0503020204020204" pitchFamily="34" charset="-122"/>
                 <a:cs typeface="+mn-cs"/>
                 <a:hlinkClick r:id="rId4"/>
               </a:rPr>
@@ -3880,7 +3741,7 @@
                   <a:schemeClr val="tx1"/>
                 </a:solidFill>
                 <a:latin typeface="+mn-lt"/>
-                <a:ea typeface="微软雅黑" pitchFamily="34" charset="-122"/>
+                <a:ea typeface="微软雅黑" panose="020B0503020204020204" pitchFamily="34" charset="-122"/>
                 <a:cs typeface="+mn-cs"/>
                 <a:hlinkClick r:id="rId5"/>
               </a:rPr>
@@ -3910,7 +3771,6 @@
               <a:buSzTx/>
               <a:buFontTx/>
               <a:buNone/>
-              <a:tabLst/>
               <a:defRPr/>
             </a:pPr>
             <a:r>
@@ -3921,8 +3781,8 @@
                     <a:lumOff val="40000"/>
                   </a:schemeClr>
                 </a:solidFill>
-                <a:latin typeface="微软雅黑" pitchFamily="34" charset="-122"/>
-                <a:ea typeface="微软雅黑" pitchFamily="34" charset="-122"/>
+                <a:latin typeface="微软雅黑" panose="020B0503020204020204" pitchFamily="34" charset="-122"/>
+                <a:ea typeface="微软雅黑" panose="020B0503020204020204" pitchFamily="34" charset="-122"/>
               </a:rPr>
               <a:t>大家经常看到的网页，并非单单是设计师的功劳，一般设计师出来的的设计稿还要经过单独的切图经由开发同学技术实现，切图作为设计师与开发者之间的桥梁，它的作用很关键，合适的切图、精准的位置可以最大限度的还原效果图的设计，精妙的切图更会有事半功倍的效果哦</a:t>
             </a:r>
@@ -3934,8 +3794,8 @@
                     <a:lumOff val="40000"/>
                   </a:schemeClr>
                 </a:solidFill>
-                <a:latin typeface="微软雅黑" pitchFamily="34" charset="-122"/>
-                <a:ea typeface="微软雅黑" pitchFamily="34" charset="-122"/>
+                <a:latin typeface="微软雅黑" panose="020B0503020204020204" pitchFamily="34" charset="-122"/>
+                <a:ea typeface="微软雅黑" panose="020B0503020204020204" pitchFamily="34" charset="-122"/>
               </a:rPr>
               <a:t>!</a:t>
             </a:r>
@@ -3947,8 +3807,8 @@
                     <a:lumOff val="40000"/>
                   </a:schemeClr>
                 </a:solidFill>
-                <a:latin typeface="微软雅黑" pitchFamily="34" charset="-122"/>
-                <a:ea typeface="微软雅黑" pitchFamily="34" charset="-122"/>
+                <a:latin typeface="微软雅黑" panose="020B0503020204020204" pitchFamily="34" charset="-122"/>
+                <a:ea typeface="微软雅黑" panose="020B0503020204020204" pitchFamily="34" charset="-122"/>
               </a:rPr>
               <a:t>做为设计师也要多少了解这些，在与技术的交流中会有所帮助。</a:t>
             </a:r>
@@ -3959,8 +3819,8 @@
                   <a:lumOff val="40000"/>
                 </a:schemeClr>
               </a:solidFill>
-              <a:latin typeface="微软雅黑" pitchFamily="34" charset="-122"/>
-              <a:ea typeface="微软雅黑" pitchFamily="34" charset="-122"/>
+              <a:latin typeface="微软雅黑" panose="020B0503020204020204" pitchFamily="34" charset="-122"/>
+              <a:ea typeface="微软雅黑" panose="020B0503020204020204" pitchFamily="34" charset="-122"/>
             </a:endParaRPr>
           </a:p>
           <a:p>
@@ -3985,19 +3845,12 @@
           <a:p>
             <a:fld id="{FD140B6F-3FEA-4ABD-AEEC-54E41C3D422B}" type="slidenum">
               <a:rPr lang="zh-CN" altLang="en-US" smtClean="0"/>
-              <a:pPr/>
-              <a:t>15</a:t>
             </a:fld>
             <a:endParaRPr lang="zh-CN" altLang="en-US" dirty="0"/>
           </a:p>
         </p:txBody>
       </p:sp>
     </p:spTree>
-    <p:extLst>
-      <p:ext uri="{BB962C8B-B14F-4D97-AF65-F5344CB8AC3E}">
-        <p14:creationId xmlns:p14="http://schemas.microsoft.com/office/powerpoint/2010/main" xmlns="" val="3235436297"/>
-      </p:ext>
-    </p:extLst>
   </p:cSld>
   <p:clrMapOvr>
     <a:masterClrMapping/>
@@ -4068,7 +3921,7 @@
                   <a:schemeClr val="tx1"/>
                 </a:solidFill>
                 <a:latin typeface="+mn-lt"/>
-                <a:ea typeface="微软雅黑" pitchFamily="34" charset="-122"/>
+                <a:ea typeface="微软雅黑" panose="020B0503020204020204" pitchFamily="34" charset="-122"/>
                 <a:cs typeface="+mn-cs"/>
                 <a:hlinkClick r:id="rId3"/>
               </a:rPr>
@@ -4084,7 +3937,7 @@
                   <a:schemeClr val="tx1"/>
                 </a:solidFill>
                 <a:latin typeface="+mn-lt"/>
-                <a:ea typeface="微软雅黑" pitchFamily="34" charset="-122"/>
+                <a:ea typeface="微软雅黑" panose="020B0503020204020204" pitchFamily="34" charset="-122"/>
                 <a:cs typeface="+mn-cs"/>
                 <a:hlinkClick r:id="rId4"/>
               </a:rPr>
@@ -4107,7 +3960,7 @@
                   <a:schemeClr val="tx1"/>
                 </a:solidFill>
                 <a:latin typeface="+mn-lt"/>
-                <a:ea typeface="微软雅黑" pitchFamily="34" charset="-122"/>
+                <a:ea typeface="微软雅黑" panose="020B0503020204020204" pitchFamily="34" charset="-122"/>
                 <a:cs typeface="+mn-cs"/>
                 <a:hlinkClick r:id="rId5"/>
               </a:rPr>
@@ -4137,7 +3990,6 @@
               <a:buSzTx/>
               <a:buFontTx/>
               <a:buNone/>
-              <a:tabLst/>
               <a:defRPr/>
             </a:pPr>
             <a:r>
@@ -4148,8 +4000,8 @@
                     <a:lumOff val="40000"/>
                   </a:schemeClr>
                 </a:solidFill>
-                <a:latin typeface="微软雅黑" pitchFamily="34" charset="-122"/>
-                <a:ea typeface="微软雅黑" pitchFamily="34" charset="-122"/>
+                <a:latin typeface="微软雅黑" panose="020B0503020204020204" pitchFamily="34" charset="-122"/>
+                <a:ea typeface="微软雅黑" panose="020B0503020204020204" pitchFamily="34" charset="-122"/>
               </a:rPr>
               <a:t>大家经常看到的网页，并非单单是设计师的功劳，一般设计师出来的的设计稿还要经过单独的切图经由开发同学技术实现，切图作为设计师与开发者之间的桥梁，它的作用很关键，合适的切图、精准的位置可以最大限度的还原效果图的设计，精妙的切图更会有事半功倍的效果哦</a:t>
             </a:r>
@@ -4161,8 +4013,8 @@
                     <a:lumOff val="40000"/>
                   </a:schemeClr>
                 </a:solidFill>
-                <a:latin typeface="微软雅黑" pitchFamily="34" charset="-122"/>
-                <a:ea typeface="微软雅黑" pitchFamily="34" charset="-122"/>
+                <a:latin typeface="微软雅黑" panose="020B0503020204020204" pitchFamily="34" charset="-122"/>
+                <a:ea typeface="微软雅黑" panose="020B0503020204020204" pitchFamily="34" charset="-122"/>
               </a:rPr>
               <a:t>!</a:t>
             </a:r>
@@ -4174,8 +4026,8 @@
                     <a:lumOff val="40000"/>
                   </a:schemeClr>
                 </a:solidFill>
-                <a:latin typeface="微软雅黑" pitchFamily="34" charset="-122"/>
-                <a:ea typeface="微软雅黑" pitchFamily="34" charset="-122"/>
+                <a:latin typeface="微软雅黑" panose="020B0503020204020204" pitchFamily="34" charset="-122"/>
+                <a:ea typeface="微软雅黑" panose="020B0503020204020204" pitchFamily="34" charset="-122"/>
               </a:rPr>
               <a:t>做为设计师也要多少了解这些，在与技术的交流中会有所帮助。</a:t>
             </a:r>
@@ -4186,8 +4038,8 @@
                   <a:lumOff val="40000"/>
                 </a:schemeClr>
               </a:solidFill>
-              <a:latin typeface="微软雅黑" pitchFamily="34" charset="-122"/>
-              <a:ea typeface="微软雅黑" pitchFamily="34" charset="-122"/>
+              <a:latin typeface="微软雅黑" panose="020B0503020204020204" pitchFamily="34" charset="-122"/>
+              <a:ea typeface="微软雅黑" panose="020B0503020204020204" pitchFamily="34" charset="-122"/>
             </a:endParaRPr>
           </a:p>
           <a:p>
@@ -4212,19 +4064,12 @@
           <a:p>
             <a:fld id="{FD140B6F-3FEA-4ABD-AEEC-54E41C3D422B}" type="slidenum">
               <a:rPr lang="zh-CN" altLang="en-US" smtClean="0"/>
-              <a:pPr/>
-              <a:t>16</a:t>
             </a:fld>
             <a:endParaRPr lang="zh-CN" altLang="en-US" dirty="0"/>
           </a:p>
         </p:txBody>
       </p:sp>
     </p:spTree>
-    <p:extLst>
-      <p:ext uri="{BB962C8B-B14F-4D97-AF65-F5344CB8AC3E}">
-        <p14:creationId xmlns:p14="http://schemas.microsoft.com/office/powerpoint/2010/main" xmlns="" val="3235436297"/>
-      </p:ext>
-    </p:extLst>
   </p:cSld>
   <p:clrMapOvr>
     <a:masterClrMapping/>
@@ -4295,7 +4140,7 @@
                   <a:schemeClr val="tx1"/>
                 </a:solidFill>
                 <a:latin typeface="+mn-lt"/>
-                <a:ea typeface="微软雅黑" pitchFamily="34" charset="-122"/>
+                <a:ea typeface="微软雅黑" panose="020B0503020204020204" pitchFamily="34" charset="-122"/>
                 <a:cs typeface="+mn-cs"/>
                 <a:hlinkClick r:id="rId3"/>
               </a:rPr>
@@ -4311,7 +4156,7 @@
                   <a:schemeClr val="tx1"/>
                 </a:solidFill>
                 <a:latin typeface="+mn-lt"/>
-                <a:ea typeface="微软雅黑" pitchFamily="34" charset="-122"/>
+                <a:ea typeface="微软雅黑" panose="020B0503020204020204" pitchFamily="34" charset="-122"/>
                 <a:cs typeface="+mn-cs"/>
                 <a:hlinkClick r:id="rId4"/>
               </a:rPr>
@@ -4334,7 +4179,7 @@
                   <a:schemeClr val="tx1"/>
                 </a:solidFill>
                 <a:latin typeface="+mn-lt"/>
-                <a:ea typeface="微软雅黑" pitchFamily="34" charset="-122"/>
+                <a:ea typeface="微软雅黑" panose="020B0503020204020204" pitchFamily="34" charset="-122"/>
                 <a:cs typeface="+mn-cs"/>
                 <a:hlinkClick r:id="rId5"/>
               </a:rPr>
@@ -4364,7 +4209,6 @@
               <a:buSzTx/>
               <a:buFontTx/>
               <a:buNone/>
-              <a:tabLst/>
               <a:defRPr/>
             </a:pPr>
             <a:r>
@@ -4375,8 +4219,8 @@
                     <a:lumOff val="40000"/>
                   </a:schemeClr>
                 </a:solidFill>
-                <a:latin typeface="微软雅黑" pitchFamily="34" charset="-122"/>
-                <a:ea typeface="微软雅黑" pitchFamily="34" charset="-122"/>
+                <a:latin typeface="微软雅黑" panose="020B0503020204020204" pitchFamily="34" charset="-122"/>
+                <a:ea typeface="微软雅黑" panose="020B0503020204020204" pitchFamily="34" charset="-122"/>
               </a:rPr>
               <a:t>大家经常看到的网页，并非单单是设计师的功劳，一般设计师出来的的设计稿还要经过单独的切图经由开发同学技术实现，切图作为设计师与开发者之间的桥梁，它的作用很关键，合适的切图、精准的位置可以最大限度的还原效果图的设计，精妙的切图更会有事半功倍的效果哦</a:t>
             </a:r>
@@ -4388,8 +4232,8 @@
                     <a:lumOff val="40000"/>
                   </a:schemeClr>
                 </a:solidFill>
-                <a:latin typeface="微软雅黑" pitchFamily="34" charset="-122"/>
-                <a:ea typeface="微软雅黑" pitchFamily="34" charset="-122"/>
+                <a:latin typeface="微软雅黑" panose="020B0503020204020204" pitchFamily="34" charset="-122"/>
+                <a:ea typeface="微软雅黑" panose="020B0503020204020204" pitchFamily="34" charset="-122"/>
               </a:rPr>
               <a:t>!</a:t>
             </a:r>
@@ -4401,8 +4245,8 @@
                     <a:lumOff val="40000"/>
                   </a:schemeClr>
                 </a:solidFill>
-                <a:latin typeface="微软雅黑" pitchFamily="34" charset="-122"/>
-                <a:ea typeface="微软雅黑" pitchFamily="34" charset="-122"/>
+                <a:latin typeface="微软雅黑" panose="020B0503020204020204" pitchFamily="34" charset="-122"/>
+                <a:ea typeface="微软雅黑" panose="020B0503020204020204" pitchFamily="34" charset="-122"/>
               </a:rPr>
               <a:t>做为设计师也要多少了解这些，在与技术的交流中会有所帮助。</a:t>
             </a:r>
@@ -4413,8 +4257,8 @@
                   <a:lumOff val="40000"/>
                 </a:schemeClr>
               </a:solidFill>
-              <a:latin typeface="微软雅黑" pitchFamily="34" charset="-122"/>
-              <a:ea typeface="微软雅黑" pitchFamily="34" charset="-122"/>
+              <a:latin typeface="微软雅黑" panose="020B0503020204020204" pitchFamily="34" charset="-122"/>
+              <a:ea typeface="微软雅黑" panose="020B0503020204020204" pitchFamily="34" charset="-122"/>
             </a:endParaRPr>
           </a:p>
           <a:p>
@@ -4439,19 +4283,12 @@
           <a:p>
             <a:fld id="{FD140B6F-3FEA-4ABD-AEEC-54E41C3D422B}" type="slidenum">
               <a:rPr lang="zh-CN" altLang="en-US" smtClean="0"/>
-              <a:pPr/>
-              <a:t>17</a:t>
             </a:fld>
             <a:endParaRPr lang="zh-CN" altLang="en-US" dirty="0"/>
           </a:p>
         </p:txBody>
       </p:sp>
     </p:spTree>
-    <p:extLst>
-      <p:ext uri="{BB962C8B-B14F-4D97-AF65-F5344CB8AC3E}">
-        <p14:creationId xmlns:p14="http://schemas.microsoft.com/office/powerpoint/2010/main" xmlns="" val="3235436297"/>
-      </p:ext>
-    </p:extLst>
   </p:cSld>
   <p:clrMapOvr>
     <a:masterClrMapping/>
@@ -4640,8 +4477,6 @@
           <a:p>
             <a:fld id="{530820CF-B880-4189-942D-D702A7CBA730}" type="datetimeFigureOut">
               <a:rPr lang="zh-CN" altLang="en-US" smtClean="0"/>
-              <a:pPr/>
-              <a:t>2016/4/22</a:t>
             </a:fld>
             <a:endParaRPr lang="zh-CN" altLang="en-US"/>
           </a:p>
@@ -4683,8 +4518,6 @@
           <a:p>
             <a:fld id="{0C913308-F349-4B6D-A68A-DD1791B4A57B}" type="slidenum">
               <a:rPr lang="zh-CN" altLang="en-US" smtClean="0"/>
-              <a:pPr/>
-              <a:t>‹#›</a:t>
             </a:fld>
             <a:endParaRPr lang="zh-CN" altLang="en-US"/>
           </a:p>
@@ -4765,6 +4598,7 @@
               <a:rPr lang="zh-CN" altLang="en-US" smtClean="0"/>
               <a:t>单击此处编辑母版文本样式</a:t>
             </a:r>
+            <a:endParaRPr lang="zh-CN" altLang="en-US" smtClean="0"/>
           </a:p>
           <a:p>
             <a:pPr lvl="1"/>
@@ -4772,6 +4606,7 @@
               <a:rPr lang="zh-CN" altLang="en-US" smtClean="0"/>
               <a:t>第二级</a:t>
             </a:r>
+            <a:endParaRPr lang="zh-CN" altLang="en-US" smtClean="0"/>
           </a:p>
           <a:p>
             <a:pPr lvl="2"/>
@@ -4779,6 +4614,7 @@
               <a:rPr lang="zh-CN" altLang="en-US" smtClean="0"/>
               <a:t>第三级</a:t>
             </a:r>
+            <a:endParaRPr lang="zh-CN" altLang="en-US" smtClean="0"/>
           </a:p>
           <a:p>
             <a:pPr lvl="3"/>
@@ -4786,6 +4622,7 @@
               <a:rPr lang="zh-CN" altLang="en-US" smtClean="0"/>
               <a:t>第四级</a:t>
             </a:r>
+            <a:endParaRPr lang="zh-CN" altLang="en-US" smtClean="0"/>
           </a:p>
           <a:p>
             <a:pPr lvl="4"/>
@@ -4814,8 +4651,6 @@
           <a:p>
             <a:fld id="{530820CF-B880-4189-942D-D702A7CBA730}" type="datetimeFigureOut">
               <a:rPr lang="zh-CN" altLang="en-US" smtClean="0"/>
-              <a:pPr/>
-              <a:t>2016/4/22</a:t>
             </a:fld>
             <a:endParaRPr lang="zh-CN" altLang="en-US"/>
           </a:p>
@@ -4857,8 +4692,6 @@
           <a:p>
             <a:fld id="{0C913308-F349-4B6D-A68A-DD1791B4A57B}" type="slidenum">
               <a:rPr lang="zh-CN" altLang="en-US" smtClean="0"/>
-              <a:pPr/>
-              <a:t>‹#›</a:t>
             </a:fld>
             <a:endParaRPr lang="zh-CN" altLang="en-US"/>
           </a:p>
@@ -5044,6 +4877,7 @@
               <a:rPr lang="zh-CN" altLang="en-US" smtClean="0"/>
               <a:t>单击此处编辑母版文本样式</a:t>
             </a:r>
+            <a:endParaRPr lang="zh-CN" altLang="en-US" smtClean="0"/>
           </a:p>
         </p:txBody>
       </p:sp>
@@ -5064,8 +4898,6 @@
           <a:p>
             <a:fld id="{530820CF-B880-4189-942D-D702A7CBA730}" type="datetimeFigureOut">
               <a:rPr lang="zh-CN" altLang="en-US" smtClean="0"/>
-              <a:pPr/>
-              <a:t>2016/4/22</a:t>
             </a:fld>
             <a:endParaRPr lang="zh-CN" altLang="en-US"/>
           </a:p>
@@ -5107,8 +4939,6 @@
           <a:p>
             <a:fld id="{0C913308-F349-4B6D-A68A-DD1791B4A57B}" type="slidenum">
               <a:rPr lang="zh-CN" altLang="en-US" smtClean="0"/>
-              <a:pPr/>
-              <a:t>‹#›</a:t>
             </a:fld>
             <a:endParaRPr lang="zh-CN" altLang="en-US"/>
           </a:p>
@@ -5222,6 +5052,7 @@
               <a:rPr lang="zh-CN" altLang="en-US" smtClean="0"/>
               <a:t>单击此处编辑母版文本样式</a:t>
             </a:r>
+            <a:endParaRPr lang="zh-CN" altLang="en-US" smtClean="0"/>
           </a:p>
           <a:p>
             <a:pPr lvl="1"/>
@@ -5229,6 +5060,7 @@
               <a:rPr lang="zh-CN" altLang="en-US" smtClean="0"/>
               <a:t>第二级</a:t>
             </a:r>
+            <a:endParaRPr lang="zh-CN" altLang="en-US" smtClean="0"/>
           </a:p>
           <a:p>
             <a:pPr lvl="2"/>
@@ -5236,6 +5068,7 @@
               <a:rPr lang="zh-CN" altLang="en-US" smtClean="0"/>
               <a:t>第三级</a:t>
             </a:r>
+            <a:endParaRPr lang="zh-CN" altLang="en-US" smtClean="0"/>
           </a:p>
           <a:p>
             <a:pPr lvl="3"/>
@@ -5243,6 +5076,7 @@
               <a:rPr lang="zh-CN" altLang="en-US" smtClean="0"/>
               <a:t>第四级</a:t>
             </a:r>
+            <a:endParaRPr lang="zh-CN" altLang="en-US" smtClean="0"/>
           </a:p>
           <a:p>
             <a:pPr lvl="4"/>
@@ -5307,6 +5141,7 @@
               <a:rPr lang="zh-CN" altLang="en-US" smtClean="0"/>
               <a:t>单击此处编辑母版文本样式</a:t>
             </a:r>
+            <a:endParaRPr lang="zh-CN" altLang="en-US" smtClean="0"/>
           </a:p>
           <a:p>
             <a:pPr lvl="1"/>
@@ -5314,6 +5149,7 @@
               <a:rPr lang="zh-CN" altLang="en-US" smtClean="0"/>
               <a:t>第二级</a:t>
             </a:r>
+            <a:endParaRPr lang="zh-CN" altLang="en-US" smtClean="0"/>
           </a:p>
           <a:p>
             <a:pPr lvl="2"/>
@@ -5321,6 +5157,7 @@
               <a:rPr lang="zh-CN" altLang="en-US" smtClean="0"/>
               <a:t>第三级</a:t>
             </a:r>
+            <a:endParaRPr lang="zh-CN" altLang="en-US" smtClean="0"/>
           </a:p>
           <a:p>
             <a:pPr lvl="3"/>
@@ -5328,6 +5165,7 @@
               <a:rPr lang="zh-CN" altLang="en-US" smtClean="0"/>
               <a:t>第四级</a:t>
             </a:r>
+            <a:endParaRPr lang="zh-CN" altLang="en-US" smtClean="0"/>
           </a:p>
           <a:p>
             <a:pPr lvl="4"/>
@@ -5356,8 +5194,6 @@
           <a:p>
             <a:fld id="{530820CF-B880-4189-942D-D702A7CBA730}" type="datetimeFigureOut">
               <a:rPr lang="zh-CN" altLang="en-US" smtClean="0"/>
-              <a:pPr/>
-              <a:t>2016/4/22</a:t>
             </a:fld>
             <a:endParaRPr lang="zh-CN" altLang="en-US"/>
           </a:p>
@@ -5399,8 +5235,6 @@
           <a:p>
             <a:fld id="{0C913308-F349-4B6D-A68A-DD1791B4A57B}" type="slidenum">
               <a:rPr lang="zh-CN" altLang="en-US" smtClean="0"/>
-              <a:pPr/>
-              <a:t>‹#›</a:t>
             </a:fld>
             <a:endParaRPr lang="zh-CN" altLang="en-US"/>
           </a:p>
@@ -5527,6 +5361,7 @@
               <a:rPr lang="zh-CN" altLang="en-US" smtClean="0"/>
               <a:t>单击此处编辑母版文本样式</a:t>
             </a:r>
+            <a:endParaRPr lang="zh-CN" altLang="en-US" smtClean="0"/>
           </a:p>
         </p:txBody>
       </p:sp>
@@ -5583,6 +5418,7 @@
               <a:rPr lang="zh-CN" altLang="en-US" smtClean="0"/>
               <a:t>单击此处编辑母版文本样式</a:t>
             </a:r>
+            <a:endParaRPr lang="zh-CN" altLang="en-US" smtClean="0"/>
           </a:p>
           <a:p>
             <a:pPr lvl="1"/>
@@ -5590,6 +5426,7 @@
               <a:rPr lang="zh-CN" altLang="en-US" smtClean="0"/>
               <a:t>第二级</a:t>
             </a:r>
+            <a:endParaRPr lang="zh-CN" altLang="en-US" smtClean="0"/>
           </a:p>
           <a:p>
             <a:pPr lvl="2"/>
@@ -5597,6 +5434,7 @@
               <a:rPr lang="zh-CN" altLang="en-US" smtClean="0"/>
               <a:t>第三级</a:t>
             </a:r>
+            <a:endParaRPr lang="zh-CN" altLang="en-US" smtClean="0"/>
           </a:p>
           <a:p>
             <a:pPr lvl="3"/>
@@ -5604,6 +5442,7 @@
               <a:rPr lang="zh-CN" altLang="en-US" smtClean="0"/>
               <a:t>第四级</a:t>
             </a:r>
+            <a:endParaRPr lang="zh-CN" altLang="en-US" smtClean="0"/>
           </a:p>
           <a:p>
             <a:pPr lvl="4"/>
@@ -5677,6 +5516,7 @@
               <a:rPr lang="zh-CN" altLang="en-US" smtClean="0"/>
               <a:t>单击此处编辑母版文本样式</a:t>
             </a:r>
+            <a:endParaRPr lang="zh-CN" altLang="en-US" smtClean="0"/>
           </a:p>
         </p:txBody>
       </p:sp>
@@ -5733,6 +5573,7 @@
               <a:rPr lang="zh-CN" altLang="en-US" dirty="0" smtClean="0"/>
               <a:t>单击此处编辑母版文本样式</a:t>
             </a:r>
+            <a:endParaRPr lang="zh-CN" altLang="en-US" dirty="0" smtClean="0"/>
           </a:p>
           <a:p>
             <a:pPr lvl="1"/>
@@ -5740,6 +5581,7 @@
               <a:rPr lang="zh-CN" altLang="en-US" dirty="0" smtClean="0"/>
               <a:t>第二级</a:t>
             </a:r>
+            <a:endParaRPr lang="zh-CN" altLang="en-US" dirty="0" smtClean="0"/>
           </a:p>
           <a:p>
             <a:pPr lvl="2"/>
@@ -5747,6 +5589,7 @@
               <a:rPr lang="zh-CN" altLang="en-US" dirty="0" smtClean="0"/>
               <a:t>第三级</a:t>
             </a:r>
+            <a:endParaRPr lang="zh-CN" altLang="en-US" dirty="0" smtClean="0"/>
           </a:p>
           <a:p>
             <a:pPr lvl="3"/>
@@ -5754,6 +5597,7 @@
               <a:rPr lang="zh-CN" altLang="en-US" dirty="0" smtClean="0"/>
               <a:t>第四级</a:t>
             </a:r>
+            <a:endParaRPr lang="zh-CN" altLang="en-US" dirty="0" smtClean="0"/>
           </a:p>
           <a:p>
             <a:pPr lvl="4"/>
@@ -5782,8 +5626,6 @@
           <a:p>
             <a:fld id="{530820CF-B880-4189-942D-D702A7CBA730}" type="datetimeFigureOut">
               <a:rPr lang="zh-CN" altLang="en-US" smtClean="0"/>
-              <a:pPr/>
-              <a:t>2016/4/22</a:t>
             </a:fld>
             <a:endParaRPr lang="zh-CN" altLang="en-US"/>
           </a:p>
@@ -5825,8 +5667,6 @@
           <a:p>
             <a:fld id="{0C913308-F349-4B6D-A68A-DD1791B4A57B}" type="slidenum">
               <a:rPr lang="zh-CN" altLang="en-US" smtClean="0"/>
-              <a:pPr/>
-              <a:t>‹#›</a:t>
             </a:fld>
             <a:endParaRPr lang="zh-CN" altLang="en-US"/>
           </a:p>
@@ -5904,8 +5744,6 @@
           <a:p>
             <a:fld id="{530820CF-B880-4189-942D-D702A7CBA730}" type="datetimeFigureOut">
               <a:rPr lang="zh-CN" altLang="en-US" smtClean="0"/>
-              <a:pPr/>
-              <a:t>2016/4/22</a:t>
             </a:fld>
             <a:endParaRPr lang="zh-CN" altLang="en-US"/>
           </a:p>
@@ -5947,8 +5785,6 @@
           <a:p>
             <a:fld id="{0C913308-F349-4B6D-A68A-DD1791B4A57B}" type="slidenum">
               <a:rPr lang="zh-CN" altLang="en-US" smtClean="0"/>
-              <a:pPr/>
-              <a:t>‹#›</a:t>
             </a:fld>
             <a:endParaRPr lang="zh-CN" altLang="en-US"/>
           </a:p>
@@ -6003,8 +5839,6 @@
           <a:p>
             <a:fld id="{530820CF-B880-4189-942D-D702A7CBA730}" type="datetimeFigureOut">
               <a:rPr lang="zh-CN" altLang="en-US" smtClean="0"/>
-              <a:pPr/>
-              <a:t>2016/4/22</a:t>
             </a:fld>
             <a:endParaRPr lang="zh-CN" altLang="en-US"/>
           </a:p>
@@ -6046,8 +5880,6 @@
           <a:p>
             <a:fld id="{0C913308-F349-4B6D-A68A-DD1791B4A57B}" type="slidenum">
               <a:rPr lang="zh-CN" altLang="en-US" smtClean="0"/>
-              <a:pPr/>
-              <a:t>‹#›</a:t>
             </a:fld>
             <a:endParaRPr lang="zh-CN" altLang="en-US"/>
           </a:p>
@@ -6074,7 +5906,7 @@
     <p:bg>
       <p:bgPr>
         <a:blipFill dpi="0" rotWithShape="1">
-          <a:blip r:embed="rId9" cstate="print">
+          <a:blip r:embed="rId8" cstate="print">
             <a:lum/>
           </a:blip>
           <a:srcRect/>
@@ -6162,6 +5994,7 @@
               <a:rPr lang="zh-CN" altLang="en-US" dirty="0" smtClean="0"/>
               <a:t>单击此处编辑母版文本样式</a:t>
             </a:r>
+            <a:endParaRPr lang="zh-CN" altLang="en-US" dirty="0" smtClean="0"/>
           </a:p>
           <a:p>
             <a:pPr lvl="1"/>
@@ -6169,6 +6002,7 @@
               <a:rPr lang="zh-CN" altLang="en-US" dirty="0" smtClean="0"/>
               <a:t>第二级</a:t>
             </a:r>
+            <a:endParaRPr lang="zh-CN" altLang="en-US" dirty="0" smtClean="0"/>
           </a:p>
           <a:p>
             <a:pPr lvl="2"/>
@@ -6176,6 +6010,7 @@
               <a:rPr lang="zh-CN" altLang="en-US" dirty="0" smtClean="0"/>
               <a:t>第三级</a:t>
             </a:r>
+            <a:endParaRPr lang="zh-CN" altLang="en-US" dirty="0" smtClean="0"/>
           </a:p>
           <a:p>
             <a:pPr lvl="3"/>
@@ -6183,6 +6018,7 @@
               <a:rPr lang="zh-CN" altLang="en-US" dirty="0" smtClean="0"/>
               <a:t>第四级</a:t>
             </a:r>
+            <a:endParaRPr lang="zh-CN" altLang="en-US" dirty="0" smtClean="0"/>
           </a:p>
           <a:p>
             <a:pPr lvl="4"/>
@@ -6223,15 +6059,13 @@
                     <a:tint val="75000"/>
                   </a:schemeClr>
                 </a:solidFill>
-                <a:ea typeface="微软雅黑" pitchFamily="34" charset="-122"/>
+                <a:ea typeface="微软雅黑" panose="020B0503020204020204" pitchFamily="34" charset="-122"/>
               </a:defRPr>
             </a:lvl1pPr>
           </a:lstStyle>
           <a:p>
             <a:fld id="{530820CF-B880-4189-942D-D702A7CBA730}" type="datetimeFigureOut">
               <a:rPr lang="zh-CN" altLang="en-US" smtClean="0"/>
-              <a:pPr/>
-              <a:t>2016/4/22</a:t>
             </a:fld>
             <a:endParaRPr lang="zh-CN" altLang="en-US" dirty="0"/>
           </a:p>
@@ -6266,7 +6100,7 @@
                     <a:tint val="75000"/>
                   </a:schemeClr>
                 </a:solidFill>
-                <a:ea typeface="微软雅黑" pitchFamily="34" charset="-122"/>
+                <a:ea typeface="微软雅黑" panose="020B0503020204020204" pitchFamily="34" charset="-122"/>
               </a:defRPr>
             </a:lvl1pPr>
           </a:lstStyle>
@@ -6304,15 +6138,13 @@
                     <a:tint val="75000"/>
                   </a:schemeClr>
                 </a:solidFill>
-                <a:ea typeface="微软雅黑" pitchFamily="34" charset="-122"/>
+                <a:ea typeface="微软雅黑" panose="020B0503020204020204" pitchFamily="34" charset="-122"/>
               </a:defRPr>
             </a:lvl1pPr>
           </a:lstStyle>
           <a:p>
             <a:fld id="{0C913308-F349-4B6D-A68A-DD1791B4A57B}" type="slidenum">
               <a:rPr lang="zh-CN" altLang="en-US" smtClean="0"/>
-              <a:pPr/>
-              <a:t>‹#›</a:t>
             </a:fld>
             <a:endParaRPr lang="zh-CN" altLang="en-US" dirty="0"/>
           </a:p>
@@ -6348,8 +6180,8 @@
           <a:solidFill>
             <a:schemeClr val="bg1"/>
           </a:solidFill>
-          <a:latin typeface="微软雅黑" pitchFamily="34" charset="-122"/>
-          <a:ea typeface="微软雅黑" pitchFamily="34" charset="-122"/>
+          <a:latin typeface="微软雅黑" panose="020B0503020204020204" pitchFamily="34" charset="-122"/>
+          <a:ea typeface="微软雅黑" panose="020B0503020204020204" pitchFamily="34" charset="-122"/>
           <a:cs typeface="+mj-cs"/>
         </a:defRPr>
       </a:lvl1pPr>
@@ -6359,14 +6191,14 @@
         <a:spcBef>
           <a:spcPct val="20000"/>
         </a:spcBef>
-        <a:buFont typeface="Arial" pitchFamily="34" charset="0"/>
+        <a:buFont typeface="Arial" panose="020B0604020202020204" pitchFamily="34" charset="0"/>
         <a:buChar char="•"/>
         <a:defRPr sz="3200" kern="1200">
           <a:solidFill>
             <a:schemeClr val="tx1"/>
           </a:solidFill>
           <a:latin typeface="+mn-lt"/>
-          <a:ea typeface="微软雅黑" pitchFamily="34" charset="-122"/>
+          <a:ea typeface="微软雅黑" panose="020B0503020204020204" pitchFamily="34" charset="-122"/>
           <a:cs typeface="+mn-cs"/>
         </a:defRPr>
       </a:lvl1pPr>
@@ -6374,14 +6206,14 @@
         <a:spcBef>
           <a:spcPct val="20000"/>
         </a:spcBef>
-        <a:buFont typeface="Arial" pitchFamily="34" charset="0"/>
+        <a:buFont typeface="Arial" panose="020B0604020202020204" pitchFamily="34" charset="0"/>
         <a:buChar char="–"/>
         <a:defRPr sz="2800" kern="1200">
           <a:solidFill>
             <a:schemeClr val="tx1"/>
           </a:solidFill>
           <a:latin typeface="+mn-lt"/>
-          <a:ea typeface="微软雅黑" pitchFamily="34" charset="-122"/>
+          <a:ea typeface="微软雅黑" panose="020B0503020204020204" pitchFamily="34" charset="-122"/>
           <a:cs typeface="+mn-cs"/>
         </a:defRPr>
       </a:lvl2pPr>
@@ -6389,14 +6221,14 @@
         <a:spcBef>
           <a:spcPct val="20000"/>
         </a:spcBef>
-        <a:buFont typeface="Arial" pitchFamily="34" charset="0"/>
+        <a:buFont typeface="Arial" panose="020B0604020202020204" pitchFamily="34" charset="0"/>
         <a:buChar char="•"/>
         <a:defRPr sz="2400" kern="1200">
           <a:solidFill>
             <a:schemeClr val="tx1"/>
           </a:solidFill>
           <a:latin typeface="+mn-lt"/>
-          <a:ea typeface="微软雅黑" pitchFamily="34" charset="-122"/>
+          <a:ea typeface="微软雅黑" panose="020B0503020204020204" pitchFamily="34" charset="-122"/>
           <a:cs typeface="+mn-cs"/>
         </a:defRPr>
       </a:lvl3pPr>
@@ -6404,14 +6236,14 @@
         <a:spcBef>
           <a:spcPct val="20000"/>
         </a:spcBef>
-        <a:buFont typeface="Arial" pitchFamily="34" charset="0"/>
+        <a:buFont typeface="Arial" panose="020B0604020202020204" pitchFamily="34" charset="0"/>
         <a:buChar char="–"/>
         <a:defRPr sz="2000" kern="1200">
           <a:solidFill>
             <a:schemeClr val="tx1"/>
           </a:solidFill>
           <a:latin typeface="+mn-lt"/>
-          <a:ea typeface="微软雅黑" pitchFamily="34" charset="-122"/>
+          <a:ea typeface="微软雅黑" panose="020B0503020204020204" pitchFamily="34" charset="-122"/>
           <a:cs typeface="+mn-cs"/>
         </a:defRPr>
       </a:lvl4pPr>
@@ -6419,14 +6251,14 @@
         <a:spcBef>
           <a:spcPct val="20000"/>
         </a:spcBef>
-        <a:buFont typeface="Arial" pitchFamily="34" charset="0"/>
+        <a:buFont typeface="Arial" panose="020B0604020202020204" pitchFamily="34" charset="0"/>
         <a:buChar char="»"/>
         <a:defRPr sz="2000" kern="1200">
           <a:solidFill>
             <a:schemeClr val="tx1"/>
           </a:solidFill>
           <a:latin typeface="+mn-lt"/>
-          <a:ea typeface="微软雅黑" pitchFamily="34" charset="-122"/>
+          <a:ea typeface="微软雅黑" panose="020B0503020204020204" pitchFamily="34" charset="-122"/>
           <a:cs typeface="+mn-cs"/>
         </a:defRPr>
       </a:lvl5pPr>
@@ -6434,7 +6266,7 @@
         <a:spcBef>
           <a:spcPct val="20000"/>
         </a:spcBef>
-        <a:buFont typeface="Arial" pitchFamily="34" charset="0"/>
+        <a:buFont typeface="Arial" panose="020B0604020202020204" pitchFamily="34" charset="0"/>
         <a:buChar char="•"/>
         <a:defRPr sz="2000" kern="1200">
           <a:solidFill>
@@ -6449,7 +6281,7 @@
         <a:spcBef>
           <a:spcPct val="20000"/>
         </a:spcBef>
-        <a:buFont typeface="Arial" pitchFamily="34" charset="0"/>
+        <a:buFont typeface="Arial" panose="020B0604020202020204" pitchFamily="34" charset="0"/>
         <a:buChar char="•"/>
         <a:defRPr sz="2000" kern="1200">
           <a:solidFill>
@@ -6464,7 +6296,7 @@
         <a:spcBef>
           <a:spcPct val="20000"/>
         </a:spcBef>
-        <a:buFont typeface="Arial" pitchFamily="34" charset="0"/>
+        <a:buFont typeface="Arial" panose="020B0604020202020204" pitchFamily="34" charset="0"/>
         <a:buChar char="•"/>
         <a:defRPr sz="2000" kern="1200">
           <a:solidFill>
@@ -6479,7 +6311,7 @@
         <a:spcBef>
           <a:spcPct val="20000"/>
         </a:spcBef>
-        <a:buFont typeface="Arial" pitchFamily="34" charset="0"/>
+        <a:buFont typeface="Arial" panose="020B0604020202020204" pitchFamily="34" charset="0"/>
         <a:buChar char="•"/>
         <a:defRPr sz="2000" kern="1200">
           <a:solidFill>
@@ -6610,9 +6442,7 @@
       <p:sp>
         <p:nvSpPr>
           <p:cNvPr id="5" name="标题 1"/>
-          <p:cNvSpPr txBox="1">
-            <a:spLocks/>
-          </p:cNvSpPr>
+          <p:cNvSpPr txBox="1"/>
           <p:nvPr/>
         </p:nvSpPr>
         <p:spPr>
@@ -6689,21 +6519,17 @@
               <a:rPr lang="zh-CN" altLang="en-US" sz="4000" dirty="0"/>
               <a:t>培训与实战</a:t>
             </a:r>
+            <a:endParaRPr lang="zh-CN" altLang="en-US" sz="4000" dirty="0"/>
           </a:p>
         </p:txBody>
       </p:sp>
     </p:spTree>
-    <p:extLst>
-      <p:ext uri="{BB962C8B-B14F-4D97-AF65-F5344CB8AC3E}">
-        <p14:creationId xmlns:p14="http://schemas.microsoft.com/office/powerpoint/2010/main" xmlns="" val="2632223672"/>
-      </p:ext>
-    </p:extLst>
   </p:cSld>
   <p:clrMapOvr>
     <a:masterClrMapping/>
   </p:clrMapOvr>
   <mc:AlternateContent xmlns:mc="http://schemas.openxmlformats.org/markup-compatibility/2006">
-    <mc:Choice xmlns:p14="http://schemas.microsoft.com/office/powerpoint/2010/main" xmlns="" Requires="p14">
+    <mc:Choice xmlns:p14="http://schemas.microsoft.com/office/powerpoint/2010/main" Requires="p14">
       <p:transition spd="slow" p14:dur="1400">
         <p14:ripple/>
       </p:transition>
@@ -6733,6 +6559,772 @@
         <p:cNvGrpSpPr/>
         <p:nvPr/>
       </p:nvGrpSpPr>
+      <p:grpSpPr/>
+      <p:sp>
+        <p:nvSpPr>
+          <p:cNvPr id="2" name="标题 1"/>
+          <p:cNvSpPr>
+            <a:spLocks noGrp="1"/>
+          </p:cNvSpPr>
+          <p:nvPr>
+            <p:ph type="title"/>
+          </p:nvPr>
+        </p:nvSpPr>
+        <p:spPr/>
+        <p:txBody>
+          <a:bodyPr>
+            <a:normAutofit/>
+          </a:bodyPr>
+          <a:p>
+            <a:r>
+              <a:rPr lang="en-US" altLang="zh-CN"/>
+              <a:t>Dubbo </a:t>
+            </a:r>
+            <a:r>
+              <a:rPr lang="zh-CN" altLang="zh-CN"/>
+              <a:t>技术架构</a:t>
+            </a:r>
+            <a:endParaRPr lang="zh-CN" altLang="zh-CN"/>
+          </a:p>
+        </p:txBody>
+      </p:sp>
+      <p:sp>
+        <p:nvSpPr>
+          <p:cNvPr id="3" name="矩形 2"/>
+          <p:cNvSpPr/>
+          <p:nvPr/>
+        </p:nvSpPr>
+        <p:spPr>
+          <a:xfrm>
+            <a:off x="1040765" y="2797810"/>
+            <a:ext cx="1368425" cy="432435"/>
+          </a:xfrm>
+          <a:prstGeom prst="rect">
+            <a:avLst/>
+          </a:prstGeom>
+          <a:solidFill>
+            <a:schemeClr val="bg2">
+              <a:lumMod val="50000"/>
+            </a:schemeClr>
+          </a:solidFill>
+        </p:spPr>
+        <p:style>
+          <a:lnRef idx="2">
+            <a:schemeClr val="accent1">
+              <a:shade val="50000"/>
+            </a:schemeClr>
+          </a:lnRef>
+          <a:fillRef idx="1">
+            <a:schemeClr val="accent1"/>
+          </a:fillRef>
+          <a:effectRef idx="0">
+            <a:schemeClr val="accent1"/>
+          </a:effectRef>
+          <a:fontRef idx="minor">
+            <a:schemeClr val="lt1"/>
+          </a:fontRef>
+        </p:style>
+        <p:txBody>
+          <a:bodyPr rtlCol="0" anchor="ctr"/>
+          <a:p>
+            <a:pPr algn="ctr"/>
+            <a:r>
+              <a:rPr lang="zh-CN" altLang="en-US"/>
+              <a:t>暴露接口</a:t>
+            </a:r>
+            <a:endParaRPr lang="zh-CN" altLang="en-US"/>
+          </a:p>
+        </p:txBody>
+      </p:sp>
+      <p:sp>
+        <p:nvSpPr>
+          <p:cNvPr id="4" name="矩形 3"/>
+          <p:cNvSpPr/>
+          <p:nvPr/>
+        </p:nvSpPr>
+        <p:spPr>
+          <a:xfrm>
+            <a:off x="1040765" y="3230245"/>
+            <a:ext cx="1368425" cy="432435"/>
+          </a:xfrm>
+          <a:prstGeom prst="rect">
+            <a:avLst/>
+          </a:prstGeom>
+          <a:solidFill>
+            <a:schemeClr val="accent3"/>
+          </a:solidFill>
+        </p:spPr>
+        <p:style>
+          <a:lnRef idx="2">
+            <a:schemeClr val="accent1">
+              <a:shade val="50000"/>
+            </a:schemeClr>
+          </a:lnRef>
+          <a:fillRef idx="1">
+            <a:schemeClr val="accent1"/>
+          </a:fillRef>
+          <a:effectRef idx="0">
+            <a:schemeClr val="accent1"/>
+          </a:effectRef>
+          <a:fontRef idx="minor">
+            <a:schemeClr val="lt1"/>
+          </a:fontRef>
+        </p:style>
+        <p:txBody>
+          <a:bodyPr rtlCol="0" anchor="ctr"/>
+          <a:p>
+            <a:pPr algn="ctr"/>
+            <a:r>
+              <a:rPr lang="zh-CN" altLang="en-US"/>
+              <a:t>服务注册</a:t>
+            </a:r>
+            <a:endParaRPr lang="zh-CN" altLang="en-US"/>
+          </a:p>
+        </p:txBody>
+      </p:sp>
+      <p:sp>
+        <p:nvSpPr>
+          <p:cNvPr id="5" name="矩形 4"/>
+          <p:cNvSpPr/>
+          <p:nvPr/>
+        </p:nvSpPr>
+        <p:spPr>
+          <a:xfrm>
+            <a:off x="1040765" y="3662680"/>
+            <a:ext cx="1368425" cy="432435"/>
+          </a:xfrm>
+          <a:prstGeom prst="rect">
+            <a:avLst/>
+          </a:prstGeom>
+          <a:solidFill>
+            <a:schemeClr val="accent4"/>
+          </a:solidFill>
+        </p:spPr>
+        <p:style>
+          <a:lnRef idx="2">
+            <a:schemeClr val="accent1">
+              <a:shade val="50000"/>
+            </a:schemeClr>
+          </a:lnRef>
+          <a:fillRef idx="1">
+            <a:schemeClr val="accent1"/>
+          </a:fillRef>
+          <a:effectRef idx="0">
+            <a:schemeClr val="accent1"/>
+          </a:effectRef>
+          <a:fontRef idx="minor">
+            <a:schemeClr val="lt1"/>
+          </a:fontRef>
+        </p:style>
+        <p:txBody>
+          <a:bodyPr rtlCol="0" anchor="ctr"/>
+          <a:p>
+            <a:pPr algn="ctr"/>
+            <a:r>
+              <a:rPr lang="zh-CN" altLang="en-US"/>
+              <a:t>传输</a:t>
+            </a:r>
+            <a:endParaRPr lang="zh-CN" altLang="en-US"/>
+          </a:p>
+        </p:txBody>
+      </p:sp>
+      <p:sp>
+        <p:nvSpPr>
+          <p:cNvPr id="6" name="矩形 5"/>
+          <p:cNvSpPr/>
+          <p:nvPr/>
+        </p:nvSpPr>
+        <p:spPr>
+          <a:xfrm>
+            <a:off x="1040765" y="4095115"/>
+            <a:ext cx="1368425" cy="432435"/>
+          </a:xfrm>
+          <a:prstGeom prst="rect">
+            <a:avLst/>
+          </a:prstGeom>
+          <a:solidFill>
+            <a:schemeClr val="accent5"/>
+          </a:solidFill>
+        </p:spPr>
+        <p:style>
+          <a:lnRef idx="2">
+            <a:schemeClr val="accent1">
+              <a:shade val="50000"/>
+            </a:schemeClr>
+          </a:lnRef>
+          <a:fillRef idx="1">
+            <a:schemeClr val="accent1"/>
+          </a:fillRef>
+          <a:effectRef idx="0">
+            <a:schemeClr val="accent1"/>
+          </a:effectRef>
+          <a:fontRef idx="minor">
+            <a:schemeClr val="lt1"/>
+          </a:fontRef>
+        </p:style>
+        <p:txBody>
+          <a:bodyPr rtlCol="0" anchor="ctr"/>
+          <a:p>
+            <a:pPr algn="ctr"/>
+            <a:r>
+              <a:rPr lang="zh-CN" altLang="en-US"/>
+              <a:t>序列化</a:t>
+            </a:r>
+            <a:endParaRPr lang="zh-CN" altLang="en-US"/>
+          </a:p>
+        </p:txBody>
+      </p:sp>
+      <p:sp>
+        <p:nvSpPr>
+          <p:cNvPr id="7" name="矩形 6"/>
+          <p:cNvSpPr/>
+          <p:nvPr/>
+        </p:nvSpPr>
+        <p:spPr>
+          <a:xfrm>
+            <a:off x="6410325" y="2797810"/>
+            <a:ext cx="1368425" cy="432435"/>
+          </a:xfrm>
+          <a:prstGeom prst="rect">
+            <a:avLst/>
+          </a:prstGeom>
+          <a:solidFill>
+            <a:schemeClr val="bg2">
+              <a:lumMod val="50000"/>
+            </a:schemeClr>
+          </a:solidFill>
+        </p:spPr>
+        <p:style>
+          <a:lnRef idx="2">
+            <a:schemeClr val="accent1">
+              <a:shade val="50000"/>
+            </a:schemeClr>
+          </a:lnRef>
+          <a:fillRef idx="1">
+            <a:schemeClr val="accent1"/>
+          </a:fillRef>
+          <a:effectRef idx="0">
+            <a:schemeClr val="accent1"/>
+          </a:effectRef>
+          <a:fontRef idx="minor">
+            <a:schemeClr val="lt1"/>
+          </a:fontRef>
+        </p:style>
+        <p:txBody>
+          <a:bodyPr rtlCol="0" anchor="ctr"/>
+          <a:p>
+            <a:pPr algn="ctr"/>
+            <a:r>
+              <a:rPr lang="zh-CN" altLang="en-US"/>
+              <a:t>代理</a:t>
+            </a:r>
+            <a:r>
+              <a:rPr lang="zh-CN" altLang="en-US"/>
+              <a:t>接口</a:t>
+            </a:r>
+            <a:endParaRPr lang="zh-CN" altLang="en-US"/>
+          </a:p>
+        </p:txBody>
+      </p:sp>
+      <p:sp>
+        <p:nvSpPr>
+          <p:cNvPr id="8" name="矩形 7"/>
+          <p:cNvSpPr/>
+          <p:nvPr/>
+        </p:nvSpPr>
+        <p:spPr>
+          <a:xfrm>
+            <a:off x="6410325" y="3230245"/>
+            <a:ext cx="1368425" cy="432435"/>
+          </a:xfrm>
+          <a:prstGeom prst="rect">
+            <a:avLst/>
+          </a:prstGeom>
+          <a:solidFill>
+            <a:schemeClr val="accent3"/>
+          </a:solidFill>
+        </p:spPr>
+        <p:style>
+          <a:lnRef idx="2">
+            <a:schemeClr val="accent1">
+              <a:shade val="50000"/>
+            </a:schemeClr>
+          </a:lnRef>
+          <a:fillRef idx="1">
+            <a:schemeClr val="accent1"/>
+          </a:fillRef>
+          <a:effectRef idx="0">
+            <a:schemeClr val="accent1"/>
+          </a:effectRef>
+          <a:fontRef idx="minor">
+            <a:schemeClr val="lt1"/>
+          </a:fontRef>
+        </p:style>
+        <p:txBody>
+          <a:bodyPr rtlCol="0" anchor="ctr"/>
+          <a:p>
+            <a:pPr algn="ctr"/>
+            <a:r>
+              <a:rPr lang="zh-CN" altLang="en-US"/>
+              <a:t>服务发现</a:t>
+            </a:r>
+            <a:endParaRPr lang="zh-CN" altLang="en-US"/>
+          </a:p>
+        </p:txBody>
+      </p:sp>
+      <p:sp>
+        <p:nvSpPr>
+          <p:cNvPr id="9" name="矩形 8"/>
+          <p:cNvSpPr/>
+          <p:nvPr/>
+        </p:nvSpPr>
+        <p:spPr>
+          <a:xfrm>
+            <a:off x="6410325" y="3662680"/>
+            <a:ext cx="1368425" cy="432435"/>
+          </a:xfrm>
+          <a:prstGeom prst="rect">
+            <a:avLst/>
+          </a:prstGeom>
+          <a:solidFill>
+            <a:schemeClr val="accent4"/>
+          </a:solidFill>
+        </p:spPr>
+        <p:style>
+          <a:lnRef idx="2">
+            <a:schemeClr val="accent1">
+              <a:shade val="50000"/>
+            </a:schemeClr>
+          </a:lnRef>
+          <a:fillRef idx="1">
+            <a:schemeClr val="accent1"/>
+          </a:fillRef>
+          <a:effectRef idx="0">
+            <a:schemeClr val="accent1"/>
+          </a:effectRef>
+          <a:fontRef idx="minor">
+            <a:schemeClr val="lt1"/>
+          </a:fontRef>
+        </p:style>
+        <p:txBody>
+          <a:bodyPr rtlCol="0" anchor="ctr"/>
+          <a:p>
+            <a:pPr algn="ctr"/>
+            <a:r>
+              <a:rPr lang="zh-CN" altLang="en-US"/>
+              <a:t>传输</a:t>
+            </a:r>
+            <a:endParaRPr lang="zh-CN" altLang="en-US"/>
+          </a:p>
+        </p:txBody>
+      </p:sp>
+      <p:sp>
+        <p:nvSpPr>
+          <p:cNvPr id="10" name="矩形 9"/>
+          <p:cNvSpPr/>
+          <p:nvPr/>
+        </p:nvSpPr>
+        <p:spPr>
+          <a:xfrm>
+            <a:off x="6410325" y="4095115"/>
+            <a:ext cx="1368425" cy="432435"/>
+          </a:xfrm>
+          <a:prstGeom prst="rect">
+            <a:avLst/>
+          </a:prstGeom>
+          <a:solidFill>
+            <a:schemeClr val="accent5"/>
+          </a:solidFill>
+        </p:spPr>
+        <p:style>
+          <a:lnRef idx="2">
+            <a:schemeClr val="accent1">
+              <a:shade val="50000"/>
+            </a:schemeClr>
+          </a:lnRef>
+          <a:fillRef idx="1">
+            <a:schemeClr val="accent1"/>
+          </a:fillRef>
+          <a:effectRef idx="0">
+            <a:schemeClr val="accent1"/>
+          </a:effectRef>
+          <a:fontRef idx="minor">
+            <a:schemeClr val="lt1"/>
+          </a:fontRef>
+        </p:style>
+        <p:txBody>
+          <a:bodyPr rtlCol="0" anchor="ctr"/>
+          <a:p>
+            <a:pPr algn="ctr"/>
+            <a:r>
+              <a:rPr lang="zh-CN" altLang="en-US"/>
+              <a:t>序列化</a:t>
+            </a:r>
+            <a:endParaRPr lang="zh-CN" altLang="en-US"/>
+          </a:p>
+        </p:txBody>
+      </p:sp>
+      <p:sp>
+        <p:nvSpPr>
+          <p:cNvPr id="11" name="文本框 10"/>
+          <p:cNvSpPr txBox="1"/>
+          <p:nvPr/>
+        </p:nvSpPr>
+        <p:spPr>
+          <a:xfrm>
+            <a:off x="1007745" y="1958340"/>
+            <a:ext cx="1325880" cy="368300"/>
+          </a:xfrm>
+          <a:prstGeom prst="rect">
+            <a:avLst/>
+          </a:prstGeom>
+          <a:noFill/>
+        </p:spPr>
+        <p:txBody>
+          <a:bodyPr wrap="none" rtlCol="0">
+            <a:spAutoFit/>
+          </a:bodyPr>
+          <a:p>
+            <a:r>
+              <a:rPr lang="zh-CN" altLang="en-US"/>
+              <a:t>服务提供方</a:t>
+            </a:r>
+            <a:endParaRPr lang="zh-CN" altLang="en-US"/>
+          </a:p>
+        </p:txBody>
+      </p:sp>
+      <p:sp>
+        <p:nvSpPr>
+          <p:cNvPr id="12" name="文本框 11"/>
+          <p:cNvSpPr txBox="1"/>
+          <p:nvPr/>
+        </p:nvSpPr>
+        <p:spPr>
+          <a:xfrm>
+            <a:off x="6431915" y="1958340"/>
+            <a:ext cx="1325880" cy="368300"/>
+          </a:xfrm>
+          <a:prstGeom prst="rect">
+            <a:avLst/>
+          </a:prstGeom>
+          <a:noFill/>
+        </p:spPr>
+        <p:txBody>
+          <a:bodyPr wrap="none" rtlCol="0">
+            <a:spAutoFit/>
+          </a:bodyPr>
+          <a:p>
+            <a:r>
+              <a:rPr lang="zh-CN" altLang="en-US"/>
+              <a:t>服务消费方</a:t>
+            </a:r>
+            <a:endParaRPr lang="zh-CN" altLang="en-US"/>
+          </a:p>
+        </p:txBody>
+      </p:sp>
+      <p:sp>
+        <p:nvSpPr>
+          <p:cNvPr id="13" name="右箭头 12"/>
+          <p:cNvSpPr/>
+          <p:nvPr/>
+        </p:nvSpPr>
+        <p:spPr>
+          <a:xfrm>
+            <a:off x="2813050" y="2941955"/>
+            <a:ext cx="3458210" cy="144145"/>
+          </a:xfrm>
+          <a:prstGeom prst="rightArrow">
+            <a:avLst/>
+          </a:prstGeom>
+          <a:solidFill>
+            <a:schemeClr val="bg2">
+              <a:lumMod val="50000"/>
+            </a:schemeClr>
+          </a:solidFill>
+        </p:spPr>
+        <p:style>
+          <a:lnRef idx="2">
+            <a:schemeClr val="accent1">
+              <a:shade val="50000"/>
+            </a:schemeClr>
+          </a:lnRef>
+          <a:fillRef idx="1">
+            <a:schemeClr val="accent1"/>
+          </a:fillRef>
+          <a:effectRef idx="0">
+            <a:schemeClr val="accent1"/>
+          </a:effectRef>
+          <a:fontRef idx="minor">
+            <a:schemeClr val="lt1"/>
+          </a:fontRef>
+        </p:style>
+        <p:txBody>
+          <a:bodyPr rtlCol="0" anchor="ctr"/>
+          <a:p>
+            <a:pPr algn="ctr"/>
+            <a:endParaRPr lang="zh-CN" altLang="en-US"/>
+          </a:p>
+        </p:txBody>
+      </p:sp>
+      <p:sp>
+        <p:nvSpPr>
+          <p:cNvPr id="17" name="文本框 16"/>
+          <p:cNvSpPr txBox="1"/>
+          <p:nvPr/>
+        </p:nvSpPr>
+        <p:spPr>
+          <a:xfrm>
+            <a:off x="3451860" y="2579370"/>
+            <a:ext cx="2240280" cy="368300"/>
+          </a:xfrm>
+          <a:prstGeom prst="rect">
+            <a:avLst/>
+          </a:prstGeom>
+          <a:noFill/>
+        </p:spPr>
+        <p:txBody>
+          <a:bodyPr wrap="none" rtlCol="0">
+            <a:spAutoFit/>
+          </a:bodyPr>
+          <a:p>
+            <a:r>
+              <a:rPr lang="en-US" altLang="en-US"/>
+              <a:t>Service, Reference</a:t>
+            </a:r>
+            <a:endParaRPr lang="en-US" altLang="en-US"/>
+          </a:p>
+        </p:txBody>
+      </p:sp>
+      <p:sp>
+        <p:nvSpPr>
+          <p:cNvPr id="18" name="右箭头 17"/>
+          <p:cNvSpPr/>
+          <p:nvPr/>
+        </p:nvSpPr>
+        <p:spPr>
+          <a:xfrm>
+            <a:off x="2813050" y="3374390"/>
+            <a:ext cx="3458210" cy="144145"/>
+          </a:xfrm>
+          <a:prstGeom prst="rightArrow">
+            <a:avLst/>
+          </a:prstGeom>
+          <a:solidFill>
+            <a:schemeClr val="accent3"/>
+          </a:solidFill>
+        </p:spPr>
+        <p:style>
+          <a:lnRef idx="2">
+            <a:schemeClr val="accent1">
+              <a:shade val="50000"/>
+            </a:schemeClr>
+          </a:lnRef>
+          <a:fillRef idx="1">
+            <a:schemeClr val="accent1"/>
+          </a:fillRef>
+          <a:effectRef idx="0">
+            <a:schemeClr val="accent1"/>
+          </a:effectRef>
+          <a:fontRef idx="minor">
+            <a:schemeClr val="lt1"/>
+          </a:fontRef>
+        </p:style>
+        <p:txBody>
+          <a:bodyPr rtlCol="0" anchor="ctr"/>
+          <a:p>
+            <a:pPr algn="ctr"/>
+            <a:endParaRPr lang="zh-CN" altLang="en-US"/>
+          </a:p>
+        </p:txBody>
+      </p:sp>
+      <p:sp>
+        <p:nvSpPr>
+          <p:cNvPr id="19" name="右箭头 18"/>
+          <p:cNvSpPr/>
+          <p:nvPr/>
+        </p:nvSpPr>
+        <p:spPr>
+          <a:xfrm>
+            <a:off x="2813050" y="3858895"/>
+            <a:ext cx="3458210" cy="144145"/>
+          </a:xfrm>
+          <a:prstGeom prst="rightArrow">
+            <a:avLst/>
+          </a:prstGeom>
+          <a:solidFill>
+            <a:schemeClr val="accent4"/>
+          </a:solidFill>
+        </p:spPr>
+        <p:style>
+          <a:lnRef idx="2">
+            <a:schemeClr val="accent1">
+              <a:shade val="50000"/>
+            </a:schemeClr>
+          </a:lnRef>
+          <a:fillRef idx="1">
+            <a:schemeClr val="accent1"/>
+          </a:fillRef>
+          <a:effectRef idx="0">
+            <a:schemeClr val="accent1"/>
+          </a:effectRef>
+          <a:fontRef idx="minor">
+            <a:schemeClr val="lt1"/>
+          </a:fontRef>
+        </p:style>
+        <p:txBody>
+          <a:bodyPr rtlCol="0" anchor="ctr"/>
+          <a:p>
+            <a:pPr algn="ctr"/>
+            <a:endParaRPr lang="zh-CN" altLang="en-US"/>
+          </a:p>
+        </p:txBody>
+      </p:sp>
+      <p:sp>
+        <p:nvSpPr>
+          <p:cNvPr id="20" name="右箭头 19"/>
+          <p:cNvSpPr/>
+          <p:nvPr/>
+        </p:nvSpPr>
+        <p:spPr>
+          <a:xfrm>
+            <a:off x="2813050" y="4239260"/>
+            <a:ext cx="3458210" cy="144145"/>
+          </a:xfrm>
+          <a:prstGeom prst="rightArrow">
+            <a:avLst/>
+          </a:prstGeom>
+          <a:solidFill>
+            <a:schemeClr val="accent5"/>
+          </a:solidFill>
+        </p:spPr>
+        <p:style>
+          <a:lnRef idx="2">
+            <a:schemeClr val="accent1">
+              <a:shade val="50000"/>
+            </a:schemeClr>
+          </a:lnRef>
+          <a:fillRef idx="1">
+            <a:schemeClr val="accent1"/>
+          </a:fillRef>
+          <a:effectRef idx="0">
+            <a:schemeClr val="accent1"/>
+          </a:effectRef>
+          <a:fontRef idx="minor">
+            <a:schemeClr val="lt1"/>
+          </a:fontRef>
+        </p:style>
+        <p:txBody>
+          <a:bodyPr rtlCol="0" anchor="ctr"/>
+          <a:p>
+            <a:pPr algn="ctr"/>
+            <a:endParaRPr lang="zh-CN" altLang="en-US"/>
+          </a:p>
+        </p:txBody>
+      </p:sp>
+      <p:sp>
+        <p:nvSpPr>
+          <p:cNvPr id="21" name="文本框 20"/>
+          <p:cNvSpPr txBox="1"/>
+          <p:nvPr/>
+        </p:nvSpPr>
+        <p:spPr>
+          <a:xfrm>
+            <a:off x="3966210" y="3086100"/>
+            <a:ext cx="1211580" cy="368300"/>
+          </a:xfrm>
+          <a:prstGeom prst="rect">
+            <a:avLst/>
+          </a:prstGeom>
+          <a:noFill/>
+        </p:spPr>
+        <p:txBody>
+          <a:bodyPr wrap="none" rtlCol="0">
+            <a:spAutoFit/>
+          </a:bodyPr>
+          <a:p>
+            <a:r>
+              <a:rPr lang="en-US" altLang="zh-CN"/>
+              <a:t>Zookeeper</a:t>
+            </a:r>
+            <a:endParaRPr lang="en-US" altLang="zh-CN"/>
+          </a:p>
+        </p:txBody>
+      </p:sp>
+      <p:sp>
+        <p:nvSpPr>
+          <p:cNvPr id="22" name="文本框 21"/>
+          <p:cNvSpPr txBox="1"/>
+          <p:nvPr/>
+        </p:nvSpPr>
+        <p:spPr>
+          <a:xfrm>
+            <a:off x="3451860" y="3518535"/>
+            <a:ext cx="2468880" cy="368300"/>
+          </a:xfrm>
+          <a:prstGeom prst="rect">
+            <a:avLst/>
+          </a:prstGeom>
+          <a:noFill/>
+        </p:spPr>
+        <p:txBody>
+          <a:bodyPr wrap="none" rtlCol="0">
+            <a:spAutoFit/>
+          </a:bodyPr>
+          <a:p>
+            <a:r>
+              <a:rPr lang="en-US" altLang="zh-CN"/>
+              <a:t>Netty,Mina,dubbo,rmi</a:t>
+            </a:r>
+            <a:endParaRPr lang="en-US" altLang="zh-CN"/>
+          </a:p>
+        </p:txBody>
+      </p:sp>
+      <p:sp>
+        <p:nvSpPr>
+          <p:cNvPr id="23" name="文本框 22"/>
+          <p:cNvSpPr txBox="1"/>
+          <p:nvPr/>
+        </p:nvSpPr>
+        <p:spPr>
+          <a:xfrm>
+            <a:off x="3404235" y="3947795"/>
+            <a:ext cx="2697480" cy="368300"/>
+          </a:xfrm>
+          <a:prstGeom prst="rect">
+            <a:avLst/>
+          </a:prstGeom>
+          <a:noFill/>
+        </p:spPr>
+        <p:txBody>
+          <a:bodyPr wrap="none" rtlCol="0">
+            <a:spAutoFit/>
+          </a:bodyPr>
+          <a:p>
+            <a:r>
+              <a:rPr lang="en-US" altLang="zh-CN"/>
+              <a:t>hessian, protobuf,java</a:t>
+            </a:r>
+            <a:endParaRPr lang="en-US" altLang="zh-CN"/>
+          </a:p>
+        </p:txBody>
+      </p:sp>
+    </p:spTree>
+  </p:cSld>
+  <p:clrMapOvr>
+    <a:masterClrMapping/>
+  </p:clrMapOvr>
+</p:sld>
+</file>
+
+<file path=ppt/slides/slide11.xml><?xml version="1.0" encoding="utf-8"?>
+<p:sld xmlns:a="http://schemas.openxmlformats.org/drawingml/2006/main" xmlns:r="http://schemas.openxmlformats.org/officeDocument/2006/relationships" xmlns:p="http://schemas.openxmlformats.org/presentationml/2006/main">
+  <p:cSld>
+    <p:spTree>
+      <p:nvGrpSpPr>
+        <p:cNvPr id="1" name=""/>
+        <p:cNvGrpSpPr/>
+        <p:nvPr/>
+      </p:nvGrpSpPr>
       <p:grpSpPr>
         <a:xfrm>
           <a:off x="0" y="0"/>
@@ -6805,8 +7397,6 @@
               <a:srgbClr val="085886"/>
             </a:solidFill>
             <a:miter lim="800000"/>
-            <a:headEnd/>
-            <a:tailEnd/>
           </a:ln>
         </p:spPr>
         <p:txBody>
@@ -6819,10 +7409,16 @@
                 <a:solidFill>
                   <a:srgbClr val="FFFFFF"/>
                 </a:solidFill>
-                <a:latin typeface="Trebuchet MS" pitchFamily="34" charset="0"/>
+                <a:latin typeface="Trebuchet MS" panose="020B0603020202020204" pitchFamily="34" charset="0"/>
               </a:rPr>
               <a:t>Service</a:t>
             </a:r>
+            <a:endParaRPr lang="en-US" altLang="zh-CN" sz="1200" b="1" dirty="0">
+              <a:solidFill>
+                <a:srgbClr val="FFFFFF"/>
+              </a:solidFill>
+              <a:latin typeface="Trebuchet MS" panose="020B0603020202020204" pitchFamily="34" charset="0"/>
+            </a:endParaRPr>
           </a:p>
           <a:p>
             <a:pPr algn="ctr"/>
@@ -6831,10 +7427,16 @@
                 <a:solidFill>
                   <a:srgbClr val="FFFFFF"/>
                 </a:solidFill>
-                <a:latin typeface="Trebuchet MS" pitchFamily="34" charset="0"/>
+                <a:latin typeface="Trebuchet MS" panose="020B0603020202020204" pitchFamily="34" charset="0"/>
               </a:rPr>
               <a:t>Consumer</a:t>
             </a:r>
+            <a:endParaRPr lang="en-US" altLang="zh-CN" sz="1200" b="1" dirty="0">
+              <a:solidFill>
+                <a:srgbClr val="FFFFFF"/>
+              </a:solidFill>
+              <a:latin typeface="Trebuchet MS" panose="020B0603020202020204" pitchFamily="34" charset="0"/>
+            </a:endParaRPr>
           </a:p>
         </p:txBody>
       </p:sp>
@@ -6879,6 +7481,7 @@
               <a:rPr lang="en-US" sz="1400" dirty="0"/>
               <a:t>Dubbo</a:t>
             </a:r>
+            <a:endParaRPr lang="en-US" sz="1400" dirty="0"/>
           </a:p>
           <a:p>
             <a:pPr algn="ctr">
@@ -6916,8 +7519,6 @@
               <a:srgbClr val="085886"/>
             </a:solidFill>
             <a:miter lim="800000"/>
-            <a:headEnd/>
-            <a:tailEnd/>
           </a:ln>
         </p:spPr>
         <p:txBody>
@@ -6930,10 +7531,16 @@
                 <a:solidFill>
                   <a:srgbClr val="FFFFFF"/>
                 </a:solidFill>
-                <a:latin typeface="Trebuchet MS" pitchFamily="34" charset="0"/>
+                <a:latin typeface="Trebuchet MS" panose="020B0603020202020204" pitchFamily="34" charset="0"/>
               </a:rPr>
               <a:t>Service</a:t>
             </a:r>
+            <a:endParaRPr lang="en-US" altLang="zh-CN" sz="1200" b="1" dirty="0">
+              <a:solidFill>
+                <a:srgbClr val="FFFFFF"/>
+              </a:solidFill>
+              <a:latin typeface="Trebuchet MS" panose="020B0603020202020204" pitchFamily="34" charset="0"/>
+            </a:endParaRPr>
           </a:p>
           <a:p>
             <a:pPr algn="ctr"/>
@@ -6942,10 +7549,16 @@
                 <a:solidFill>
                   <a:srgbClr val="FFFFFF"/>
                 </a:solidFill>
-                <a:latin typeface="Trebuchet MS" pitchFamily="34" charset="0"/>
+                <a:latin typeface="Trebuchet MS" panose="020B0603020202020204" pitchFamily="34" charset="0"/>
               </a:rPr>
               <a:t>Provider</a:t>
             </a:r>
+            <a:endParaRPr lang="en-US" altLang="zh-CN" sz="1200" b="1" dirty="0">
+              <a:solidFill>
+                <a:srgbClr val="FFFFFF"/>
+              </a:solidFill>
+              <a:latin typeface="Trebuchet MS" panose="020B0603020202020204" pitchFamily="34" charset="0"/>
+            </a:endParaRPr>
           </a:p>
         </p:txBody>
       </p:sp>
@@ -6973,7 +7586,6 @@
               <a:srgbClr val="003366"/>
             </a:solidFill>
             <a:round/>
-            <a:headEnd/>
             <a:tailEnd type="arrow" w="med" len="med"/>
           </a:ln>
         </p:spPr>
@@ -7049,10 +7661,16 @@
                 <a:solidFill>
                   <a:srgbClr val="FFFFFF"/>
                 </a:solidFill>
-                <a:latin typeface="Trebuchet MS" pitchFamily="34" charset="0"/>
+                <a:latin typeface="Trebuchet MS" panose="020B0603020202020204" pitchFamily="34" charset="0"/>
               </a:rPr>
               <a:t>Dubbo Invoker</a:t>
             </a:r>
+            <a:endParaRPr lang="en-US" altLang="zh-CN" sz="1200" b="1" dirty="0">
+              <a:solidFill>
+                <a:srgbClr val="FFFFFF"/>
+              </a:solidFill>
+              <a:latin typeface="Trebuchet MS" panose="020B0603020202020204" pitchFamily="34" charset="0"/>
+            </a:endParaRPr>
           </a:p>
         </p:txBody>
       </p:sp>
@@ -7098,10 +7716,16 @@
                 <a:solidFill>
                   <a:srgbClr val="FFFFFF"/>
                 </a:solidFill>
-                <a:latin typeface="Trebuchet MS" pitchFamily="34" charset="0"/>
+                <a:latin typeface="Trebuchet MS" panose="020B0603020202020204" pitchFamily="34" charset="0"/>
               </a:rPr>
               <a:t>Dubbo Exporter</a:t>
             </a:r>
+            <a:endParaRPr lang="en-US" altLang="zh-CN" sz="1200" b="1" dirty="0">
+              <a:solidFill>
+                <a:srgbClr val="FFFFFF"/>
+              </a:solidFill>
+              <a:latin typeface="Trebuchet MS" panose="020B0603020202020204" pitchFamily="34" charset="0"/>
+            </a:endParaRPr>
           </a:p>
         </p:txBody>
       </p:sp>
@@ -7125,8 +7749,6 @@
           <a:ln w="9525">
             <a:noFill/>
             <a:miter lim="800000"/>
-            <a:headEnd/>
-            <a:tailEnd/>
           </a:ln>
         </p:spPr>
         <p:txBody>
@@ -7203,8 +7825,6 @@
           <a:ln w="9525">
             <a:noFill/>
             <a:miter lim="800000"/>
-            <a:headEnd/>
-            <a:tailEnd/>
           </a:ln>
         </p:spPr>
         <p:txBody>
@@ -7281,8 +7901,6 @@
           <a:ln w="9525">
             <a:noFill/>
             <a:miter lim="800000"/>
-            <a:headEnd/>
-            <a:tailEnd/>
           </a:ln>
         </p:spPr>
         <p:txBody>
@@ -7350,8 +7968,6 @@
           <a:ln w="9525">
             <a:noFill/>
             <a:miter lim="800000"/>
-            <a:headEnd/>
-            <a:tailEnd/>
           </a:ln>
         </p:spPr>
         <p:txBody>
@@ -7463,6 +8079,7 @@
               <a:rPr lang="en-US" altLang="zh-CN" sz="1400" dirty="0"/>
               <a:t>onitor</a:t>
             </a:r>
+            <a:endParaRPr lang="en-US" altLang="zh-CN" sz="1400" dirty="0"/>
           </a:p>
         </p:txBody>
       </p:sp>
@@ -7490,7 +8107,6 @@
             </a:solidFill>
             <a:prstDash val="dash"/>
             <a:round/>
-            <a:headEnd/>
             <a:tailEnd type="arrow" w="med" len="med"/>
           </a:ln>
         </p:spPr>
@@ -7519,7 +8135,6 @@
             </a:solidFill>
             <a:prstDash val="dash"/>
             <a:round/>
-            <a:headEnd/>
             <a:tailEnd type="arrow" w="med" len="med"/>
           </a:ln>
         </p:spPr>
@@ -7544,8 +8159,6 @@
           <a:ln w="9525">
             <a:noFill/>
             <a:miter lim="800000"/>
-            <a:headEnd/>
-            <a:tailEnd/>
           </a:ln>
         </p:spPr>
         <p:txBody>
@@ -7610,7 +8223,6 @@
               <a:srgbClr val="003366"/>
             </a:solidFill>
             <a:round/>
-            <a:headEnd/>
             <a:tailEnd type="arrow" w="med" len="med"/>
           </a:ln>
         </p:spPr>
@@ -7637,7 +8249,6 @@
               <a:srgbClr val="003366"/>
             </a:solidFill>
             <a:round/>
-            <a:headEnd/>
             <a:tailEnd type="arrow" w="med" len="med"/>
           </a:ln>
         </p:spPr>
@@ -7665,7 +8276,6 @@
             </a:solidFill>
             <a:prstDash val="dash"/>
             <a:round/>
-            <a:headEnd/>
             <a:tailEnd type="arrow" w="med" len="med"/>
           </a:ln>
         </p:spPr>
@@ -7803,83 +8413,6 @@
         </p:style>
       </p:cxnSp>
     </p:spTree>
-    <p:extLst>
-      <p:ext uri="{BB962C8B-B14F-4D97-AF65-F5344CB8AC3E}">
-        <p14:creationId xmlns:p14="http://schemas.microsoft.com/office/powerpoint/2010/main" xmlns="" val="286356081"/>
-      </p:ext>
-    </p:extLst>
-  </p:cSld>
-  <p:clrMapOvr>
-    <a:masterClrMapping/>
-  </p:clrMapOvr>
-  <p:timing>
-    <p:tnLst>
-      <p:par>
-        <p:cTn id="1" dur="indefinite" restart="never" nodeType="tmRoot"/>
-      </p:par>
-    </p:tnLst>
-  </p:timing>
-</p:sld>
-</file>
-
-<file path=ppt/slides/slide11.xml><?xml version="1.0" encoding="utf-8"?>
-<p:sld xmlns:a="http://schemas.openxmlformats.org/drawingml/2006/main" xmlns:r="http://schemas.openxmlformats.org/officeDocument/2006/relationships" xmlns:p="http://schemas.openxmlformats.org/presentationml/2006/main">
-  <p:cSld>
-    <p:spTree>
-      <p:nvGrpSpPr>
-        <p:cNvPr id="1" name=""/>
-        <p:cNvGrpSpPr/>
-        <p:nvPr/>
-      </p:nvGrpSpPr>
-      <p:grpSpPr>
-        <a:xfrm>
-          <a:off x="0" y="0"/>
-          <a:ext cx="0" cy="0"/>
-          <a:chOff x="0" y="0"/>
-          <a:chExt cx="0" cy="0"/>
-        </a:xfrm>
-      </p:grpSpPr>
-      <p:sp>
-        <p:nvSpPr>
-          <p:cNvPr id="3" name="TextBox 2"/>
-          <p:cNvSpPr txBox="1"/>
-          <p:nvPr/>
-        </p:nvSpPr>
-        <p:spPr>
-          <a:xfrm>
-            <a:off x="683568" y="2708920"/>
-            <a:ext cx="7920880" cy="707886"/>
-          </a:xfrm>
-          <a:prstGeom prst="rect">
-            <a:avLst/>
-          </a:prstGeom>
-          <a:noFill/>
-        </p:spPr>
-        <p:txBody>
-          <a:bodyPr wrap="square" rtlCol="0">
-            <a:spAutoFit/>
-          </a:bodyPr>
-          <a:lstStyle/>
-          <a:p>
-            <a:pPr algn="ctr"/>
-            <a:r>
-              <a:rPr lang="en-US" altLang="zh-CN" sz="4000" dirty="0" smtClean="0"/>
-              <a:t>4</a:t>
-            </a:r>
-            <a:r>
-              <a:rPr lang="zh-CN" altLang="en-US" sz="4000" dirty="0" smtClean="0"/>
-              <a:t>、快速启动</a:t>
-            </a:r>
-            <a:endParaRPr lang="en-US" altLang="zh-CN" sz="4000" dirty="0" smtClean="0"/>
-          </a:p>
-        </p:txBody>
-      </p:sp>
-    </p:spTree>
-    <p:extLst>
-      <p:ext uri="{BB962C8B-B14F-4D97-AF65-F5344CB8AC3E}">
-        <p14:creationId xmlns:p14="http://schemas.microsoft.com/office/powerpoint/2010/main" xmlns="" val="1479103877"/>
-      </p:ext>
-    </p:extLst>
   </p:cSld>
   <p:clrMapOvr>
     <a:masterClrMapping/>
@@ -7913,43 +8446,14 @@
       </p:grpSpPr>
       <p:sp>
         <p:nvSpPr>
-          <p:cNvPr id="2" name="标题 1"/>
-          <p:cNvSpPr>
-            <a:spLocks noGrp="1"/>
-          </p:cNvSpPr>
-          <p:nvPr>
-            <p:ph type="title"/>
-          </p:nvPr>
-        </p:nvSpPr>
-        <p:spPr>
-          <a:xfrm>
-            <a:off x="0" y="27856"/>
-            <a:ext cx="9144000" cy="664840"/>
-          </a:xfrm>
-        </p:spPr>
-        <p:txBody>
-          <a:bodyPr/>
-          <a:lstStyle/>
-          <a:p>
-            <a:pPr marL="514350" indent="-514350"/>
-            <a:r>
-              <a:rPr lang="zh-CN" altLang="en-US" dirty="0" smtClean="0"/>
-              <a:t>快速启动</a:t>
-            </a:r>
-            <a:endParaRPr lang="en-US" altLang="zh-CN" dirty="0" smtClean="0"/>
-          </a:p>
-        </p:txBody>
-      </p:sp>
-      <p:sp>
-        <p:nvSpPr>
           <p:cNvPr id="3" name="TextBox 2"/>
           <p:cNvSpPr txBox="1"/>
           <p:nvPr/>
         </p:nvSpPr>
         <p:spPr>
           <a:xfrm>
-            <a:off x="683568" y="1124744"/>
-            <a:ext cx="7920880" cy="2123658"/>
+            <a:off x="683568" y="2708920"/>
+            <a:ext cx="7920880" cy="707886"/>
           </a:xfrm>
           <a:prstGeom prst="rect">
             <a:avLst/>
@@ -7962,111 +8466,20 @@
           </a:bodyPr>
           <a:lstStyle/>
           <a:p>
-            <a:r>
-              <a:rPr lang="zh-CN" altLang="en-US" sz="3600" dirty="0" smtClean="0">
-                <a:solidFill>
-                  <a:schemeClr val="tx2">
-                    <a:lumMod val="60000"/>
-                    <a:lumOff val="40000"/>
-                  </a:schemeClr>
-                </a:solidFill>
-                <a:latin typeface="微软雅黑" pitchFamily="34" charset="-122"/>
-                <a:ea typeface="微软雅黑" pitchFamily="34" charset="-122"/>
-              </a:rPr>
-              <a:t>快速启动</a:t>
-            </a:r>
-            <a:endParaRPr lang="en-US" altLang="zh-CN" sz="3600" dirty="0" smtClean="0">
-              <a:solidFill>
-                <a:schemeClr val="tx2">
-                  <a:lumMod val="60000"/>
-                  <a:lumOff val="40000"/>
-                </a:schemeClr>
-              </a:solidFill>
-              <a:latin typeface="微软雅黑" pitchFamily="34" charset="-122"/>
-              <a:ea typeface="微软雅黑" pitchFamily="34" charset="-122"/>
-            </a:endParaRPr>
-          </a:p>
-          <a:p>
-            <a:endParaRPr lang="en-US" altLang="zh-CN" sz="2400" dirty="0" smtClean="0">
-              <a:latin typeface="微软雅黑" pitchFamily="34" charset="-122"/>
-              <a:ea typeface="微软雅黑" pitchFamily="34" charset="-122"/>
-            </a:endParaRPr>
-          </a:p>
-          <a:p>
-            <a:r>
-              <a:rPr lang="en-US" altLang="zh-CN" sz="2400" dirty="0"/>
-              <a:t>Dubbo</a:t>
-            </a:r>
-            <a:r>
-              <a:rPr lang="zh-CN" altLang="en-US" sz="2400" dirty="0"/>
-              <a:t>采用全</a:t>
-            </a:r>
-            <a:r>
-              <a:rPr lang="en-US" altLang="zh-CN" sz="2400" dirty="0"/>
-              <a:t>Spring</a:t>
-            </a:r>
-            <a:r>
-              <a:rPr lang="zh-CN" altLang="en-US" sz="2400" dirty="0"/>
-              <a:t>配置方式，透明化接入应用，对应用没有任何</a:t>
-            </a:r>
-            <a:r>
-              <a:rPr lang="en-US" altLang="zh-CN" sz="2400" dirty="0"/>
-              <a:t>API</a:t>
-            </a:r>
-            <a:r>
-              <a:rPr lang="zh-CN" altLang="en-US" sz="2400" dirty="0"/>
-              <a:t>侵入，只需用</a:t>
-            </a:r>
-            <a:r>
-              <a:rPr lang="en-US" altLang="zh-CN" sz="2400" dirty="0"/>
-              <a:t>Spring</a:t>
-            </a:r>
-            <a:r>
-              <a:rPr lang="zh-CN" altLang="en-US" sz="2400" dirty="0"/>
-              <a:t>加载</a:t>
-            </a:r>
-            <a:r>
-              <a:rPr lang="en-US" altLang="zh-CN" sz="2400" dirty="0"/>
-              <a:t>Dubbo</a:t>
-            </a:r>
-            <a:r>
-              <a:rPr lang="zh-CN" altLang="en-US" sz="2400" dirty="0"/>
-              <a:t>的配置即可，</a:t>
-            </a:r>
-            <a:r>
-              <a:rPr lang="en-US" altLang="zh-CN" sz="2400" dirty="0"/>
-              <a:t>Dubbo</a:t>
-            </a:r>
-            <a:r>
-              <a:rPr lang="zh-CN" altLang="en-US" sz="2400" dirty="0"/>
-              <a:t>基于</a:t>
-            </a:r>
-            <a:r>
-              <a:rPr lang="en-US" altLang="zh-CN" sz="2400" dirty="0"/>
-              <a:t>Spring</a:t>
-            </a:r>
-            <a:r>
-              <a:rPr lang="zh-CN" altLang="en-US" sz="2400" dirty="0"/>
-              <a:t>的</a:t>
-            </a:r>
-            <a:r>
-              <a:rPr lang="en-US" altLang="zh-CN" sz="2400" dirty="0"/>
-              <a:t>Schema</a:t>
-            </a:r>
-            <a:r>
-              <a:rPr lang="zh-CN" altLang="en-US" sz="2400" dirty="0"/>
-              <a:t>扩展进行加载。</a:t>
-            </a:r>
-            <a:endParaRPr lang="zh-CN" altLang="en-US" sz="2400" b="1" dirty="0"/>
+            <a:pPr algn="ctr"/>
+            <a:r>
+              <a:rPr lang="en-US" altLang="zh-CN" sz="4000" dirty="0" smtClean="0"/>
+              <a:t>4</a:t>
+            </a:r>
+            <a:r>
+              <a:rPr lang="zh-CN" altLang="en-US" sz="4000" dirty="0" smtClean="0"/>
+              <a:t>、快速启动</a:t>
+            </a:r>
+            <a:endParaRPr lang="en-US" altLang="zh-CN" sz="4000" dirty="0" smtClean="0"/>
           </a:p>
         </p:txBody>
       </p:sp>
     </p:spTree>
-    <p:extLst>
-      <p:ext uri="{BB962C8B-B14F-4D97-AF65-F5344CB8AC3E}">
-        <p14:creationId xmlns:p14="http://schemas.microsoft.com/office/powerpoint/2010/main" xmlns="" val="3346705100"/>
-      </p:ext>
-    </p:extLst>
   </p:cSld>
   <p:clrMapOvr>
     <a:masterClrMapping/>
@@ -8100,14 +8513,43 @@
       </p:grpSpPr>
       <p:sp>
         <p:nvSpPr>
+          <p:cNvPr id="2" name="标题 1"/>
+          <p:cNvSpPr>
+            <a:spLocks noGrp="1"/>
+          </p:cNvSpPr>
+          <p:nvPr>
+            <p:ph type="title"/>
+          </p:nvPr>
+        </p:nvSpPr>
+        <p:spPr>
+          <a:xfrm>
+            <a:off x="0" y="27856"/>
+            <a:ext cx="9144000" cy="664840"/>
+          </a:xfrm>
+        </p:spPr>
+        <p:txBody>
+          <a:bodyPr/>
+          <a:lstStyle/>
+          <a:p>
+            <a:pPr marL="514350" indent="-514350"/>
+            <a:r>
+              <a:rPr lang="zh-CN" altLang="en-US" dirty="0" smtClean="0"/>
+              <a:t>快速启动</a:t>
+            </a:r>
+            <a:endParaRPr lang="en-US" altLang="zh-CN" dirty="0" smtClean="0"/>
+          </a:p>
+        </p:txBody>
+      </p:sp>
+      <p:sp>
+        <p:nvSpPr>
           <p:cNvPr id="3" name="TextBox 2"/>
           <p:cNvSpPr txBox="1"/>
           <p:nvPr/>
         </p:nvSpPr>
         <p:spPr>
           <a:xfrm>
-            <a:off x="683568" y="2708920"/>
-            <a:ext cx="7920880" cy="707886"/>
+            <a:off x="683568" y="1124744"/>
+            <a:ext cx="7920880" cy="2123658"/>
           </a:xfrm>
           <a:prstGeom prst="rect">
             <a:avLst/>
@@ -8120,25 +8562,106 @@
           </a:bodyPr>
           <a:lstStyle/>
           <a:p>
-            <a:pPr algn="ctr"/>
-            <a:r>
-              <a:rPr lang="en-US" altLang="zh-CN" sz="4000" dirty="0" smtClean="0"/>
-              <a:t>5</a:t>
-            </a:r>
-            <a:r>
-              <a:rPr lang="zh-CN" altLang="en-US" sz="4000" dirty="0" smtClean="0"/>
-              <a:t>、服务提供者</a:t>
-            </a:r>
-            <a:endParaRPr lang="en-US" altLang="zh-CN" sz="4000" dirty="0" smtClean="0"/>
+            <a:r>
+              <a:rPr lang="zh-CN" altLang="en-US" sz="3600" dirty="0" smtClean="0">
+                <a:solidFill>
+                  <a:schemeClr val="tx2">
+                    <a:lumMod val="60000"/>
+                    <a:lumOff val="40000"/>
+                  </a:schemeClr>
+                </a:solidFill>
+                <a:latin typeface="微软雅黑" panose="020B0503020204020204" pitchFamily="34" charset="-122"/>
+                <a:ea typeface="微软雅黑" panose="020B0503020204020204" pitchFamily="34" charset="-122"/>
+              </a:rPr>
+              <a:t>快速启动</a:t>
+            </a:r>
+            <a:endParaRPr lang="en-US" altLang="zh-CN" sz="3600" dirty="0" smtClean="0">
+              <a:solidFill>
+                <a:schemeClr val="tx2">
+                  <a:lumMod val="60000"/>
+                  <a:lumOff val="40000"/>
+                </a:schemeClr>
+              </a:solidFill>
+              <a:latin typeface="微软雅黑" panose="020B0503020204020204" pitchFamily="34" charset="-122"/>
+              <a:ea typeface="微软雅黑" panose="020B0503020204020204" pitchFamily="34" charset="-122"/>
+            </a:endParaRPr>
+          </a:p>
+          <a:p>
+            <a:endParaRPr lang="en-US" altLang="zh-CN" sz="2400" dirty="0" smtClean="0">
+              <a:latin typeface="微软雅黑" panose="020B0503020204020204" pitchFamily="34" charset="-122"/>
+              <a:ea typeface="微软雅黑" panose="020B0503020204020204" pitchFamily="34" charset="-122"/>
+            </a:endParaRPr>
+          </a:p>
+          <a:p>
+            <a:r>
+              <a:rPr lang="en-US" altLang="zh-CN" sz="2400" dirty="0"/>
+              <a:t>Dubbo</a:t>
+            </a:r>
+            <a:r>
+              <a:rPr lang="zh-CN" altLang="en-US" sz="2400" dirty="0"/>
+              <a:t>采用全</a:t>
+            </a:r>
+            <a:r>
+              <a:rPr lang="en-US" altLang="zh-CN" sz="2400" dirty="0"/>
+              <a:t>Spring</a:t>
+            </a:r>
+            <a:r>
+              <a:rPr lang="zh-CN" altLang="en-US" sz="2400" dirty="0"/>
+              <a:t>配置方式，透明化接入应用，对应用没有任何</a:t>
+            </a:r>
+            <a:r>
+              <a:rPr lang="en-US" altLang="zh-CN" sz="2400" dirty="0"/>
+              <a:t>API</a:t>
+            </a:r>
+            <a:r>
+              <a:rPr lang="zh-CN" altLang="en-US" sz="2400" dirty="0"/>
+              <a:t>侵入，只需用</a:t>
+            </a:r>
+            <a:r>
+              <a:rPr lang="en-US" altLang="zh-CN" sz="2400" dirty="0"/>
+              <a:t>Spring</a:t>
+            </a:r>
+            <a:r>
+              <a:rPr lang="zh-CN" altLang="en-US" sz="2400" dirty="0"/>
+              <a:t>加载</a:t>
+            </a:r>
+            <a:r>
+              <a:rPr lang="en-US" altLang="zh-CN" sz="2400" dirty="0"/>
+              <a:t>Dubbo</a:t>
+            </a:r>
+            <a:r>
+              <a:rPr lang="zh-CN" altLang="en-US" sz="2400" dirty="0"/>
+              <a:t>的配置即可，</a:t>
+            </a:r>
+            <a:r>
+              <a:rPr lang="en-US" altLang="zh-CN" sz="2400" dirty="0"/>
+              <a:t>Dubbo</a:t>
+            </a:r>
+            <a:r>
+              <a:rPr lang="zh-CN" altLang="en-US" sz="2400" dirty="0"/>
+              <a:t>基于</a:t>
+            </a:r>
+            <a:r>
+              <a:rPr lang="en-US" altLang="zh-CN" sz="2400" dirty="0"/>
+              <a:t>Spring</a:t>
+            </a:r>
+            <a:r>
+              <a:rPr lang="zh-CN" altLang="en-US" sz="2400" dirty="0"/>
+              <a:t>的</a:t>
+            </a:r>
+            <a:r>
+              <a:rPr lang="en-US" altLang="zh-CN" sz="2400" dirty="0"/>
+              <a:t>Schema</a:t>
+            </a:r>
+            <a:r>
+              <a:rPr lang="zh-CN" altLang="en-US" sz="2400" dirty="0"/>
+              <a:t>扩展进行加载。</a:t>
+            </a:r>
+            <a:endParaRPr lang="zh-CN" altLang="en-US" sz="2400" b="1" dirty="0"/>
           </a:p>
         </p:txBody>
       </p:sp>
     </p:spTree>
-    <p:extLst>
-      <p:ext uri="{BB962C8B-B14F-4D97-AF65-F5344CB8AC3E}">
-        <p14:creationId xmlns:p14="http://schemas.microsoft.com/office/powerpoint/2010/main" xmlns="" val="1762489811"/>
-      </p:ext>
-    </p:extLst>
   </p:cSld>
   <p:clrMapOvr>
     <a:masterClrMapping/>
@@ -8172,43 +8695,14 @@
       </p:grpSpPr>
       <p:sp>
         <p:nvSpPr>
-          <p:cNvPr id="2" name="标题 1"/>
-          <p:cNvSpPr>
-            <a:spLocks noGrp="1"/>
-          </p:cNvSpPr>
-          <p:nvPr>
-            <p:ph type="title"/>
-          </p:nvPr>
-        </p:nvSpPr>
-        <p:spPr>
-          <a:xfrm>
-            <a:off x="107504" y="27856"/>
-            <a:ext cx="9036496" cy="664840"/>
-          </a:xfrm>
-        </p:spPr>
-        <p:txBody>
-          <a:bodyPr/>
-          <a:lstStyle/>
-          <a:p>
-            <a:pPr marL="514350" indent="-514350"/>
-            <a:r>
-              <a:rPr lang="zh-CN" altLang="en-US" dirty="0" smtClean="0"/>
-              <a:t>服务提供者</a:t>
-            </a:r>
-            <a:endParaRPr lang="en-US" altLang="zh-CN" dirty="0" smtClean="0"/>
-          </a:p>
-        </p:txBody>
-      </p:sp>
-      <p:sp>
-        <p:nvSpPr>
           <p:cNvPr id="3" name="TextBox 2"/>
           <p:cNvSpPr txBox="1"/>
           <p:nvPr/>
         </p:nvSpPr>
         <p:spPr>
           <a:xfrm>
-            <a:off x="683568" y="1124744"/>
-            <a:ext cx="7920880" cy="1754326"/>
+            <a:off x="683568" y="2708920"/>
+            <a:ext cx="7920880" cy="707886"/>
           </a:xfrm>
           <a:prstGeom prst="rect">
             <a:avLst/>
@@ -8221,140 +8715,20 @@
           </a:bodyPr>
           <a:lstStyle/>
           <a:p>
-            <a:r>
-              <a:rPr lang="zh-CN" altLang="en-US" sz="3600" dirty="0">
-                <a:solidFill>
-                  <a:schemeClr val="tx2">
-                    <a:lumMod val="60000"/>
-                    <a:lumOff val="40000"/>
-                  </a:schemeClr>
-                </a:solidFill>
-                <a:latin typeface="微软雅黑" pitchFamily="34" charset="-122"/>
-                <a:ea typeface="微软雅黑" pitchFamily="34" charset="-122"/>
-              </a:rPr>
-              <a:t>定义服务</a:t>
-            </a:r>
-            <a:r>
-              <a:rPr lang="zh-CN" altLang="en-US" sz="3600" dirty="0" smtClean="0">
-                <a:solidFill>
-                  <a:schemeClr val="tx2">
-                    <a:lumMod val="60000"/>
-                    <a:lumOff val="40000"/>
-                  </a:schemeClr>
-                </a:solidFill>
-                <a:latin typeface="微软雅黑" pitchFamily="34" charset="-122"/>
-                <a:ea typeface="微软雅黑" pitchFamily="34" charset="-122"/>
-              </a:rPr>
-              <a:t>接口</a:t>
-            </a:r>
-            <a:endParaRPr lang="en-US" altLang="zh-CN" sz="3600" dirty="0" smtClean="0">
-              <a:solidFill>
-                <a:schemeClr val="tx2">
-                  <a:lumMod val="60000"/>
-                  <a:lumOff val="40000"/>
-                </a:schemeClr>
-              </a:solidFill>
-              <a:latin typeface="微软雅黑" pitchFamily="34" charset="-122"/>
-              <a:ea typeface="微软雅黑" pitchFamily="34" charset="-122"/>
-            </a:endParaRPr>
-          </a:p>
-          <a:p>
-            <a:endParaRPr lang="en-US" altLang="zh-CN" sz="2400" dirty="0" smtClean="0">
-              <a:latin typeface="微软雅黑" pitchFamily="34" charset="-122"/>
-              <a:ea typeface="微软雅黑" pitchFamily="34" charset="-122"/>
-            </a:endParaRPr>
-          </a:p>
-          <a:p>
-            <a:r>
-              <a:rPr lang="zh-CN" altLang="en-US" sz="2400" dirty="0"/>
-              <a:t>定义服务接口</a:t>
-            </a:r>
-            <a:r>
-              <a:rPr lang="en-US" altLang="zh-CN" sz="2400" dirty="0"/>
-              <a:t>: (</a:t>
-            </a:r>
-            <a:r>
-              <a:rPr lang="zh-CN" altLang="en-US" sz="2400" dirty="0"/>
-              <a:t>该接口需单独打包，在服务提供方和消费方共享</a:t>
-            </a:r>
-            <a:r>
-              <a:rPr lang="en-US" altLang="zh-CN" sz="2400" dirty="0"/>
-              <a:t>)</a:t>
-            </a:r>
-            <a:endParaRPr lang="zh-CN" altLang="en-US" sz="2400" b="1" dirty="0"/>
-          </a:p>
-        </p:txBody>
-      </p:sp>
-      <p:pic>
-        <p:nvPicPr>
-          <p:cNvPr id="1026" name="Picture 2"/>
-          <p:cNvPicPr>
-            <a:picLocks noChangeAspect="1" noChangeArrowheads="1"/>
-          </p:cNvPicPr>
-          <p:nvPr/>
-        </p:nvPicPr>
-        <p:blipFill>
-          <a:blip r:embed="rId3" cstate="print">
-            <a:extLst>
-              <a:ext uri="{28A0092B-C50C-407E-A947-70E740481C1C}">
-                <a14:useLocalDpi xmlns:a14="http://schemas.microsoft.com/office/drawing/2010/main" xmlns="" val="0"/>
-              </a:ext>
-            </a:extLst>
-          </a:blip>
-          <a:srcRect/>
-          <a:stretch>
-            <a:fillRect/>
-          </a:stretch>
-        </p:blipFill>
-        <p:spPr bwMode="auto">
-          <a:xfrm>
-            <a:off x="827584" y="2996952"/>
-            <a:ext cx="5514975" cy="2609850"/>
-          </a:xfrm>
-          <a:prstGeom prst="rect">
-            <a:avLst/>
-          </a:prstGeom>
-          <a:noFill/>
-          <a:ln>
-            <a:noFill/>
-          </a:ln>
-          <a:effectLst/>
-          <a:extLst>
-            <a:ext uri="{909E8E84-426E-40DD-AFC4-6F175D3DCCD1}">
-              <a14:hiddenFill xmlns:a14="http://schemas.microsoft.com/office/drawing/2010/main" xmlns="">
-                <a:solidFill>
-                  <a:schemeClr val="accent1"/>
-                </a:solidFill>
-              </a14:hiddenFill>
-            </a:ext>
-            <a:ext uri="{91240B29-F687-4F45-9708-019B960494DF}">
-              <a14:hiddenLine xmlns:a14="http://schemas.microsoft.com/office/drawing/2010/main" xmlns="" w="9525">
-                <a:solidFill>
-                  <a:schemeClr val="tx1"/>
-                </a:solidFill>
-                <a:miter lim="800000"/>
-                <a:headEnd/>
-                <a:tailEnd/>
-              </a14:hiddenLine>
-            </a:ext>
-            <a:ext uri="{AF507438-7753-43E0-B8FC-AC1667EBCBE1}">
-              <a14:hiddenEffects xmlns:a14="http://schemas.microsoft.com/office/drawing/2010/main" xmlns="">
-                <a:effectLst>
-                  <a:outerShdw dist="35921" dir="2700000" algn="ctr" rotWithShape="0">
-                    <a:schemeClr val="bg2"/>
-                  </a:outerShdw>
-                </a:effectLst>
-              </a14:hiddenEffects>
-            </a:ext>
-          </a:extLst>
-        </p:spPr>
-      </p:pic>
+            <a:pPr algn="ctr"/>
+            <a:r>
+              <a:rPr lang="en-US" altLang="zh-CN" sz="4000" dirty="0" smtClean="0"/>
+              <a:t>5</a:t>
+            </a:r>
+            <a:r>
+              <a:rPr lang="zh-CN" altLang="en-US" sz="4000" dirty="0" smtClean="0"/>
+              <a:t>、服务提供者</a:t>
+            </a:r>
+            <a:endParaRPr lang="en-US" altLang="zh-CN" sz="4000" dirty="0" smtClean="0"/>
+          </a:p>
+        </p:txBody>
+      </p:sp>
     </p:spTree>
-    <p:extLst>
-      <p:ext uri="{BB962C8B-B14F-4D97-AF65-F5344CB8AC3E}">
-        <p14:creationId xmlns:p14="http://schemas.microsoft.com/office/powerpoint/2010/main" xmlns="" val="53818327"/>
-      </p:ext>
-    </p:extLst>
   </p:cSld>
   <p:clrMapOvr>
     <a:masterClrMapping/>
@@ -8408,8 +8782,8 @@
           <a:p>
             <a:pPr marL="514350" indent="-514350"/>
             <a:r>
-              <a:rPr lang="zh-CN" altLang="en-US" dirty="0"/>
-              <a:t>在服务提供方实现接口</a:t>
+              <a:rPr lang="zh-CN" altLang="en-US" dirty="0" smtClean="0"/>
+              <a:t>服务提供者</a:t>
             </a:r>
             <a:endParaRPr lang="en-US" altLang="zh-CN" dirty="0" smtClean="0"/>
           </a:p>
@@ -8424,7 +8798,7 @@
         <p:spPr>
           <a:xfrm>
             <a:off x="683568" y="1124744"/>
-            <a:ext cx="7920880" cy="1384995"/>
+            <a:ext cx="7920880" cy="1754326"/>
           </a:xfrm>
           <a:prstGeom prst="rect">
             <a:avLst/>
@@ -8445,10 +8819,10 @@
                     <a:lumOff val="40000"/>
                   </a:schemeClr>
                 </a:solidFill>
-                <a:latin typeface="微软雅黑" pitchFamily="34" charset="-122"/>
-                <a:ea typeface="微软雅黑" pitchFamily="34" charset="-122"/>
-              </a:rPr>
-              <a:t>在服务提供方实现</a:t>
+                <a:latin typeface="微软雅黑" panose="020B0503020204020204" pitchFamily="34" charset="-122"/>
+                <a:ea typeface="微软雅黑" panose="020B0503020204020204" pitchFamily="34" charset="-122"/>
+              </a:rPr>
+              <a:t>定义服务</a:t>
             </a:r>
             <a:r>
               <a:rPr lang="zh-CN" altLang="en-US" sz="3600" dirty="0" smtClean="0">
@@ -8458,8 +8832,8 @@
                     <a:lumOff val="40000"/>
                   </a:schemeClr>
                 </a:solidFill>
-                <a:latin typeface="微软雅黑" pitchFamily="34" charset="-122"/>
-                <a:ea typeface="微软雅黑" pitchFamily="34" charset="-122"/>
+                <a:latin typeface="微软雅黑" panose="020B0503020204020204" pitchFamily="34" charset="-122"/>
+                <a:ea typeface="微软雅黑" panose="020B0503020204020204" pitchFamily="34" charset="-122"/>
               </a:rPr>
               <a:t>接口</a:t>
             </a:r>
@@ -8470,28 +8844,28 @@
                   <a:lumOff val="40000"/>
                 </a:schemeClr>
               </a:solidFill>
-              <a:latin typeface="微软雅黑" pitchFamily="34" charset="-122"/>
-              <a:ea typeface="微软雅黑" pitchFamily="34" charset="-122"/>
+              <a:latin typeface="微软雅黑" panose="020B0503020204020204" pitchFamily="34" charset="-122"/>
+              <a:ea typeface="微软雅黑" panose="020B0503020204020204" pitchFamily="34" charset="-122"/>
             </a:endParaRPr>
           </a:p>
           <a:p>
             <a:endParaRPr lang="en-US" altLang="zh-CN" sz="2400" dirty="0" smtClean="0">
-              <a:latin typeface="微软雅黑" pitchFamily="34" charset="-122"/>
-              <a:ea typeface="微软雅黑" pitchFamily="34" charset="-122"/>
+              <a:latin typeface="微软雅黑" panose="020B0503020204020204" pitchFamily="34" charset="-122"/>
+              <a:ea typeface="微软雅黑" panose="020B0503020204020204" pitchFamily="34" charset="-122"/>
             </a:endParaRPr>
           </a:p>
           <a:p>
             <a:r>
               <a:rPr lang="zh-CN" altLang="en-US" sz="2400" dirty="0"/>
-              <a:t>在服务提供方实现接口：</a:t>
+              <a:t>定义服务接口</a:t>
             </a:r>
             <a:r>
               <a:rPr lang="en-US" altLang="zh-CN" sz="2400" dirty="0"/>
-              <a:t>(</a:t>
+              <a:t>: (</a:t>
             </a:r>
             <a:r>
               <a:rPr lang="zh-CN" altLang="en-US" sz="2400" dirty="0"/>
-              <a:t>对服务消费方隐藏实现</a:t>
+              <a:t>该接口需单独打包，在服务提供方和消费方共享</a:t>
             </a:r>
             <a:r>
               <a:rPr lang="en-US" altLang="zh-CN" sz="2400" dirty="0"/>
@@ -8503,17 +8877,17 @@
       </p:sp>
       <p:pic>
         <p:nvPicPr>
-          <p:cNvPr id="2050" name="Picture 2"/>
+          <p:cNvPr id="1026" name="Picture 2"/>
           <p:cNvPicPr>
             <a:picLocks noChangeAspect="1" noChangeArrowheads="1"/>
           </p:cNvPicPr>
           <p:nvPr/>
         </p:nvPicPr>
         <p:blipFill>
-          <a:blip r:embed="rId3" cstate="print">
+          <a:blip r:embed="rId1" cstate="print">
             <a:extLst>
               <a:ext uri="{28A0092B-C50C-407E-A947-70E740481C1C}">
-                <a14:useLocalDpi xmlns:a14="http://schemas.microsoft.com/office/drawing/2010/main" xmlns="" val="0"/>
+                <a14:useLocalDpi xmlns:a14="http://schemas.microsoft.com/office/drawing/2010/main" val="0"/>
               </a:ext>
             </a:extLst>
           </a:blip>
@@ -8524,8 +8898,8 @@
         </p:blipFill>
         <p:spPr bwMode="auto">
           <a:xfrm>
-            <a:off x="827584" y="2636912"/>
-            <a:ext cx="5524500" cy="3667125"/>
+            <a:off x="827584" y="2996952"/>
+            <a:ext cx="5514975" cy="2609850"/>
           </a:xfrm>
           <a:prstGeom prst="rect">
             <a:avLst/>
@@ -8537,14 +8911,14 @@
           <a:effectLst/>
           <a:extLst>
             <a:ext uri="{909E8E84-426E-40DD-AFC4-6F175D3DCCD1}">
-              <a14:hiddenFill xmlns:a14="http://schemas.microsoft.com/office/drawing/2010/main" xmlns="">
+              <a14:hiddenFill xmlns:a14="http://schemas.microsoft.com/office/drawing/2010/main">
                 <a:solidFill>
                   <a:schemeClr val="accent1"/>
                 </a:solidFill>
               </a14:hiddenFill>
             </a:ext>
             <a:ext uri="{91240B29-F687-4F45-9708-019B960494DF}">
-              <a14:hiddenLine xmlns:a14="http://schemas.microsoft.com/office/drawing/2010/main" xmlns="" w="9525">
+              <a14:hiddenLine xmlns:a14="http://schemas.microsoft.com/office/drawing/2010/main" w="9525">
                 <a:solidFill>
                   <a:schemeClr val="tx1"/>
                 </a:solidFill>
@@ -8554,7 +8928,7 @@
               </a14:hiddenLine>
             </a:ext>
             <a:ext uri="{AF507438-7753-43E0-B8FC-AC1667EBCBE1}">
-              <a14:hiddenEffects xmlns:a14="http://schemas.microsoft.com/office/drawing/2010/main" xmlns="">
+              <a14:hiddenEffects xmlns:a14="http://schemas.microsoft.com/office/drawing/2010/main">
                 <a:effectLst>
                   <a:outerShdw dist="35921" dir="2700000" algn="ctr" rotWithShape="0">
                     <a:schemeClr val="bg2"/>
@@ -8566,11 +8940,6 @@
         </p:spPr>
       </p:pic>
     </p:spTree>
-    <p:extLst>
-      <p:ext uri="{BB962C8B-B14F-4D97-AF65-F5344CB8AC3E}">
-        <p14:creationId xmlns:p14="http://schemas.microsoft.com/office/powerpoint/2010/main" xmlns="" val="1687488006"/>
-      </p:ext>
-    </p:extLst>
   </p:cSld>
   <p:clrMapOvr>
     <a:masterClrMapping/>
@@ -8625,33 +8994,111 @@
             <a:pPr marL="514350" indent="-514350"/>
             <a:r>
               <a:rPr lang="zh-CN" altLang="en-US" dirty="0"/>
-              <a:t>用</a:t>
-            </a:r>
-            <a:r>
-              <a:rPr lang="en-US" altLang="zh-CN" dirty="0"/>
-              <a:t>Spring</a:t>
-            </a:r>
-            <a:r>
-              <a:rPr lang="zh-CN" altLang="en-US" dirty="0"/>
-              <a:t>配置声明暴露服务</a:t>
+              <a:t>在服务提供方实现接口</a:t>
             </a:r>
             <a:endParaRPr lang="en-US" altLang="zh-CN" dirty="0" smtClean="0"/>
+          </a:p>
+        </p:txBody>
+      </p:sp>
+      <p:sp>
+        <p:nvSpPr>
+          <p:cNvPr id="3" name="TextBox 2"/>
+          <p:cNvSpPr txBox="1"/>
+          <p:nvPr/>
+        </p:nvSpPr>
+        <p:spPr>
+          <a:xfrm>
+            <a:off x="683568" y="1124744"/>
+            <a:ext cx="7920880" cy="1384995"/>
+          </a:xfrm>
+          <a:prstGeom prst="rect">
+            <a:avLst/>
+          </a:prstGeom>
+          <a:noFill/>
+        </p:spPr>
+        <p:txBody>
+          <a:bodyPr wrap="square" rtlCol="0">
+            <a:spAutoFit/>
+          </a:bodyPr>
+          <a:lstStyle/>
+          <a:p>
+            <a:r>
+              <a:rPr lang="zh-CN" altLang="en-US" sz="3600" dirty="0">
+                <a:solidFill>
+                  <a:schemeClr val="tx2">
+                    <a:lumMod val="60000"/>
+                    <a:lumOff val="40000"/>
+                  </a:schemeClr>
+                </a:solidFill>
+                <a:latin typeface="微软雅黑" panose="020B0503020204020204" pitchFamily="34" charset="-122"/>
+                <a:ea typeface="微软雅黑" panose="020B0503020204020204" pitchFamily="34" charset="-122"/>
+              </a:rPr>
+              <a:t>在服务提供方实现</a:t>
+            </a:r>
+            <a:r>
+              <a:rPr lang="zh-CN" altLang="en-US" sz="3600" dirty="0" smtClean="0">
+                <a:solidFill>
+                  <a:schemeClr val="tx2">
+                    <a:lumMod val="60000"/>
+                    <a:lumOff val="40000"/>
+                  </a:schemeClr>
+                </a:solidFill>
+                <a:latin typeface="微软雅黑" panose="020B0503020204020204" pitchFamily="34" charset="-122"/>
+                <a:ea typeface="微软雅黑" panose="020B0503020204020204" pitchFamily="34" charset="-122"/>
+              </a:rPr>
+              <a:t>接口</a:t>
+            </a:r>
+            <a:endParaRPr lang="en-US" altLang="zh-CN" sz="3600" dirty="0" smtClean="0">
+              <a:solidFill>
+                <a:schemeClr val="tx2">
+                  <a:lumMod val="60000"/>
+                  <a:lumOff val="40000"/>
+                </a:schemeClr>
+              </a:solidFill>
+              <a:latin typeface="微软雅黑" panose="020B0503020204020204" pitchFamily="34" charset="-122"/>
+              <a:ea typeface="微软雅黑" panose="020B0503020204020204" pitchFamily="34" charset="-122"/>
+            </a:endParaRPr>
+          </a:p>
+          <a:p>
+            <a:endParaRPr lang="en-US" altLang="zh-CN" sz="2400" dirty="0" smtClean="0">
+              <a:latin typeface="微软雅黑" panose="020B0503020204020204" pitchFamily="34" charset="-122"/>
+              <a:ea typeface="微软雅黑" panose="020B0503020204020204" pitchFamily="34" charset="-122"/>
+            </a:endParaRPr>
+          </a:p>
+          <a:p>
+            <a:r>
+              <a:rPr lang="zh-CN" altLang="en-US" sz="2400" dirty="0"/>
+              <a:t>在服务提供方实现接口：</a:t>
+            </a:r>
+            <a:r>
+              <a:rPr lang="en-US" altLang="zh-CN" sz="2400" dirty="0"/>
+              <a:t>(</a:t>
+            </a:r>
+            <a:r>
+              <a:rPr lang="zh-CN" altLang="en-US" sz="2400" dirty="0"/>
+              <a:t>对服务消费方隐藏实现</a:t>
+            </a:r>
+            <a:r>
+              <a:rPr lang="en-US" altLang="zh-CN" sz="2400" dirty="0"/>
+              <a:t>)</a:t>
+            </a:r>
+            <a:endParaRPr lang="zh-CN" altLang="en-US" sz="2400" b="1" dirty="0"/>
           </a:p>
         </p:txBody>
       </p:sp>
       <p:pic>
         <p:nvPicPr>
-          <p:cNvPr id="3075" name="Picture 3"/>
+          <p:cNvPr id="2050" name="Picture 2"/>
           <p:cNvPicPr>
             <a:picLocks noChangeAspect="1" noChangeArrowheads="1"/>
           </p:cNvPicPr>
           <p:nvPr/>
         </p:nvPicPr>
         <p:blipFill>
-          <a:blip r:embed="rId3" cstate="print">
+          <a:blip r:embed="rId1" cstate="print">
             <a:extLst>
               <a:ext uri="{28A0092B-C50C-407E-A947-70E740481C1C}">
-                <a14:useLocalDpi xmlns:a14="http://schemas.microsoft.com/office/drawing/2010/main" xmlns="" val="0"/>
+                <a14:useLocalDpi xmlns:a14="http://schemas.microsoft.com/office/drawing/2010/main" val="0"/>
               </a:ext>
             </a:extLst>
           </a:blip>
@@ -8662,8 +9109,8 @@
         </p:blipFill>
         <p:spPr bwMode="auto">
           <a:xfrm>
-            <a:off x="371475" y="980728"/>
-            <a:ext cx="8401050" cy="5734050"/>
+            <a:off x="827584" y="2636912"/>
+            <a:ext cx="5524500" cy="3667125"/>
           </a:xfrm>
           <a:prstGeom prst="rect">
             <a:avLst/>
@@ -8675,14 +9122,14 @@
           <a:effectLst/>
           <a:extLst>
             <a:ext uri="{909E8E84-426E-40DD-AFC4-6F175D3DCCD1}">
-              <a14:hiddenFill xmlns:a14="http://schemas.microsoft.com/office/drawing/2010/main" xmlns="">
+              <a14:hiddenFill xmlns:a14="http://schemas.microsoft.com/office/drawing/2010/main">
                 <a:solidFill>
                   <a:schemeClr val="accent1"/>
                 </a:solidFill>
               </a14:hiddenFill>
             </a:ext>
             <a:ext uri="{91240B29-F687-4F45-9708-019B960494DF}">
-              <a14:hiddenLine xmlns:a14="http://schemas.microsoft.com/office/drawing/2010/main" xmlns="" w="9525">
+              <a14:hiddenLine xmlns:a14="http://schemas.microsoft.com/office/drawing/2010/main" w="9525">
                 <a:solidFill>
                   <a:schemeClr val="tx1"/>
                 </a:solidFill>
@@ -8692,7 +9139,7 @@
               </a14:hiddenLine>
             </a:ext>
             <a:ext uri="{AF507438-7753-43E0-B8FC-AC1667EBCBE1}">
-              <a14:hiddenEffects xmlns:a14="http://schemas.microsoft.com/office/drawing/2010/main" xmlns="">
+              <a14:hiddenEffects xmlns:a14="http://schemas.microsoft.com/office/drawing/2010/main">
                 <a:effectLst>
                   <a:outerShdw dist="35921" dir="2700000" algn="ctr" rotWithShape="0">
                     <a:schemeClr val="bg2"/>
@@ -8704,11 +9151,6 @@
         </p:spPr>
       </p:pic>
     </p:spTree>
-    <p:extLst>
-      <p:ext uri="{BB962C8B-B14F-4D97-AF65-F5344CB8AC3E}">
-        <p14:creationId xmlns:p14="http://schemas.microsoft.com/office/powerpoint/2010/main" xmlns="" val="2309389394"/>
-      </p:ext>
-    </p:extLst>
   </p:cSld>
   <p:clrMapOvr>
     <a:masterClrMapping/>
@@ -8763,7 +9205,7 @@
             <a:pPr marL="514350" indent="-514350"/>
             <a:r>
               <a:rPr lang="zh-CN" altLang="en-US" dirty="0"/>
-              <a:t>加载</a:t>
+              <a:t>用</a:t>
             </a:r>
             <a:r>
               <a:rPr lang="en-US" altLang="zh-CN" dirty="0"/>
@@ -8771,7 +9213,7 @@
             </a:r>
             <a:r>
               <a:rPr lang="zh-CN" altLang="en-US" dirty="0"/>
-              <a:t>配置</a:t>
+              <a:t>配置声明暴露服务</a:t>
             </a:r>
             <a:endParaRPr lang="en-US" altLang="zh-CN" dirty="0" smtClean="0"/>
           </a:p>
@@ -8779,17 +9221,17 @@
       </p:sp>
       <p:pic>
         <p:nvPicPr>
-          <p:cNvPr id="4098" name="Picture 2"/>
+          <p:cNvPr id="3075" name="Picture 3"/>
           <p:cNvPicPr>
             <a:picLocks noChangeAspect="1" noChangeArrowheads="1"/>
           </p:cNvPicPr>
           <p:nvPr/>
         </p:nvPicPr>
         <p:blipFill>
-          <a:blip r:embed="rId3" cstate="print">
+          <a:blip r:embed="rId1" cstate="print">
             <a:extLst>
               <a:ext uri="{28A0092B-C50C-407E-A947-70E740481C1C}">
-                <a14:useLocalDpi xmlns:a14="http://schemas.microsoft.com/office/drawing/2010/main" xmlns="" val="0"/>
+                <a14:useLocalDpi xmlns:a14="http://schemas.microsoft.com/office/drawing/2010/main" val="0"/>
               </a:ext>
             </a:extLst>
           </a:blip>
@@ -8800,8 +9242,8 @@
         </p:blipFill>
         <p:spPr bwMode="auto">
           <a:xfrm>
-            <a:off x="395536" y="1052736"/>
-            <a:ext cx="7696200" cy="3905250"/>
+            <a:off x="371475" y="980728"/>
+            <a:ext cx="8401050" cy="5734050"/>
           </a:xfrm>
           <a:prstGeom prst="rect">
             <a:avLst/>
@@ -8813,14 +9255,14 @@
           <a:effectLst/>
           <a:extLst>
             <a:ext uri="{909E8E84-426E-40DD-AFC4-6F175D3DCCD1}">
-              <a14:hiddenFill xmlns:a14="http://schemas.microsoft.com/office/drawing/2010/main" xmlns="">
+              <a14:hiddenFill xmlns:a14="http://schemas.microsoft.com/office/drawing/2010/main">
                 <a:solidFill>
                   <a:schemeClr val="accent1"/>
                 </a:solidFill>
               </a14:hiddenFill>
             </a:ext>
             <a:ext uri="{91240B29-F687-4F45-9708-019B960494DF}">
-              <a14:hiddenLine xmlns:a14="http://schemas.microsoft.com/office/drawing/2010/main" xmlns="" w="9525">
+              <a14:hiddenLine xmlns:a14="http://schemas.microsoft.com/office/drawing/2010/main" w="9525">
                 <a:solidFill>
                   <a:schemeClr val="tx1"/>
                 </a:solidFill>
@@ -8830,7 +9272,7 @@
               </a14:hiddenLine>
             </a:ext>
             <a:ext uri="{AF507438-7753-43E0-B8FC-AC1667EBCBE1}">
-              <a14:hiddenEffects xmlns:a14="http://schemas.microsoft.com/office/drawing/2010/main" xmlns="">
+              <a14:hiddenEffects xmlns:a14="http://schemas.microsoft.com/office/drawing/2010/main">
                 <a:effectLst>
                   <a:outerShdw dist="35921" dir="2700000" algn="ctr" rotWithShape="0">
                     <a:schemeClr val="bg2"/>
@@ -8842,11 +9284,6 @@
         </p:spPr>
       </p:pic>
     </p:spTree>
-    <p:extLst>
-      <p:ext uri="{BB962C8B-B14F-4D97-AF65-F5344CB8AC3E}">
-        <p14:creationId xmlns:p14="http://schemas.microsoft.com/office/powerpoint/2010/main" xmlns="" val="2258472777"/>
-      </p:ext>
-    </p:extLst>
   </p:cSld>
   <p:clrMapOvr>
     <a:masterClrMapping/>
@@ -8880,45 +9317,106 @@
       </p:grpSpPr>
       <p:sp>
         <p:nvSpPr>
-          <p:cNvPr id="3" name="TextBox 2"/>
-          <p:cNvSpPr txBox="1"/>
-          <p:nvPr/>
+          <p:cNvPr id="2" name="标题 1"/>
+          <p:cNvSpPr>
+            <a:spLocks noGrp="1"/>
+          </p:cNvSpPr>
+          <p:nvPr>
+            <p:ph type="title"/>
+          </p:nvPr>
         </p:nvSpPr>
         <p:spPr>
           <a:xfrm>
-            <a:off x="683568" y="2708920"/>
-            <a:ext cx="7920880" cy="707886"/>
+            <a:off x="107504" y="27856"/>
+            <a:ext cx="9036496" cy="664840"/>
+          </a:xfrm>
+        </p:spPr>
+        <p:txBody>
+          <a:bodyPr/>
+          <a:lstStyle/>
+          <a:p>
+            <a:pPr marL="514350" indent="-514350"/>
+            <a:r>
+              <a:rPr lang="zh-CN" altLang="en-US" dirty="0"/>
+              <a:t>加载</a:t>
+            </a:r>
+            <a:r>
+              <a:rPr lang="en-US" altLang="zh-CN" dirty="0"/>
+              <a:t>Spring</a:t>
+            </a:r>
+            <a:r>
+              <a:rPr lang="zh-CN" altLang="en-US" dirty="0"/>
+              <a:t>配置</a:t>
+            </a:r>
+            <a:endParaRPr lang="en-US" altLang="zh-CN" dirty="0" smtClean="0"/>
+          </a:p>
+        </p:txBody>
+      </p:sp>
+      <p:pic>
+        <p:nvPicPr>
+          <p:cNvPr id="4098" name="Picture 2"/>
+          <p:cNvPicPr>
+            <a:picLocks noChangeAspect="1" noChangeArrowheads="1"/>
+          </p:cNvPicPr>
+          <p:nvPr/>
+        </p:nvPicPr>
+        <p:blipFill>
+          <a:blip r:embed="rId1" cstate="print">
+            <a:extLst>
+              <a:ext uri="{28A0092B-C50C-407E-A947-70E740481C1C}">
+                <a14:useLocalDpi xmlns:a14="http://schemas.microsoft.com/office/drawing/2010/main" val="0"/>
+              </a:ext>
+            </a:extLst>
+          </a:blip>
+          <a:srcRect/>
+          <a:stretch>
+            <a:fillRect/>
+          </a:stretch>
+        </p:blipFill>
+        <p:spPr bwMode="auto">
+          <a:xfrm>
+            <a:off x="395536" y="1052736"/>
+            <a:ext cx="7696200" cy="3905250"/>
           </a:xfrm>
           <a:prstGeom prst="rect">
             <a:avLst/>
           </a:prstGeom>
           <a:noFill/>
+          <a:ln>
+            <a:noFill/>
+          </a:ln>
+          <a:effectLst/>
+          <a:extLst>
+            <a:ext uri="{909E8E84-426E-40DD-AFC4-6F175D3DCCD1}">
+              <a14:hiddenFill xmlns:a14="http://schemas.microsoft.com/office/drawing/2010/main">
+                <a:solidFill>
+                  <a:schemeClr val="accent1"/>
+                </a:solidFill>
+              </a14:hiddenFill>
+            </a:ext>
+            <a:ext uri="{91240B29-F687-4F45-9708-019B960494DF}">
+              <a14:hiddenLine xmlns:a14="http://schemas.microsoft.com/office/drawing/2010/main" w="9525">
+                <a:solidFill>
+                  <a:schemeClr val="tx1"/>
+                </a:solidFill>
+                <a:miter lim="800000"/>
+                <a:headEnd/>
+                <a:tailEnd/>
+              </a14:hiddenLine>
+            </a:ext>
+            <a:ext uri="{AF507438-7753-43E0-B8FC-AC1667EBCBE1}">
+              <a14:hiddenEffects xmlns:a14="http://schemas.microsoft.com/office/drawing/2010/main">
+                <a:effectLst>
+                  <a:outerShdw dist="35921" dir="2700000" algn="ctr" rotWithShape="0">
+                    <a:schemeClr val="bg2"/>
+                  </a:outerShdw>
+                </a:effectLst>
+              </a14:hiddenEffects>
+            </a:ext>
+          </a:extLst>
         </p:spPr>
-        <p:txBody>
-          <a:bodyPr wrap="square" rtlCol="0">
-            <a:spAutoFit/>
-          </a:bodyPr>
-          <a:lstStyle/>
-          <a:p>
-            <a:pPr algn="ctr"/>
-            <a:r>
-              <a:rPr lang="en-US" altLang="zh-CN" sz="4000" dirty="0" smtClean="0"/>
-              <a:t>6</a:t>
-            </a:r>
-            <a:r>
-              <a:rPr lang="zh-CN" altLang="en-US" sz="4000" dirty="0" smtClean="0"/>
-              <a:t>、服务消费者</a:t>
-            </a:r>
-            <a:endParaRPr lang="en-US" altLang="zh-CN" sz="4000" dirty="0" smtClean="0"/>
-          </a:p>
-        </p:txBody>
-      </p:sp>
+      </p:pic>
     </p:spTree>
-    <p:extLst>
-      <p:ext uri="{BB962C8B-B14F-4D97-AF65-F5344CB8AC3E}">
-        <p14:creationId xmlns:p14="http://schemas.microsoft.com/office/powerpoint/2010/main" xmlns="" val="30888651"/>
-      </p:ext>
-    </p:extLst>
   </p:cSld>
   <p:clrMapOvr>
     <a:masterClrMapping/>
@@ -8952,111 +9450,40 @@
       </p:grpSpPr>
       <p:sp>
         <p:nvSpPr>
-          <p:cNvPr id="2" name="标题 1"/>
-          <p:cNvSpPr>
-            <a:spLocks noGrp="1"/>
-          </p:cNvSpPr>
-          <p:nvPr>
-            <p:ph type="title"/>
-          </p:nvPr>
+          <p:cNvPr id="3" name="TextBox 2"/>
+          <p:cNvSpPr txBox="1"/>
+          <p:nvPr/>
         </p:nvSpPr>
         <p:spPr>
           <a:xfrm>
-            <a:off x="161925" y="27856"/>
-            <a:ext cx="8982075" cy="664840"/>
-          </a:xfrm>
-        </p:spPr>
-        <p:txBody>
-          <a:bodyPr/>
-          <a:lstStyle/>
-          <a:p>
-            <a:pPr marL="514350" indent="-514350"/>
-            <a:r>
-              <a:rPr lang="zh-CN" altLang="en-US" dirty="0"/>
-              <a:t>通过</a:t>
-            </a:r>
-            <a:r>
-              <a:rPr lang="en-US" altLang="zh-CN" dirty="0"/>
-              <a:t>Spring</a:t>
-            </a:r>
-            <a:r>
-              <a:rPr lang="zh-CN" altLang="en-US" dirty="0"/>
-              <a:t>配置引用远程服务</a:t>
-            </a:r>
-            <a:endParaRPr lang="en-US" altLang="zh-CN" dirty="0" smtClean="0"/>
-          </a:p>
-        </p:txBody>
-      </p:sp>
-      <p:pic>
-        <p:nvPicPr>
-          <p:cNvPr id="5122" name="Picture 2"/>
-          <p:cNvPicPr>
-            <a:picLocks noChangeAspect="1" noChangeArrowheads="1"/>
-          </p:cNvPicPr>
-          <p:nvPr/>
-        </p:nvPicPr>
-        <p:blipFill>
-          <a:blip r:embed="rId3" cstate="print">
-            <a:extLst>
-              <a:ext uri="{28A0092B-C50C-407E-A947-70E740481C1C}">
-                <a14:useLocalDpi xmlns:a14="http://schemas.microsoft.com/office/drawing/2010/main" xmlns="" val="0"/>
-              </a:ext>
-            </a:extLst>
-          </a:blip>
-          <a:srcRect/>
-          <a:stretch>
-            <a:fillRect/>
-          </a:stretch>
-        </p:blipFill>
-        <p:spPr bwMode="auto">
-          <a:xfrm>
-            <a:off x="161925" y="985838"/>
-            <a:ext cx="8820150" cy="4886325"/>
+            <a:off x="683568" y="2708920"/>
+            <a:ext cx="7920880" cy="707886"/>
           </a:xfrm>
           <a:prstGeom prst="rect">
             <a:avLst/>
           </a:prstGeom>
           <a:noFill/>
-          <a:ln>
-            <a:noFill/>
-          </a:ln>
-          <a:effectLst/>
-          <a:extLst>
-            <a:ext uri="{909E8E84-426E-40DD-AFC4-6F175D3DCCD1}">
-              <a14:hiddenFill xmlns:a14="http://schemas.microsoft.com/office/drawing/2010/main" xmlns="">
-                <a:solidFill>
-                  <a:schemeClr val="accent1"/>
-                </a:solidFill>
-              </a14:hiddenFill>
-            </a:ext>
-            <a:ext uri="{91240B29-F687-4F45-9708-019B960494DF}">
-              <a14:hiddenLine xmlns:a14="http://schemas.microsoft.com/office/drawing/2010/main" xmlns="" w="9525">
-                <a:solidFill>
-                  <a:schemeClr val="tx1"/>
-                </a:solidFill>
-                <a:miter lim="800000"/>
-                <a:headEnd/>
-                <a:tailEnd/>
-              </a14:hiddenLine>
-            </a:ext>
-            <a:ext uri="{AF507438-7753-43E0-B8FC-AC1667EBCBE1}">
-              <a14:hiddenEffects xmlns:a14="http://schemas.microsoft.com/office/drawing/2010/main" xmlns="">
-                <a:effectLst>
-                  <a:outerShdw dist="35921" dir="2700000" algn="ctr" rotWithShape="0">
-                    <a:schemeClr val="bg2"/>
-                  </a:outerShdw>
-                </a:effectLst>
-              </a14:hiddenEffects>
-            </a:ext>
-          </a:extLst>
         </p:spPr>
-      </p:pic>
+        <p:txBody>
+          <a:bodyPr wrap="square" rtlCol="0">
+            <a:spAutoFit/>
+          </a:bodyPr>
+          <a:lstStyle/>
+          <a:p>
+            <a:pPr algn="ctr"/>
+            <a:r>
+              <a:rPr lang="en-US" altLang="zh-CN" sz="4000" dirty="0" smtClean="0"/>
+              <a:t>6</a:t>
+            </a:r>
+            <a:r>
+              <a:rPr lang="zh-CN" altLang="en-US" sz="4000" dirty="0" smtClean="0"/>
+              <a:t>、服务消费者</a:t>
+            </a:r>
+            <a:endParaRPr lang="en-US" altLang="zh-CN" sz="4000" dirty="0" smtClean="0"/>
+          </a:p>
+        </p:txBody>
+      </p:sp>
     </p:spTree>
-    <p:extLst>
-      <p:ext uri="{BB962C8B-B14F-4D97-AF65-F5344CB8AC3E}">
-        <p14:creationId xmlns:p14="http://schemas.microsoft.com/office/powerpoint/2010/main" xmlns="" val="2258472777"/>
-      </p:ext>
-    </p:extLst>
   </p:cSld>
   <p:clrMapOvr>
     <a:masterClrMapping/>
@@ -9145,28 +9572,28 @@
             </a:pPr>
             <a:r>
               <a:rPr lang="en-US" altLang="zh-CN" sz="2800" dirty="0">
-                <a:latin typeface="微软雅黑" pitchFamily="34" charset="-122"/>
-                <a:ea typeface="微软雅黑" pitchFamily="34" charset="-122"/>
+                <a:latin typeface="微软雅黑" panose="020B0503020204020204" pitchFamily="34" charset="-122"/>
+                <a:ea typeface="微软雅黑" panose="020B0503020204020204" pitchFamily="34" charset="-122"/>
               </a:rPr>
               <a:t>Dubbo</a:t>
             </a:r>
             <a:r>
               <a:rPr lang="zh-CN" altLang="en-US" sz="2800" dirty="0">
-                <a:latin typeface="微软雅黑" pitchFamily="34" charset="-122"/>
-                <a:ea typeface="微软雅黑" pitchFamily="34" charset="-122"/>
+                <a:latin typeface="微软雅黑" panose="020B0503020204020204" pitchFamily="34" charset="-122"/>
+                <a:ea typeface="微软雅黑" panose="020B0503020204020204" pitchFamily="34" charset="-122"/>
               </a:rPr>
               <a:t>是</a:t>
             </a:r>
             <a:r>
               <a:rPr lang="zh-CN" altLang="en-US" sz="2800" dirty="0" smtClean="0">
-                <a:latin typeface="微软雅黑" pitchFamily="34" charset="-122"/>
-                <a:ea typeface="微软雅黑" pitchFamily="34" charset="-122"/>
+                <a:latin typeface="微软雅黑" panose="020B0503020204020204" pitchFamily="34" charset="-122"/>
+                <a:ea typeface="微软雅黑" panose="020B0503020204020204" pitchFamily="34" charset="-122"/>
               </a:rPr>
               <a:t>什么？</a:t>
             </a:r>
             <a:endParaRPr lang="en-US" altLang="zh-CN" sz="2800" dirty="0" smtClean="0">
-              <a:latin typeface="微软雅黑" pitchFamily="34" charset="-122"/>
-              <a:ea typeface="微软雅黑" pitchFamily="34" charset="-122"/>
+              <a:latin typeface="微软雅黑" panose="020B0503020204020204" pitchFamily="34" charset="-122"/>
+              <a:ea typeface="微软雅黑" panose="020B0503020204020204" pitchFamily="34" charset="-122"/>
             </a:endParaRPr>
           </a:p>
           <a:p>
@@ -9176,28 +9603,28 @@
             </a:pPr>
             <a:r>
               <a:rPr lang="en-US" altLang="zh-CN" sz="2800" dirty="0">
-                <a:latin typeface="微软雅黑" pitchFamily="34" charset="-122"/>
-                <a:ea typeface="微软雅黑" pitchFamily="34" charset="-122"/>
+                <a:latin typeface="微软雅黑" panose="020B0503020204020204" pitchFamily="34" charset="-122"/>
+                <a:ea typeface="微软雅黑" panose="020B0503020204020204" pitchFamily="34" charset="-122"/>
               </a:rPr>
               <a:t>Dubbo</a:t>
             </a:r>
             <a:r>
               <a:rPr lang="zh-CN" altLang="en-US" sz="2800" dirty="0">
-                <a:latin typeface="微软雅黑" pitchFamily="34" charset="-122"/>
-                <a:ea typeface="微软雅黑" pitchFamily="34" charset="-122"/>
+                <a:latin typeface="微软雅黑" panose="020B0503020204020204" pitchFamily="34" charset="-122"/>
+                <a:ea typeface="微软雅黑" panose="020B0503020204020204" pitchFamily="34" charset="-122"/>
               </a:rPr>
               <a:t>能做什么</a:t>
             </a:r>
             <a:r>
               <a:rPr lang="zh-CN" altLang="en-US" sz="2800" dirty="0" smtClean="0">
-                <a:latin typeface="微软雅黑" pitchFamily="34" charset="-122"/>
-                <a:ea typeface="微软雅黑" pitchFamily="34" charset="-122"/>
+                <a:latin typeface="微软雅黑" panose="020B0503020204020204" pitchFamily="34" charset="-122"/>
+                <a:ea typeface="微软雅黑" panose="020B0503020204020204" pitchFamily="34" charset="-122"/>
               </a:rPr>
               <a:t>？</a:t>
             </a:r>
             <a:endParaRPr lang="en-US" altLang="zh-CN" sz="2800" dirty="0" smtClean="0">
-              <a:latin typeface="微软雅黑" pitchFamily="34" charset="-122"/>
-              <a:ea typeface="微软雅黑" pitchFamily="34" charset="-122"/>
+              <a:latin typeface="微软雅黑" panose="020B0503020204020204" pitchFamily="34" charset="-122"/>
+              <a:ea typeface="微软雅黑" panose="020B0503020204020204" pitchFamily="34" charset="-122"/>
             </a:endParaRPr>
           </a:p>
           <a:p>
@@ -9207,21 +9634,21 @@
             </a:pPr>
             <a:r>
               <a:rPr lang="en-US" altLang="zh-CN" sz="2800" dirty="0" smtClean="0">
-                <a:latin typeface="微软雅黑" pitchFamily="34" charset="-122"/>
-                <a:ea typeface="微软雅黑" pitchFamily="34" charset="-122"/>
+                <a:latin typeface="微软雅黑" panose="020B0503020204020204" pitchFamily="34" charset="-122"/>
+                <a:ea typeface="微软雅黑" panose="020B0503020204020204" pitchFamily="34" charset="-122"/>
               </a:rPr>
               <a:t>Dubbo</a:t>
             </a:r>
             <a:r>
               <a:rPr lang="zh-CN" altLang="en-US" sz="2800" dirty="0" smtClean="0">
-                <a:latin typeface="微软雅黑" pitchFamily="34" charset="-122"/>
-                <a:ea typeface="微软雅黑" pitchFamily="34" charset="-122"/>
+                <a:latin typeface="微软雅黑" panose="020B0503020204020204" pitchFamily="34" charset="-122"/>
+                <a:ea typeface="微软雅黑" panose="020B0503020204020204" pitchFamily="34" charset="-122"/>
               </a:rPr>
               <a:t>的原理</a:t>
             </a:r>
             <a:endParaRPr lang="en-US" altLang="zh-CN" sz="2800" dirty="0" smtClean="0">
-              <a:latin typeface="微软雅黑" pitchFamily="34" charset="-122"/>
-              <a:ea typeface="微软雅黑" pitchFamily="34" charset="-122"/>
+              <a:latin typeface="微软雅黑" panose="020B0503020204020204" pitchFamily="34" charset="-122"/>
+              <a:ea typeface="微软雅黑" panose="020B0503020204020204" pitchFamily="34" charset="-122"/>
             </a:endParaRPr>
           </a:p>
           <a:p>
@@ -9231,14 +9658,14 @@
             </a:pPr>
             <a:r>
               <a:rPr lang="zh-CN" altLang="en-US" sz="2800" dirty="0" smtClean="0">
-                <a:latin typeface="微软雅黑" pitchFamily="34" charset="-122"/>
-                <a:ea typeface="微软雅黑" pitchFamily="34" charset="-122"/>
+                <a:latin typeface="微软雅黑" panose="020B0503020204020204" pitchFamily="34" charset="-122"/>
+                <a:ea typeface="微软雅黑" panose="020B0503020204020204" pitchFamily="34" charset="-122"/>
               </a:rPr>
               <a:t>快速启动</a:t>
             </a:r>
             <a:endParaRPr lang="en-US" altLang="zh-CN" sz="2800" dirty="0" smtClean="0">
-              <a:latin typeface="微软雅黑" pitchFamily="34" charset="-122"/>
-              <a:ea typeface="微软雅黑" pitchFamily="34" charset="-122"/>
+              <a:latin typeface="微软雅黑" panose="020B0503020204020204" pitchFamily="34" charset="-122"/>
+              <a:ea typeface="微软雅黑" panose="020B0503020204020204" pitchFamily="34" charset="-122"/>
             </a:endParaRPr>
           </a:p>
           <a:p>
@@ -9248,14 +9675,14 @@
             </a:pPr>
             <a:r>
               <a:rPr lang="zh-CN" altLang="en-US" sz="2800" dirty="0" smtClean="0">
-                <a:latin typeface="微软雅黑" pitchFamily="34" charset="-122"/>
-                <a:ea typeface="微软雅黑" pitchFamily="34" charset="-122"/>
+                <a:latin typeface="微软雅黑" panose="020B0503020204020204" pitchFamily="34" charset="-122"/>
+                <a:ea typeface="微软雅黑" panose="020B0503020204020204" pitchFamily="34" charset="-122"/>
               </a:rPr>
               <a:t>服务提供者</a:t>
             </a:r>
             <a:endParaRPr lang="en-US" altLang="zh-CN" sz="2800" dirty="0" smtClean="0">
-              <a:latin typeface="微软雅黑" pitchFamily="34" charset="-122"/>
-              <a:ea typeface="微软雅黑" pitchFamily="34" charset="-122"/>
+              <a:latin typeface="微软雅黑" panose="020B0503020204020204" pitchFamily="34" charset="-122"/>
+              <a:ea typeface="微软雅黑" panose="020B0503020204020204" pitchFamily="34" charset="-122"/>
             </a:endParaRPr>
           </a:p>
           <a:p>
@@ -9265,14 +9692,14 @@
             </a:pPr>
             <a:r>
               <a:rPr lang="zh-CN" altLang="en-US" sz="2800" dirty="0" smtClean="0">
-                <a:latin typeface="微软雅黑" pitchFamily="34" charset="-122"/>
-                <a:ea typeface="微软雅黑" pitchFamily="34" charset="-122"/>
+                <a:latin typeface="微软雅黑" panose="020B0503020204020204" pitchFamily="34" charset="-122"/>
+                <a:ea typeface="微软雅黑" panose="020B0503020204020204" pitchFamily="34" charset="-122"/>
               </a:rPr>
               <a:t>服务消费者</a:t>
             </a:r>
             <a:endParaRPr lang="en-US" altLang="zh-CN" sz="2800" dirty="0" smtClean="0">
-              <a:latin typeface="微软雅黑" pitchFamily="34" charset="-122"/>
-              <a:ea typeface="微软雅黑" pitchFamily="34" charset="-122"/>
+              <a:latin typeface="微软雅黑" panose="020B0503020204020204" pitchFamily="34" charset="-122"/>
+              <a:ea typeface="微软雅黑" panose="020B0503020204020204" pitchFamily="34" charset="-122"/>
             </a:endParaRPr>
           </a:p>
           <a:p>
@@ -9282,22 +9709,22 @@
             </a:pPr>
             <a:r>
               <a:rPr lang="en-US" altLang="zh-CN" sz="2800" dirty="0">
-                <a:latin typeface="微软雅黑" pitchFamily="34" charset="-122"/>
-                <a:ea typeface="微软雅黑" pitchFamily="34" charset="-122"/>
+                <a:latin typeface="微软雅黑" panose="020B0503020204020204" pitchFamily="34" charset="-122"/>
+                <a:ea typeface="微软雅黑" panose="020B0503020204020204" pitchFamily="34" charset="-122"/>
               </a:rPr>
               <a:t>Zookeeper</a:t>
             </a:r>
             <a:r>
               <a:rPr lang="zh-CN" altLang="en-US" sz="2800" dirty="0">
-                <a:latin typeface="微软雅黑" pitchFamily="34" charset="-122"/>
-                <a:ea typeface="微软雅黑" pitchFamily="34" charset="-122"/>
+                <a:latin typeface="微软雅黑" panose="020B0503020204020204" pitchFamily="34" charset="-122"/>
+                <a:ea typeface="微软雅黑" panose="020B0503020204020204" pitchFamily="34" charset="-122"/>
               </a:rPr>
               <a:t>注册中心</a:t>
             </a:r>
             <a:r>
               <a:rPr lang="zh-CN" altLang="en-US" sz="2800" dirty="0" smtClean="0">
-                <a:latin typeface="微软雅黑" pitchFamily="34" charset="-122"/>
-                <a:ea typeface="微软雅黑" pitchFamily="34" charset="-122"/>
+                <a:latin typeface="微软雅黑" panose="020B0503020204020204" pitchFamily="34" charset="-122"/>
+                <a:ea typeface="微软雅黑" panose="020B0503020204020204" pitchFamily="34" charset="-122"/>
               </a:rPr>
               <a:t>安装</a:t>
             </a:r>
@@ -9306,17 +9733,12 @@
         </p:txBody>
       </p:sp>
     </p:spTree>
-    <p:extLst>
-      <p:ext uri="{BB962C8B-B14F-4D97-AF65-F5344CB8AC3E}">
-        <p14:creationId xmlns:p14="http://schemas.microsoft.com/office/powerpoint/2010/main" xmlns="" val="371584491"/>
-      </p:ext>
-    </p:extLst>
   </p:cSld>
   <p:clrMapOvr>
     <a:masterClrMapping/>
   </p:clrMapOvr>
   <mc:AlternateContent xmlns:mc="http://schemas.openxmlformats.org/markup-compatibility/2006">
-    <mc:Choice xmlns:p14="http://schemas.microsoft.com/office/powerpoint/2010/main" xmlns="" Requires="p14">
+    <mc:Choice xmlns:p14="http://schemas.microsoft.com/office/powerpoint/2010/main" Requires="p14">
       <p:transition p14:dur="100">
         <p:cut/>
       </p:transition>
@@ -9366,20 +9788,18 @@
         </p:nvSpPr>
         <p:spPr>
           <a:xfrm>
-            <a:off x="107504" y="27856"/>
-            <a:ext cx="9036496" cy="664840"/>
+            <a:off x="161925" y="27856"/>
+            <a:ext cx="8982075" cy="664840"/>
           </a:xfrm>
         </p:spPr>
         <p:txBody>
-          <a:bodyPr>
-            <a:normAutofit/>
-          </a:bodyPr>
+          <a:bodyPr/>
           <a:lstStyle/>
           <a:p>
             <a:pPr marL="514350" indent="-514350"/>
             <a:r>
               <a:rPr lang="zh-CN" altLang="en-US" dirty="0"/>
-              <a:t>加载</a:t>
+              <a:t>通过</a:t>
             </a:r>
             <a:r>
               <a:rPr lang="en-US" altLang="zh-CN" dirty="0"/>
@@ -9387,45 +9807,25 @@
             </a:r>
             <a:r>
               <a:rPr lang="zh-CN" altLang="en-US" dirty="0"/>
-              <a:t>配置，并调用远程服务：</a:t>
-            </a:r>
-            <a:r>
-              <a:rPr lang="en-US" altLang="zh-CN" sz="2000" dirty="0"/>
-              <a:t>(</a:t>
-            </a:r>
-            <a:r>
-              <a:rPr lang="zh-CN" altLang="en-US" sz="2000" dirty="0"/>
-              <a:t>也可以使用</a:t>
-            </a:r>
-            <a:r>
-              <a:rPr lang="en-US" altLang="zh-CN" sz="2000" dirty="0"/>
-              <a:t>IoC</a:t>
-            </a:r>
-            <a:r>
-              <a:rPr lang="zh-CN" altLang="en-US" sz="2000" dirty="0"/>
-              <a:t>注入</a:t>
-            </a:r>
-            <a:r>
-              <a:rPr lang="en-US" altLang="zh-CN" sz="2000" dirty="0"/>
-              <a:t>)</a:t>
-            </a:r>
-            <a:endParaRPr lang="en-US" altLang="zh-CN" sz="2000" dirty="0" smtClean="0"/>
+              <a:t>配置引用远程服务</a:t>
+            </a:r>
+            <a:endParaRPr lang="en-US" altLang="zh-CN" dirty="0" smtClean="0"/>
           </a:p>
         </p:txBody>
       </p:sp>
       <p:pic>
         <p:nvPicPr>
-          <p:cNvPr id="7170" name="Picture 2"/>
+          <p:cNvPr id="5122" name="Picture 2"/>
           <p:cNvPicPr>
             <a:picLocks noChangeAspect="1" noChangeArrowheads="1"/>
           </p:cNvPicPr>
           <p:nvPr/>
         </p:nvPicPr>
         <p:blipFill>
-          <a:blip r:embed="rId3" cstate="print">
+          <a:blip r:embed="rId1" cstate="print">
             <a:extLst>
               <a:ext uri="{28A0092B-C50C-407E-A947-70E740481C1C}">
-                <a14:useLocalDpi xmlns:a14="http://schemas.microsoft.com/office/drawing/2010/main" xmlns="" val="0"/>
+                <a14:useLocalDpi xmlns:a14="http://schemas.microsoft.com/office/drawing/2010/main" val="0"/>
               </a:ext>
             </a:extLst>
           </a:blip>
@@ -9436,8 +9836,8 @@
         </p:blipFill>
         <p:spPr bwMode="auto">
           <a:xfrm>
-            <a:off x="214313" y="985838"/>
-            <a:ext cx="8715375" cy="4886325"/>
+            <a:off x="161925" y="985838"/>
+            <a:ext cx="8820150" cy="4886325"/>
           </a:xfrm>
           <a:prstGeom prst="rect">
             <a:avLst/>
@@ -9449,14 +9849,14 @@
           <a:effectLst/>
           <a:extLst>
             <a:ext uri="{909E8E84-426E-40DD-AFC4-6F175D3DCCD1}">
-              <a14:hiddenFill xmlns:a14="http://schemas.microsoft.com/office/drawing/2010/main" xmlns="">
+              <a14:hiddenFill xmlns:a14="http://schemas.microsoft.com/office/drawing/2010/main">
                 <a:solidFill>
                   <a:schemeClr val="accent1"/>
                 </a:solidFill>
               </a14:hiddenFill>
             </a:ext>
             <a:ext uri="{91240B29-F687-4F45-9708-019B960494DF}">
-              <a14:hiddenLine xmlns:a14="http://schemas.microsoft.com/office/drawing/2010/main" xmlns="" w="9525">
+              <a14:hiddenLine xmlns:a14="http://schemas.microsoft.com/office/drawing/2010/main" w="9525">
                 <a:solidFill>
                   <a:schemeClr val="tx1"/>
                 </a:solidFill>
@@ -9466,7 +9866,7 @@
               </a14:hiddenLine>
             </a:ext>
             <a:ext uri="{AF507438-7753-43E0-B8FC-AC1667EBCBE1}">
-              <a14:hiddenEffects xmlns:a14="http://schemas.microsoft.com/office/drawing/2010/main" xmlns="">
+              <a14:hiddenEffects xmlns:a14="http://schemas.microsoft.com/office/drawing/2010/main">
                 <a:effectLst>
                   <a:outerShdw dist="35921" dir="2700000" algn="ctr" rotWithShape="0">
                     <a:schemeClr val="bg2"/>
@@ -9478,11 +9878,6 @@
         </p:spPr>
       </p:pic>
     </p:spTree>
-    <p:extLst>
-      <p:ext uri="{BB962C8B-B14F-4D97-AF65-F5344CB8AC3E}">
-        <p14:creationId xmlns:p14="http://schemas.microsoft.com/office/powerpoint/2010/main" xmlns="" val="1323331922"/>
-      </p:ext>
-    </p:extLst>
   </p:cSld>
   <p:clrMapOvr>
     <a:masterClrMapping/>
@@ -9516,53 +9911,128 @@
       </p:grpSpPr>
       <p:sp>
         <p:nvSpPr>
-          <p:cNvPr id="3" name="TextBox 2"/>
-          <p:cNvSpPr txBox="1"/>
-          <p:nvPr/>
+          <p:cNvPr id="2" name="标题 1"/>
+          <p:cNvSpPr>
+            <a:spLocks noGrp="1"/>
+          </p:cNvSpPr>
+          <p:nvPr>
+            <p:ph type="title"/>
+          </p:nvPr>
         </p:nvSpPr>
         <p:spPr>
           <a:xfrm>
-            <a:off x="683568" y="2708920"/>
-            <a:ext cx="7920880" cy="707886"/>
+            <a:off x="107504" y="27856"/>
+            <a:ext cx="9036496" cy="664840"/>
+          </a:xfrm>
+        </p:spPr>
+        <p:txBody>
+          <a:bodyPr>
+            <a:normAutofit/>
+          </a:bodyPr>
+          <a:lstStyle/>
+          <a:p>
+            <a:pPr marL="514350" indent="-514350"/>
+            <a:r>
+              <a:rPr lang="zh-CN" altLang="en-US" dirty="0"/>
+              <a:t>加载</a:t>
+            </a:r>
+            <a:r>
+              <a:rPr lang="en-US" altLang="zh-CN" dirty="0"/>
+              <a:t>Spring</a:t>
+            </a:r>
+            <a:r>
+              <a:rPr lang="zh-CN" altLang="en-US" dirty="0"/>
+              <a:t>配置，并调用远程服务：</a:t>
+            </a:r>
+            <a:r>
+              <a:rPr lang="en-US" altLang="zh-CN" sz="2000" dirty="0"/>
+              <a:t>(</a:t>
+            </a:r>
+            <a:r>
+              <a:rPr lang="zh-CN" altLang="en-US" sz="2000" dirty="0"/>
+              <a:t>也可以使用</a:t>
+            </a:r>
+            <a:r>
+              <a:rPr lang="en-US" altLang="zh-CN" sz="2000" dirty="0"/>
+              <a:t>IoC</a:t>
+            </a:r>
+            <a:r>
+              <a:rPr lang="zh-CN" altLang="en-US" sz="2000" dirty="0"/>
+              <a:t>注入</a:t>
+            </a:r>
+            <a:r>
+              <a:rPr lang="en-US" altLang="zh-CN" sz="2000" dirty="0"/>
+              <a:t>)</a:t>
+            </a:r>
+            <a:endParaRPr lang="en-US" altLang="zh-CN" sz="2000" dirty="0" smtClean="0"/>
+          </a:p>
+        </p:txBody>
+      </p:sp>
+      <p:pic>
+        <p:nvPicPr>
+          <p:cNvPr id="7170" name="Picture 2"/>
+          <p:cNvPicPr>
+            <a:picLocks noChangeAspect="1" noChangeArrowheads="1"/>
+          </p:cNvPicPr>
+          <p:nvPr/>
+        </p:nvPicPr>
+        <p:blipFill>
+          <a:blip r:embed="rId1" cstate="print">
+            <a:extLst>
+              <a:ext uri="{28A0092B-C50C-407E-A947-70E740481C1C}">
+                <a14:useLocalDpi xmlns:a14="http://schemas.microsoft.com/office/drawing/2010/main" val="0"/>
+              </a:ext>
+            </a:extLst>
+          </a:blip>
+          <a:srcRect/>
+          <a:stretch>
+            <a:fillRect/>
+          </a:stretch>
+        </p:blipFill>
+        <p:spPr bwMode="auto">
+          <a:xfrm>
+            <a:off x="214313" y="985838"/>
+            <a:ext cx="8715375" cy="4886325"/>
           </a:xfrm>
           <a:prstGeom prst="rect">
             <a:avLst/>
           </a:prstGeom>
           <a:noFill/>
+          <a:ln>
+            <a:noFill/>
+          </a:ln>
+          <a:effectLst/>
+          <a:extLst>
+            <a:ext uri="{909E8E84-426E-40DD-AFC4-6F175D3DCCD1}">
+              <a14:hiddenFill xmlns:a14="http://schemas.microsoft.com/office/drawing/2010/main">
+                <a:solidFill>
+                  <a:schemeClr val="accent1"/>
+                </a:solidFill>
+              </a14:hiddenFill>
+            </a:ext>
+            <a:ext uri="{91240B29-F687-4F45-9708-019B960494DF}">
+              <a14:hiddenLine xmlns:a14="http://schemas.microsoft.com/office/drawing/2010/main" w="9525">
+                <a:solidFill>
+                  <a:schemeClr val="tx1"/>
+                </a:solidFill>
+                <a:miter lim="800000"/>
+                <a:headEnd/>
+                <a:tailEnd/>
+              </a14:hiddenLine>
+            </a:ext>
+            <a:ext uri="{AF507438-7753-43E0-B8FC-AC1667EBCBE1}">
+              <a14:hiddenEffects xmlns:a14="http://schemas.microsoft.com/office/drawing/2010/main">
+                <a:effectLst>
+                  <a:outerShdw dist="35921" dir="2700000" algn="ctr" rotWithShape="0">
+                    <a:schemeClr val="bg2"/>
+                  </a:outerShdw>
+                </a:effectLst>
+              </a14:hiddenEffects>
+            </a:ext>
+          </a:extLst>
         </p:spPr>
-        <p:txBody>
-          <a:bodyPr wrap="square" rtlCol="0">
-            <a:spAutoFit/>
-          </a:bodyPr>
-          <a:lstStyle/>
-          <a:p>
-            <a:pPr algn="ctr"/>
-            <a:r>
-              <a:rPr lang="en-US" altLang="zh-CN" sz="4000" dirty="0" smtClean="0"/>
-              <a:t>6</a:t>
-            </a:r>
-            <a:r>
-              <a:rPr lang="zh-CN" altLang="en-US" sz="4000" dirty="0" smtClean="0"/>
-              <a:t>、</a:t>
-            </a:r>
-            <a:r>
-              <a:rPr lang="en-US" altLang="zh-CN" sz="4000" dirty="0"/>
-              <a:t>Zookeeper</a:t>
-            </a:r>
-            <a:r>
-              <a:rPr lang="zh-CN" altLang="en-US" sz="4000" dirty="0"/>
-              <a:t>注册中心安装</a:t>
-            </a:r>
-            <a:endParaRPr lang="en-US" altLang="zh-CN" sz="4000" dirty="0" smtClean="0"/>
-          </a:p>
-        </p:txBody>
-      </p:sp>
+      </p:pic>
     </p:spTree>
-    <p:extLst>
-      <p:ext uri="{BB962C8B-B14F-4D97-AF65-F5344CB8AC3E}">
-        <p14:creationId xmlns:p14="http://schemas.microsoft.com/office/powerpoint/2010/main" xmlns="" val="64350470"/>
-      </p:ext>
-    </p:extLst>
   </p:cSld>
   <p:clrMapOvr>
     <a:masterClrMapping/>
@@ -9596,49 +10066,14 @@
       </p:grpSpPr>
       <p:sp>
         <p:nvSpPr>
-          <p:cNvPr id="2" name="标题 1"/>
-          <p:cNvSpPr>
-            <a:spLocks noGrp="1"/>
-          </p:cNvSpPr>
-          <p:nvPr>
-            <p:ph type="title"/>
-          </p:nvPr>
+          <p:cNvPr id="3" name="TextBox 2"/>
+          <p:cNvSpPr txBox="1"/>
+          <p:nvPr/>
         </p:nvSpPr>
         <p:spPr>
           <a:xfrm>
-            <a:off x="0" y="27856"/>
-            <a:ext cx="9144000" cy="664840"/>
-          </a:xfrm>
-        </p:spPr>
-        <p:txBody>
-          <a:bodyPr>
-            <a:normAutofit/>
-          </a:bodyPr>
-          <a:lstStyle/>
-          <a:p>
-            <a:pPr marL="514350" indent="-514350"/>
-            <a:r>
-              <a:rPr lang="en-US" altLang="zh-CN" sz="2400" dirty="0"/>
-              <a:t>Zookeeper</a:t>
-            </a:r>
-            <a:r>
-              <a:rPr lang="zh-CN" altLang="en-US" sz="2400" dirty="0"/>
-              <a:t>注册中心安装</a:t>
-            </a:r>
-            <a:endParaRPr lang="en-US" altLang="zh-CN" sz="2400" dirty="0" smtClean="0"/>
-          </a:p>
-        </p:txBody>
-      </p:sp>
-      <p:sp>
-        <p:nvSpPr>
-          <p:cNvPr id="4" name="TextBox 3"/>
-          <p:cNvSpPr txBox="1"/>
-          <p:nvPr/>
-        </p:nvSpPr>
-        <p:spPr>
-          <a:xfrm>
-            <a:off x="683568" y="1124744"/>
-            <a:ext cx="7992888" cy="7571303"/>
+            <a:off x="683568" y="2708920"/>
+            <a:ext cx="7920880" cy="707886"/>
           </a:xfrm>
           <a:prstGeom prst="rect">
             <a:avLst/>
@@ -9651,532 +10086,28 @@
           </a:bodyPr>
           <a:lstStyle/>
           <a:p>
-            <a:pPr marL="342900" indent="-342900">
-              <a:buFont typeface="Wingdings" pitchFamily="2" charset="2"/>
-              <a:buChar char="n"/>
-            </a:pPr>
-            <a:r>
-              <a:rPr lang="zh-CN" altLang="en-US" sz="2400" dirty="0">
-                <a:solidFill>
-                  <a:schemeClr val="tx2">
-                    <a:lumMod val="75000"/>
-                  </a:schemeClr>
-                </a:solidFill>
-                <a:latin typeface="微软雅黑" pitchFamily="34" charset="-122"/>
-                <a:ea typeface="微软雅黑" pitchFamily="34" charset="-122"/>
-              </a:rPr>
-              <a:t>建议使用</a:t>
-            </a:r>
-            <a:r>
-              <a:rPr lang="en-US" altLang="zh-CN" sz="2400" dirty="0">
-                <a:solidFill>
-                  <a:schemeClr val="tx2">
-                    <a:lumMod val="75000"/>
-                  </a:schemeClr>
-                </a:solidFill>
-                <a:latin typeface="微软雅黑" pitchFamily="34" charset="-122"/>
-                <a:ea typeface="微软雅黑" pitchFamily="34" charset="-122"/>
-              </a:rPr>
-              <a:t>dubbo-2.3.3</a:t>
-            </a:r>
-            <a:r>
-              <a:rPr lang="zh-CN" altLang="en-US" sz="2400" dirty="0">
-                <a:solidFill>
-                  <a:schemeClr val="tx2">
-                    <a:lumMod val="75000"/>
-                  </a:schemeClr>
-                </a:solidFill>
-                <a:latin typeface="微软雅黑" pitchFamily="34" charset="-122"/>
-                <a:ea typeface="微软雅黑" pitchFamily="34" charset="-122"/>
-              </a:rPr>
-              <a:t>以上版本的</a:t>
-            </a:r>
-            <a:r>
-              <a:rPr lang="en-US" altLang="zh-CN" sz="2400" dirty="0">
-                <a:solidFill>
-                  <a:schemeClr val="tx2">
-                    <a:lumMod val="75000"/>
-                  </a:schemeClr>
-                </a:solidFill>
-                <a:latin typeface="微软雅黑" pitchFamily="34" charset="-122"/>
-                <a:ea typeface="微软雅黑" pitchFamily="34" charset="-122"/>
-              </a:rPr>
-              <a:t>zookeeper</a:t>
-            </a:r>
-            <a:r>
-              <a:rPr lang="zh-CN" altLang="en-US" sz="2400" dirty="0">
-                <a:solidFill>
-                  <a:schemeClr val="tx2">
-                    <a:lumMod val="75000"/>
-                  </a:schemeClr>
-                </a:solidFill>
-                <a:latin typeface="微软雅黑" pitchFamily="34" charset="-122"/>
-                <a:ea typeface="微软雅黑" pitchFamily="34" charset="-122"/>
-              </a:rPr>
-              <a:t>注册中心</a:t>
-            </a:r>
-            <a:r>
-              <a:rPr lang="zh-CN" altLang="en-US" sz="2400" dirty="0" smtClean="0">
-                <a:solidFill>
-                  <a:schemeClr val="tx2">
-                    <a:lumMod val="75000"/>
-                  </a:schemeClr>
-                </a:solidFill>
-                <a:latin typeface="微软雅黑" pitchFamily="34" charset="-122"/>
-                <a:ea typeface="微软雅黑" pitchFamily="34" charset="-122"/>
-              </a:rPr>
-              <a:t>客户端。</a:t>
-            </a:r>
-            <a:endParaRPr lang="en-US" altLang="zh-CN" sz="2400" dirty="0" smtClean="0">
-              <a:solidFill>
-                <a:schemeClr val="tx2">
-                  <a:lumMod val="75000"/>
-                </a:schemeClr>
-              </a:solidFill>
-              <a:latin typeface="微软雅黑" pitchFamily="34" charset="-122"/>
-              <a:ea typeface="微软雅黑" pitchFamily="34" charset="-122"/>
-            </a:endParaRPr>
-          </a:p>
-          <a:p>
-            <a:endParaRPr lang="en-US" altLang="zh-CN" sz="2400" dirty="0" smtClean="0">
-              <a:solidFill>
-                <a:schemeClr val="tx2">
-                  <a:lumMod val="75000"/>
-                </a:schemeClr>
-              </a:solidFill>
-              <a:latin typeface="微软雅黑" pitchFamily="34" charset="-122"/>
-              <a:ea typeface="微软雅黑" pitchFamily="34" charset="-122"/>
-            </a:endParaRPr>
-          </a:p>
-          <a:p>
-            <a:pPr marL="342900" indent="-342900">
-              <a:buFont typeface="Wingdings" pitchFamily="2" charset="2"/>
-              <a:buChar char="n"/>
-            </a:pPr>
-            <a:r>
-              <a:rPr lang="en-US" altLang="zh-CN" sz="2400" dirty="0">
-                <a:solidFill>
-                  <a:schemeClr val="tx2">
-                    <a:lumMod val="75000"/>
-                  </a:schemeClr>
-                </a:solidFill>
-                <a:latin typeface="微软雅黑" pitchFamily="34" charset="-122"/>
-                <a:ea typeface="微软雅黑" pitchFamily="34" charset="-122"/>
-              </a:rPr>
+            <a:pPr algn="ctr"/>
+            <a:r>
+              <a:rPr lang="en-US" altLang="zh-CN" sz="4000" dirty="0" smtClean="0"/>
+              <a:t>6</a:t>
+            </a:r>
+            <a:r>
+              <a:rPr lang="zh-CN" altLang="en-US" sz="4000" dirty="0" smtClean="0"/>
+              <a:t>、</a:t>
+            </a:r>
+            <a:r>
+              <a:rPr lang="en-US" altLang="zh-CN" sz="4000" dirty="0"/>
               <a:t>Zookeeper</a:t>
             </a:r>
             <a:r>
-              <a:rPr lang="zh-CN" altLang="en-US" sz="2400" dirty="0">
-                <a:solidFill>
-                  <a:schemeClr val="tx2">
-                    <a:lumMod val="75000"/>
-                  </a:schemeClr>
-                </a:solidFill>
-                <a:latin typeface="微软雅黑" pitchFamily="34" charset="-122"/>
-                <a:ea typeface="微软雅黑" pitchFamily="34" charset="-122"/>
-              </a:rPr>
-              <a:t>是</a:t>
-            </a:r>
-            <a:r>
-              <a:rPr lang="en-US" altLang="zh-CN" sz="2400" dirty="0">
-                <a:solidFill>
-                  <a:schemeClr val="tx2">
-                    <a:lumMod val="75000"/>
-                  </a:schemeClr>
-                </a:solidFill>
-                <a:latin typeface="微软雅黑" pitchFamily="34" charset="-122"/>
-                <a:ea typeface="微软雅黑" pitchFamily="34" charset="-122"/>
-              </a:rPr>
-              <a:t>Apache Hadoop</a:t>
-            </a:r>
-            <a:r>
-              <a:rPr lang="zh-CN" altLang="en-US" sz="2400" dirty="0">
-                <a:solidFill>
-                  <a:schemeClr val="tx2">
-                    <a:lumMod val="75000"/>
-                  </a:schemeClr>
-                </a:solidFill>
-                <a:latin typeface="微软雅黑" pitchFamily="34" charset="-122"/>
-                <a:ea typeface="微软雅黑" pitchFamily="34" charset="-122"/>
-              </a:rPr>
-              <a:t>的子项目，强度相对较好，建议生产环境使用该注册中心</a:t>
-            </a:r>
-            <a:r>
-              <a:rPr lang="zh-CN" altLang="en-US" sz="2400" dirty="0" smtClean="0">
-                <a:solidFill>
-                  <a:schemeClr val="tx2">
-                    <a:lumMod val="75000"/>
-                  </a:schemeClr>
-                </a:solidFill>
-                <a:latin typeface="微软雅黑" pitchFamily="34" charset="-122"/>
-                <a:ea typeface="微软雅黑" pitchFamily="34" charset="-122"/>
-              </a:rPr>
-              <a:t>。</a:t>
-            </a:r>
-            <a:endParaRPr lang="en-US" altLang="zh-CN" sz="2400" dirty="0" smtClean="0">
-              <a:solidFill>
-                <a:schemeClr val="tx2">
-                  <a:lumMod val="75000"/>
-                </a:schemeClr>
-              </a:solidFill>
-              <a:latin typeface="微软雅黑" pitchFamily="34" charset="-122"/>
-              <a:ea typeface="微软雅黑" pitchFamily="34" charset="-122"/>
-            </a:endParaRPr>
-          </a:p>
-          <a:p>
-            <a:endParaRPr lang="en-US" altLang="zh-CN" sz="2400" dirty="0" smtClean="0">
-              <a:solidFill>
-                <a:schemeClr val="tx2">
-                  <a:lumMod val="75000"/>
-                </a:schemeClr>
-              </a:solidFill>
-              <a:latin typeface="微软雅黑" pitchFamily="34" charset="-122"/>
-              <a:ea typeface="微软雅黑" pitchFamily="34" charset="-122"/>
-            </a:endParaRPr>
-          </a:p>
-          <a:p>
-            <a:pPr marL="342900" indent="-342900">
-              <a:buFont typeface="Wingdings" pitchFamily="2" charset="2"/>
-              <a:buChar char="n"/>
-            </a:pPr>
-            <a:r>
-              <a:rPr lang="en-US" altLang="zh-CN" sz="2400" dirty="0">
-                <a:solidFill>
-                  <a:schemeClr val="tx2">
-                    <a:lumMod val="75000"/>
-                  </a:schemeClr>
-                </a:solidFill>
-                <a:latin typeface="微软雅黑" pitchFamily="34" charset="-122"/>
-                <a:ea typeface="微软雅黑" pitchFamily="34" charset="-122"/>
-              </a:rPr>
-              <a:t>Dubbo</a:t>
-            </a:r>
-            <a:r>
-              <a:rPr lang="zh-CN" altLang="en-US" sz="2400" dirty="0">
-                <a:solidFill>
-                  <a:schemeClr val="tx2">
-                    <a:lumMod val="75000"/>
-                  </a:schemeClr>
-                </a:solidFill>
-                <a:latin typeface="微软雅黑" pitchFamily="34" charset="-122"/>
-                <a:ea typeface="微软雅黑" pitchFamily="34" charset="-122"/>
-              </a:rPr>
-              <a:t>未对</a:t>
-            </a:r>
-            <a:r>
-              <a:rPr lang="en-US" altLang="zh-CN" sz="2400" dirty="0">
-                <a:solidFill>
-                  <a:schemeClr val="tx2">
-                    <a:lumMod val="75000"/>
-                  </a:schemeClr>
-                </a:solidFill>
-                <a:latin typeface="微软雅黑" pitchFamily="34" charset="-122"/>
-                <a:ea typeface="微软雅黑" pitchFamily="34" charset="-122"/>
-              </a:rPr>
-              <a:t>Zookeeper</a:t>
-            </a:r>
-            <a:r>
-              <a:rPr lang="zh-CN" altLang="en-US" sz="2400" dirty="0">
-                <a:solidFill>
-                  <a:schemeClr val="tx2">
-                    <a:lumMod val="75000"/>
-                  </a:schemeClr>
-                </a:solidFill>
-                <a:latin typeface="微软雅黑" pitchFamily="34" charset="-122"/>
-                <a:ea typeface="微软雅黑" pitchFamily="34" charset="-122"/>
-              </a:rPr>
-              <a:t>服务器端做任何侵入修改，只需安装原生的</a:t>
-            </a:r>
-            <a:r>
-              <a:rPr lang="en-US" altLang="zh-CN" sz="2400" dirty="0">
-                <a:solidFill>
-                  <a:schemeClr val="tx2">
-                    <a:lumMod val="75000"/>
-                  </a:schemeClr>
-                </a:solidFill>
-                <a:latin typeface="微软雅黑" pitchFamily="34" charset="-122"/>
-                <a:ea typeface="微软雅黑" pitchFamily="34" charset="-122"/>
-              </a:rPr>
-              <a:t>Zookeeper</a:t>
-            </a:r>
-            <a:r>
-              <a:rPr lang="zh-CN" altLang="en-US" sz="2400" dirty="0">
-                <a:solidFill>
-                  <a:schemeClr val="tx2">
-                    <a:lumMod val="75000"/>
-                  </a:schemeClr>
-                </a:solidFill>
-                <a:latin typeface="微软雅黑" pitchFamily="34" charset="-122"/>
-                <a:ea typeface="微软雅黑" pitchFamily="34" charset="-122"/>
-              </a:rPr>
-              <a:t>服务器即可，所有注册中心逻辑适配都在调用</a:t>
-            </a:r>
-            <a:r>
-              <a:rPr lang="en-US" altLang="zh-CN" sz="2400" dirty="0">
-                <a:solidFill>
-                  <a:schemeClr val="tx2">
-                    <a:lumMod val="75000"/>
-                  </a:schemeClr>
-                </a:solidFill>
-                <a:latin typeface="微软雅黑" pitchFamily="34" charset="-122"/>
-                <a:ea typeface="微软雅黑" pitchFamily="34" charset="-122"/>
-              </a:rPr>
-              <a:t>Zookeeper</a:t>
-            </a:r>
-            <a:r>
-              <a:rPr lang="zh-CN" altLang="en-US" sz="2400" dirty="0">
-                <a:solidFill>
-                  <a:schemeClr val="tx2">
-                    <a:lumMod val="75000"/>
-                  </a:schemeClr>
-                </a:solidFill>
-                <a:latin typeface="微软雅黑" pitchFamily="34" charset="-122"/>
-                <a:ea typeface="微软雅黑" pitchFamily="34" charset="-122"/>
-              </a:rPr>
-              <a:t>客户端时完成</a:t>
-            </a:r>
-            <a:r>
-              <a:rPr lang="zh-CN" altLang="en-US" sz="2400" dirty="0" smtClean="0">
-                <a:solidFill>
-                  <a:schemeClr val="tx2">
-                    <a:lumMod val="75000"/>
-                  </a:schemeClr>
-                </a:solidFill>
-                <a:latin typeface="微软雅黑" pitchFamily="34" charset="-122"/>
-                <a:ea typeface="微软雅黑" pitchFamily="34" charset="-122"/>
-              </a:rPr>
-              <a:t>。</a:t>
-            </a:r>
-            <a:endParaRPr lang="en-US" altLang="zh-CN" sz="2400" dirty="0" smtClean="0">
-              <a:solidFill>
-                <a:schemeClr val="tx2">
-                  <a:lumMod val="75000"/>
-                </a:schemeClr>
-              </a:solidFill>
-              <a:latin typeface="微软雅黑" pitchFamily="34" charset="-122"/>
-              <a:ea typeface="微软雅黑" pitchFamily="34" charset="-122"/>
-            </a:endParaRPr>
-          </a:p>
-          <a:p>
-            <a:pPr marL="342900" indent="-342900">
-              <a:buFont typeface="Wingdings" pitchFamily="2" charset="2"/>
-              <a:buChar char="n"/>
-            </a:pPr>
-            <a:endParaRPr lang="en-US" altLang="zh-CN" sz="2400" dirty="0" smtClean="0">
-              <a:solidFill>
-                <a:schemeClr val="tx2">
-                  <a:lumMod val="75000"/>
-                </a:schemeClr>
-              </a:solidFill>
-              <a:latin typeface="微软雅黑" pitchFamily="34" charset="-122"/>
-              <a:ea typeface="微软雅黑" pitchFamily="34" charset="-122"/>
-            </a:endParaRPr>
-          </a:p>
-          <a:p>
-            <a:pPr marL="342900" indent="-342900">
-              <a:buFont typeface="Wingdings" pitchFamily="2" charset="2"/>
-              <a:buChar char="n"/>
-            </a:pPr>
-            <a:r>
-              <a:rPr lang="zh-CN" altLang="en-US" sz="2400" dirty="0">
-                <a:solidFill>
-                  <a:schemeClr val="tx2">
-                    <a:lumMod val="75000"/>
-                  </a:schemeClr>
-                </a:solidFill>
-                <a:latin typeface="微软雅黑" pitchFamily="34" charset="-122"/>
-                <a:ea typeface="微软雅黑" pitchFamily="34" charset="-122"/>
-              </a:rPr>
-              <a:t>如果需要，可以考虑使用</a:t>
-            </a:r>
-            <a:r>
-              <a:rPr lang="en-US" altLang="zh-CN" sz="2400" dirty="0" err="1">
-                <a:solidFill>
-                  <a:schemeClr val="tx2">
-                    <a:lumMod val="75000"/>
-                  </a:schemeClr>
-                </a:solidFill>
-                <a:latin typeface="微软雅黑" pitchFamily="34" charset="-122"/>
-                <a:ea typeface="微软雅黑" pitchFamily="34" charset="-122"/>
-              </a:rPr>
-              <a:t>taobao</a:t>
-            </a:r>
-            <a:r>
-              <a:rPr lang="zh-CN" altLang="en-US" sz="2400" dirty="0">
-                <a:solidFill>
-                  <a:schemeClr val="tx2">
-                    <a:lumMod val="75000"/>
-                  </a:schemeClr>
-                </a:solidFill>
-                <a:latin typeface="微软雅黑" pitchFamily="34" charset="-122"/>
-                <a:ea typeface="微软雅黑" pitchFamily="34" charset="-122"/>
-              </a:rPr>
-              <a:t>的</a:t>
-            </a:r>
-            <a:r>
-              <a:rPr lang="en-US" altLang="zh-CN" sz="2400" dirty="0">
-                <a:solidFill>
-                  <a:schemeClr val="tx2">
-                    <a:lumMod val="75000"/>
-                  </a:schemeClr>
-                </a:solidFill>
-                <a:latin typeface="微软雅黑" pitchFamily="34" charset="-122"/>
-                <a:ea typeface="微软雅黑" pitchFamily="34" charset="-122"/>
-              </a:rPr>
-              <a:t>zookeeper</a:t>
-            </a:r>
-            <a:r>
-              <a:rPr lang="zh-CN" altLang="en-US" sz="2400" dirty="0">
-                <a:solidFill>
-                  <a:schemeClr val="tx2">
-                    <a:lumMod val="75000"/>
-                  </a:schemeClr>
-                </a:solidFill>
-                <a:latin typeface="微软雅黑" pitchFamily="34" charset="-122"/>
-                <a:ea typeface="微软雅黑" pitchFamily="34" charset="-122"/>
-              </a:rPr>
-              <a:t>监控：</a:t>
-            </a:r>
-            <a:r>
-              <a:rPr lang="en-US" altLang="zh-CN" sz="2400" dirty="0">
-                <a:solidFill>
-                  <a:schemeClr val="tx2">
-                    <a:lumMod val="75000"/>
-                  </a:schemeClr>
-                </a:solidFill>
-                <a:latin typeface="微软雅黑" pitchFamily="34" charset="-122"/>
-                <a:ea typeface="微软雅黑" pitchFamily="34" charset="-122"/>
-                <a:hlinkClick r:id="rId3"/>
-              </a:rPr>
-              <a:t>http://</a:t>
-            </a:r>
-            <a:r>
-              <a:rPr lang="en-US" altLang="zh-CN" sz="2400" dirty="0" smtClean="0">
-                <a:solidFill>
-                  <a:schemeClr val="tx2">
-                    <a:lumMod val="75000"/>
-                  </a:schemeClr>
-                </a:solidFill>
-                <a:latin typeface="微软雅黑" pitchFamily="34" charset="-122"/>
-                <a:ea typeface="微软雅黑" pitchFamily="34" charset="-122"/>
-                <a:hlinkClick r:id="rId3"/>
-              </a:rPr>
-              <a:t>rdc.taobao.com/team/jm/archives/1450</a:t>
-            </a:r>
-            <a:endParaRPr lang="en-US" altLang="zh-CN" sz="2400" dirty="0" smtClean="0">
-              <a:solidFill>
-                <a:schemeClr val="tx2">
-                  <a:lumMod val="75000"/>
-                </a:schemeClr>
-              </a:solidFill>
-              <a:latin typeface="微软雅黑" pitchFamily="34" charset="-122"/>
-              <a:ea typeface="微软雅黑" pitchFamily="34" charset="-122"/>
-            </a:endParaRPr>
-          </a:p>
-          <a:p>
-            <a:endParaRPr lang="en-US" altLang="zh-CN" sz="2400" dirty="0" smtClean="0">
-              <a:solidFill>
-                <a:schemeClr val="tx2">
-                  <a:lumMod val="75000"/>
-                </a:schemeClr>
-              </a:solidFill>
-              <a:latin typeface="微软雅黑" pitchFamily="34" charset="-122"/>
-              <a:ea typeface="微软雅黑" pitchFamily="34" charset="-122"/>
-            </a:endParaRPr>
-          </a:p>
-          <a:p>
-            <a:endParaRPr lang="en-US" altLang="zh-CN" sz="2400" dirty="0" smtClean="0">
-              <a:solidFill>
-                <a:schemeClr val="tx2">
-                  <a:lumMod val="75000"/>
-                </a:schemeClr>
-              </a:solidFill>
-              <a:latin typeface="微软雅黑" pitchFamily="34" charset="-122"/>
-              <a:ea typeface="微软雅黑" pitchFamily="34" charset="-122"/>
-            </a:endParaRPr>
-          </a:p>
-          <a:p>
-            <a:endParaRPr lang="en-US" altLang="zh-CN" sz="2400" dirty="0" smtClean="0">
-              <a:solidFill>
-                <a:schemeClr val="tx2">
-                  <a:lumMod val="75000"/>
-                </a:schemeClr>
-              </a:solidFill>
-              <a:latin typeface="微软雅黑" pitchFamily="34" charset="-122"/>
-              <a:ea typeface="微软雅黑" pitchFamily="34" charset="-122"/>
-            </a:endParaRPr>
-          </a:p>
-          <a:p>
-            <a:endParaRPr lang="en-US" altLang="zh-CN" sz="2400" dirty="0" smtClean="0">
-              <a:solidFill>
-                <a:schemeClr val="tx2">
-                  <a:lumMod val="75000"/>
-                </a:schemeClr>
-              </a:solidFill>
-              <a:latin typeface="微软雅黑" pitchFamily="34" charset="-122"/>
-              <a:ea typeface="微软雅黑" pitchFamily="34" charset="-122"/>
-            </a:endParaRPr>
-          </a:p>
-          <a:p>
-            <a:endParaRPr lang="en-US" altLang="zh-CN" sz="2400" dirty="0">
-              <a:solidFill>
-                <a:schemeClr val="tx2">
-                  <a:lumMod val="75000"/>
-                </a:schemeClr>
-              </a:solidFill>
-              <a:latin typeface="微软雅黑" pitchFamily="34" charset="-122"/>
-              <a:ea typeface="微软雅黑" pitchFamily="34" charset="-122"/>
-            </a:endParaRPr>
-          </a:p>
-          <a:p>
-            <a:endParaRPr lang="en-US" altLang="zh-CN" sz="2400" dirty="0" smtClean="0">
-              <a:latin typeface="微软雅黑" pitchFamily="34" charset="-122"/>
-              <a:ea typeface="微软雅黑" pitchFamily="34" charset="-122"/>
-            </a:endParaRPr>
-          </a:p>
-          <a:p>
-            <a:r>
-              <a:rPr lang="zh-CN" altLang="en-US" dirty="0" smtClean="0">
-                <a:latin typeface="微软雅黑" pitchFamily="34" charset="-122"/>
-                <a:ea typeface="微软雅黑" pitchFamily="34" charset="-122"/>
-              </a:rPr>
-              <a:t>网址：</a:t>
-            </a:r>
-            <a:endParaRPr lang="en-US" altLang="zh-CN" dirty="0" smtClean="0">
-              <a:latin typeface="微软雅黑" pitchFamily="34" charset="-122"/>
-              <a:ea typeface="微软雅黑" pitchFamily="34" charset="-122"/>
-            </a:endParaRPr>
-          </a:p>
-          <a:p>
-            <a:r>
-              <a:rPr lang="en-US" altLang="zh-CN" dirty="0">
-                <a:latin typeface="微软雅黑" pitchFamily="34" charset="-122"/>
-                <a:ea typeface="微软雅黑" pitchFamily="34" charset="-122"/>
-                <a:hlinkClick r:id="rId4"/>
-              </a:rPr>
-              <a:t>http://</a:t>
-            </a:r>
-            <a:r>
-              <a:rPr lang="en-US" altLang="zh-CN" dirty="0" smtClean="0">
-                <a:latin typeface="微软雅黑" pitchFamily="34" charset="-122"/>
-                <a:ea typeface="微软雅黑" pitchFamily="34" charset="-122"/>
-                <a:hlinkClick r:id="rId4"/>
-              </a:rPr>
-              <a:t>alibaba.github.io/dubbo-doc-static/Zookeeper+Registry+Installation-zh.htm</a:t>
-            </a:r>
-            <a:endParaRPr lang="en-US" altLang="zh-CN" dirty="0" smtClean="0">
-              <a:latin typeface="微软雅黑" pitchFamily="34" charset="-122"/>
-              <a:ea typeface="微软雅黑" pitchFamily="34" charset="-122"/>
-            </a:endParaRPr>
+              <a:rPr lang="zh-CN" altLang="en-US" sz="4000" dirty="0"/>
+              <a:t>注册中心安装</a:t>
+            </a:r>
+            <a:endParaRPr lang="en-US" altLang="zh-CN" sz="4000" dirty="0" smtClean="0"/>
           </a:p>
         </p:txBody>
       </p:sp>
     </p:spTree>
-    <p:extLst>
-      <p:ext uri="{BB962C8B-B14F-4D97-AF65-F5344CB8AC3E}">
-        <p14:creationId xmlns:p14="http://schemas.microsoft.com/office/powerpoint/2010/main" xmlns="" val="1186531355"/>
-      </p:ext>
-    </p:extLst>
   </p:cSld>
   <p:clrMapOvr>
     <a:masterClrMapping/>
@@ -10232,8 +10163,12 @@
           <a:p>
             <a:pPr marL="514350" indent="-514350"/>
             <a:r>
-              <a:rPr lang="zh-CN" altLang="en-US" sz="2400" dirty="0" smtClean="0"/>
-              <a:t>安装、配置</a:t>
+              <a:rPr lang="en-US" altLang="zh-CN" sz="2400" dirty="0"/>
+              <a:t>Zookeeper</a:t>
+            </a:r>
+            <a:r>
+              <a:rPr lang="zh-CN" altLang="en-US" sz="2400" dirty="0"/>
+              <a:t>注册中心安装</a:t>
             </a:r>
             <a:endParaRPr lang="en-US" altLang="zh-CN" sz="2400" dirty="0" smtClean="0"/>
           </a:p>
@@ -10248,7 +10183,7 @@
         <p:spPr>
           <a:xfrm>
             <a:off x="683568" y="1124744"/>
-            <a:ext cx="7992888" cy="369332"/>
+            <a:ext cx="7992888" cy="7571303"/>
           </a:xfrm>
           <a:prstGeom prst="rect">
             <a:avLst/>
@@ -10262,86 +10197,526 @@
           <a:lstStyle/>
           <a:p>
             <a:pPr marL="342900" indent="-342900">
-              <a:buFont typeface="Wingdings" pitchFamily="2" charset="2"/>
+              <a:buFont typeface="Wingdings" panose="05000000000000000000" pitchFamily="2" charset="2"/>
               <a:buChar char="n"/>
             </a:pPr>
+            <a:r>
+              <a:rPr lang="zh-CN" altLang="en-US" sz="2400" dirty="0">
+                <a:solidFill>
+                  <a:schemeClr val="tx2">
+                    <a:lumMod val="75000"/>
+                  </a:schemeClr>
+                </a:solidFill>
+                <a:latin typeface="微软雅黑" panose="020B0503020204020204" pitchFamily="34" charset="-122"/>
+                <a:ea typeface="微软雅黑" panose="020B0503020204020204" pitchFamily="34" charset="-122"/>
+              </a:rPr>
+              <a:t>建议使用</a:t>
+            </a:r>
+            <a:r>
+              <a:rPr lang="en-US" altLang="zh-CN" sz="2400" dirty="0">
+                <a:solidFill>
+                  <a:schemeClr val="tx2">
+                    <a:lumMod val="75000"/>
+                  </a:schemeClr>
+                </a:solidFill>
+                <a:latin typeface="微软雅黑" panose="020B0503020204020204" pitchFamily="34" charset="-122"/>
+                <a:ea typeface="微软雅黑" panose="020B0503020204020204" pitchFamily="34" charset="-122"/>
+              </a:rPr>
+              <a:t>dubbo-2.3.3</a:t>
+            </a:r>
+            <a:r>
+              <a:rPr lang="zh-CN" altLang="en-US" sz="2400" dirty="0">
+                <a:solidFill>
+                  <a:schemeClr val="tx2">
+                    <a:lumMod val="75000"/>
+                  </a:schemeClr>
+                </a:solidFill>
+                <a:latin typeface="微软雅黑" panose="020B0503020204020204" pitchFamily="34" charset="-122"/>
+                <a:ea typeface="微软雅黑" panose="020B0503020204020204" pitchFamily="34" charset="-122"/>
+              </a:rPr>
+              <a:t>以上版本的</a:t>
+            </a:r>
+            <a:r>
+              <a:rPr lang="en-US" altLang="zh-CN" sz="2400" dirty="0">
+                <a:solidFill>
+                  <a:schemeClr val="tx2">
+                    <a:lumMod val="75000"/>
+                  </a:schemeClr>
+                </a:solidFill>
+                <a:latin typeface="微软雅黑" panose="020B0503020204020204" pitchFamily="34" charset="-122"/>
+                <a:ea typeface="微软雅黑" panose="020B0503020204020204" pitchFamily="34" charset="-122"/>
+              </a:rPr>
+              <a:t>zookeeper</a:t>
+            </a:r>
+            <a:r>
+              <a:rPr lang="zh-CN" altLang="en-US" sz="2400" dirty="0">
+                <a:solidFill>
+                  <a:schemeClr val="tx2">
+                    <a:lumMod val="75000"/>
+                  </a:schemeClr>
+                </a:solidFill>
+                <a:latin typeface="微软雅黑" panose="020B0503020204020204" pitchFamily="34" charset="-122"/>
+                <a:ea typeface="微软雅黑" panose="020B0503020204020204" pitchFamily="34" charset="-122"/>
+              </a:rPr>
+              <a:t>注册中心</a:t>
+            </a:r>
+            <a:r>
+              <a:rPr lang="zh-CN" altLang="en-US" sz="2400" dirty="0" smtClean="0">
+                <a:solidFill>
+                  <a:schemeClr val="tx2">
+                    <a:lumMod val="75000"/>
+                  </a:schemeClr>
+                </a:solidFill>
+                <a:latin typeface="微软雅黑" panose="020B0503020204020204" pitchFamily="34" charset="-122"/>
+                <a:ea typeface="微软雅黑" panose="020B0503020204020204" pitchFamily="34" charset="-122"/>
+              </a:rPr>
+              <a:t>客户端。</a:t>
+            </a:r>
+            <a:endParaRPr lang="en-US" altLang="zh-CN" sz="2400" dirty="0" smtClean="0">
+              <a:solidFill>
+                <a:schemeClr val="tx2">
+                  <a:lumMod val="75000"/>
+                </a:schemeClr>
+              </a:solidFill>
+              <a:latin typeface="微软雅黑" panose="020B0503020204020204" pitchFamily="34" charset="-122"/>
+              <a:ea typeface="微软雅黑" panose="020B0503020204020204" pitchFamily="34" charset="-122"/>
+            </a:endParaRPr>
+          </a:p>
+          <a:p>
+            <a:endParaRPr lang="en-US" altLang="zh-CN" sz="2400" dirty="0" smtClean="0">
+              <a:solidFill>
+                <a:schemeClr val="tx2">
+                  <a:lumMod val="75000"/>
+                </a:schemeClr>
+              </a:solidFill>
+              <a:latin typeface="微软雅黑" panose="020B0503020204020204" pitchFamily="34" charset="-122"/>
+              <a:ea typeface="微软雅黑" panose="020B0503020204020204" pitchFamily="34" charset="-122"/>
+            </a:endParaRPr>
+          </a:p>
+          <a:p>
+            <a:pPr marL="342900" indent="-342900">
+              <a:buFont typeface="Wingdings" panose="05000000000000000000" pitchFamily="2" charset="2"/>
+              <a:buChar char="n"/>
+            </a:pPr>
+            <a:r>
+              <a:rPr lang="en-US" altLang="zh-CN" sz="2400" dirty="0">
+                <a:solidFill>
+                  <a:schemeClr val="tx2">
+                    <a:lumMod val="75000"/>
+                  </a:schemeClr>
+                </a:solidFill>
+                <a:latin typeface="微软雅黑" panose="020B0503020204020204" pitchFamily="34" charset="-122"/>
+                <a:ea typeface="微软雅黑" panose="020B0503020204020204" pitchFamily="34" charset="-122"/>
+              </a:rPr>
+              <a:t>Zookeeper</a:t>
+            </a:r>
+            <a:r>
+              <a:rPr lang="zh-CN" altLang="en-US" sz="2400" dirty="0">
+                <a:solidFill>
+                  <a:schemeClr val="tx2">
+                    <a:lumMod val="75000"/>
+                  </a:schemeClr>
+                </a:solidFill>
+                <a:latin typeface="微软雅黑" panose="020B0503020204020204" pitchFamily="34" charset="-122"/>
+                <a:ea typeface="微软雅黑" panose="020B0503020204020204" pitchFamily="34" charset="-122"/>
+              </a:rPr>
+              <a:t>是</a:t>
+            </a:r>
+            <a:r>
+              <a:rPr lang="en-US" altLang="zh-CN" sz="2400" dirty="0">
+                <a:solidFill>
+                  <a:schemeClr val="tx2">
+                    <a:lumMod val="75000"/>
+                  </a:schemeClr>
+                </a:solidFill>
+                <a:latin typeface="微软雅黑" panose="020B0503020204020204" pitchFamily="34" charset="-122"/>
+                <a:ea typeface="微软雅黑" panose="020B0503020204020204" pitchFamily="34" charset="-122"/>
+              </a:rPr>
+              <a:t>Apache Hadoop</a:t>
+            </a:r>
+            <a:r>
+              <a:rPr lang="zh-CN" altLang="en-US" sz="2400" dirty="0">
+                <a:solidFill>
+                  <a:schemeClr val="tx2">
+                    <a:lumMod val="75000"/>
+                  </a:schemeClr>
+                </a:solidFill>
+                <a:latin typeface="微软雅黑" panose="020B0503020204020204" pitchFamily="34" charset="-122"/>
+                <a:ea typeface="微软雅黑" panose="020B0503020204020204" pitchFamily="34" charset="-122"/>
+              </a:rPr>
+              <a:t>的子项目，强度相对较好，建议生产环境使用该注册中心</a:t>
+            </a:r>
+            <a:r>
+              <a:rPr lang="zh-CN" altLang="en-US" sz="2400" dirty="0" smtClean="0">
+                <a:solidFill>
+                  <a:schemeClr val="tx2">
+                    <a:lumMod val="75000"/>
+                  </a:schemeClr>
+                </a:solidFill>
+                <a:latin typeface="微软雅黑" panose="020B0503020204020204" pitchFamily="34" charset="-122"/>
+                <a:ea typeface="微软雅黑" panose="020B0503020204020204" pitchFamily="34" charset="-122"/>
+              </a:rPr>
+              <a:t>。</a:t>
+            </a:r>
+            <a:endParaRPr lang="en-US" altLang="zh-CN" sz="2400" dirty="0" smtClean="0">
+              <a:solidFill>
+                <a:schemeClr val="tx2">
+                  <a:lumMod val="75000"/>
+                </a:schemeClr>
+              </a:solidFill>
+              <a:latin typeface="微软雅黑" panose="020B0503020204020204" pitchFamily="34" charset="-122"/>
+              <a:ea typeface="微软雅黑" panose="020B0503020204020204" pitchFamily="34" charset="-122"/>
+            </a:endParaRPr>
+          </a:p>
+          <a:p>
+            <a:endParaRPr lang="en-US" altLang="zh-CN" sz="2400" dirty="0" smtClean="0">
+              <a:solidFill>
+                <a:schemeClr val="tx2">
+                  <a:lumMod val="75000"/>
+                </a:schemeClr>
+              </a:solidFill>
+              <a:latin typeface="微软雅黑" panose="020B0503020204020204" pitchFamily="34" charset="-122"/>
+              <a:ea typeface="微软雅黑" panose="020B0503020204020204" pitchFamily="34" charset="-122"/>
+            </a:endParaRPr>
+          </a:p>
+          <a:p>
+            <a:pPr marL="342900" indent="-342900">
+              <a:buFont typeface="Wingdings" panose="05000000000000000000" pitchFamily="2" charset="2"/>
+              <a:buChar char="n"/>
+            </a:pPr>
+            <a:r>
+              <a:rPr lang="en-US" altLang="zh-CN" sz="2400" dirty="0">
+                <a:solidFill>
+                  <a:schemeClr val="tx2">
+                    <a:lumMod val="75000"/>
+                  </a:schemeClr>
+                </a:solidFill>
+                <a:latin typeface="微软雅黑" panose="020B0503020204020204" pitchFamily="34" charset="-122"/>
+                <a:ea typeface="微软雅黑" panose="020B0503020204020204" pitchFamily="34" charset="-122"/>
+              </a:rPr>
+              <a:t>Dubbo</a:t>
+            </a:r>
+            <a:r>
+              <a:rPr lang="zh-CN" altLang="en-US" sz="2400" dirty="0">
+                <a:solidFill>
+                  <a:schemeClr val="tx2">
+                    <a:lumMod val="75000"/>
+                  </a:schemeClr>
+                </a:solidFill>
+                <a:latin typeface="微软雅黑" panose="020B0503020204020204" pitchFamily="34" charset="-122"/>
+                <a:ea typeface="微软雅黑" panose="020B0503020204020204" pitchFamily="34" charset="-122"/>
+              </a:rPr>
+              <a:t>未对</a:t>
+            </a:r>
+            <a:r>
+              <a:rPr lang="en-US" altLang="zh-CN" sz="2400" dirty="0">
+                <a:solidFill>
+                  <a:schemeClr val="tx2">
+                    <a:lumMod val="75000"/>
+                  </a:schemeClr>
+                </a:solidFill>
+                <a:latin typeface="微软雅黑" panose="020B0503020204020204" pitchFamily="34" charset="-122"/>
+                <a:ea typeface="微软雅黑" panose="020B0503020204020204" pitchFamily="34" charset="-122"/>
+              </a:rPr>
+              <a:t>Zookeeper</a:t>
+            </a:r>
+            <a:r>
+              <a:rPr lang="zh-CN" altLang="en-US" sz="2400" dirty="0">
+                <a:solidFill>
+                  <a:schemeClr val="tx2">
+                    <a:lumMod val="75000"/>
+                  </a:schemeClr>
+                </a:solidFill>
+                <a:latin typeface="微软雅黑" panose="020B0503020204020204" pitchFamily="34" charset="-122"/>
+                <a:ea typeface="微软雅黑" panose="020B0503020204020204" pitchFamily="34" charset="-122"/>
+              </a:rPr>
+              <a:t>服务器端做任何侵入修改，只需安装原生的</a:t>
+            </a:r>
+            <a:r>
+              <a:rPr lang="en-US" altLang="zh-CN" sz="2400" dirty="0">
+                <a:solidFill>
+                  <a:schemeClr val="tx2">
+                    <a:lumMod val="75000"/>
+                  </a:schemeClr>
+                </a:solidFill>
+                <a:latin typeface="微软雅黑" panose="020B0503020204020204" pitchFamily="34" charset="-122"/>
+                <a:ea typeface="微软雅黑" panose="020B0503020204020204" pitchFamily="34" charset="-122"/>
+              </a:rPr>
+              <a:t>Zookeeper</a:t>
+            </a:r>
+            <a:r>
+              <a:rPr lang="zh-CN" altLang="en-US" sz="2400" dirty="0">
+                <a:solidFill>
+                  <a:schemeClr val="tx2">
+                    <a:lumMod val="75000"/>
+                  </a:schemeClr>
+                </a:solidFill>
+                <a:latin typeface="微软雅黑" panose="020B0503020204020204" pitchFamily="34" charset="-122"/>
+                <a:ea typeface="微软雅黑" panose="020B0503020204020204" pitchFamily="34" charset="-122"/>
+              </a:rPr>
+              <a:t>服务器即可，所有注册中心逻辑适配都在调用</a:t>
+            </a:r>
+            <a:r>
+              <a:rPr lang="en-US" altLang="zh-CN" sz="2400" dirty="0">
+                <a:solidFill>
+                  <a:schemeClr val="tx2">
+                    <a:lumMod val="75000"/>
+                  </a:schemeClr>
+                </a:solidFill>
+                <a:latin typeface="微软雅黑" panose="020B0503020204020204" pitchFamily="34" charset="-122"/>
+                <a:ea typeface="微软雅黑" panose="020B0503020204020204" pitchFamily="34" charset="-122"/>
+              </a:rPr>
+              <a:t>Zookeeper</a:t>
+            </a:r>
+            <a:r>
+              <a:rPr lang="zh-CN" altLang="en-US" sz="2400" dirty="0">
+                <a:solidFill>
+                  <a:schemeClr val="tx2">
+                    <a:lumMod val="75000"/>
+                  </a:schemeClr>
+                </a:solidFill>
+                <a:latin typeface="微软雅黑" panose="020B0503020204020204" pitchFamily="34" charset="-122"/>
+                <a:ea typeface="微软雅黑" panose="020B0503020204020204" pitchFamily="34" charset="-122"/>
+              </a:rPr>
+              <a:t>客户端时完成</a:t>
+            </a:r>
+            <a:r>
+              <a:rPr lang="zh-CN" altLang="en-US" sz="2400" dirty="0" smtClean="0">
+                <a:solidFill>
+                  <a:schemeClr val="tx2">
+                    <a:lumMod val="75000"/>
+                  </a:schemeClr>
+                </a:solidFill>
+                <a:latin typeface="微软雅黑" panose="020B0503020204020204" pitchFamily="34" charset="-122"/>
+                <a:ea typeface="微软雅黑" panose="020B0503020204020204" pitchFamily="34" charset="-122"/>
+              </a:rPr>
+              <a:t>。</a:t>
+            </a:r>
+            <a:endParaRPr lang="en-US" altLang="zh-CN" sz="2400" dirty="0" smtClean="0">
+              <a:solidFill>
+                <a:schemeClr val="tx2">
+                  <a:lumMod val="75000"/>
+                </a:schemeClr>
+              </a:solidFill>
+              <a:latin typeface="微软雅黑" panose="020B0503020204020204" pitchFamily="34" charset="-122"/>
+              <a:ea typeface="微软雅黑" panose="020B0503020204020204" pitchFamily="34" charset="-122"/>
+            </a:endParaRPr>
+          </a:p>
+          <a:p>
+            <a:pPr marL="342900" indent="-342900">
+              <a:buFont typeface="Wingdings" panose="05000000000000000000" pitchFamily="2" charset="2"/>
+              <a:buChar char="n"/>
+            </a:pPr>
+            <a:endParaRPr lang="en-US" altLang="zh-CN" sz="2400" dirty="0" smtClean="0">
+              <a:solidFill>
+                <a:schemeClr val="tx2">
+                  <a:lumMod val="75000"/>
+                </a:schemeClr>
+              </a:solidFill>
+              <a:latin typeface="微软雅黑" panose="020B0503020204020204" pitchFamily="34" charset="-122"/>
+              <a:ea typeface="微软雅黑" panose="020B0503020204020204" pitchFamily="34" charset="-122"/>
+            </a:endParaRPr>
+          </a:p>
+          <a:p>
+            <a:pPr marL="342900" indent="-342900">
+              <a:buFont typeface="Wingdings" panose="05000000000000000000" pitchFamily="2" charset="2"/>
+              <a:buChar char="n"/>
+            </a:pPr>
+            <a:r>
+              <a:rPr lang="zh-CN" altLang="en-US" sz="2400" dirty="0">
+                <a:solidFill>
+                  <a:schemeClr val="tx2">
+                    <a:lumMod val="75000"/>
+                  </a:schemeClr>
+                </a:solidFill>
+                <a:latin typeface="微软雅黑" panose="020B0503020204020204" pitchFamily="34" charset="-122"/>
+                <a:ea typeface="微软雅黑" panose="020B0503020204020204" pitchFamily="34" charset="-122"/>
+              </a:rPr>
+              <a:t>如果需要，可以考虑使用</a:t>
+            </a:r>
+            <a:r>
+              <a:rPr lang="en-US" altLang="zh-CN" sz="2400" dirty="0" err="1">
+                <a:solidFill>
+                  <a:schemeClr val="tx2">
+                    <a:lumMod val="75000"/>
+                  </a:schemeClr>
+                </a:solidFill>
+                <a:latin typeface="微软雅黑" panose="020B0503020204020204" pitchFamily="34" charset="-122"/>
+                <a:ea typeface="微软雅黑" panose="020B0503020204020204" pitchFamily="34" charset="-122"/>
+              </a:rPr>
+              <a:t>taobao</a:t>
+            </a:r>
+            <a:r>
+              <a:rPr lang="zh-CN" altLang="en-US" sz="2400" dirty="0">
+                <a:solidFill>
+                  <a:schemeClr val="tx2">
+                    <a:lumMod val="75000"/>
+                  </a:schemeClr>
+                </a:solidFill>
+                <a:latin typeface="微软雅黑" panose="020B0503020204020204" pitchFamily="34" charset="-122"/>
+                <a:ea typeface="微软雅黑" panose="020B0503020204020204" pitchFamily="34" charset="-122"/>
+              </a:rPr>
+              <a:t>的</a:t>
+            </a:r>
+            <a:r>
+              <a:rPr lang="en-US" altLang="zh-CN" sz="2400" dirty="0">
+                <a:solidFill>
+                  <a:schemeClr val="tx2">
+                    <a:lumMod val="75000"/>
+                  </a:schemeClr>
+                </a:solidFill>
+                <a:latin typeface="微软雅黑" panose="020B0503020204020204" pitchFamily="34" charset="-122"/>
+                <a:ea typeface="微软雅黑" panose="020B0503020204020204" pitchFamily="34" charset="-122"/>
+              </a:rPr>
+              <a:t>zookeeper</a:t>
+            </a:r>
+            <a:r>
+              <a:rPr lang="zh-CN" altLang="en-US" sz="2400" dirty="0">
+                <a:solidFill>
+                  <a:schemeClr val="tx2">
+                    <a:lumMod val="75000"/>
+                  </a:schemeClr>
+                </a:solidFill>
+                <a:latin typeface="微软雅黑" panose="020B0503020204020204" pitchFamily="34" charset="-122"/>
+                <a:ea typeface="微软雅黑" panose="020B0503020204020204" pitchFamily="34" charset="-122"/>
+              </a:rPr>
+              <a:t>监控：</a:t>
+            </a:r>
+            <a:r>
+              <a:rPr lang="en-US" altLang="zh-CN" sz="2400" dirty="0">
+                <a:solidFill>
+                  <a:schemeClr val="tx2">
+                    <a:lumMod val="75000"/>
+                  </a:schemeClr>
+                </a:solidFill>
+                <a:latin typeface="微软雅黑" panose="020B0503020204020204" pitchFamily="34" charset="-122"/>
+                <a:ea typeface="微软雅黑" panose="020B0503020204020204" pitchFamily="34" charset="-122"/>
+                <a:hlinkClick r:id="rId1"/>
+              </a:rPr>
+              <a:t>http://</a:t>
+            </a:r>
+            <a:r>
+              <a:rPr lang="en-US" altLang="zh-CN" sz="2400" dirty="0" smtClean="0">
+                <a:solidFill>
+                  <a:schemeClr val="tx2">
+                    <a:lumMod val="75000"/>
+                  </a:schemeClr>
+                </a:solidFill>
+                <a:latin typeface="微软雅黑" panose="020B0503020204020204" pitchFamily="34" charset="-122"/>
+                <a:ea typeface="微软雅黑" panose="020B0503020204020204" pitchFamily="34" charset="-122"/>
+                <a:hlinkClick r:id="rId1"/>
+              </a:rPr>
+              <a:t>rdc.taobao.com/team/jm/archives/1450</a:t>
+            </a:r>
+            <a:endParaRPr lang="en-US" altLang="zh-CN" sz="2400" dirty="0" smtClean="0">
+              <a:solidFill>
+                <a:schemeClr val="tx2">
+                  <a:lumMod val="75000"/>
+                </a:schemeClr>
+              </a:solidFill>
+              <a:latin typeface="微软雅黑" panose="020B0503020204020204" pitchFamily="34" charset="-122"/>
+              <a:ea typeface="微软雅黑" panose="020B0503020204020204" pitchFamily="34" charset="-122"/>
+            </a:endParaRPr>
+          </a:p>
+          <a:p>
+            <a:endParaRPr lang="en-US" altLang="zh-CN" sz="2400" dirty="0" smtClean="0">
+              <a:solidFill>
+                <a:schemeClr val="tx2">
+                  <a:lumMod val="75000"/>
+                </a:schemeClr>
+              </a:solidFill>
+              <a:latin typeface="微软雅黑" panose="020B0503020204020204" pitchFamily="34" charset="-122"/>
+              <a:ea typeface="微软雅黑" panose="020B0503020204020204" pitchFamily="34" charset="-122"/>
+            </a:endParaRPr>
+          </a:p>
+          <a:p>
+            <a:endParaRPr lang="en-US" altLang="zh-CN" sz="2400" dirty="0" smtClean="0">
+              <a:solidFill>
+                <a:schemeClr val="tx2">
+                  <a:lumMod val="75000"/>
+                </a:schemeClr>
+              </a:solidFill>
+              <a:latin typeface="微软雅黑" panose="020B0503020204020204" pitchFamily="34" charset="-122"/>
+              <a:ea typeface="微软雅黑" panose="020B0503020204020204" pitchFamily="34" charset="-122"/>
+            </a:endParaRPr>
+          </a:p>
+          <a:p>
+            <a:endParaRPr lang="en-US" altLang="zh-CN" sz="2400" dirty="0" smtClean="0">
+              <a:solidFill>
+                <a:schemeClr val="tx2">
+                  <a:lumMod val="75000"/>
+                </a:schemeClr>
+              </a:solidFill>
+              <a:latin typeface="微软雅黑" panose="020B0503020204020204" pitchFamily="34" charset="-122"/>
+              <a:ea typeface="微软雅黑" panose="020B0503020204020204" pitchFamily="34" charset="-122"/>
+            </a:endParaRPr>
+          </a:p>
+          <a:p>
+            <a:endParaRPr lang="en-US" altLang="zh-CN" sz="2400" dirty="0" smtClean="0">
+              <a:solidFill>
+                <a:schemeClr val="tx2">
+                  <a:lumMod val="75000"/>
+                </a:schemeClr>
+              </a:solidFill>
+              <a:latin typeface="微软雅黑" panose="020B0503020204020204" pitchFamily="34" charset="-122"/>
+              <a:ea typeface="微软雅黑" panose="020B0503020204020204" pitchFamily="34" charset="-122"/>
+            </a:endParaRPr>
+          </a:p>
+          <a:p>
+            <a:endParaRPr lang="en-US" altLang="zh-CN" sz="2400" dirty="0">
+              <a:solidFill>
+                <a:schemeClr val="tx2">
+                  <a:lumMod val="75000"/>
+                </a:schemeClr>
+              </a:solidFill>
+              <a:latin typeface="微软雅黑" panose="020B0503020204020204" pitchFamily="34" charset="-122"/>
+              <a:ea typeface="微软雅黑" panose="020B0503020204020204" pitchFamily="34" charset="-122"/>
+            </a:endParaRPr>
+          </a:p>
+          <a:p>
+            <a:endParaRPr lang="en-US" altLang="zh-CN" sz="2400" dirty="0" smtClean="0">
+              <a:latin typeface="微软雅黑" panose="020B0503020204020204" pitchFamily="34" charset="-122"/>
+              <a:ea typeface="微软雅黑" panose="020B0503020204020204" pitchFamily="34" charset="-122"/>
+            </a:endParaRPr>
+          </a:p>
+          <a:p>
+            <a:r>
+              <a:rPr lang="zh-CN" altLang="en-US" dirty="0" smtClean="0">
+                <a:latin typeface="微软雅黑" panose="020B0503020204020204" pitchFamily="34" charset="-122"/>
+                <a:ea typeface="微软雅黑" panose="020B0503020204020204" pitchFamily="34" charset="-122"/>
+              </a:rPr>
+              <a:t>网址：</a:t>
+            </a:r>
             <a:endParaRPr lang="en-US" altLang="zh-CN" dirty="0" smtClean="0">
-              <a:latin typeface="微软雅黑" pitchFamily="34" charset="-122"/>
-              <a:ea typeface="微软雅黑" pitchFamily="34" charset="-122"/>
+              <a:latin typeface="微软雅黑" panose="020B0503020204020204" pitchFamily="34" charset="-122"/>
+              <a:ea typeface="微软雅黑" panose="020B0503020204020204" pitchFamily="34" charset="-122"/>
             </a:endParaRPr>
           </a:p>
-        </p:txBody>
-      </p:sp>
-      <p:pic>
-        <p:nvPicPr>
-          <p:cNvPr id="9221" name="Picture 5"/>
-          <p:cNvPicPr>
-            <a:picLocks noChangeAspect="1" noChangeArrowheads="1"/>
-          </p:cNvPicPr>
-          <p:nvPr/>
-        </p:nvPicPr>
-        <p:blipFill>
-          <a:blip r:embed="rId3" cstate="print">
-            <a:extLst>
-              <a:ext uri="{28A0092B-C50C-407E-A947-70E740481C1C}">
-                <a14:useLocalDpi xmlns:a14="http://schemas.microsoft.com/office/drawing/2010/main" xmlns="" val="0"/>
-              </a:ext>
-            </a:extLst>
-          </a:blip>
-          <a:srcRect/>
-          <a:stretch>
-            <a:fillRect/>
-          </a:stretch>
-        </p:blipFill>
-        <p:spPr bwMode="auto">
-          <a:xfrm>
-            <a:off x="276225" y="969218"/>
-            <a:ext cx="8591550" cy="5772150"/>
-          </a:xfrm>
-          <a:prstGeom prst="rect">
-            <a:avLst/>
-          </a:prstGeom>
-          <a:noFill/>
-          <a:ln>
-            <a:noFill/>
-          </a:ln>
-          <a:effectLst/>
-          <a:extLst>
-            <a:ext uri="{909E8E84-426E-40DD-AFC4-6F175D3DCCD1}">
-              <a14:hiddenFill xmlns:a14="http://schemas.microsoft.com/office/drawing/2010/main" xmlns="">
-                <a:solidFill>
-                  <a:schemeClr val="accent1"/>
-                </a:solidFill>
-              </a14:hiddenFill>
-            </a:ext>
-            <a:ext uri="{91240B29-F687-4F45-9708-019B960494DF}">
-              <a14:hiddenLine xmlns:a14="http://schemas.microsoft.com/office/drawing/2010/main" xmlns="" w="9525">
-                <a:solidFill>
-                  <a:schemeClr val="tx1"/>
-                </a:solidFill>
-                <a:miter lim="800000"/>
-                <a:headEnd/>
-                <a:tailEnd/>
-              </a14:hiddenLine>
-            </a:ext>
-            <a:ext uri="{AF507438-7753-43E0-B8FC-AC1667EBCBE1}">
-              <a14:hiddenEffects xmlns:a14="http://schemas.microsoft.com/office/drawing/2010/main" xmlns="">
-                <a:effectLst>
-                  <a:outerShdw dist="35921" dir="2700000" algn="ctr" rotWithShape="0">
-                    <a:schemeClr val="bg2"/>
-                  </a:outerShdw>
-                </a:effectLst>
-              </a14:hiddenEffects>
-            </a:ext>
-          </a:extLst>
-        </p:spPr>
-      </p:pic>
+          <a:p>
+            <a:r>
+              <a:rPr lang="en-US" altLang="zh-CN" dirty="0">
+                <a:latin typeface="微软雅黑" panose="020B0503020204020204" pitchFamily="34" charset="-122"/>
+                <a:ea typeface="微软雅黑" panose="020B0503020204020204" pitchFamily="34" charset="-122"/>
+                <a:hlinkClick r:id="rId2"/>
+              </a:rPr>
+              <a:t>http://</a:t>
+            </a:r>
+            <a:r>
+              <a:rPr lang="en-US" altLang="zh-CN" dirty="0" smtClean="0">
+                <a:latin typeface="微软雅黑" panose="020B0503020204020204" pitchFamily="34" charset="-122"/>
+                <a:ea typeface="微软雅黑" panose="020B0503020204020204" pitchFamily="34" charset="-122"/>
+                <a:hlinkClick r:id="rId2"/>
+              </a:rPr>
+              <a:t>alibaba.github.io/dubbo-doc-static/Zookeeper+Registry+Installation-zh.htm</a:t>
+            </a:r>
+            <a:endParaRPr lang="en-US" altLang="zh-CN" dirty="0" smtClean="0">
+              <a:latin typeface="微软雅黑" panose="020B0503020204020204" pitchFamily="34" charset="-122"/>
+              <a:ea typeface="微软雅黑" panose="020B0503020204020204" pitchFamily="34" charset="-122"/>
+            </a:endParaRPr>
+          </a:p>
+        </p:txBody>
+      </p:sp>
     </p:spTree>
-    <p:extLst>
-      <p:ext uri="{BB962C8B-B14F-4D97-AF65-F5344CB8AC3E}">
-        <p14:creationId xmlns:p14="http://schemas.microsoft.com/office/powerpoint/2010/main" xmlns="" val="1408835703"/>
-      </p:ext>
-    </p:extLst>
   </p:cSld>
   <p:clrMapOvr>
     <a:masterClrMapping/>
@@ -10427,29 +10802,29 @@
           <a:lstStyle/>
           <a:p>
             <a:pPr marL="342900" indent="-342900">
-              <a:buFont typeface="Wingdings" pitchFamily="2" charset="2"/>
+              <a:buFont typeface="Wingdings" panose="05000000000000000000" pitchFamily="2" charset="2"/>
               <a:buChar char="n"/>
             </a:pPr>
             <a:endParaRPr lang="en-US" altLang="zh-CN" dirty="0" smtClean="0">
-              <a:latin typeface="微软雅黑" pitchFamily="34" charset="-122"/>
-              <a:ea typeface="微软雅黑" pitchFamily="34" charset="-122"/>
+              <a:latin typeface="微软雅黑" panose="020B0503020204020204" pitchFamily="34" charset="-122"/>
+              <a:ea typeface="微软雅黑" panose="020B0503020204020204" pitchFamily="34" charset="-122"/>
             </a:endParaRPr>
           </a:p>
         </p:txBody>
       </p:sp>
       <p:pic>
         <p:nvPicPr>
-          <p:cNvPr id="10242" name="Picture 2"/>
+          <p:cNvPr id="9221" name="Picture 5"/>
           <p:cNvPicPr>
             <a:picLocks noChangeAspect="1" noChangeArrowheads="1"/>
           </p:cNvPicPr>
           <p:nvPr/>
         </p:nvPicPr>
         <p:blipFill>
-          <a:blip r:embed="rId3" cstate="print">
+          <a:blip r:embed="rId1" cstate="print">
             <a:extLst>
               <a:ext uri="{28A0092B-C50C-407E-A947-70E740481C1C}">
-                <a14:useLocalDpi xmlns:a14="http://schemas.microsoft.com/office/drawing/2010/main" xmlns="" val="0"/>
+                <a14:useLocalDpi xmlns:a14="http://schemas.microsoft.com/office/drawing/2010/main" val="0"/>
               </a:ext>
             </a:extLst>
           </a:blip>
@@ -10460,8 +10835,8 @@
         </p:blipFill>
         <p:spPr bwMode="auto">
           <a:xfrm>
-            <a:off x="269951" y="1112168"/>
-            <a:ext cx="8610600" cy="2857500"/>
+            <a:off x="276225" y="969218"/>
+            <a:ext cx="8591550" cy="5772150"/>
           </a:xfrm>
           <a:prstGeom prst="rect">
             <a:avLst/>
@@ -10473,14 +10848,14 @@
           <a:effectLst/>
           <a:extLst>
             <a:ext uri="{909E8E84-426E-40DD-AFC4-6F175D3DCCD1}">
-              <a14:hiddenFill xmlns:a14="http://schemas.microsoft.com/office/drawing/2010/main" xmlns="">
+              <a14:hiddenFill xmlns:a14="http://schemas.microsoft.com/office/drawing/2010/main">
                 <a:solidFill>
                   <a:schemeClr val="accent1"/>
                 </a:solidFill>
               </a14:hiddenFill>
             </a:ext>
             <a:ext uri="{91240B29-F687-4F45-9708-019B960494DF}">
-              <a14:hiddenLine xmlns:a14="http://schemas.microsoft.com/office/drawing/2010/main" xmlns="" w="9525">
+              <a14:hiddenLine xmlns:a14="http://schemas.microsoft.com/office/drawing/2010/main" w="9525">
                 <a:solidFill>
                   <a:schemeClr val="tx1"/>
                 </a:solidFill>
@@ -10490,7 +10865,7 @@
               </a14:hiddenLine>
             </a:ext>
             <a:ext uri="{AF507438-7753-43E0-B8FC-AC1667EBCBE1}">
-              <a14:hiddenEffects xmlns:a14="http://schemas.microsoft.com/office/drawing/2010/main" xmlns="">
+              <a14:hiddenEffects xmlns:a14="http://schemas.microsoft.com/office/drawing/2010/main">
                 <a:effectLst>
                   <a:outerShdw dist="35921" dir="2700000" algn="ctr" rotWithShape="0">
                     <a:schemeClr val="bg2"/>
@@ -10502,11 +10877,6 @@
         </p:spPr>
       </p:pic>
     </p:spTree>
-    <p:extLst>
-      <p:ext uri="{BB962C8B-B14F-4D97-AF65-F5344CB8AC3E}">
-        <p14:creationId xmlns:p14="http://schemas.microsoft.com/office/powerpoint/2010/main" xmlns="" val="601748290"/>
-      </p:ext>
-    </p:extLst>
   </p:cSld>
   <p:clrMapOvr>
     <a:masterClrMapping/>
@@ -10592,29 +10962,29 @@
           <a:lstStyle/>
           <a:p>
             <a:pPr marL="342900" indent="-342900">
-              <a:buFont typeface="Wingdings" pitchFamily="2" charset="2"/>
+              <a:buFont typeface="Wingdings" panose="05000000000000000000" pitchFamily="2" charset="2"/>
               <a:buChar char="n"/>
             </a:pPr>
             <a:endParaRPr lang="en-US" altLang="zh-CN" dirty="0" smtClean="0">
-              <a:latin typeface="微软雅黑" pitchFamily="34" charset="-122"/>
-              <a:ea typeface="微软雅黑" pitchFamily="34" charset="-122"/>
+              <a:latin typeface="微软雅黑" panose="020B0503020204020204" pitchFamily="34" charset="-122"/>
+              <a:ea typeface="微软雅黑" panose="020B0503020204020204" pitchFamily="34" charset="-122"/>
             </a:endParaRPr>
           </a:p>
         </p:txBody>
       </p:sp>
       <p:pic>
         <p:nvPicPr>
-          <p:cNvPr id="11267" name="Picture 3"/>
+          <p:cNvPr id="10242" name="Picture 2"/>
           <p:cNvPicPr>
             <a:picLocks noChangeAspect="1" noChangeArrowheads="1"/>
           </p:cNvPicPr>
           <p:nvPr/>
         </p:nvPicPr>
         <p:blipFill>
-          <a:blip r:embed="rId3" cstate="print">
+          <a:blip r:embed="rId1" cstate="print">
             <a:extLst>
               <a:ext uri="{28A0092B-C50C-407E-A947-70E740481C1C}">
-                <a14:useLocalDpi xmlns:a14="http://schemas.microsoft.com/office/drawing/2010/main" xmlns="" val="0"/>
+                <a14:useLocalDpi xmlns:a14="http://schemas.microsoft.com/office/drawing/2010/main" val="0"/>
               </a:ext>
             </a:extLst>
           </a:blip>
@@ -10625,8 +10995,8 @@
         </p:blipFill>
         <p:spPr bwMode="auto">
           <a:xfrm>
-            <a:off x="533400" y="1006177"/>
-            <a:ext cx="8077200" cy="5591175"/>
+            <a:off x="269951" y="1112168"/>
+            <a:ext cx="8610600" cy="2857500"/>
           </a:xfrm>
           <a:prstGeom prst="rect">
             <a:avLst/>
@@ -10638,14 +11008,14 @@
           <a:effectLst/>
           <a:extLst>
             <a:ext uri="{909E8E84-426E-40DD-AFC4-6F175D3DCCD1}">
-              <a14:hiddenFill xmlns:a14="http://schemas.microsoft.com/office/drawing/2010/main" xmlns="">
+              <a14:hiddenFill xmlns:a14="http://schemas.microsoft.com/office/drawing/2010/main">
                 <a:solidFill>
                   <a:schemeClr val="accent1"/>
                 </a:solidFill>
               </a14:hiddenFill>
             </a:ext>
             <a:ext uri="{91240B29-F687-4F45-9708-019B960494DF}">
-              <a14:hiddenLine xmlns:a14="http://schemas.microsoft.com/office/drawing/2010/main" xmlns="" w="9525">
+              <a14:hiddenLine xmlns:a14="http://schemas.microsoft.com/office/drawing/2010/main" w="9525">
                 <a:solidFill>
                   <a:schemeClr val="tx1"/>
                 </a:solidFill>
@@ -10655,7 +11025,7 @@
               </a14:hiddenLine>
             </a:ext>
             <a:ext uri="{AF507438-7753-43E0-B8FC-AC1667EBCBE1}">
-              <a14:hiddenEffects xmlns:a14="http://schemas.microsoft.com/office/drawing/2010/main" xmlns="">
+              <a14:hiddenEffects xmlns:a14="http://schemas.microsoft.com/office/drawing/2010/main">
                 <a:effectLst>
                   <a:outerShdw dist="35921" dir="2700000" algn="ctr" rotWithShape="0">
                     <a:schemeClr val="bg2"/>
@@ -10667,11 +11037,6 @@
         </p:spPr>
       </p:pic>
     </p:spTree>
-    <p:extLst>
-      <p:ext uri="{BB962C8B-B14F-4D97-AF65-F5344CB8AC3E}">
-        <p14:creationId xmlns:p14="http://schemas.microsoft.com/office/powerpoint/2010/main" xmlns="" val="192349309"/>
-      </p:ext>
-    </p:extLst>
   </p:cSld>
   <p:clrMapOvr>
     <a:masterClrMapping/>
@@ -10715,8 +11080,8 @@
         </p:nvSpPr>
         <p:spPr>
           <a:xfrm>
-            <a:off x="107504" y="27856"/>
-            <a:ext cx="9036496" cy="664840"/>
+            <a:off x="0" y="27856"/>
+            <a:ext cx="9144000" cy="664840"/>
           </a:xfrm>
         </p:spPr>
         <p:txBody>
@@ -10728,7 +11093,7 @@
             <a:pPr marL="514350" indent="-514350"/>
             <a:r>
               <a:rPr lang="zh-CN" altLang="en-US" sz="2400" dirty="0" smtClean="0"/>
-              <a:t>启动、停止</a:t>
+              <a:t>安装、配置</a:t>
             </a:r>
             <a:endParaRPr lang="en-US" altLang="zh-CN" sz="2400" dirty="0" smtClean="0"/>
           </a:p>
@@ -10757,29 +11122,29 @@
           <a:lstStyle/>
           <a:p>
             <a:pPr marL="342900" indent="-342900">
-              <a:buFont typeface="Wingdings" pitchFamily="2" charset="2"/>
+              <a:buFont typeface="Wingdings" panose="05000000000000000000" pitchFamily="2" charset="2"/>
               <a:buChar char="n"/>
             </a:pPr>
             <a:endParaRPr lang="en-US" altLang="zh-CN" dirty="0" smtClean="0">
-              <a:latin typeface="微软雅黑" pitchFamily="34" charset="-122"/>
-              <a:ea typeface="微软雅黑" pitchFamily="34" charset="-122"/>
+              <a:latin typeface="微软雅黑" panose="020B0503020204020204" pitchFamily="34" charset="-122"/>
+              <a:ea typeface="微软雅黑" panose="020B0503020204020204" pitchFamily="34" charset="-122"/>
             </a:endParaRPr>
           </a:p>
         </p:txBody>
       </p:sp>
       <p:pic>
         <p:nvPicPr>
-          <p:cNvPr id="12290" name="Picture 2"/>
+          <p:cNvPr id="11267" name="Picture 3"/>
           <p:cNvPicPr>
             <a:picLocks noChangeAspect="1" noChangeArrowheads="1"/>
           </p:cNvPicPr>
           <p:nvPr/>
         </p:nvPicPr>
         <p:blipFill>
-          <a:blip r:embed="rId3" cstate="print">
+          <a:blip r:embed="rId1" cstate="print">
             <a:extLst>
               <a:ext uri="{28A0092B-C50C-407E-A947-70E740481C1C}">
-                <a14:useLocalDpi xmlns:a14="http://schemas.microsoft.com/office/drawing/2010/main" xmlns="" val="0"/>
+                <a14:useLocalDpi xmlns:a14="http://schemas.microsoft.com/office/drawing/2010/main" val="0"/>
               </a:ext>
             </a:extLst>
           </a:blip>
@@ -10790,8 +11155,8 @@
         </p:blipFill>
         <p:spPr bwMode="auto">
           <a:xfrm>
-            <a:off x="295275" y="1142578"/>
-            <a:ext cx="8553450" cy="5238750"/>
+            <a:off x="533400" y="1006177"/>
+            <a:ext cx="8077200" cy="5591175"/>
           </a:xfrm>
           <a:prstGeom prst="rect">
             <a:avLst/>
@@ -10803,14 +11168,14 @@
           <a:effectLst/>
           <a:extLst>
             <a:ext uri="{909E8E84-426E-40DD-AFC4-6F175D3DCCD1}">
-              <a14:hiddenFill xmlns:a14="http://schemas.microsoft.com/office/drawing/2010/main" xmlns="">
+              <a14:hiddenFill xmlns:a14="http://schemas.microsoft.com/office/drawing/2010/main">
                 <a:solidFill>
                   <a:schemeClr val="accent1"/>
                 </a:solidFill>
               </a14:hiddenFill>
             </a:ext>
             <a:ext uri="{91240B29-F687-4F45-9708-019B960494DF}">
-              <a14:hiddenLine xmlns:a14="http://schemas.microsoft.com/office/drawing/2010/main" xmlns="" w="9525">
+              <a14:hiddenLine xmlns:a14="http://schemas.microsoft.com/office/drawing/2010/main" w="9525">
                 <a:solidFill>
                   <a:schemeClr val="tx1"/>
                 </a:solidFill>
@@ -10820,7 +11185,7 @@
               </a14:hiddenLine>
             </a:ext>
             <a:ext uri="{AF507438-7753-43E0-B8FC-AC1667EBCBE1}">
-              <a14:hiddenEffects xmlns:a14="http://schemas.microsoft.com/office/drawing/2010/main" xmlns="">
+              <a14:hiddenEffects xmlns:a14="http://schemas.microsoft.com/office/drawing/2010/main">
                 <a:effectLst>
                   <a:outerShdw dist="35921" dir="2700000" algn="ctr" rotWithShape="0">
                     <a:schemeClr val="bg2"/>
@@ -10832,11 +11197,6 @@
         </p:spPr>
       </p:pic>
     </p:spTree>
-    <p:extLst>
-      <p:ext uri="{BB962C8B-B14F-4D97-AF65-F5344CB8AC3E}">
-        <p14:creationId xmlns:p14="http://schemas.microsoft.com/office/powerpoint/2010/main" xmlns="" val="943465867"/>
-      </p:ext>
-    </p:extLst>
   </p:cSld>
   <p:clrMapOvr>
     <a:masterClrMapping/>
@@ -10880,8 +11240,8 @@
         </p:nvSpPr>
         <p:spPr>
           <a:xfrm>
-            <a:off x="0" y="27856"/>
-            <a:ext cx="9144000" cy="664840"/>
+            <a:off x="107504" y="27856"/>
+            <a:ext cx="9036496" cy="664840"/>
           </a:xfrm>
         </p:spPr>
         <p:txBody>
@@ -10892,8 +11252,8 @@
           <a:p>
             <a:pPr marL="514350" indent="-514350"/>
             <a:r>
-              <a:rPr lang="zh-CN" altLang="en-US" sz="2400" dirty="0"/>
-              <a:t>用法</a:t>
+              <a:rPr lang="zh-CN" altLang="en-US" sz="2400" dirty="0" smtClean="0"/>
+              <a:t>启动、停止</a:t>
             </a:r>
             <a:endParaRPr lang="en-US" altLang="zh-CN" sz="2400" dirty="0" smtClean="0"/>
           </a:p>
@@ -10922,29 +11282,29 @@
           <a:lstStyle/>
           <a:p>
             <a:pPr marL="342900" indent="-342900">
-              <a:buFont typeface="Wingdings" pitchFamily="2" charset="2"/>
+              <a:buFont typeface="Wingdings" panose="05000000000000000000" pitchFamily="2" charset="2"/>
               <a:buChar char="n"/>
             </a:pPr>
             <a:endParaRPr lang="en-US" altLang="zh-CN" dirty="0" smtClean="0">
-              <a:latin typeface="微软雅黑" pitchFamily="34" charset="-122"/>
-              <a:ea typeface="微软雅黑" pitchFamily="34" charset="-122"/>
+              <a:latin typeface="微软雅黑" panose="020B0503020204020204" pitchFamily="34" charset="-122"/>
+              <a:ea typeface="微软雅黑" panose="020B0503020204020204" pitchFamily="34" charset="-122"/>
             </a:endParaRPr>
           </a:p>
         </p:txBody>
       </p:sp>
       <p:pic>
         <p:nvPicPr>
-          <p:cNvPr id="13314" name="Picture 2"/>
+          <p:cNvPr id="12290" name="Picture 2"/>
           <p:cNvPicPr>
             <a:picLocks noChangeAspect="1" noChangeArrowheads="1"/>
           </p:cNvPicPr>
           <p:nvPr/>
         </p:nvPicPr>
         <p:blipFill>
-          <a:blip r:embed="rId3" cstate="print">
+          <a:blip r:embed="rId1" cstate="print">
             <a:extLst>
               <a:ext uri="{28A0092B-C50C-407E-A947-70E740481C1C}">
-                <a14:useLocalDpi xmlns:a14="http://schemas.microsoft.com/office/drawing/2010/main" xmlns="" val="0"/>
+                <a14:useLocalDpi xmlns:a14="http://schemas.microsoft.com/office/drawing/2010/main" val="0"/>
               </a:ext>
             </a:extLst>
           </a:blip>
@@ -10955,8 +11315,8 @@
         </p:blipFill>
         <p:spPr bwMode="auto">
           <a:xfrm>
-            <a:off x="254793" y="1109310"/>
-            <a:ext cx="8620125" cy="3048000"/>
+            <a:off x="295275" y="1142578"/>
+            <a:ext cx="8553450" cy="5238750"/>
           </a:xfrm>
           <a:prstGeom prst="rect">
             <a:avLst/>
@@ -10968,14 +11328,14 @@
           <a:effectLst/>
           <a:extLst>
             <a:ext uri="{909E8E84-426E-40DD-AFC4-6F175D3DCCD1}">
-              <a14:hiddenFill xmlns:a14="http://schemas.microsoft.com/office/drawing/2010/main" xmlns="">
+              <a14:hiddenFill xmlns:a14="http://schemas.microsoft.com/office/drawing/2010/main">
                 <a:solidFill>
                   <a:schemeClr val="accent1"/>
                 </a:solidFill>
               </a14:hiddenFill>
             </a:ext>
             <a:ext uri="{91240B29-F687-4F45-9708-019B960494DF}">
-              <a14:hiddenLine xmlns:a14="http://schemas.microsoft.com/office/drawing/2010/main" xmlns="" w="9525">
+              <a14:hiddenLine xmlns:a14="http://schemas.microsoft.com/office/drawing/2010/main" w="9525">
                 <a:solidFill>
                   <a:schemeClr val="tx1"/>
                 </a:solidFill>
@@ -10985,7 +11345,7 @@
               </a14:hiddenLine>
             </a:ext>
             <a:ext uri="{AF507438-7753-43E0-B8FC-AC1667EBCBE1}">
-              <a14:hiddenEffects xmlns:a14="http://schemas.microsoft.com/office/drawing/2010/main" xmlns="">
+              <a14:hiddenEffects xmlns:a14="http://schemas.microsoft.com/office/drawing/2010/main">
                 <a:effectLst>
                   <a:outerShdw dist="35921" dir="2700000" algn="ctr" rotWithShape="0">
                     <a:schemeClr val="bg2"/>
@@ -10997,11 +11357,6 @@
         </p:spPr>
       </p:pic>
     </p:spTree>
-    <p:extLst>
-      <p:ext uri="{BB962C8B-B14F-4D97-AF65-F5344CB8AC3E}">
-        <p14:creationId xmlns:p14="http://schemas.microsoft.com/office/powerpoint/2010/main" xmlns="" val="1028364083"/>
-      </p:ext>
-    </p:extLst>
   </p:cSld>
   <p:clrMapOvr>
     <a:masterClrMapping/>
@@ -11045,6 +11400,166 @@
         </p:nvSpPr>
         <p:spPr>
           <a:xfrm>
+            <a:off x="0" y="27856"/>
+            <a:ext cx="9144000" cy="664840"/>
+          </a:xfrm>
+        </p:spPr>
+        <p:txBody>
+          <a:bodyPr>
+            <a:normAutofit/>
+          </a:bodyPr>
+          <a:lstStyle/>
+          <a:p>
+            <a:pPr marL="514350" indent="-514350"/>
+            <a:r>
+              <a:rPr lang="zh-CN" altLang="en-US" sz="2400" dirty="0"/>
+              <a:t>用法</a:t>
+            </a:r>
+            <a:endParaRPr lang="en-US" altLang="zh-CN" sz="2400" dirty="0" smtClean="0"/>
+          </a:p>
+        </p:txBody>
+      </p:sp>
+      <p:sp>
+        <p:nvSpPr>
+          <p:cNvPr id="4" name="TextBox 3"/>
+          <p:cNvSpPr txBox="1"/>
+          <p:nvPr/>
+        </p:nvSpPr>
+        <p:spPr>
+          <a:xfrm>
+            <a:off x="683568" y="1124744"/>
+            <a:ext cx="7992888" cy="369332"/>
+          </a:xfrm>
+          <a:prstGeom prst="rect">
+            <a:avLst/>
+          </a:prstGeom>
+          <a:noFill/>
+        </p:spPr>
+        <p:txBody>
+          <a:bodyPr wrap="square" rtlCol="0">
+            <a:spAutoFit/>
+          </a:bodyPr>
+          <a:lstStyle/>
+          <a:p>
+            <a:pPr marL="342900" indent="-342900">
+              <a:buFont typeface="Wingdings" panose="05000000000000000000" pitchFamily="2" charset="2"/>
+              <a:buChar char="n"/>
+            </a:pPr>
+            <a:endParaRPr lang="en-US" altLang="zh-CN" dirty="0" smtClean="0">
+              <a:latin typeface="微软雅黑" panose="020B0503020204020204" pitchFamily="34" charset="-122"/>
+              <a:ea typeface="微软雅黑" panose="020B0503020204020204" pitchFamily="34" charset="-122"/>
+            </a:endParaRPr>
+          </a:p>
+        </p:txBody>
+      </p:sp>
+      <p:pic>
+        <p:nvPicPr>
+          <p:cNvPr id="13314" name="Picture 2"/>
+          <p:cNvPicPr>
+            <a:picLocks noChangeAspect="1" noChangeArrowheads="1"/>
+          </p:cNvPicPr>
+          <p:nvPr/>
+        </p:nvPicPr>
+        <p:blipFill>
+          <a:blip r:embed="rId1" cstate="print">
+            <a:extLst>
+              <a:ext uri="{28A0092B-C50C-407E-A947-70E740481C1C}">
+                <a14:useLocalDpi xmlns:a14="http://schemas.microsoft.com/office/drawing/2010/main" val="0"/>
+              </a:ext>
+            </a:extLst>
+          </a:blip>
+          <a:srcRect/>
+          <a:stretch>
+            <a:fillRect/>
+          </a:stretch>
+        </p:blipFill>
+        <p:spPr bwMode="auto">
+          <a:xfrm>
+            <a:off x="254793" y="1109310"/>
+            <a:ext cx="8620125" cy="3048000"/>
+          </a:xfrm>
+          <a:prstGeom prst="rect">
+            <a:avLst/>
+          </a:prstGeom>
+          <a:noFill/>
+          <a:ln>
+            <a:noFill/>
+          </a:ln>
+          <a:effectLst/>
+          <a:extLst>
+            <a:ext uri="{909E8E84-426E-40DD-AFC4-6F175D3DCCD1}">
+              <a14:hiddenFill xmlns:a14="http://schemas.microsoft.com/office/drawing/2010/main">
+                <a:solidFill>
+                  <a:schemeClr val="accent1"/>
+                </a:solidFill>
+              </a14:hiddenFill>
+            </a:ext>
+            <a:ext uri="{91240B29-F687-4F45-9708-019B960494DF}">
+              <a14:hiddenLine xmlns:a14="http://schemas.microsoft.com/office/drawing/2010/main" w="9525">
+                <a:solidFill>
+                  <a:schemeClr val="tx1"/>
+                </a:solidFill>
+                <a:miter lim="800000"/>
+                <a:headEnd/>
+                <a:tailEnd/>
+              </a14:hiddenLine>
+            </a:ext>
+            <a:ext uri="{AF507438-7753-43E0-B8FC-AC1667EBCBE1}">
+              <a14:hiddenEffects xmlns:a14="http://schemas.microsoft.com/office/drawing/2010/main">
+                <a:effectLst>
+                  <a:outerShdw dist="35921" dir="2700000" algn="ctr" rotWithShape="0">
+                    <a:schemeClr val="bg2"/>
+                  </a:outerShdw>
+                </a:effectLst>
+              </a14:hiddenEffects>
+            </a:ext>
+          </a:extLst>
+        </p:spPr>
+      </p:pic>
+    </p:spTree>
+  </p:cSld>
+  <p:clrMapOvr>
+    <a:masterClrMapping/>
+  </p:clrMapOvr>
+  <p:timing>
+    <p:tnLst>
+      <p:par>
+        <p:cTn id="1" dur="indefinite" restart="never" nodeType="tmRoot"/>
+      </p:par>
+    </p:tnLst>
+  </p:timing>
+</p:sld>
+</file>
+
+<file path=ppt/slides/slide29.xml><?xml version="1.0" encoding="utf-8"?>
+<p:sld xmlns:a="http://schemas.openxmlformats.org/drawingml/2006/main" xmlns:r="http://schemas.openxmlformats.org/officeDocument/2006/relationships" xmlns:p="http://schemas.openxmlformats.org/presentationml/2006/main">
+  <p:cSld>
+    <p:spTree>
+      <p:nvGrpSpPr>
+        <p:cNvPr id="1" name=""/>
+        <p:cNvGrpSpPr/>
+        <p:nvPr/>
+      </p:nvGrpSpPr>
+      <p:grpSpPr>
+        <a:xfrm>
+          <a:off x="0" y="0"/>
+          <a:ext cx="0" cy="0"/>
+          <a:chOff x="0" y="0"/>
+          <a:chExt cx="0" cy="0"/>
+        </a:xfrm>
+      </p:grpSpPr>
+      <p:sp>
+        <p:nvSpPr>
+          <p:cNvPr id="2" name="标题 1"/>
+          <p:cNvSpPr>
+            <a:spLocks noGrp="1"/>
+          </p:cNvSpPr>
+          <p:nvPr>
+            <p:ph type="title"/>
+          </p:nvPr>
+        </p:nvSpPr>
+        <p:spPr>
+          <a:xfrm>
             <a:off x="107504" y="27856"/>
             <a:ext cx="9036496" cy="664840"/>
           </a:xfrm>
@@ -11088,145 +11603,140 @@
           <a:p>
             <a:r>
               <a:rPr lang="zh-CN" altLang="en-US" sz="2400" dirty="0">
-                <a:latin typeface="微软雅黑" pitchFamily="34" charset="-122"/>
-                <a:ea typeface="微软雅黑" pitchFamily="34" charset="-122"/>
+                <a:latin typeface="微软雅黑" panose="020B0503020204020204" pitchFamily="34" charset="-122"/>
+                <a:ea typeface="微软雅黑" panose="020B0503020204020204" pitchFamily="34" charset="-122"/>
               </a:rPr>
               <a:t>开</a:t>
             </a:r>
             <a:r>
               <a:rPr lang="zh-CN" altLang="en-US" sz="2400" dirty="0" smtClean="0">
-                <a:latin typeface="微软雅黑" pitchFamily="34" charset="-122"/>
-                <a:ea typeface="微软雅黑" pitchFamily="34" charset="-122"/>
+                <a:latin typeface="微软雅黑" panose="020B0503020204020204" pitchFamily="34" charset="-122"/>
+                <a:ea typeface="微软雅黑" panose="020B0503020204020204" pitchFamily="34" charset="-122"/>
               </a:rPr>
               <a:t>源网址：</a:t>
             </a:r>
             <a:endParaRPr lang="en-US" altLang="zh-CN" sz="2400" dirty="0" smtClean="0">
-              <a:latin typeface="微软雅黑" pitchFamily="34" charset="-122"/>
-              <a:ea typeface="微软雅黑" pitchFamily="34" charset="-122"/>
+              <a:latin typeface="微软雅黑" panose="020B0503020204020204" pitchFamily="34" charset="-122"/>
+              <a:ea typeface="微软雅黑" panose="020B0503020204020204" pitchFamily="34" charset="-122"/>
             </a:endParaRPr>
           </a:p>
           <a:p>
             <a:r>
               <a:rPr lang="en-US" altLang="zh-CN" sz="2400" dirty="0" smtClean="0">
-                <a:hlinkClick r:id="rId3"/>
+                <a:hlinkClick r:id="rId1"/>
               </a:rPr>
               <a:t>http</a:t>
             </a:r>
+            <a:r>
+              <a:rPr lang="en-US" altLang="zh-CN" sz="2400" dirty="0">
+                <a:hlinkClick r:id="rId1"/>
+              </a:rPr>
+              <a:t>://</a:t>
+            </a:r>
+            <a:r>
+              <a:rPr lang="en-US" altLang="zh-CN" sz="2400" dirty="0" smtClean="0">
+                <a:hlinkClick r:id="rId1"/>
+              </a:rPr>
+              <a:t>alibaba.github.io/dubbo-doc-static/Home-zh.htm</a:t>
+            </a:r>
+            <a:endParaRPr lang="en-US" altLang="zh-CN" sz="2400" dirty="0" smtClean="0"/>
+          </a:p>
+          <a:p>
+            <a:endParaRPr lang="en-US" altLang="zh-CN" sz="2400" dirty="0" smtClean="0">
+              <a:hlinkClick r:id="rId2"/>
+            </a:endParaRPr>
+          </a:p>
+          <a:p>
+            <a:endParaRPr lang="en-US" altLang="zh-CN" sz="2400" dirty="0" smtClean="0">
+              <a:latin typeface="微软雅黑" panose="020B0503020204020204" pitchFamily="34" charset="-122"/>
+              <a:ea typeface="微软雅黑" panose="020B0503020204020204" pitchFamily="34" charset="-122"/>
+            </a:endParaRPr>
+          </a:p>
+          <a:p>
+            <a:r>
+              <a:rPr lang="en-US" altLang="zh-CN" sz="2400" dirty="0" smtClean="0">
+                <a:latin typeface="微软雅黑" panose="020B0503020204020204" pitchFamily="34" charset="-122"/>
+                <a:ea typeface="微软雅黑" panose="020B0503020204020204" pitchFamily="34" charset="-122"/>
+              </a:rPr>
+              <a:t>Zookeeper</a:t>
+            </a:r>
+            <a:r>
+              <a:rPr lang="zh-CN" altLang="en-US" sz="2400" dirty="0" smtClean="0">
+                <a:latin typeface="微软雅黑" panose="020B0503020204020204" pitchFamily="34" charset="-122"/>
+                <a:ea typeface="微软雅黑" panose="020B0503020204020204" pitchFamily="34" charset="-122"/>
+              </a:rPr>
+              <a:t>下载地址：</a:t>
+            </a:r>
+            <a:endParaRPr lang="en-US" altLang="zh-CN" sz="2400" dirty="0" smtClean="0">
+              <a:latin typeface="微软雅黑" panose="020B0503020204020204" pitchFamily="34" charset="-122"/>
+              <a:ea typeface="微软雅黑" panose="020B0503020204020204" pitchFamily="34" charset="-122"/>
+            </a:endParaRPr>
+          </a:p>
+          <a:p>
             <a:r>
               <a:rPr lang="en-US" altLang="zh-CN" sz="2400" dirty="0">
                 <a:hlinkClick r:id="rId3"/>
               </a:rPr>
-              <a:t>://</a:t>
-            </a:r>
+              <a:t>http://zookeeper.apache.org/releases.html</a:t>
+            </a:r>
+            <a:endParaRPr lang="en-US" altLang="zh-CN" sz="2400" dirty="0" smtClean="0">
+              <a:latin typeface="微软雅黑" panose="020B0503020204020204" pitchFamily="34" charset="-122"/>
+              <a:ea typeface="微软雅黑" panose="020B0503020204020204" pitchFamily="34" charset="-122"/>
+            </a:endParaRPr>
+          </a:p>
+          <a:p>
+            <a:endParaRPr lang="en-US" altLang="zh-CN" sz="2400" dirty="0">
+              <a:latin typeface="微软雅黑" panose="020B0503020204020204" pitchFamily="34" charset="-122"/>
+              <a:ea typeface="微软雅黑" panose="020B0503020204020204" pitchFamily="34" charset="-122"/>
+            </a:endParaRPr>
+          </a:p>
+          <a:p>
             <a:r>
               <a:rPr lang="en-US" altLang="zh-CN" sz="2400" dirty="0" smtClean="0">
-                <a:hlinkClick r:id="rId3"/>
-              </a:rPr>
-              <a:t>alibaba.github.io/dubbo-doc-static/Home-zh.htm</a:t>
-            </a:r>
-            <a:endParaRPr lang="en-US" altLang="zh-CN" sz="2400" dirty="0" smtClean="0"/>
-          </a:p>
-          <a:p>
+                <a:latin typeface="微软雅黑" panose="020B0503020204020204" pitchFamily="34" charset="-122"/>
+                <a:ea typeface="微软雅黑" panose="020B0503020204020204" pitchFamily="34" charset="-122"/>
+              </a:rPr>
+              <a:t>Zookeeper</a:t>
+            </a:r>
+            <a:r>
+              <a:rPr lang="zh-CN" altLang="en-US" sz="2400" dirty="0">
+                <a:latin typeface="微软雅黑" panose="020B0503020204020204" pitchFamily="34" charset="-122"/>
+                <a:ea typeface="微软雅黑" panose="020B0503020204020204" pitchFamily="34" charset="-122"/>
+              </a:rPr>
+              <a:t>注册中心</a:t>
+            </a:r>
+            <a:r>
+              <a:rPr lang="zh-CN" altLang="en-US" sz="2400" dirty="0" smtClean="0">
+                <a:latin typeface="微软雅黑" panose="020B0503020204020204" pitchFamily="34" charset="-122"/>
+                <a:ea typeface="微软雅黑" panose="020B0503020204020204" pitchFamily="34" charset="-122"/>
+              </a:rPr>
+              <a:t>安装：</a:t>
+            </a:r>
             <a:endParaRPr lang="en-US" altLang="zh-CN" sz="2400" dirty="0" smtClean="0">
-              <a:hlinkClick r:id="rId4"/>
+              <a:hlinkClick r:id="rId2"/>
             </a:endParaRPr>
           </a:p>
           <a:p>
+            <a:r>
+              <a:rPr lang="en-US" altLang="zh-CN" sz="2400" dirty="0" smtClean="0">
+                <a:hlinkClick r:id="rId2"/>
+              </a:rPr>
+              <a:t>http</a:t>
+            </a:r>
+            <a:r>
+              <a:rPr lang="en-US" altLang="zh-CN" sz="2400" dirty="0">
+                <a:hlinkClick r:id="rId2"/>
+              </a:rPr>
+              <a:t>://alibaba.github.io/dubbo-doc-static/Zookeeper+Registry+Installation-zh.htm</a:t>
+            </a:r>
             <a:endParaRPr lang="en-US" altLang="zh-CN" sz="2400" dirty="0" smtClean="0">
-              <a:latin typeface="微软雅黑" pitchFamily="34" charset="-122"/>
-              <a:ea typeface="微软雅黑" pitchFamily="34" charset="-122"/>
+              <a:latin typeface="微软雅黑" panose="020B0503020204020204" pitchFamily="34" charset="-122"/>
+              <a:ea typeface="微软雅黑" panose="020B0503020204020204" pitchFamily="34" charset="-122"/>
             </a:endParaRPr>
           </a:p>
-          <a:p>
-            <a:r>
-              <a:rPr lang="en-US" altLang="zh-CN" sz="2400" dirty="0" smtClean="0">
-                <a:latin typeface="微软雅黑" pitchFamily="34" charset="-122"/>
-                <a:ea typeface="微软雅黑" pitchFamily="34" charset="-122"/>
-              </a:rPr>
-              <a:t>Zookeeper</a:t>
-            </a:r>
-            <a:r>
-              <a:rPr lang="zh-CN" altLang="en-US" sz="2400" dirty="0" smtClean="0">
-                <a:latin typeface="微软雅黑" pitchFamily="34" charset="-122"/>
-                <a:ea typeface="微软雅黑" pitchFamily="34" charset="-122"/>
-              </a:rPr>
-              <a:t>下载地址：</a:t>
-            </a:r>
-            <a:endParaRPr lang="en-US" altLang="zh-CN" sz="2400" dirty="0" smtClean="0">
-              <a:latin typeface="微软雅黑" pitchFamily="34" charset="-122"/>
-              <a:ea typeface="微软雅黑" pitchFamily="34" charset="-122"/>
-            </a:endParaRPr>
-          </a:p>
-          <a:p>
-            <a:r>
-              <a:rPr lang="en-US" altLang="zh-CN" sz="2400" dirty="0">
-                <a:hlinkClick r:id="rId5"/>
-              </a:rPr>
-              <a:t>http://zookeeper.apache.org/releases.html</a:t>
-            </a:r>
-            <a:endParaRPr lang="en-US" altLang="zh-CN" sz="2400" dirty="0" smtClean="0">
-              <a:latin typeface="微软雅黑" pitchFamily="34" charset="-122"/>
-              <a:ea typeface="微软雅黑" pitchFamily="34" charset="-122"/>
-            </a:endParaRPr>
-          </a:p>
-          <a:p>
-            <a:endParaRPr lang="en-US" altLang="zh-CN" sz="2400" dirty="0">
-              <a:latin typeface="微软雅黑" pitchFamily="34" charset="-122"/>
-              <a:ea typeface="微软雅黑" pitchFamily="34" charset="-122"/>
-            </a:endParaRPr>
-          </a:p>
-          <a:p>
-            <a:r>
-              <a:rPr lang="en-US" altLang="zh-CN" sz="2400" dirty="0" smtClean="0">
-                <a:latin typeface="微软雅黑" pitchFamily="34" charset="-122"/>
-                <a:ea typeface="微软雅黑" pitchFamily="34" charset="-122"/>
-              </a:rPr>
-              <a:t>Zookeeper</a:t>
-            </a:r>
-            <a:r>
-              <a:rPr lang="zh-CN" altLang="en-US" sz="2400" dirty="0">
-                <a:latin typeface="微软雅黑" pitchFamily="34" charset="-122"/>
-                <a:ea typeface="微软雅黑" pitchFamily="34" charset="-122"/>
-              </a:rPr>
-              <a:t>注册中心</a:t>
-            </a:r>
-            <a:r>
-              <a:rPr lang="zh-CN" altLang="en-US" sz="2400" dirty="0" smtClean="0">
-                <a:latin typeface="微软雅黑" pitchFamily="34" charset="-122"/>
-                <a:ea typeface="微软雅黑" pitchFamily="34" charset="-122"/>
-              </a:rPr>
-              <a:t>安装：</a:t>
-            </a:r>
-            <a:endParaRPr lang="en-US" altLang="zh-CN" sz="2400" dirty="0" smtClean="0">
-              <a:hlinkClick r:id="rId4"/>
-            </a:endParaRPr>
-          </a:p>
-          <a:p>
-            <a:r>
-              <a:rPr lang="en-US" altLang="zh-CN" sz="2400" dirty="0" smtClean="0">
-                <a:hlinkClick r:id="rId4"/>
-              </a:rPr>
-              <a:t>http</a:t>
-            </a:r>
-            <a:r>
-              <a:rPr lang="en-US" altLang="zh-CN" sz="2400" dirty="0">
-                <a:hlinkClick r:id="rId4"/>
-              </a:rPr>
-              <a:t>://alibaba.github.io/dubbo-doc-static/Zookeeper+Registry+Installation-zh.htm</a:t>
-            </a:r>
-            <a:endParaRPr lang="en-US" altLang="zh-CN" sz="2400" dirty="0" smtClean="0">
-              <a:latin typeface="微软雅黑" pitchFamily="34" charset="-122"/>
-              <a:ea typeface="微软雅黑" pitchFamily="34" charset="-122"/>
-            </a:endParaRPr>
-          </a:p>
         </p:txBody>
       </p:sp>
     </p:spTree>
-    <p:extLst>
-      <p:ext uri="{BB962C8B-B14F-4D97-AF65-F5344CB8AC3E}">
-        <p14:creationId xmlns:p14="http://schemas.microsoft.com/office/powerpoint/2010/main" xmlns="" val="80260593"/>
-      </p:ext>
-    </p:extLst>
   </p:cSld>
   <p:clrMapOvr>
     <a:masterClrMapping/>
@@ -11315,28 +11825,28 @@
             </a:pPr>
             <a:r>
               <a:rPr lang="zh-CN" altLang="en-US" sz="2800" dirty="0" smtClean="0">
-                <a:latin typeface="微软雅黑" pitchFamily="34" charset="-122"/>
-                <a:ea typeface="微软雅黑" pitchFamily="34" charset="-122"/>
+                <a:latin typeface="微软雅黑" panose="020B0503020204020204" pitchFamily="34" charset="-122"/>
+                <a:ea typeface="微软雅黑" panose="020B0503020204020204" pitchFamily="34" charset="-122"/>
               </a:rPr>
               <a:t>对</a:t>
             </a:r>
             <a:r>
               <a:rPr lang="en-US" altLang="zh-CN" sz="2800" dirty="0" smtClean="0">
-                <a:latin typeface="微软雅黑" pitchFamily="34" charset="-122"/>
-                <a:ea typeface="微软雅黑" pitchFamily="34" charset="-122"/>
+                <a:latin typeface="微软雅黑" panose="020B0503020204020204" pitchFamily="34" charset="-122"/>
+                <a:ea typeface="微软雅黑" panose="020B0503020204020204" pitchFamily="34" charset="-122"/>
               </a:rPr>
               <a:t>Dubbo</a:t>
             </a:r>
             <a:r>
               <a:rPr lang="zh-CN" altLang="en-US" sz="2800" dirty="0" smtClean="0">
-                <a:latin typeface="微软雅黑" pitchFamily="34" charset="-122"/>
-                <a:ea typeface="微软雅黑" pitchFamily="34" charset="-122"/>
+                <a:latin typeface="微软雅黑" panose="020B0503020204020204" pitchFamily="34" charset="-122"/>
+                <a:ea typeface="微软雅黑" panose="020B0503020204020204" pitchFamily="34" charset="-122"/>
               </a:rPr>
               <a:t>有基本的认识</a:t>
             </a:r>
             <a:endParaRPr lang="en-US" altLang="zh-CN" sz="2800" dirty="0" smtClean="0">
-              <a:latin typeface="微软雅黑" pitchFamily="34" charset="-122"/>
-              <a:ea typeface="微软雅黑" pitchFamily="34" charset="-122"/>
+              <a:latin typeface="微软雅黑" panose="020B0503020204020204" pitchFamily="34" charset="-122"/>
+              <a:ea typeface="微软雅黑" panose="020B0503020204020204" pitchFamily="34" charset="-122"/>
             </a:endParaRPr>
           </a:p>
           <a:p>
@@ -11346,28 +11856,28 @@
             </a:pPr>
             <a:r>
               <a:rPr lang="zh-CN" altLang="en-US" sz="2800" dirty="0" smtClean="0">
-                <a:latin typeface="微软雅黑" pitchFamily="34" charset="-122"/>
-                <a:ea typeface="微软雅黑" pitchFamily="34" charset="-122"/>
+                <a:latin typeface="微软雅黑" panose="020B0503020204020204" pitchFamily="34" charset="-122"/>
+                <a:ea typeface="微软雅黑" panose="020B0503020204020204" pitchFamily="34" charset="-122"/>
               </a:rPr>
               <a:t>掌握</a:t>
             </a:r>
             <a:r>
               <a:rPr lang="en-US" altLang="zh-CN" sz="2800" dirty="0" smtClean="0">
-                <a:latin typeface="微软雅黑" pitchFamily="34" charset="-122"/>
-                <a:ea typeface="微软雅黑" pitchFamily="34" charset="-122"/>
+                <a:latin typeface="微软雅黑" panose="020B0503020204020204" pitchFamily="34" charset="-122"/>
+                <a:ea typeface="微软雅黑" panose="020B0503020204020204" pitchFamily="34" charset="-122"/>
               </a:rPr>
               <a:t>Dubbo</a:t>
             </a:r>
             <a:r>
               <a:rPr lang="zh-CN" altLang="en-US" sz="2800" dirty="0" smtClean="0">
-                <a:latin typeface="微软雅黑" pitchFamily="34" charset="-122"/>
-                <a:ea typeface="微软雅黑" pitchFamily="34" charset="-122"/>
+                <a:latin typeface="微软雅黑" panose="020B0503020204020204" pitchFamily="34" charset="-122"/>
+                <a:ea typeface="微软雅黑" panose="020B0503020204020204" pitchFamily="34" charset="-122"/>
               </a:rPr>
               <a:t>的基本原理</a:t>
             </a:r>
             <a:endParaRPr lang="en-US" altLang="zh-CN" sz="2800" dirty="0" smtClean="0">
-              <a:latin typeface="微软雅黑" pitchFamily="34" charset="-122"/>
-              <a:ea typeface="微软雅黑" pitchFamily="34" charset="-122"/>
+              <a:latin typeface="微软雅黑" panose="020B0503020204020204" pitchFamily="34" charset="-122"/>
+              <a:ea typeface="微软雅黑" panose="020B0503020204020204" pitchFamily="34" charset="-122"/>
             </a:endParaRPr>
           </a:p>
           <a:p>
@@ -11377,44 +11887,39 @@
             </a:pPr>
             <a:r>
               <a:rPr lang="zh-CN" altLang="en-US" sz="2800" dirty="0" smtClean="0">
-                <a:latin typeface="微软雅黑" pitchFamily="34" charset="-122"/>
-                <a:ea typeface="微软雅黑" pitchFamily="34" charset="-122"/>
+                <a:latin typeface="微软雅黑" panose="020B0503020204020204" pitchFamily="34" charset="-122"/>
+                <a:ea typeface="微软雅黑" panose="020B0503020204020204" pitchFamily="34" charset="-122"/>
               </a:rPr>
               <a:t>能够快速启动</a:t>
             </a:r>
             <a:r>
               <a:rPr lang="en-US" altLang="zh-CN" sz="2800" dirty="0" smtClean="0">
-                <a:latin typeface="微软雅黑" pitchFamily="34" charset="-122"/>
-                <a:ea typeface="微软雅黑" pitchFamily="34" charset="-122"/>
+                <a:latin typeface="微软雅黑" panose="020B0503020204020204" pitchFamily="34" charset="-122"/>
+                <a:ea typeface="微软雅黑" panose="020B0503020204020204" pitchFamily="34" charset="-122"/>
               </a:rPr>
               <a:t>Dubbo</a:t>
             </a:r>
             <a:r>
               <a:rPr lang="zh-CN" altLang="en-US" sz="2800" dirty="0" smtClean="0">
-                <a:latin typeface="微软雅黑" pitchFamily="34" charset="-122"/>
-                <a:ea typeface="微软雅黑" pitchFamily="34" charset="-122"/>
+                <a:latin typeface="微软雅黑" panose="020B0503020204020204" pitchFamily="34" charset="-122"/>
+                <a:ea typeface="微软雅黑" panose="020B0503020204020204" pitchFamily="34" charset="-122"/>
               </a:rPr>
               <a:t>示例</a:t>
             </a:r>
             <a:endParaRPr lang="en-US" altLang="zh-CN" sz="2800" dirty="0" smtClean="0">
-              <a:latin typeface="微软雅黑" pitchFamily="34" charset="-122"/>
-              <a:ea typeface="微软雅黑" pitchFamily="34" charset="-122"/>
+              <a:latin typeface="微软雅黑" panose="020B0503020204020204" pitchFamily="34" charset="-122"/>
+              <a:ea typeface="微软雅黑" panose="020B0503020204020204" pitchFamily="34" charset="-122"/>
             </a:endParaRPr>
           </a:p>
         </p:txBody>
       </p:sp>
     </p:spTree>
-    <p:extLst>
-      <p:ext uri="{BB962C8B-B14F-4D97-AF65-F5344CB8AC3E}">
-        <p14:creationId xmlns:p14="http://schemas.microsoft.com/office/powerpoint/2010/main" xmlns="" val="3358113633"/>
-      </p:ext>
-    </p:extLst>
   </p:cSld>
   <p:clrMapOvr>
     <a:masterClrMapping/>
   </p:clrMapOvr>
   <mc:AlternateContent xmlns:mc="http://schemas.openxmlformats.org/markup-compatibility/2006">
-    <mc:Choice xmlns:p14="http://schemas.microsoft.com/office/powerpoint/2010/main" xmlns="" Requires="p14">
+    <mc:Choice xmlns:p14="http://schemas.microsoft.com/office/powerpoint/2010/main" Requires="p14">
       <p:transition p14:dur="100">
         <p:cut/>
       </p:transition>
@@ -11492,18 +11997,13 @@
               <a:t>是什么？</a:t>
             </a:r>
             <a:endParaRPr lang="en-US" altLang="zh-CN" sz="2800" dirty="0" smtClean="0">
-              <a:latin typeface="微软雅黑" pitchFamily="34" charset="-122"/>
-              <a:ea typeface="微软雅黑" pitchFamily="34" charset="-122"/>
+              <a:latin typeface="微软雅黑" panose="020B0503020204020204" pitchFamily="34" charset="-122"/>
+              <a:ea typeface="微软雅黑" panose="020B0503020204020204" pitchFamily="34" charset="-122"/>
             </a:endParaRPr>
           </a:p>
         </p:txBody>
       </p:sp>
     </p:spTree>
-    <p:extLst>
-      <p:ext uri="{BB962C8B-B14F-4D97-AF65-F5344CB8AC3E}">
-        <p14:creationId xmlns:p14="http://schemas.microsoft.com/office/powerpoint/2010/main" xmlns="" val="3787285708"/>
-      </p:ext>
-    </p:extLst>
   </p:cSld>
   <p:clrMapOvr>
     <a:masterClrMapping/>
@@ -11568,6 +12068,7 @@
               <a:rPr lang="en-US" altLang="zh-CN" dirty="0" smtClean="0"/>
               <a:t>?</a:t>
             </a:r>
+            <a:endParaRPr lang="en-US" altLang="zh-CN" dirty="0" smtClean="0"/>
           </a:p>
         </p:txBody>
       </p:sp>
@@ -11601,8 +12102,8 @@
                     <a:lumOff val="40000"/>
                   </a:schemeClr>
                 </a:solidFill>
-                <a:latin typeface="微软雅黑" pitchFamily="34" charset="-122"/>
-                <a:ea typeface="微软雅黑" pitchFamily="34" charset="-122"/>
+                <a:latin typeface="微软雅黑" panose="020B0503020204020204" pitchFamily="34" charset="-122"/>
+                <a:ea typeface="微软雅黑" panose="020B0503020204020204" pitchFamily="34" charset="-122"/>
               </a:rPr>
               <a:t>Dubbo</a:t>
             </a:r>
@@ -11614,8 +12115,8 @@
                     <a:lumOff val="40000"/>
                   </a:schemeClr>
                 </a:solidFill>
-                <a:latin typeface="微软雅黑" pitchFamily="34" charset="-122"/>
-                <a:ea typeface="微软雅黑" pitchFamily="34" charset="-122"/>
+                <a:latin typeface="微软雅黑" panose="020B0503020204020204" pitchFamily="34" charset="-122"/>
+                <a:ea typeface="微软雅黑" panose="020B0503020204020204" pitchFamily="34" charset="-122"/>
               </a:rPr>
               <a:t>是什么？</a:t>
             </a:r>
@@ -11626,79 +12127,74 @@
                   <a:lumOff val="40000"/>
                 </a:schemeClr>
               </a:solidFill>
-              <a:latin typeface="微软雅黑" pitchFamily="34" charset="-122"/>
-              <a:ea typeface="微软雅黑" pitchFamily="34" charset="-122"/>
+              <a:latin typeface="微软雅黑" panose="020B0503020204020204" pitchFamily="34" charset="-122"/>
+              <a:ea typeface="微软雅黑" panose="020B0503020204020204" pitchFamily="34" charset="-122"/>
             </a:endParaRPr>
           </a:p>
           <a:p>
             <a:endParaRPr lang="en-US" altLang="zh-CN" sz="2400" dirty="0" smtClean="0">
-              <a:latin typeface="微软雅黑" pitchFamily="34" charset="-122"/>
-              <a:ea typeface="微软雅黑" pitchFamily="34" charset="-122"/>
+              <a:latin typeface="微软雅黑" panose="020B0503020204020204" pitchFamily="34" charset="-122"/>
+              <a:ea typeface="微软雅黑" panose="020B0503020204020204" pitchFamily="34" charset="-122"/>
             </a:endParaRPr>
           </a:p>
           <a:p>
             <a:r>
               <a:rPr lang="en-US" altLang="zh-CN" sz="2400" dirty="0" err="1" smtClean="0">
-                <a:latin typeface="微软雅黑" pitchFamily="34" charset="-122"/>
-                <a:ea typeface="微软雅黑" pitchFamily="34" charset="-122"/>
+                <a:latin typeface="微软雅黑" panose="020B0503020204020204" pitchFamily="34" charset="-122"/>
+                <a:ea typeface="微软雅黑" panose="020B0503020204020204" pitchFamily="34" charset="-122"/>
               </a:rPr>
               <a:t>Dubbo</a:t>
             </a:r>
             <a:r>
               <a:rPr lang="zh-CN" altLang="en-US" sz="2400" dirty="0">
-                <a:latin typeface="微软雅黑" pitchFamily="34" charset="-122"/>
-                <a:ea typeface="微软雅黑" pitchFamily="34" charset="-122"/>
+                <a:latin typeface="微软雅黑" panose="020B0503020204020204" pitchFamily="34" charset="-122"/>
+                <a:ea typeface="微软雅黑" panose="020B0503020204020204" pitchFamily="34" charset="-122"/>
               </a:rPr>
               <a:t>是一个分布式服务框架，致力于提供高性能和透明化的</a:t>
             </a:r>
             <a:r>
               <a:rPr lang="en-US" altLang="zh-CN" sz="2400" dirty="0">
-                <a:latin typeface="微软雅黑" pitchFamily="34" charset="-122"/>
-                <a:ea typeface="微软雅黑" pitchFamily="34" charset="-122"/>
+                <a:latin typeface="微软雅黑" panose="020B0503020204020204" pitchFamily="34" charset="-122"/>
+                <a:ea typeface="微软雅黑" panose="020B0503020204020204" pitchFamily="34" charset="-122"/>
               </a:rPr>
               <a:t>RPC</a:t>
             </a:r>
             <a:r>
               <a:rPr lang="zh-CN" altLang="en-US" sz="2400" dirty="0">
-                <a:latin typeface="微软雅黑" pitchFamily="34" charset="-122"/>
-                <a:ea typeface="微软雅黑" pitchFamily="34" charset="-122"/>
+                <a:latin typeface="微软雅黑" panose="020B0503020204020204" pitchFamily="34" charset="-122"/>
+                <a:ea typeface="微软雅黑" panose="020B0503020204020204" pitchFamily="34" charset="-122"/>
               </a:rPr>
               <a:t>远程服务调用方案，以及</a:t>
             </a:r>
             <a:r>
               <a:rPr lang="en-US" altLang="zh-CN" sz="2400" dirty="0">
-                <a:latin typeface="微软雅黑" pitchFamily="34" charset="-122"/>
-                <a:ea typeface="微软雅黑" pitchFamily="34" charset="-122"/>
+                <a:latin typeface="微软雅黑" panose="020B0503020204020204" pitchFamily="34" charset="-122"/>
+                <a:ea typeface="微软雅黑" panose="020B0503020204020204" pitchFamily="34" charset="-122"/>
               </a:rPr>
               <a:t>SOA</a:t>
             </a:r>
             <a:r>
               <a:rPr lang="zh-CN" altLang="en-US" sz="2400" dirty="0">
-                <a:latin typeface="微软雅黑" pitchFamily="34" charset="-122"/>
-                <a:ea typeface="微软雅黑" pitchFamily="34" charset="-122"/>
+                <a:latin typeface="微软雅黑" panose="020B0503020204020204" pitchFamily="34" charset="-122"/>
+                <a:ea typeface="微软雅黑" panose="020B0503020204020204" pitchFamily="34" charset="-122"/>
               </a:rPr>
               <a:t>服务治理方案</a:t>
             </a:r>
             <a:r>
               <a:rPr lang="zh-CN" altLang="en-US" sz="2400" dirty="0" smtClean="0">
-                <a:latin typeface="微软雅黑" pitchFamily="34" charset="-122"/>
-                <a:ea typeface="微软雅黑" pitchFamily="34" charset="-122"/>
+                <a:latin typeface="微软雅黑" panose="020B0503020204020204" pitchFamily="34" charset="-122"/>
+                <a:ea typeface="微软雅黑" panose="020B0503020204020204" pitchFamily="34" charset="-122"/>
               </a:rPr>
               <a:t>。</a:t>
             </a:r>
             <a:endParaRPr lang="en-US" altLang="zh-CN" sz="2400" dirty="0" smtClean="0">
-              <a:latin typeface="微软雅黑" pitchFamily="34" charset="-122"/>
-              <a:ea typeface="微软雅黑" pitchFamily="34" charset="-122"/>
+              <a:latin typeface="微软雅黑" panose="020B0503020204020204" pitchFamily="34" charset="-122"/>
+              <a:ea typeface="微软雅黑" panose="020B0503020204020204" pitchFamily="34" charset="-122"/>
             </a:endParaRPr>
           </a:p>
         </p:txBody>
       </p:sp>
     </p:spTree>
-    <p:extLst>
-      <p:ext uri="{BB962C8B-B14F-4D97-AF65-F5344CB8AC3E}">
-        <p14:creationId xmlns:p14="http://schemas.microsoft.com/office/powerpoint/2010/main" xmlns="" val="2514452353"/>
-      </p:ext>
-    </p:extLst>
   </p:cSld>
   <p:clrMapOvr>
     <a:masterClrMapping/>
@@ -11793,8 +12289,8 @@
                     <a:lumOff val="40000"/>
                   </a:schemeClr>
                 </a:solidFill>
-                <a:latin typeface="微软雅黑" pitchFamily="34" charset="-122"/>
-                <a:ea typeface="微软雅黑" pitchFamily="34" charset="-122"/>
+                <a:latin typeface="微软雅黑" panose="020B0503020204020204" pitchFamily="34" charset="-122"/>
+                <a:ea typeface="微软雅黑" panose="020B0503020204020204" pitchFamily="34" charset="-122"/>
               </a:rPr>
               <a:t>其核心部分</a:t>
             </a:r>
@@ -11806,8 +12302,8 @@
                     <a:lumOff val="40000"/>
                   </a:schemeClr>
                 </a:solidFill>
-                <a:latin typeface="微软雅黑" pitchFamily="34" charset="-122"/>
-                <a:ea typeface="微软雅黑" pitchFamily="34" charset="-122"/>
+                <a:latin typeface="微软雅黑" panose="020B0503020204020204" pitchFamily="34" charset="-122"/>
+                <a:ea typeface="微软雅黑" panose="020B0503020204020204" pitchFamily="34" charset="-122"/>
               </a:rPr>
               <a:t>包含：</a:t>
             </a:r>
@@ -11818,171 +12314,166 @@
                   <a:lumOff val="40000"/>
                 </a:schemeClr>
               </a:solidFill>
-              <a:latin typeface="微软雅黑" pitchFamily="34" charset="-122"/>
-              <a:ea typeface="微软雅黑" pitchFamily="34" charset="-122"/>
+              <a:latin typeface="微软雅黑" panose="020B0503020204020204" pitchFamily="34" charset="-122"/>
+              <a:ea typeface="微软雅黑" panose="020B0503020204020204" pitchFamily="34" charset="-122"/>
             </a:endParaRPr>
           </a:p>
           <a:p>
             <a:endParaRPr lang="en-US" altLang="zh-CN" sz="2400" dirty="0" smtClean="0">
-              <a:latin typeface="微软雅黑" pitchFamily="34" charset="-122"/>
-              <a:ea typeface="微软雅黑" pitchFamily="34" charset="-122"/>
+              <a:latin typeface="微软雅黑" panose="020B0503020204020204" pitchFamily="34" charset="-122"/>
+              <a:ea typeface="微软雅黑" panose="020B0503020204020204" pitchFamily="34" charset="-122"/>
             </a:endParaRPr>
           </a:p>
           <a:p>
             <a:pPr marL="342900" indent="-342900">
-              <a:buFont typeface="Wingdings" pitchFamily="2" charset="2"/>
+              <a:buFont typeface="Wingdings" panose="05000000000000000000" pitchFamily="2" charset="2"/>
               <a:buChar char="n"/>
             </a:pPr>
             <a:r>
               <a:rPr lang="zh-CN" altLang="en-US" sz="2400" dirty="0">
-                <a:latin typeface="微软雅黑" pitchFamily="34" charset="-122"/>
-                <a:ea typeface="微软雅黑" pitchFamily="34" charset="-122"/>
+                <a:latin typeface="微软雅黑" panose="020B0503020204020204" pitchFamily="34" charset="-122"/>
+                <a:ea typeface="微软雅黑" panose="020B0503020204020204" pitchFamily="34" charset="-122"/>
               </a:rPr>
               <a:t>远程通讯</a:t>
             </a:r>
             <a:r>
               <a:rPr lang="en-US" altLang="zh-CN" sz="2400" dirty="0">
-                <a:latin typeface="微软雅黑" pitchFamily="34" charset="-122"/>
-                <a:ea typeface="微软雅黑" pitchFamily="34" charset="-122"/>
+                <a:latin typeface="微软雅黑" panose="020B0503020204020204" pitchFamily="34" charset="-122"/>
+                <a:ea typeface="微软雅黑" panose="020B0503020204020204" pitchFamily="34" charset="-122"/>
               </a:rPr>
               <a:t>: </a:t>
             </a:r>
             <a:r>
               <a:rPr lang="zh-CN" altLang="en-US" sz="2000" dirty="0" smtClean="0">
-                <a:latin typeface="微软雅黑" pitchFamily="34" charset="-122"/>
-                <a:ea typeface="微软雅黑" pitchFamily="34" charset="-122"/>
+                <a:latin typeface="微软雅黑" panose="020B0503020204020204" pitchFamily="34" charset="-122"/>
+                <a:ea typeface="微软雅黑" panose="020B0503020204020204" pitchFamily="34" charset="-122"/>
               </a:rPr>
               <a:t>提供</a:t>
             </a:r>
             <a:r>
               <a:rPr lang="zh-CN" altLang="en-US" sz="2000" dirty="0">
-                <a:latin typeface="微软雅黑" pitchFamily="34" charset="-122"/>
-                <a:ea typeface="微软雅黑" pitchFamily="34" charset="-122"/>
+                <a:latin typeface="微软雅黑" panose="020B0503020204020204" pitchFamily="34" charset="-122"/>
+                <a:ea typeface="微软雅黑" panose="020B0503020204020204" pitchFamily="34" charset="-122"/>
               </a:rPr>
               <a:t>对多种基于长连接的</a:t>
             </a:r>
             <a:r>
               <a:rPr lang="en-US" altLang="zh-CN" sz="2000" dirty="0">
-                <a:latin typeface="微软雅黑" pitchFamily="34" charset="-122"/>
-                <a:ea typeface="微软雅黑" pitchFamily="34" charset="-122"/>
+                <a:latin typeface="微软雅黑" panose="020B0503020204020204" pitchFamily="34" charset="-122"/>
+                <a:ea typeface="微软雅黑" panose="020B0503020204020204" pitchFamily="34" charset="-122"/>
               </a:rPr>
               <a:t>NIO</a:t>
             </a:r>
             <a:r>
               <a:rPr lang="zh-CN" altLang="en-US" sz="2000" dirty="0">
-                <a:latin typeface="微软雅黑" pitchFamily="34" charset="-122"/>
-                <a:ea typeface="微软雅黑" pitchFamily="34" charset="-122"/>
+                <a:latin typeface="微软雅黑" panose="020B0503020204020204" pitchFamily="34" charset="-122"/>
+                <a:ea typeface="微软雅黑" panose="020B0503020204020204" pitchFamily="34" charset="-122"/>
               </a:rPr>
               <a:t>框架抽象封装，包括多种线程模型，序列化，以及“请求</a:t>
             </a:r>
             <a:r>
               <a:rPr lang="en-US" altLang="zh-CN" sz="2000" dirty="0">
-                <a:latin typeface="微软雅黑" pitchFamily="34" charset="-122"/>
-                <a:ea typeface="微软雅黑" pitchFamily="34" charset="-122"/>
+                <a:latin typeface="微软雅黑" panose="020B0503020204020204" pitchFamily="34" charset="-122"/>
+                <a:ea typeface="微软雅黑" panose="020B0503020204020204" pitchFamily="34" charset="-122"/>
               </a:rPr>
               <a:t>-</a:t>
             </a:r>
             <a:r>
               <a:rPr lang="zh-CN" altLang="en-US" sz="2000" dirty="0">
-                <a:latin typeface="微软雅黑" pitchFamily="34" charset="-122"/>
-                <a:ea typeface="微软雅黑" pitchFamily="34" charset="-122"/>
+                <a:latin typeface="微软雅黑" panose="020B0503020204020204" pitchFamily="34" charset="-122"/>
+                <a:ea typeface="微软雅黑" panose="020B0503020204020204" pitchFamily="34" charset="-122"/>
               </a:rPr>
               <a:t>响应”模式的信息交换方式</a:t>
             </a:r>
             <a:r>
               <a:rPr lang="zh-CN" altLang="en-US" sz="2000" dirty="0" smtClean="0">
-                <a:latin typeface="微软雅黑" pitchFamily="34" charset="-122"/>
-                <a:ea typeface="微软雅黑" pitchFamily="34" charset="-122"/>
+                <a:latin typeface="微软雅黑" panose="020B0503020204020204" pitchFamily="34" charset="-122"/>
+                <a:ea typeface="微软雅黑" panose="020B0503020204020204" pitchFamily="34" charset="-122"/>
               </a:rPr>
               <a:t>。</a:t>
             </a:r>
             <a:endParaRPr lang="en-US" altLang="zh-CN" sz="2000" dirty="0" smtClean="0">
-              <a:latin typeface="微软雅黑" pitchFamily="34" charset="-122"/>
-              <a:ea typeface="微软雅黑" pitchFamily="34" charset="-122"/>
+              <a:latin typeface="微软雅黑" panose="020B0503020204020204" pitchFamily="34" charset="-122"/>
+              <a:ea typeface="微软雅黑" panose="020B0503020204020204" pitchFamily="34" charset="-122"/>
             </a:endParaRPr>
           </a:p>
           <a:p>
             <a:endParaRPr lang="en-US" altLang="zh-CN" dirty="0" smtClean="0">
-              <a:latin typeface="微软雅黑" pitchFamily="34" charset="-122"/>
-              <a:ea typeface="微软雅黑" pitchFamily="34" charset="-122"/>
+              <a:latin typeface="微软雅黑" panose="020B0503020204020204" pitchFamily="34" charset="-122"/>
+              <a:ea typeface="微软雅黑" panose="020B0503020204020204" pitchFamily="34" charset="-122"/>
             </a:endParaRPr>
           </a:p>
           <a:p>
             <a:pPr marL="342900" indent="-342900">
-              <a:buFont typeface="Wingdings" pitchFamily="2" charset="2"/>
+              <a:buFont typeface="Wingdings" panose="05000000000000000000" pitchFamily="2" charset="2"/>
               <a:buChar char="n"/>
             </a:pPr>
             <a:r>
               <a:rPr lang="zh-CN" altLang="en-US" sz="2400" dirty="0">
-                <a:latin typeface="微软雅黑" pitchFamily="34" charset="-122"/>
-                <a:ea typeface="微软雅黑" pitchFamily="34" charset="-122"/>
+                <a:latin typeface="微软雅黑" panose="020B0503020204020204" pitchFamily="34" charset="-122"/>
+                <a:ea typeface="微软雅黑" panose="020B0503020204020204" pitchFamily="34" charset="-122"/>
               </a:rPr>
               <a:t>集群容错</a:t>
             </a:r>
             <a:r>
               <a:rPr lang="en-US" altLang="zh-CN" sz="2400" dirty="0" smtClean="0">
-                <a:latin typeface="微软雅黑" pitchFamily="34" charset="-122"/>
-                <a:ea typeface="微软雅黑" pitchFamily="34" charset="-122"/>
+                <a:latin typeface="微软雅黑" panose="020B0503020204020204" pitchFamily="34" charset="-122"/>
+                <a:ea typeface="微软雅黑" panose="020B0503020204020204" pitchFamily="34" charset="-122"/>
               </a:rPr>
               <a:t>:</a:t>
             </a:r>
             <a:r>
               <a:rPr lang="zh-CN" altLang="en-US" sz="2000" dirty="0">
-                <a:latin typeface="微软雅黑" pitchFamily="34" charset="-122"/>
-                <a:ea typeface="微软雅黑" pitchFamily="34" charset="-122"/>
+                <a:latin typeface="微软雅黑" panose="020B0503020204020204" pitchFamily="34" charset="-122"/>
+                <a:ea typeface="微软雅黑" panose="020B0503020204020204" pitchFamily="34" charset="-122"/>
               </a:rPr>
               <a:t>提供基于接口方法的透明远程过程调用，包括多协议支持，以及软负载均衡，失败容错，地址路由，动态配置等集群支持。</a:t>
             </a:r>
             <a:endParaRPr lang="en-US" altLang="zh-CN" sz="2000" dirty="0" smtClean="0">
-              <a:latin typeface="微软雅黑" pitchFamily="34" charset="-122"/>
-              <a:ea typeface="微软雅黑" pitchFamily="34" charset="-122"/>
+              <a:latin typeface="微软雅黑" panose="020B0503020204020204" pitchFamily="34" charset="-122"/>
+              <a:ea typeface="微软雅黑" panose="020B0503020204020204" pitchFamily="34" charset="-122"/>
             </a:endParaRPr>
           </a:p>
           <a:p>
             <a:endParaRPr lang="en-US" altLang="zh-CN" sz="2400" dirty="0" smtClean="0">
-              <a:latin typeface="微软雅黑" pitchFamily="34" charset="-122"/>
-              <a:ea typeface="微软雅黑" pitchFamily="34" charset="-122"/>
+              <a:latin typeface="微软雅黑" panose="020B0503020204020204" pitchFamily="34" charset="-122"/>
+              <a:ea typeface="微软雅黑" panose="020B0503020204020204" pitchFamily="34" charset="-122"/>
             </a:endParaRPr>
           </a:p>
           <a:p>
             <a:pPr marL="342900" indent="-342900">
-              <a:buFont typeface="Wingdings" pitchFamily="2" charset="2"/>
+              <a:buFont typeface="Wingdings" panose="05000000000000000000" pitchFamily="2" charset="2"/>
               <a:buChar char="n"/>
             </a:pPr>
             <a:r>
               <a:rPr lang="zh-CN" altLang="en-US" sz="2400" dirty="0">
-                <a:latin typeface="微软雅黑" pitchFamily="34" charset="-122"/>
-                <a:ea typeface="微软雅黑" pitchFamily="34" charset="-122"/>
+                <a:latin typeface="微软雅黑" panose="020B0503020204020204" pitchFamily="34" charset="-122"/>
+                <a:ea typeface="微软雅黑" panose="020B0503020204020204" pitchFamily="34" charset="-122"/>
               </a:rPr>
               <a:t>自动发现</a:t>
             </a:r>
             <a:r>
               <a:rPr lang="en-US" altLang="zh-CN" sz="2400" dirty="0" smtClean="0">
-                <a:latin typeface="微软雅黑" pitchFamily="34" charset="-122"/>
-                <a:ea typeface="微软雅黑" pitchFamily="34" charset="-122"/>
+                <a:latin typeface="微软雅黑" panose="020B0503020204020204" pitchFamily="34" charset="-122"/>
+                <a:ea typeface="微软雅黑" panose="020B0503020204020204" pitchFamily="34" charset="-122"/>
               </a:rPr>
               <a:t>:</a:t>
             </a:r>
             <a:r>
               <a:rPr lang="zh-CN" altLang="en-US" sz="2000" dirty="0">
-                <a:latin typeface="微软雅黑" pitchFamily="34" charset="-122"/>
-                <a:ea typeface="微软雅黑" pitchFamily="34" charset="-122"/>
+                <a:latin typeface="微软雅黑" panose="020B0503020204020204" pitchFamily="34" charset="-122"/>
+                <a:ea typeface="微软雅黑" panose="020B0503020204020204" pitchFamily="34" charset="-122"/>
               </a:rPr>
               <a:t>基于注册中心目录服务，使服务消费方能动态的查找服务提供方，使地址透明，使服务提供方可以平滑增加或减少机器。</a:t>
             </a:r>
             <a:endParaRPr lang="en-US" altLang="zh-CN" sz="2000" dirty="0" smtClean="0">
-              <a:latin typeface="微软雅黑" pitchFamily="34" charset="-122"/>
-              <a:ea typeface="微软雅黑" pitchFamily="34" charset="-122"/>
+              <a:latin typeface="微软雅黑" panose="020B0503020204020204" pitchFamily="34" charset="-122"/>
+              <a:ea typeface="微软雅黑" panose="020B0503020204020204" pitchFamily="34" charset="-122"/>
             </a:endParaRPr>
           </a:p>
         </p:txBody>
       </p:sp>
     </p:spTree>
-    <p:extLst>
-      <p:ext uri="{BB962C8B-B14F-4D97-AF65-F5344CB8AC3E}">
-        <p14:creationId xmlns:p14="http://schemas.microsoft.com/office/powerpoint/2010/main" xmlns="" val="4049121652"/>
-      </p:ext>
-    </p:extLst>
   </p:cSld>
   <p:clrMapOvr>
     <a:masterClrMapping/>
@@ -12054,18 +12545,13 @@
               <a:t>能做什么？</a:t>
             </a:r>
             <a:endParaRPr lang="en-US" altLang="zh-CN" sz="2800" dirty="0" smtClean="0">
-              <a:latin typeface="微软雅黑" pitchFamily="34" charset="-122"/>
-              <a:ea typeface="微软雅黑" pitchFamily="34" charset="-122"/>
+              <a:latin typeface="微软雅黑" panose="020B0503020204020204" pitchFamily="34" charset="-122"/>
+              <a:ea typeface="微软雅黑" panose="020B0503020204020204" pitchFamily="34" charset="-122"/>
             </a:endParaRPr>
           </a:p>
         </p:txBody>
       </p:sp>
     </p:spTree>
-    <p:extLst>
-      <p:ext uri="{BB962C8B-B14F-4D97-AF65-F5344CB8AC3E}">
-        <p14:creationId xmlns:p14="http://schemas.microsoft.com/office/powerpoint/2010/main" xmlns="" val="3324516889"/>
-      </p:ext>
-    </p:extLst>
   </p:cSld>
   <p:clrMapOvr>
     <a:masterClrMapping/>
@@ -12130,6 +12616,7 @@
               <a:rPr lang="en-US" altLang="zh-CN" dirty="0" smtClean="0"/>
               <a:t>?</a:t>
             </a:r>
+            <a:endParaRPr lang="en-US" altLang="zh-CN" dirty="0" smtClean="0"/>
           </a:p>
         </p:txBody>
       </p:sp>
@@ -12163,8 +12650,8 @@
                     <a:lumOff val="40000"/>
                   </a:schemeClr>
                 </a:solidFill>
-                <a:latin typeface="微软雅黑" pitchFamily="34" charset="-122"/>
-                <a:ea typeface="微软雅黑" pitchFamily="34" charset="-122"/>
+                <a:latin typeface="微软雅黑" panose="020B0503020204020204" pitchFamily="34" charset="-122"/>
+                <a:ea typeface="微软雅黑" panose="020B0503020204020204" pitchFamily="34" charset="-122"/>
               </a:rPr>
               <a:t>Dubbo</a:t>
             </a:r>
@@ -12176,8 +12663,8 @@
                     <a:lumOff val="40000"/>
                   </a:schemeClr>
                 </a:solidFill>
-                <a:latin typeface="微软雅黑" pitchFamily="34" charset="-122"/>
-                <a:ea typeface="微软雅黑" pitchFamily="34" charset="-122"/>
+                <a:latin typeface="微软雅黑" panose="020B0503020204020204" pitchFamily="34" charset="-122"/>
+                <a:ea typeface="微软雅黑" panose="020B0503020204020204" pitchFamily="34" charset="-122"/>
               </a:rPr>
               <a:t>能做什么？</a:t>
             </a:r>
@@ -12188,151 +12675,146 @@
                   <a:lumOff val="40000"/>
                 </a:schemeClr>
               </a:solidFill>
-              <a:latin typeface="微软雅黑" pitchFamily="34" charset="-122"/>
-              <a:ea typeface="微软雅黑" pitchFamily="34" charset="-122"/>
+              <a:latin typeface="微软雅黑" panose="020B0503020204020204" pitchFamily="34" charset="-122"/>
+              <a:ea typeface="微软雅黑" panose="020B0503020204020204" pitchFamily="34" charset="-122"/>
             </a:endParaRPr>
           </a:p>
           <a:p>
             <a:endParaRPr lang="en-US" altLang="zh-CN" sz="2400" dirty="0" smtClean="0">
-              <a:latin typeface="微软雅黑" pitchFamily="34" charset="-122"/>
-              <a:ea typeface="微软雅黑" pitchFamily="34" charset="-122"/>
+              <a:latin typeface="微软雅黑" panose="020B0503020204020204" pitchFamily="34" charset="-122"/>
+              <a:ea typeface="微软雅黑" panose="020B0503020204020204" pitchFamily="34" charset="-122"/>
             </a:endParaRPr>
           </a:p>
           <a:p>
             <a:pPr marL="342900" indent="-342900">
-              <a:buFont typeface="Wingdings" pitchFamily="2" charset="2"/>
+              <a:buFont typeface="Wingdings" panose="05000000000000000000" pitchFamily="2" charset="2"/>
               <a:buChar char="n"/>
             </a:pPr>
             <a:r>
               <a:rPr lang="zh-CN" altLang="en-US" sz="2400" dirty="0">
-                <a:latin typeface="微软雅黑" pitchFamily="34" charset="-122"/>
-                <a:ea typeface="微软雅黑" pitchFamily="34" charset="-122"/>
+                <a:latin typeface="微软雅黑" panose="020B0503020204020204" pitchFamily="34" charset="-122"/>
+                <a:ea typeface="微软雅黑" panose="020B0503020204020204" pitchFamily="34" charset="-122"/>
               </a:rPr>
               <a:t>透明化的远程方法调用，就像调用本地方法一样调用远程方法，只需简单配置，没有任何</a:t>
             </a:r>
             <a:r>
               <a:rPr lang="en-US" altLang="zh-CN" sz="2400" dirty="0">
-                <a:latin typeface="微软雅黑" pitchFamily="34" charset="-122"/>
-                <a:ea typeface="微软雅黑" pitchFamily="34" charset="-122"/>
+                <a:latin typeface="微软雅黑" panose="020B0503020204020204" pitchFamily="34" charset="-122"/>
+                <a:ea typeface="微软雅黑" panose="020B0503020204020204" pitchFamily="34" charset="-122"/>
               </a:rPr>
               <a:t>API</a:t>
             </a:r>
             <a:r>
               <a:rPr lang="zh-CN" altLang="en-US" sz="2400" dirty="0">
-                <a:latin typeface="微软雅黑" pitchFamily="34" charset="-122"/>
-                <a:ea typeface="微软雅黑" pitchFamily="34" charset="-122"/>
+                <a:latin typeface="微软雅黑" panose="020B0503020204020204" pitchFamily="34" charset="-122"/>
+                <a:ea typeface="微软雅黑" panose="020B0503020204020204" pitchFamily="34" charset="-122"/>
               </a:rPr>
               <a:t>侵入</a:t>
             </a:r>
             <a:r>
               <a:rPr lang="zh-CN" altLang="en-US" sz="2400" dirty="0" smtClean="0">
-                <a:latin typeface="微软雅黑" pitchFamily="34" charset="-122"/>
-                <a:ea typeface="微软雅黑" pitchFamily="34" charset="-122"/>
+                <a:latin typeface="微软雅黑" panose="020B0503020204020204" pitchFamily="34" charset="-122"/>
+                <a:ea typeface="微软雅黑" panose="020B0503020204020204" pitchFamily="34" charset="-122"/>
               </a:rPr>
               <a:t>。</a:t>
             </a:r>
             <a:endParaRPr lang="en-US" altLang="zh-CN" sz="2400" dirty="0" smtClean="0">
-              <a:latin typeface="微软雅黑" pitchFamily="34" charset="-122"/>
-              <a:ea typeface="微软雅黑" pitchFamily="34" charset="-122"/>
+              <a:latin typeface="微软雅黑" panose="020B0503020204020204" pitchFamily="34" charset="-122"/>
+              <a:ea typeface="微软雅黑" panose="020B0503020204020204" pitchFamily="34" charset="-122"/>
             </a:endParaRPr>
           </a:p>
           <a:p>
             <a:pPr marL="342900" indent="-342900">
-              <a:buFont typeface="Wingdings" pitchFamily="2" charset="2"/>
+              <a:buFont typeface="Wingdings" panose="05000000000000000000" pitchFamily="2" charset="2"/>
               <a:buChar char="n"/>
             </a:pPr>
             <a:endParaRPr lang="en-US" altLang="zh-CN" sz="2400" dirty="0" smtClean="0">
-              <a:latin typeface="微软雅黑" pitchFamily="34" charset="-122"/>
-              <a:ea typeface="微软雅黑" pitchFamily="34" charset="-122"/>
+              <a:latin typeface="微软雅黑" panose="020B0503020204020204" pitchFamily="34" charset="-122"/>
+              <a:ea typeface="微软雅黑" panose="020B0503020204020204" pitchFamily="34" charset="-122"/>
             </a:endParaRPr>
           </a:p>
           <a:p>
             <a:pPr marL="342900" indent="-342900">
-              <a:buFont typeface="Wingdings" pitchFamily="2" charset="2"/>
+              <a:buFont typeface="Wingdings" panose="05000000000000000000" pitchFamily="2" charset="2"/>
               <a:buChar char="n"/>
             </a:pPr>
             <a:r>
               <a:rPr lang="zh-CN" altLang="en-US" sz="2400" dirty="0">
-                <a:latin typeface="微软雅黑" pitchFamily="34" charset="-122"/>
-                <a:ea typeface="微软雅黑" pitchFamily="34" charset="-122"/>
+                <a:latin typeface="微软雅黑" panose="020B0503020204020204" pitchFamily="34" charset="-122"/>
+                <a:ea typeface="微软雅黑" panose="020B0503020204020204" pitchFamily="34" charset="-122"/>
               </a:rPr>
               <a:t>软负载均衡及容错机制，可在内网替代</a:t>
             </a:r>
             <a:r>
               <a:rPr lang="en-US" altLang="zh-CN" sz="2400" dirty="0">
-                <a:latin typeface="微软雅黑" pitchFamily="34" charset="-122"/>
-                <a:ea typeface="微软雅黑" pitchFamily="34" charset="-122"/>
+                <a:latin typeface="微软雅黑" panose="020B0503020204020204" pitchFamily="34" charset="-122"/>
+                <a:ea typeface="微软雅黑" panose="020B0503020204020204" pitchFamily="34" charset="-122"/>
               </a:rPr>
               <a:t>F5</a:t>
             </a:r>
             <a:r>
               <a:rPr lang="zh-CN" altLang="en-US" sz="2400" dirty="0">
-                <a:latin typeface="微软雅黑" pitchFamily="34" charset="-122"/>
-                <a:ea typeface="微软雅黑" pitchFamily="34" charset="-122"/>
+                <a:latin typeface="微软雅黑" panose="020B0503020204020204" pitchFamily="34" charset="-122"/>
+                <a:ea typeface="微软雅黑" panose="020B0503020204020204" pitchFamily="34" charset="-122"/>
               </a:rPr>
               <a:t>等硬件负载均衡器，降低成本，减少单点</a:t>
             </a:r>
             <a:r>
               <a:rPr lang="zh-CN" altLang="en-US" sz="2400" dirty="0" smtClean="0">
-                <a:latin typeface="微软雅黑" pitchFamily="34" charset="-122"/>
-                <a:ea typeface="微软雅黑" pitchFamily="34" charset="-122"/>
+                <a:latin typeface="微软雅黑" panose="020B0503020204020204" pitchFamily="34" charset="-122"/>
+                <a:ea typeface="微软雅黑" panose="020B0503020204020204" pitchFamily="34" charset="-122"/>
               </a:rPr>
               <a:t>。</a:t>
             </a:r>
             <a:endParaRPr lang="en-US" altLang="zh-CN" sz="2400" dirty="0" smtClean="0">
-              <a:latin typeface="微软雅黑" pitchFamily="34" charset="-122"/>
-              <a:ea typeface="微软雅黑" pitchFamily="34" charset="-122"/>
+              <a:latin typeface="微软雅黑" panose="020B0503020204020204" pitchFamily="34" charset="-122"/>
+              <a:ea typeface="微软雅黑" panose="020B0503020204020204" pitchFamily="34" charset="-122"/>
             </a:endParaRPr>
           </a:p>
           <a:p>
             <a:pPr marL="342900" indent="-342900">
-              <a:buFont typeface="Wingdings" pitchFamily="2" charset="2"/>
+              <a:buFont typeface="Wingdings" panose="05000000000000000000" pitchFamily="2" charset="2"/>
               <a:buChar char="n"/>
             </a:pPr>
             <a:endParaRPr lang="en-US" altLang="zh-CN" sz="2400" dirty="0">
-              <a:latin typeface="微软雅黑" pitchFamily="34" charset="-122"/>
-              <a:ea typeface="微软雅黑" pitchFamily="34" charset="-122"/>
+              <a:latin typeface="微软雅黑" panose="020B0503020204020204" pitchFamily="34" charset="-122"/>
+              <a:ea typeface="微软雅黑" panose="020B0503020204020204" pitchFamily="34" charset="-122"/>
             </a:endParaRPr>
           </a:p>
           <a:p>
             <a:pPr marL="342900" indent="-342900">
-              <a:buFont typeface="Wingdings" pitchFamily="2" charset="2"/>
+              <a:buFont typeface="Wingdings" panose="05000000000000000000" pitchFamily="2" charset="2"/>
               <a:buChar char="n"/>
             </a:pPr>
             <a:r>
               <a:rPr lang="zh-CN" altLang="en-US" sz="2400" dirty="0">
-                <a:latin typeface="微软雅黑" pitchFamily="34" charset="-122"/>
-                <a:ea typeface="微软雅黑" pitchFamily="34" charset="-122"/>
+                <a:latin typeface="微软雅黑" panose="020B0503020204020204" pitchFamily="34" charset="-122"/>
+                <a:ea typeface="微软雅黑" panose="020B0503020204020204" pitchFamily="34" charset="-122"/>
               </a:rPr>
               <a:t>服务自动注册与发现，不再需要写死服务提供方地址，注册中心基于接口名查询服务提供者的</a:t>
             </a:r>
             <a:r>
               <a:rPr lang="en-US" altLang="zh-CN" sz="2400" dirty="0">
-                <a:latin typeface="微软雅黑" pitchFamily="34" charset="-122"/>
-                <a:ea typeface="微软雅黑" pitchFamily="34" charset="-122"/>
+                <a:latin typeface="微软雅黑" panose="020B0503020204020204" pitchFamily="34" charset="-122"/>
+                <a:ea typeface="微软雅黑" panose="020B0503020204020204" pitchFamily="34" charset="-122"/>
               </a:rPr>
               <a:t>IP</a:t>
             </a:r>
             <a:r>
               <a:rPr lang="zh-CN" altLang="en-US" sz="2400" dirty="0">
-                <a:latin typeface="微软雅黑" pitchFamily="34" charset="-122"/>
-                <a:ea typeface="微软雅黑" pitchFamily="34" charset="-122"/>
+                <a:latin typeface="微软雅黑" panose="020B0503020204020204" pitchFamily="34" charset="-122"/>
+                <a:ea typeface="微软雅黑" panose="020B0503020204020204" pitchFamily="34" charset="-122"/>
               </a:rPr>
               <a:t>地址，并且能够平滑添加或删除服务提供者。</a:t>
             </a:r>
             <a:endParaRPr lang="en-US" altLang="zh-CN" sz="2400" dirty="0" smtClean="0">
-              <a:latin typeface="微软雅黑" pitchFamily="34" charset="-122"/>
-              <a:ea typeface="微软雅黑" pitchFamily="34" charset="-122"/>
+              <a:latin typeface="微软雅黑" panose="020B0503020204020204" pitchFamily="34" charset="-122"/>
+              <a:ea typeface="微软雅黑" panose="020B0503020204020204" pitchFamily="34" charset="-122"/>
             </a:endParaRPr>
           </a:p>
         </p:txBody>
       </p:sp>
     </p:spTree>
-    <p:extLst>
-      <p:ext uri="{BB962C8B-B14F-4D97-AF65-F5344CB8AC3E}">
-        <p14:creationId xmlns:p14="http://schemas.microsoft.com/office/powerpoint/2010/main" xmlns="" val="572452743"/>
-      </p:ext>
-    </p:extLst>
   </p:cSld>
   <p:clrMapOvr>
     <a:masterClrMapping/>
@@ -12408,11 +12890,6 @@
         </p:txBody>
       </p:sp>
     </p:spTree>
-    <p:extLst>
-      <p:ext uri="{BB962C8B-B14F-4D97-AF65-F5344CB8AC3E}">
-        <p14:creationId xmlns:p14="http://schemas.microsoft.com/office/powerpoint/2010/main" xmlns="" val="1593346853"/>
-      </p:ext>
-    </p:extLst>
   </p:cSld>
   <p:clrMapOvr>
     <a:masterClrMapping/>
@@ -12705,8 +13182,11 @@
       </a:bgFillStyleLst>
     </a:fmtScheme>
   </a:themeElements>
-  <a:objectDefaults/>
-  <a:extraClrSchemeLst/>
+  <a:extLst>
+    <a:ext uri="{05A4C25C-085E-4340-85A3-A5531E510DB2}">
+      <thm15:themeFamily xmlns:thm15="http://schemas.microsoft.com/office/thememl/2012/main" name="Office Theme" id="{62F939B6-93AF-4DB8-9C6B-D6C7DFDC589F}" vid="{4A3C46E8-61CC-4603-A589-7422A47A8E4A}"/>
+    </a:ext>
+  </a:extLst>
 </a:theme>
 </file>
 
@@ -12988,7 +13468,10 @@
       </a:bgFillStyleLst>
     </a:fmtScheme>
   </a:themeElements>
-  <a:objectDefaults/>
-  <a:extraClrSchemeLst/>
+  <a:extLst>
+    <a:ext uri="{05A4C25C-085E-4340-85A3-A5531E510DB2}">
+      <thm15:themeFamily xmlns:thm15="http://schemas.microsoft.com/office/thememl/2012/main" name="Office Theme" id="{62F939B6-93AF-4DB8-9C6B-D6C7DFDC589F}" vid="{4A3C46E8-61CC-4603-A589-7422A47A8E4A}"/>
+    </a:ext>
+  </a:extLst>
 </a:theme>
 </file>
--- a/相关技术文档/Dubbo培训与实战.pptx
+++ b/相关技术文档/Dubbo培训与实战.pptx
@@ -5,38 +5,38 @@
     <p:sldMasterId id="2147483648" r:id="rId1"/>
   </p:sldMasterIdLst>
   <p:notesMasterIdLst>
-    <p:notesMasterId r:id="rId4"/>
+    <p:notesMasterId r:id="rId31"/>
   </p:notesMasterIdLst>
   <p:sldIdLst>
-    <p:sldId id="256" r:id="rId3"/>
-    <p:sldId id="520" r:id="rId5"/>
-    <p:sldId id="541" r:id="rId6"/>
-    <p:sldId id="544" r:id="rId7"/>
-    <p:sldId id="545" r:id="rId8"/>
-    <p:sldId id="548" r:id="rId9"/>
-    <p:sldId id="546" r:id="rId10"/>
-    <p:sldId id="547" r:id="rId11"/>
-    <p:sldId id="559" r:id="rId12"/>
-    <p:sldId id="588" r:id="rId13"/>
-    <p:sldId id="569" r:id="rId14"/>
-    <p:sldId id="549" r:id="rId15"/>
-    <p:sldId id="550" r:id="rId16"/>
-    <p:sldId id="556" r:id="rId17"/>
-    <p:sldId id="551" r:id="rId18"/>
-    <p:sldId id="553" r:id="rId19"/>
-    <p:sldId id="552" r:id="rId20"/>
-    <p:sldId id="554" r:id="rId21"/>
-    <p:sldId id="557" r:id="rId22"/>
-    <p:sldId id="555" r:id="rId23"/>
-    <p:sldId id="560" r:id="rId24"/>
-    <p:sldId id="561" r:id="rId25"/>
-    <p:sldId id="563" r:id="rId26"/>
-    <p:sldId id="564" r:id="rId27"/>
-    <p:sldId id="565" r:id="rId28"/>
-    <p:sldId id="566" r:id="rId29"/>
-    <p:sldId id="567" r:id="rId30"/>
-    <p:sldId id="568" r:id="rId31"/>
-    <p:sldId id="558" r:id="rId32"/>
+    <p:sldId id="256" r:id="rId2"/>
+    <p:sldId id="520" r:id="rId3"/>
+    <p:sldId id="541" r:id="rId4"/>
+    <p:sldId id="544" r:id="rId5"/>
+    <p:sldId id="545" r:id="rId6"/>
+    <p:sldId id="548" r:id="rId7"/>
+    <p:sldId id="546" r:id="rId8"/>
+    <p:sldId id="547" r:id="rId9"/>
+    <p:sldId id="559" r:id="rId10"/>
+    <p:sldId id="588" r:id="rId11"/>
+    <p:sldId id="569" r:id="rId12"/>
+    <p:sldId id="549" r:id="rId13"/>
+    <p:sldId id="550" r:id="rId14"/>
+    <p:sldId id="556" r:id="rId15"/>
+    <p:sldId id="551" r:id="rId16"/>
+    <p:sldId id="553" r:id="rId17"/>
+    <p:sldId id="552" r:id="rId18"/>
+    <p:sldId id="554" r:id="rId19"/>
+    <p:sldId id="557" r:id="rId20"/>
+    <p:sldId id="555" r:id="rId21"/>
+    <p:sldId id="560" r:id="rId22"/>
+    <p:sldId id="561" r:id="rId23"/>
+    <p:sldId id="563" r:id="rId24"/>
+    <p:sldId id="564" r:id="rId25"/>
+    <p:sldId id="565" r:id="rId26"/>
+    <p:sldId id="566" r:id="rId27"/>
+    <p:sldId id="567" r:id="rId28"/>
+    <p:sldId id="568" r:id="rId29"/>
+    <p:sldId id="558" r:id="rId30"/>
   </p:sldIdLst>
   <p:sldSz cx="9144000" cy="6858000" type="screen4x3"/>
   <p:notesSz cx="6858000" cy="9144000"/>
@@ -135,7 +135,27 @@
       </a:defRPr>
     </a:lvl9pPr>
   </p:defaultTextStyle>
+  <p:extLst>
+    <p:ext uri="{EFAFB233-063F-42B5-8137-9DF3F51BA10A}">
+      <p15:sldGuideLst xmlns:p15="http://schemas.microsoft.com/office/powerpoint/2012/main">
+        <p15:guide id="1" orient="horz" pos="2160">
+          <p15:clr>
+            <a:srgbClr val="A4A3A4"/>
+          </p15:clr>
+        </p15:guide>
+        <p15:guide id="2" pos="2880">
+          <p15:clr>
+            <a:srgbClr val="A4A3A4"/>
+          </p15:clr>
+        </p15:guide>
+      </p15:sldGuideLst>
+    </p:ext>
+  </p:extLst>
 </p:presentation>
+</file>
+
+<file path=ppt/revisionInfo.xml><?xml version="1.0" encoding="utf-8"?>
+<p1510:revInfo xmlns:a="http://schemas.openxmlformats.org/drawingml/2006/main" xmlns:r="http://schemas.openxmlformats.org/officeDocument/2006/relationships" xmlns:p1510="http://schemas.microsoft.com/office/powerpoint/2015/10/main"/>
 </file>
 
 <file path=ppt/notesMasters/notesMaster1.xml><?xml version="1.0" encoding="utf-8"?>
@@ -224,6 +244,7 @@
           <a:p>
             <a:fld id="{33B6808E-BC7B-4482-9902-0856725DA3D1}" type="datetimeFigureOut">
               <a:rPr lang="zh-CN" altLang="en-US" smtClean="0"/>
+              <a:t>2017/8/19</a:t>
             </a:fld>
             <a:endParaRPr lang="zh-CN" altLang="en-US" dirty="0"/>
           </a:p>
@@ -289,42 +310,37 @@
           <a:p>
             <a:pPr lvl="0"/>
             <a:r>
-              <a:rPr lang="zh-CN" altLang="en-US" dirty="0" smtClean="0"/>
+              <a:rPr lang="zh-CN" altLang="en-US" dirty="0"/>
               <a:t>单击此处编辑母版文本样式</a:t>
             </a:r>
-            <a:endParaRPr lang="zh-CN" altLang="en-US" dirty="0" smtClean="0"/>
           </a:p>
           <a:p>
             <a:pPr lvl="1"/>
             <a:r>
-              <a:rPr lang="zh-CN" altLang="en-US" dirty="0" smtClean="0"/>
+              <a:rPr lang="zh-CN" altLang="en-US" dirty="0"/>
               <a:t>第二级</a:t>
             </a:r>
-            <a:endParaRPr lang="zh-CN" altLang="en-US" dirty="0" smtClean="0"/>
           </a:p>
           <a:p>
             <a:pPr lvl="2"/>
             <a:r>
-              <a:rPr lang="zh-CN" altLang="en-US" dirty="0" smtClean="0"/>
+              <a:rPr lang="zh-CN" altLang="en-US" dirty="0"/>
               <a:t>第三级</a:t>
             </a:r>
-            <a:endParaRPr lang="zh-CN" altLang="en-US" dirty="0" smtClean="0"/>
           </a:p>
           <a:p>
             <a:pPr lvl="3"/>
             <a:r>
-              <a:rPr lang="zh-CN" altLang="en-US" dirty="0" smtClean="0"/>
+              <a:rPr lang="zh-CN" altLang="en-US" dirty="0"/>
               <a:t>第四级</a:t>
             </a:r>
-            <a:endParaRPr lang="zh-CN" altLang="en-US" dirty="0" smtClean="0"/>
           </a:p>
           <a:p>
             <a:pPr lvl="4"/>
             <a:r>
-              <a:rPr lang="zh-CN" altLang="en-US" dirty="0" smtClean="0"/>
+              <a:rPr lang="zh-CN" altLang="en-US" dirty="0"/>
               <a:t>第五级</a:t>
             </a:r>
-            <a:endParaRPr lang="zh-CN" altLang="en-US" dirty="0"/>
           </a:p>
         </p:txBody>
       </p:sp>
@@ -392,6 +408,7 @@
           <a:p>
             <a:fld id="{FD140B6F-3FEA-4ABD-AEEC-54E41C3D422B}" type="slidenum">
               <a:rPr lang="zh-CN" altLang="en-US" smtClean="0"/>
+              <a:t>‹#›</a:t>
             </a:fld>
             <a:endParaRPr lang="zh-CN" altLang="en-US" dirty="0"/>
           </a:p>
@@ -560,6 +577,7 @@
           <a:p>
             <a:fld id="{FD140B6F-3FEA-4ABD-AEEC-54E41C3D422B}" type="slidenum">
               <a:rPr lang="zh-CN" altLang="en-US" smtClean="0"/>
+              <a:t>1</a:t>
             </a:fld>
             <a:endParaRPr lang="zh-CN" altLang="en-US"/>
           </a:p>
@@ -620,18 +638,18 @@
           <a:lstStyle/>
           <a:p>
             <a:r>
-              <a:rPr lang="zh-CN" altLang="en-US" dirty="0" smtClean="0"/>
+              <a:rPr lang="zh-CN" altLang="en-US" dirty="0"/>
               <a:t>效果图做好是一幅完整的图片，不可能把这一整张的图片都用在网页里。</a:t>
             </a:r>
-            <a:endParaRPr lang="en-US" altLang="zh-CN" dirty="0" smtClean="0"/>
-          </a:p>
-          <a:p>
-            <a:r>
-              <a:rPr lang="zh-CN" altLang="en-US" dirty="0" smtClean="0"/>
+            <a:endParaRPr lang="en-US" altLang="zh-CN" dirty="0"/>
+          </a:p>
+          <a:p>
+            <a:r>
+              <a:rPr lang="zh-CN" altLang="en-US" dirty="0"/>
               <a:t>把效果图中有用的部分剪切下来作为</a:t>
             </a:r>
             <a:r>
-              <a:rPr lang="zh-CN" altLang="en-US" sz="1200" u="none" strike="noStrike" kern="1200" dirty="0" smtClean="0">
+              <a:rPr lang="zh-CN" altLang="en-US" sz="1200" u="none" strike="noStrike" kern="1200" dirty="0">
                 <a:solidFill>
                   <a:schemeClr val="tx1"/>
                 </a:solidFill>
@@ -643,11 +661,11 @@
               <a:t>网页制作</a:t>
             </a:r>
             <a:r>
-              <a:rPr lang="zh-CN" altLang="en-US" dirty="0" smtClean="0"/>
+              <a:rPr lang="zh-CN" altLang="en-US" dirty="0"/>
               <a:t>时的素材，这个过程就是</a:t>
             </a:r>
             <a:r>
-              <a:rPr lang="zh-CN" altLang="en-US" sz="1200" u="none" strike="noStrike" kern="1200" dirty="0" smtClean="0">
+              <a:rPr lang="zh-CN" altLang="en-US" sz="1200" u="none" strike="noStrike" kern="1200" dirty="0">
                 <a:solidFill>
                   <a:schemeClr val="tx1"/>
                 </a:solidFill>
@@ -659,18 +677,18 @@
               <a:t>切图</a:t>
             </a:r>
             <a:r>
-              <a:rPr lang="zh-CN" altLang="en-US" dirty="0" smtClean="0"/>
+              <a:rPr lang="zh-CN" altLang="en-US" dirty="0"/>
               <a:t>。</a:t>
             </a:r>
-            <a:endParaRPr lang="en-US" altLang="zh-CN" dirty="0" smtClean="0"/>
-          </a:p>
-          <a:p>
-            <a:r>
-              <a:rPr lang="zh-CN" altLang="en-US" dirty="0" smtClean="0"/>
+            <a:endParaRPr lang="en-US" altLang="zh-CN" dirty="0"/>
+          </a:p>
+          <a:p>
+            <a:r>
+              <a:rPr lang="zh-CN" altLang="en-US" dirty="0"/>
               <a:t>（当然是用剪切、选择工具也可以，但是用</a:t>
             </a:r>
             <a:r>
-              <a:rPr lang="zh-CN" altLang="en-US" sz="1200" u="none" strike="noStrike" kern="1200" dirty="0" smtClean="0">
+              <a:rPr lang="zh-CN" altLang="en-US" sz="1200" u="none" strike="noStrike" kern="1200" dirty="0">
                 <a:solidFill>
                   <a:schemeClr val="tx1"/>
                 </a:solidFill>
@@ -682,13 +700,13 @@
               <a:t>切片工具</a:t>
             </a:r>
             <a:r>
-              <a:rPr lang="zh-CN" altLang="en-US" dirty="0" smtClean="0"/>
+              <a:rPr lang="zh-CN" altLang="en-US" dirty="0"/>
               <a:t>处理更精确。）</a:t>
             </a:r>
-            <a:endParaRPr lang="en-US" altLang="zh-CN" dirty="0" smtClean="0"/>
-          </a:p>
-          <a:p>
-            <a:endParaRPr lang="en-US" altLang="zh-CN" dirty="0" smtClean="0"/>
+            <a:endParaRPr lang="en-US" altLang="zh-CN" dirty="0"/>
+          </a:p>
+          <a:p>
+            <a:endParaRPr lang="en-US" altLang="zh-CN" dirty="0"/>
           </a:p>
           <a:p>
             <a:pPr marL="0" marR="0" indent="0" algn="l" defTabSz="914400" rtl="0" eaLnBrk="1" fontAlgn="auto" latinLnBrk="0" hangingPunct="1">
@@ -708,7 +726,7 @@
               <a:defRPr/>
             </a:pPr>
             <a:r>
-              <a:rPr lang="zh-CN" altLang="en-US" sz="1200" dirty="0" smtClean="0">
+              <a:rPr lang="zh-CN" altLang="en-US" sz="1200" dirty="0">
                 <a:solidFill>
                   <a:schemeClr val="tx2">
                     <a:lumMod val="60000"/>
@@ -721,7 +739,7 @@
               <a:t>大家经常看到的网页，并非单单是设计师的功劳，一般设计师出来的的设计稿还要经过单独的切图经由开发同学技术实现，切图作为设计师与开发者之间的桥梁，它的作用很关键，合适的切图、精准的位置可以最大限度的还原效果图的设计，精妙的切图更会有事半功倍的效果哦</a:t>
             </a:r>
             <a:r>
-              <a:rPr lang="en-US" altLang="zh-CN" sz="1200" dirty="0" smtClean="0">
+              <a:rPr lang="en-US" altLang="zh-CN" sz="1200" dirty="0">
                 <a:solidFill>
                   <a:schemeClr val="tx2">
                     <a:lumMod val="60000"/>
@@ -734,7 +752,7 @@
               <a:t>!</a:t>
             </a:r>
             <a:r>
-              <a:rPr lang="zh-CN" altLang="en-US" sz="1200" dirty="0" smtClean="0">
+              <a:rPr lang="zh-CN" altLang="en-US" sz="1200" dirty="0">
                 <a:solidFill>
                   <a:schemeClr val="tx2">
                     <a:lumMod val="60000"/>
@@ -746,7 +764,7 @@
               </a:rPr>
               <a:t>做为设计师也要多少了解这些，在与技术的交流中会有所帮助。</a:t>
             </a:r>
-            <a:endParaRPr lang="en-US" altLang="zh-CN" sz="1200" dirty="0" smtClean="0">
+            <a:endParaRPr lang="en-US" altLang="zh-CN" sz="1200" dirty="0">
               <a:solidFill>
                 <a:schemeClr val="tx2">
                   <a:lumMod val="60000"/>
@@ -779,6 +797,7 @@
           <a:p>
             <a:fld id="{FD140B6F-3FEA-4ABD-AEEC-54E41C3D422B}" type="slidenum">
               <a:rPr lang="zh-CN" altLang="en-US" smtClean="0"/>
+              <a:t>20</a:t>
             </a:fld>
             <a:endParaRPr lang="zh-CN" altLang="en-US" dirty="0"/>
           </a:p>
@@ -839,18 +858,18 @@
           <a:lstStyle/>
           <a:p>
             <a:r>
-              <a:rPr lang="zh-CN" altLang="en-US" dirty="0" smtClean="0"/>
+              <a:rPr lang="zh-CN" altLang="en-US" dirty="0"/>
               <a:t>效果图做好是一幅完整的图片，不可能把这一整张的图片都用在网页里。</a:t>
             </a:r>
-            <a:endParaRPr lang="en-US" altLang="zh-CN" dirty="0" smtClean="0"/>
-          </a:p>
-          <a:p>
-            <a:r>
-              <a:rPr lang="zh-CN" altLang="en-US" dirty="0" smtClean="0"/>
+            <a:endParaRPr lang="en-US" altLang="zh-CN" dirty="0"/>
+          </a:p>
+          <a:p>
+            <a:r>
+              <a:rPr lang="zh-CN" altLang="en-US" dirty="0"/>
               <a:t>把效果图中有用的部分剪切下来作为</a:t>
             </a:r>
             <a:r>
-              <a:rPr lang="zh-CN" altLang="en-US" sz="1200" u="none" strike="noStrike" kern="1200" dirty="0" smtClean="0">
+              <a:rPr lang="zh-CN" altLang="en-US" sz="1200" u="none" strike="noStrike" kern="1200" dirty="0">
                 <a:solidFill>
                   <a:schemeClr val="tx1"/>
                 </a:solidFill>
@@ -862,11 +881,11 @@
               <a:t>网页制作</a:t>
             </a:r>
             <a:r>
-              <a:rPr lang="zh-CN" altLang="en-US" dirty="0" smtClean="0"/>
+              <a:rPr lang="zh-CN" altLang="en-US" dirty="0"/>
               <a:t>时的素材，这个过程就是</a:t>
             </a:r>
             <a:r>
-              <a:rPr lang="zh-CN" altLang="en-US" sz="1200" u="none" strike="noStrike" kern="1200" dirty="0" smtClean="0">
+              <a:rPr lang="zh-CN" altLang="en-US" sz="1200" u="none" strike="noStrike" kern="1200" dirty="0">
                 <a:solidFill>
                   <a:schemeClr val="tx1"/>
                 </a:solidFill>
@@ -878,18 +897,18 @@
               <a:t>切图</a:t>
             </a:r>
             <a:r>
-              <a:rPr lang="zh-CN" altLang="en-US" dirty="0" smtClean="0"/>
+              <a:rPr lang="zh-CN" altLang="en-US" dirty="0"/>
               <a:t>。</a:t>
             </a:r>
-            <a:endParaRPr lang="en-US" altLang="zh-CN" dirty="0" smtClean="0"/>
-          </a:p>
-          <a:p>
-            <a:r>
-              <a:rPr lang="zh-CN" altLang="en-US" dirty="0" smtClean="0"/>
+            <a:endParaRPr lang="en-US" altLang="zh-CN" dirty="0"/>
+          </a:p>
+          <a:p>
+            <a:r>
+              <a:rPr lang="zh-CN" altLang="en-US" dirty="0"/>
               <a:t>（当然是用剪切、选择工具也可以，但是用</a:t>
             </a:r>
             <a:r>
-              <a:rPr lang="zh-CN" altLang="en-US" sz="1200" u="none" strike="noStrike" kern="1200" dirty="0" smtClean="0">
+              <a:rPr lang="zh-CN" altLang="en-US" sz="1200" u="none" strike="noStrike" kern="1200" dirty="0">
                 <a:solidFill>
                   <a:schemeClr val="tx1"/>
                 </a:solidFill>
@@ -901,13 +920,13 @@
               <a:t>切片工具</a:t>
             </a:r>
             <a:r>
-              <a:rPr lang="zh-CN" altLang="en-US" dirty="0" smtClean="0"/>
+              <a:rPr lang="zh-CN" altLang="en-US" dirty="0"/>
               <a:t>处理更精确。）</a:t>
             </a:r>
-            <a:endParaRPr lang="en-US" altLang="zh-CN" dirty="0" smtClean="0"/>
-          </a:p>
-          <a:p>
-            <a:endParaRPr lang="en-US" altLang="zh-CN" dirty="0" smtClean="0"/>
+            <a:endParaRPr lang="en-US" altLang="zh-CN" dirty="0"/>
+          </a:p>
+          <a:p>
+            <a:endParaRPr lang="en-US" altLang="zh-CN" dirty="0"/>
           </a:p>
           <a:p>
             <a:pPr marL="0" marR="0" indent="0" algn="l" defTabSz="914400" rtl="0" eaLnBrk="1" fontAlgn="auto" latinLnBrk="0" hangingPunct="1">
@@ -927,7 +946,7 @@
               <a:defRPr/>
             </a:pPr>
             <a:r>
-              <a:rPr lang="zh-CN" altLang="en-US" sz="1200" dirty="0" smtClean="0">
+              <a:rPr lang="zh-CN" altLang="en-US" sz="1200" dirty="0">
                 <a:solidFill>
                   <a:schemeClr val="tx2">
                     <a:lumMod val="60000"/>
@@ -940,7 +959,7 @@
               <a:t>大家经常看到的网页，并非单单是设计师的功劳，一般设计师出来的的设计稿还要经过单独的切图经由开发同学技术实现，切图作为设计师与开发者之间的桥梁，它的作用很关键，合适的切图、精准的位置可以最大限度的还原效果图的设计，精妙的切图更会有事半功倍的效果哦</a:t>
             </a:r>
             <a:r>
-              <a:rPr lang="en-US" altLang="zh-CN" sz="1200" dirty="0" smtClean="0">
+              <a:rPr lang="en-US" altLang="zh-CN" sz="1200" dirty="0">
                 <a:solidFill>
                   <a:schemeClr val="tx2">
                     <a:lumMod val="60000"/>
@@ -953,7 +972,7 @@
               <a:t>!</a:t>
             </a:r>
             <a:r>
-              <a:rPr lang="zh-CN" altLang="en-US" sz="1200" dirty="0" smtClean="0">
+              <a:rPr lang="zh-CN" altLang="en-US" sz="1200" dirty="0">
                 <a:solidFill>
                   <a:schemeClr val="tx2">
                     <a:lumMod val="60000"/>
@@ -965,7 +984,7 @@
               </a:rPr>
               <a:t>做为设计师也要多少了解这些，在与技术的交流中会有所帮助。</a:t>
             </a:r>
-            <a:endParaRPr lang="en-US" altLang="zh-CN" sz="1200" dirty="0" smtClean="0">
+            <a:endParaRPr lang="en-US" altLang="zh-CN" sz="1200" dirty="0">
               <a:solidFill>
                 <a:schemeClr val="tx2">
                   <a:lumMod val="60000"/>
@@ -998,6 +1017,7 @@
           <a:p>
             <a:fld id="{FD140B6F-3FEA-4ABD-AEEC-54E41C3D422B}" type="slidenum">
               <a:rPr lang="zh-CN" altLang="en-US" smtClean="0"/>
+              <a:t>21</a:t>
             </a:fld>
             <a:endParaRPr lang="zh-CN" altLang="en-US" dirty="0"/>
           </a:p>
@@ -1058,18 +1078,18 @@
           <a:lstStyle/>
           <a:p>
             <a:r>
-              <a:rPr lang="zh-CN" altLang="en-US" dirty="0" smtClean="0"/>
+              <a:rPr lang="zh-CN" altLang="en-US" dirty="0"/>
               <a:t>效果图做好是一幅完整的图片，不可能把这一整张的图片都用在网页里。</a:t>
             </a:r>
-            <a:endParaRPr lang="en-US" altLang="zh-CN" dirty="0" smtClean="0"/>
-          </a:p>
-          <a:p>
-            <a:r>
-              <a:rPr lang="zh-CN" altLang="en-US" dirty="0" smtClean="0"/>
+            <a:endParaRPr lang="en-US" altLang="zh-CN" dirty="0"/>
+          </a:p>
+          <a:p>
+            <a:r>
+              <a:rPr lang="zh-CN" altLang="en-US" dirty="0"/>
               <a:t>把效果图中有用的部分剪切下来作为</a:t>
             </a:r>
             <a:r>
-              <a:rPr lang="zh-CN" altLang="en-US" sz="1200" u="none" strike="noStrike" kern="1200" dirty="0" smtClean="0">
+              <a:rPr lang="zh-CN" altLang="en-US" sz="1200" u="none" strike="noStrike" kern="1200" dirty="0">
                 <a:solidFill>
                   <a:schemeClr val="tx1"/>
                 </a:solidFill>
@@ -1081,11 +1101,11 @@
               <a:t>网页制作</a:t>
             </a:r>
             <a:r>
-              <a:rPr lang="zh-CN" altLang="en-US" dirty="0" smtClean="0"/>
+              <a:rPr lang="zh-CN" altLang="en-US" dirty="0"/>
               <a:t>时的素材，这个过程就是</a:t>
             </a:r>
             <a:r>
-              <a:rPr lang="zh-CN" altLang="en-US" sz="1200" u="none" strike="noStrike" kern="1200" dirty="0" smtClean="0">
+              <a:rPr lang="zh-CN" altLang="en-US" sz="1200" u="none" strike="noStrike" kern="1200" dirty="0">
                 <a:solidFill>
                   <a:schemeClr val="tx1"/>
                 </a:solidFill>
@@ -1097,18 +1117,18 @@
               <a:t>切图</a:t>
             </a:r>
             <a:r>
-              <a:rPr lang="zh-CN" altLang="en-US" dirty="0" smtClean="0"/>
+              <a:rPr lang="zh-CN" altLang="en-US" dirty="0"/>
               <a:t>。</a:t>
             </a:r>
-            <a:endParaRPr lang="en-US" altLang="zh-CN" dirty="0" smtClean="0"/>
-          </a:p>
-          <a:p>
-            <a:r>
-              <a:rPr lang="zh-CN" altLang="en-US" dirty="0" smtClean="0"/>
+            <a:endParaRPr lang="en-US" altLang="zh-CN" dirty="0"/>
+          </a:p>
+          <a:p>
+            <a:r>
+              <a:rPr lang="zh-CN" altLang="en-US" dirty="0"/>
               <a:t>（当然是用剪切、选择工具也可以，但是用</a:t>
             </a:r>
             <a:r>
-              <a:rPr lang="zh-CN" altLang="en-US" sz="1200" u="none" strike="noStrike" kern="1200" dirty="0" smtClean="0">
+              <a:rPr lang="zh-CN" altLang="en-US" sz="1200" u="none" strike="noStrike" kern="1200" dirty="0">
                 <a:solidFill>
                   <a:schemeClr val="tx1"/>
                 </a:solidFill>
@@ -1120,13 +1140,13 @@
               <a:t>切片工具</a:t>
             </a:r>
             <a:r>
-              <a:rPr lang="zh-CN" altLang="en-US" dirty="0" smtClean="0"/>
+              <a:rPr lang="zh-CN" altLang="en-US" dirty="0"/>
               <a:t>处理更精确。）</a:t>
             </a:r>
-            <a:endParaRPr lang="en-US" altLang="zh-CN" dirty="0" smtClean="0"/>
-          </a:p>
-          <a:p>
-            <a:endParaRPr lang="en-US" altLang="zh-CN" dirty="0" smtClean="0"/>
+            <a:endParaRPr lang="en-US" altLang="zh-CN" dirty="0"/>
+          </a:p>
+          <a:p>
+            <a:endParaRPr lang="en-US" altLang="zh-CN" dirty="0"/>
           </a:p>
           <a:p>
             <a:pPr marL="0" marR="0" indent="0" algn="l" defTabSz="914400" rtl="0" eaLnBrk="1" fontAlgn="auto" latinLnBrk="0" hangingPunct="1">
@@ -1146,7 +1166,7 @@
               <a:defRPr/>
             </a:pPr>
             <a:r>
-              <a:rPr lang="zh-CN" altLang="en-US" sz="1200" dirty="0" smtClean="0">
+              <a:rPr lang="zh-CN" altLang="en-US" sz="1200" dirty="0">
                 <a:solidFill>
                   <a:schemeClr val="tx2">
                     <a:lumMod val="60000"/>
@@ -1159,7 +1179,7 @@
               <a:t>大家经常看到的网页，并非单单是设计师的功劳，一般设计师出来的的设计稿还要经过单独的切图经由开发同学技术实现，切图作为设计师与开发者之间的桥梁，它的作用很关键，合适的切图、精准的位置可以最大限度的还原效果图的设计，精妙的切图更会有事半功倍的效果哦</a:t>
             </a:r>
             <a:r>
-              <a:rPr lang="en-US" altLang="zh-CN" sz="1200" dirty="0" smtClean="0">
+              <a:rPr lang="en-US" altLang="zh-CN" sz="1200" dirty="0">
                 <a:solidFill>
                   <a:schemeClr val="tx2">
                     <a:lumMod val="60000"/>
@@ -1172,7 +1192,7 @@
               <a:t>!</a:t>
             </a:r>
             <a:r>
-              <a:rPr lang="zh-CN" altLang="en-US" sz="1200" dirty="0" smtClean="0">
+              <a:rPr lang="zh-CN" altLang="en-US" sz="1200" dirty="0">
                 <a:solidFill>
                   <a:schemeClr val="tx2">
                     <a:lumMod val="60000"/>
@@ -1184,7 +1204,7 @@
               </a:rPr>
               <a:t>做为设计师也要多少了解这些，在与技术的交流中会有所帮助。</a:t>
             </a:r>
-            <a:endParaRPr lang="en-US" altLang="zh-CN" sz="1200" dirty="0" smtClean="0">
+            <a:endParaRPr lang="en-US" altLang="zh-CN" sz="1200" dirty="0">
               <a:solidFill>
                 <a:schemeClr val="tx2">
                   <a:lumMod val="60000"/>
@@ -1217,6 +1237,7 @@
           <a:p>
             <a:fld id="{FD140B6F-3FEA-4ABD-AEEC-54E41C3D422B}" type="slidenum">
               <a:rPr lang="zh-CN" altLang="en-US" smtClean="0"/>
+              <a:t>23</a:t>
             </a:fld>
             <a:endParaRPr lang="zh-CN" altLang="en-US" dirty="0"/>
           </a:p>
@@ -1277,18 +1298,18 @@
           <a:lstStyle/>
           <a:p>
             <a:r>
-              <a:rPr lang="zh-CN" altLang="en-US" dirty="0" smtClean="0"/>
+              <a:rPr lang="zh-CN" altLang="en-US" dirty="0"/>
               <a:t>效果图做好是一幅完整的图片，不可能把这一整张的图片都用在网页里。</a:t>
             </a:r>
-            <a:endParaRPr lang="en-US" altLang="zh-CN" dirty="0" smtClean="0"/>
-          </a:p>
-          <a:p>
-            <a:r>
-              <a:rPr lang="zh-CN" altLang="en-US" dirty="0" smtClean="0"/>
+            <a:endParaRPr lang="en-US" altLang="zh-CN" dirty="0"/>
+          </a:p>
+          <a:p>
+            <a:r>
+              <a:rPr lang="zh-CN" altLang="en-US" dirty="0"/>
               <a:t>把效果图中有用的部分剪切下来作为</a:t>
             </a:r>
             <a:r>
-              <a:rPr lang="zh-CN" altLang="en-US" sz="1200" u="none" strike="noStrike" kern="1200" dirty="0" smtClean="0">
+              <a:rPr lang="zh-CN" altLang="en-US" sz="1200" u="none" strike="noStrike" kern="1200" dirty="0">
                 <a:solidFill>
                   <a:schemeClr val="tx1"/>
                 </a:solidFill>
@@ -1300,11 +1321,11 @@
               <a:t>网页制作</a:t>
             </a:r>
             <a:r>
-              <a:rPr lang="zh-CN" altLang="en-US" dirty="0" smtClean="0"/>
+              <a:rPr lang="zh-CN" altLang="en-US" dirty="0"/>
               <a:t>时的素材，这个过程就是</a:t>
             </a:r>
             <a:r>
-              <a:rPr lang="zh-CN" altLang="en-US" sz="1200" u="none" strike="noStrike" kern="1200" dirty="0" smtClean="0">
+              <a:rPr lang="zh-CN" altLang="en-US" sz="1200" u="none" strike="noStrike" kern="1200" dirty="0">
                 <a:solidFill>
                   <a:schemeClr val="tx1"/>
                 </a:solidFill>
@@ -1316,18 +1337,18 @@
               <a:t>切图</a:t>
             </a:r>
             <a:r>
-              <a:rPr lang="zh-CN" altLang="en-US" dirty="0" smtClean="0"/>
+              <a:rPr lang="zh-CN" altLang="en-US" dirty="0"/>
               <a:t>。</a:t>
             </a:r>
-            <a:endParaRPr lang="en-US" altLang="zh-CN" dirty="0" smtClean="0"/>
-          </a:p>
-          <a:p>
-            <a:r>
-              <a:rPr lang="zh-CN" altLang="en-US" dirty="0" smtClean="0"/>
+            <a:endParaRPr lang="en-US" altLang="zh-CN" dirty="0"/>
+          </a:p>
+          <a:p>
+            <a:r>
+              <a:rPr lang="zh-CN" altLang="en-US" dirty="0"/>
               <a:t>（当然是用剪切、选择工具也可以，但是用</a:t>
             </a:r>
             <a:r>
-              <a:rPr lang="zh-CN" altLang="en-US" sz="1200" u="none" strike="noStrike" kern="1200" dirty="0" smtClean="0">
+              <a:rPr lang="zh-CN" altLang="en-US" sz="1200" u="none" strike="noStrike" kern="1200" dirty="0">
                 <a:solidFill>
                   <a:schemeClr val="tx1"/>
                 </a:solidFill>
@@ -1339,13 +1360,13 @@
               <a:t>切片工具</a:t>
             </a:r>
             <a:r>
-              <a:rPr lang="zh-CN" altLang="en-US" dirty="0" smtClean="0"/>
+              <a:rPr lang="zh-CN" altLang="en-US" dirty="0"/>
               <a:t>处理更精确。）</a:t>
             </a:r>
-            <a:endParaRPr lang="en-US" altLang="zh-CN" dirty="0" smtClean="0"/>
-          </a:p>
-          <a:p>
-            <a:endParaRPr lang="en-US" altLang="zh-CN" dirty="0" smtClean="0"/>
+            <a:endParaRPr lang="en-US" altLang="zh-CN" dirty="0"/>
+          </a:p>
+          <a:p>
+            <a:endParaRPr lang="en-US" altLang="zh-CN" dirty="0"/>
           </a:p>
           <a:p>
             <a:pPr marL="0" marR="0" indent="0" algn="l" defTabSz="914400" rtl="0" eaLnBrk="1" fontAlgn="auto" latinLnBrk="0" hangingPunct="1">
@@ -1365,7 +1386,7 @@
               <a:defRPr/>
             </a:pPr>
             <a:r>
-              <a:rPr lang="zh-CN" altLang="en-US" sz="1200" dirty="0" smtClean="0">
+              <a:rPr lang="zh-CN" altLang="en-US" sz="1200" dirty="0">
                 <a:solidFill>
                   <a:schemeClr val="tx2">
                     <a:lumMod val="60000"/>
@@ -1378,7 +1399,7 @@
               <a:t>大家经常看到的网页，并非单单是设计师的功劳，一般设计师出来的的设计稿还要经过单独的切图经由开发同学技术实现，切图作为设计师与开发者之间的桥梁，它的作用很关键，合适的切图、精准的位置可以最大限度的还原效果图的设计，精妙的切图更会有事半功倍的效果哦</a:t>
             </a:r>
             <a:r>
-              <a:rPr lang="en-US" altLang="zh-CN" sz="1200" dirty="0" smtClean="0">
+              <a:rPr lang="en-US" altLang="zh-CN" sz="1200" dirty="0">
                 <a:solidFill>
                   <a:schemeClr val="tx2">
                     <a:lumMod val="60000"/>
@@ -1391,7 +1412,7 @@
               <a:t>!</a:t>
             </a:r>
             <a:r>
-              <a:rPr lang="zh-CN" altLang="en-US" sz="1200" dirty="0" smtClean="0">
+              <a:rPr lang="zh-CN" altLang="en-US" sz="1200" dirty="0">
                 <a:solidFill>
                   <a:schemeClr val="tx2">
                     <a:lumMod val="60000"/>
@@ -1403,7 +1424,7 @@
               </a:rPr>
               <a:t>做为设计师也要多少了解这些，在与技术的交流中会有所帮助。</a:t>
             </a:r>
-            <a:endParaRPr lang="en-US" altLang="zh-CN" sz="1200" dirty="0" smtClean="0">
+            <a:endParaRPr lang="en-US" altLang="zh-CN" sz="1200" dirty="0">
               <a:solidFill>
                 <a:schemeClr val="tx2">
                   <a:lumMod val="60000"/>
@@ -1436,6 +1457,7 @@
           <a:p>
             <a:fld id="{FD140B6F-3FEA-4ABD-AEEC-54E41C3D422B}" type="slidenum">
               <a:rPr lang="zh-CN" altLang="en-US" smtClean="0"/>
+              <a:t>24</a:t>
             </a:fld>
             <a:endParaRPr lang="zh-CN" altLang="en-US" dirty="0"/>
           </a:p>
@@ -1496,18 +1518,18 @@
           <a:lstStyle/>
           <a:p>
             <a:r>
-              <a:rPr lang="zh-CN" altLang="en-US" dirty="0" smtClean="0"/>
+              <a:rPr lang="zh-CN" altLang="en-US" dirty="0"/>
               <a:t>效果图做好是一幅完整的图片，不可能把这一整张的图片都用在网页里。</a:t>
             </a:r>
-            <a:endParaRPr lang="en-US" altLang="zh-CN" dirty="0" smtClean="0"/>
-          </a:p>
-          <a:p>
-            <a:r>
-              <a:rPr lang="zh-CN" altLang="en-US" dirty="0" smtClean="0"/>
+            <a:endParaRPr lang="en-US" altLang="zh-CN" dirty="0"/>
+          </a:p>
+          <a:p>
+            <a:r>
+              <a:rPr lang="zh-CN" altLang="en-US" dirty="0"/>
               <a:t>把效果图中有用的部分剪切下来作为</a:t>
             </a:r>
             <a:r>
-              <a:rPr lang="zh-CN" altLang="en-US" sz="1200" u="none" strike="noStrike" kern="1200" dirty="0" smtClean="0">
+              <a:rPr lang="zh-CN" altLang="en-US" sz="1200" u="none" strike="noStrike" kern="1200" dirty="0">
                 <a:solidFill>
                   <a:schemeClr val="tx1"/>
                 </a:solidFill>
@@ -1519,11 +1541,11 @@
               <a:t>网页制作</a:t>
             </a:r>
             <a:r>
-              <a:rPr lang="zh-CN" altLang="en-US" dirty="0" smtClean="0"/>
+              <a:rPr lang="zh-CN" altLang="en-US" dirty="0"/>
               <a:t>时的素材，这个过程就是</a:t>
             </a:r>
             <a:r>
-              <a:rPr lang="zh-CN" altLang="en-US" sz="1200" u="none" strike="noStrike" kern="1200" dirty="0" smtClean="0">
+              <a:rPr lang="zh-CN" altLang="en-US" sz="1200" u="none" strike="noStrike" kern="1200" dirty="0">
                 <a:solidFill>
                   <a:schemeClr val="tx1"/>
                 </a:solidFill>
@@ -1535,18 +1557,18 @@
               <a:t>切图</a:t>
             </a:r>
             <a:r>
-              <a:rPr lang="zh-CN" altLang="en-US" dirty="0" smtClean="0"/>
+              <a:rPr lang="zh-CN" altLang="en-US" dirty="0"/>
               <a:t>。</a:t>
             </a:r>
-            <a:endParaRPr lang="en-US" altLang="zh-CN" dirty="0" smtClean="0"/>
-          </a:p>
-          <a:p>
-            <a:r>
-              <a:rPr lang="zh-CN" altLang="en-US" dirty="0" smtClean="0"/>
+            <a:endParaRPr lang="en-US" altLang="zh-CN" dirty="0"/>
+          </a:p>
+          <a:p>
+            <a:r>
+              <a:rPr lang="zh-CN" altLang="en-US" dirty="0"/>
               <a:t>（当然是用剪切、选择工具也可以，但是用</a:t>
             </a:r>
             <a:r>
-              <a:rPr lang="zh-CN" altLang="en-US" sz="1200" u="none" strike="noStrike" kern="1200" dirty="0" smtClean="0">
+              <a:rPr lang="zh-CN" altLang="en-US" sz="1200" u="none" strike="noStrike" kern="1200" dirty="0">
                 <a:solidFill>
                   <a:schemeClr val="tx1"/>
                 </a:solidFill>
@@ -1558,13 +1580,13 @@
               <a:t>切片工具</a:t>
             </a:r>
             <a:r>
-              <a:rPr lang="zh-CN" altLang="en-US" dirty="0" smtClean="0"/>
+              <a:rPr lang="zh-CN" altLang="en-US" dirty="0"/>
               <a:t>处理更精确。）</a:t>
             </a:r>
-            <a:endParaRPr lang="en-US" altLang="zh-CN" dirty="0" smtClean="0"/>
-          </a:p>
-          <a:p>
-            <a:endParaRPr lang="en-US" altLang="zh-CN" dirty="0" smtClean="0"/>
+            <a:endParaRPr lang="en-US" altLang="zh-CN" dirty="0"/>
+          </a:p>
+          <a:p>
+            <a:endParaRPr lang="en-US" altLang="zh-CN" dirty="0"/>
           </a:p>
           <a:p>
             <a:pPr marL="0" marR="0" indent="0" algn="l" defTabSz="914400" rtl="0" eaLnBrk="1" fontAlgn="auto" latinLnBrk="0" hangingPunct="1">
@@ -1584,7 +1606,7 @@
               <a:defRPr/>
             </a:pPr>
             <a:r>
-              <a:rPr lang="zh-CN" altLang="en-US" sz="1200" dirty="0" smtClean="0">
+              <a:rPr lang="zh-CN" altLang="en-US" sz="1200" dirty="0">
                 <a:solidFill>
                   <a:schemeClr val="tx2">
                     <a:lumMod val="60000"/>
@@ -1597,7 +1619,7 @@
               <a:t>大家经常看到的网页，并非单单是设计师的功劳，一般设计师出来的的设计稿还要经过单独的切图经由开发同学技术实现，切图作为设计师与开发者之间的桥梁，它的作用很关键，合适的切图、精准的位置可以最大限度的还原效果图的设计，精妙的切图更会有事半功倍的效果哦</a:t>
             </a:r>
             <a:r>
-              <a:rPr lang="en-US" altLang="zh-CN" sz="1200" dirty="0" smtClean="0">
+              <a:rPr lang="en-US" altLang="zh-CN" sz="1200" dirty="0">
                 <a:solidFill>
                   <a:schemeClr val="tx2">
                     <a:lumMod val="60000"/>
@@ -1610,7 +1632,7 @@
               <a:t>!</a:t>
             </a:r>
             <a:r>
-              <a:rPr lang="zh-CN" altLang="en-US" sz="1200" dirty="0" smtClean="0">
+              <a:rPr lang="zh-CN" altLang="en-US" sz="1200" dirty="0">
                 <a:solidFill>
                   <a:schemeClr val="tx2">
                     <a:lumMod val="60000"/>
@@ -1622,7 +1644,7 @@
               </a:rPr>
               <a:t>做为设计师也要多少了解这些，在与技术的交流中会有所帮助。</a:t>
             </a:r>
-            <a:endParaRPr lang="en-US" altLang="zh-CN" sz="1200" dirty="0" smtClean="0">
+            <a:endParaRPr lang="en-US" altLang="zh-CN" sz="1200" dirty="0">
               <a:solidFill>
                 <a:schemeClr val="tx2">
                   <a:lumMod val="60000"/>
@@ -1655,6 +1677,7 @@
           <a:p>
             <a:fld id="{FD140B6F-3FEA-4ABD-AEEC-54E41C3D422B}" type="slidenum">
               <a:rPr lang="zh-CN" altLang="en-US" smtClean="0"/>
+              <a:t>25</a:t>
             </a:fld>
             <a:endParaRPr lang="zh-CN" altLang="en-US" dirty="0"/>
           </a:p>
@@ -1715,18 +1738,18 @@
           <a:lstStyle/>
           <a:p>
             <a:r>
-              <a:rPr lang="zh-CN" altLang="en-US" dirty="0" smtClean="0"/>
+              <a:rPr lang="zh-CN" altLang="en-US" dirty="0"/>
               <a:t>效果图做好是一幅完整的图片，不可能把这一整张的图片都用在网页里。</a:t>
             </a:r>
-            <a:endParaRPr lang="en-US" altLang="zh-CN" dirty="0" smtClean="0"/>
-          </a:p>
-          <a:p>
-            <a:r>
-              <a:rPr lang="zh-CN" altLang="en-US" dirty="0" smtClean="0"/>
+            <a:endParaRPr lang="en-US" altLang="zh-CN" dirty="0"/>
+          </a:p>
+          <a:p>
+            <a:r>
+              <a:rPr lang="zh-CN" altLang="en-US" dirty="0"/>
               <a:t>把效果图中有用的部分剪切下来作为</a:t>
             </a:r>
             <a:r>
-              <a:rPr lang="zh-CN" altLang="en-US" sz="1200" u="none" strike="noStrike" kern="1200" dirty="0" smtClean="0">
+              <a:rPr lang="zh-CN" altLang="en-US" sz="1200" u="none" strike="noStrike" kern="1200" dirty="0">
                 <a:solidFill>
                   <a:schemeClr val="tx1"/>
                 </a:solidFill>
@@ -1738,11 +1761,11 @@
               <a:t>网页制作</a:t>
             </a:r>
             <a:r>
-              <a:rPr lang="zh-CN" altLang="en-US" dirty="0" smtClean="0"/>
+              <a:rPr lang="zh-CN" altLang="en-US" dirty="0"/>
               <a:t>时的素材，这个过程就是</a:t>
             </a:r>
             <a:r>
-              <a:rPr lang="zh-CN" altLang="en-US" sz="1200" u="none" strike="noStrike" kern="1200" dirty="0" smtClean="0">
+              <a:rPr lang="zh-CN" altLang="en-US" sz="1200" u="none" strike="noStrike" kern="1200" dirty="0">
                 <a:solidFill>
                   <a:schemeClr val="tx1"/>
                 </a:solidFill>
@@ -1754,18 +1777,18 @@
               <a:t>切图</a:t>
             </a:r>
             <a:r>
-              <a:rPr lang="zh-CN" altLang="en-US" dirty="0" smtClean="0"/>
+              <a:rPr lang="zh-CN" altLang="en-US" dirty="0"/>
               <a:t>。</a:t>
             </a:r>
-            <a:endParaRPr lang="en-US" altLang="zh-CN" dirty="0" smtClean="0"/>
-          </a:p>
-          <a:p>
-            <a:r>
-              <a:rPr lang="zh-CN" altLang="en-US" dirty="0" smtClean="0"/>
+            <a:endParaRPr lang="en-US" altLang="zh-CN" dirty="0"/>
+          </a:p>
+          <a:p>
+            <a:r>
+              <a:rPr lang="zh-CN" altLang="en-US" dirty="0"/>
               <a:t>（当然是用剪切、选择工具也可以，但是用</a:t>
             </a:r>
             <a:r>
-              <a:rPr lang="zh-CN" altLang="en-US" sz="1200" u="none" strike="noStrike" kern="1200" dirty="0" smtClean="0">
+              <a:rPr lang="zh-CN" altLang="en-US" sz="1200" u="none" strike="noStrike" kern="1200" dirty="0">
                 <a:solidFill>
                   <a:schemeClr val="tx1"/>
                 </a:solidFill>
@@ -1777,13 +1800,13 @@
               <a:t>切片工具</a:t>
             </a:r>
             <a:r>
-              <a:rPr lang="zh-CN" altLang="en-US" dirty="0" smtClean="0"/>
+              <a:rPr lang="zh-CN" altLang="en-US" dirty="0"/>
               <a:t>处理更精确。）</a:t>
             </a:r>
-            <a:endParaRPr lang="en-US" altLang="zh-CN" dirty="0" smtClean="0"/>
-          </a:p>
-          <a:p>
-            <a:endParaRPr lang="en-US" altLang="zh-CN" dirty="0" smtClean="0"/>
+            <a:endParaRPr lang="en-US" altLang="zh-CN" dirty="0"/>
+          </a:p>
+          <a:p>
+            <a:endParaRPr lang="en-US" altLang="zh-CN" dirty="0"/>
           </a:p>
           <a:p>
             <a:pPr marL="0" marR="0" indent="0" algn="l" defTabSz="914400" rtl="0" eaLnBrk="1" fontAlgn="auto" latinLnBrk="0" hangingPunct="1">
@@ -1803,7 +1826,7 @@
               <a:defRPr/>
             </a:pPr>
             <a:r>
-              <a:rPr lang="zh-CN" altLang="en-US" sz="1200" dirty="0" smtClean="0">
+              <a:rPr lang="zh-CN" altLang="en-US" sz="1200" dirty="0">
                 <a:solidFill>
                   <a:schemeClr val="tx2">
                     <a:lumMod val="60000"/>
@@ -1816,7 +1839,7 @@
               <a:t>大家经常看到的网页，并非单单是设计师的功劳，一般设计师出来的的设计稿还要经过单独的切图经由开发同学技术实现，切图作为设计师与开发者之间的桥梁，它的作用很关键，合适的切图、精准的位置可以最大限度的还原效果图的设计，精妙的切图更会有事半功倍的效果哦</a:t>
             </a:r>
             <a:r>
-              <a:rPr lang="en-US" altLang="zh-CN" sz="1200" dirty="0" smtClean="0">
+              <a:rPr lang="en-US" altLang="zh-CN" sz="1200" dirty="0">
                 <a:solidFill>
                   <a:schemeClr val="tx2">
                     <a:lumMod val="60000"/>
@@ -1829,7 +1852,7 @@
               <a:t>!</a:t>
             </a:r>
             <a:r>
-              <a:rPr lang="zh-CN" altLang="en-US" sz="1200" dirty="0" smtClean="0">
+              <a:rPr lang="zh-CN" altLang="en-US" sz="1200" dirty="0">
                 <a:solidFill>
                   <a:schemeClr val="tx2">
                     <a:lumMod val="60000"/>
@@ -1841,7 +1864,7 @@
               </a:rPr>
               <a:t>做为设计师也要多少了解这些，在与技术的交流中会有所帮助。</a:t>
             </a:r>
-            <a:endParaRPr lang="en-US" altLang="zh-CN" sz="1200" dirty="0" smtClean="0">
+            <a:endParaRPr lang="en-US" altLang="zh-CN" sz="1200" dirty="0">
               <a:solidFill>
                 <a:schemeClr val="tx2">
                   <a:lumMod val="60000"/>
@@ -1874,6 +1897,7 @@
           <a:p>
             <a:fld id="{FD140B6F-3FEA-4ABD-AEEC-54E41C3D422B}" type="slidenum">
               <a:rPr lang="zh-CN" altLang="en-US" smtClean="0"/>
+              <a:t>26</a:t>
             </a:fld>
             <a:endParaRPr lang="zh-CN" altLang="en-US" dirty="0"/>
           </a:p>
@@ -1934,18 +1958,18 @@
           <a:lstStyle/>
           <a:p>
             <a:r>
-              <a:rPr lang="zh-CN" altLang="en-US" dirty="0" smtClean="0"/>
+              <a:rPr lang="zh-CN" altLang="en-US" dirty="0"/>
               <a:t>效果图做好是一幅完整的图片，不可能把这一整张的图片都用在网页里。</a:t>
             </a:r>
-            <a:endParaRPr lang="en-US" altLang="zh-CN" dirty="0" smtClean="0"/>
-          </a:p>
-          <a:p>
-            <a:r>
-              <a:rPr lang="zh-CN" altLang="en-US" dirty="0" smtClean="0"/>
+            <a:endParaRPr lang="en-US" altLang="zh-CN" dirty="0"/>
+          </a:p>
+          <a:p>
+            <a:r>
+              <a:rPr lang="zh-CN" altLang="en-US" dirty="0"/>
               <a:t>把效果图中有用的部分剪切下来作为</a:t>
             </a:r>
             <a:r>
-              <a:rPr lang="zh-CN" altLang="en-US" sz="1200" u="none" strike="noStrike" kern="1200" dirty="0" smtClean="0">
+              <a:rPr lang="zh-CN" altLang="en-US" sz="1200" u="none" strike="noStrike" kern="1200" dirty="0">
                 <a:solidFill>
                   <a:schemeClr val="tx1"/>
                 </a:solidFill>
@@ -1957,11 +1981,11 @@
               <a:t>网页制作</a:t>
             </a:r>
             <a:r>
-              <a:rPr lang="zh-CN" altLang="en-US" dirty="0" smtClean="0"/>
+              <a:rPr lang="zh-CN" altLang="en-US" dirty="0"/>
               <a:t>时的素材，这个过程就是</a:t>
             </a:r>
             <a:r>
-              <a:rPr lang="zh-CN" altLang="en-US" sz="1200" u="none" strike="noStrike" kern="1200" dirty="0" smtClean="0">
+              <a:rPr lang="zh-CN" altLang="en-US" sz="1200" u="none" strike="noStrike" kern="1200" dirty="0">
                 <a:solidFill>
                   <a:schemeClr val="tx1"/>
                 </a:solidFill>
@@ -1973,18 +1997,18 @@
               <a:t>切图</a:t>
             </a:r>
             <a:r>
-              <a:rPr lang="zh-CN" altLang="en-US" dirty="0" smtClean="0"/>
+              <a:rPr lang="zh-CN" altLang="en-US" dirty="0"/>
               <a:t>。</a:t>
             </a:r>
-            <a:endParaRPr lang="en-US" altLang="zh-CN" dirty="0" smtClean="0"/>
-          </a:p>
-          <a:p>
-            <a:r>
-              <a:rPr lang="zh-CN" altLang="en-US" dirty="0" smtClean="0"/>
+            <a:endParaRPr lang="en-US" altLang="zh-CN" dirty="0"/>
+          </a:p>
+          <a:p>
+            <a:r>
+              <a:rPr lang="zh-CN" altLang="en-US" dirty="0"/>
               <a:t>（当然是用剪切、选择工具也可以，但是用</a:t>
             </a:r>
             <a:r>
-              <a:rPr lang="zh-CN" altLang="en-US" sz="1200" u="none" strike="noStrike" kern="1200" dirty="0" smtClean="0">
+              <a:rPr lang="zh-CN" altLang="en-US" sz="1200" u="none" strike="noStrike" kern="1200" dirty="0">
                 <a:solidFill>
                   <a:schemeClr val="tx1"/>
                 </a:solidFill>
@@ -1996,13 +2020,13 @@
               <a:t>切片工具</a:t>
             </a:r>
             <a:r>
-              <a:rPr lang="zh-CN" altLang="en-US" dirty="0" smtClean="0"/>
+              <a:rPr lang="zh-CN" altLang="en-US" dirty="0"/>
               <a:t>处理更精确。）</a:t>
             </a:r>
-            <a:endParaRPr lang="en-US" altLang="zh-CN" dirty="0" smtClean="0"/>
-          </a:p>
-          <a:p>
-            <a:endParaRPr lang="en-US" altLang="zh-CN" dirty="0" smtClean="0"/>
+            <a:endParaRPr lang="en-US" altLang="zh-CN" dirty="0"/>
+          </a:p>
+          <a:p>
+            <a:endParaRPr lang="en-US" altLang="zh-CN" dirty="0"/>
           </a:p>
           <a:p>
             <a:pPr marL="0" marR="0" indent="0" algn="l" defTabSz="914400" rtl="0" eaLnBrk="1" fontAlgn="auto" latinLnBrk="0" hangingPunct="1">
@@ -2022,7 +2046,7 @@
               <a:defRPr/>
             </a:pPr>
             <a:r>
-              <a:rPr lang="zh-CN" altLang="en-US" sz="1200" dirty="0" smtClean="0">
+              <a:rPr lang="zh-CN" altLang="en-US" sz="1200" dirty="0">
                 <a:solidFill>
                   <a:schemeClr val="tx2">
                     <a:lumMod val="60000"/>
@@ -2035,7 +2059,7 @@
               <a:t>大家经常看到的网页，并非单单是设计师的功劳，一般设计师出来的的设计稿还要经过单独的切图经由开发同学技术实现，切图作为设计师与开发者之间的桥梁，它的作用很关键，合适的切图、精准的位置可以最大限度的还原效果图的设计，精妙的切图更会有事半功倍的效果哦</a:t>
             </a:r>
             <a:r>
-              <a:rPr lang="en-US" altLang="zh-CN" sz="1200" dirty="0" smtClean="0">
+              <a:rPr lang="en-US" altLang="zh-CN" sz="1200" dirty="0">
                 <a:solidFill>
                   <a:schemeClr val="tx2">
                     <a:lumMod val="60000"/>
@@ -2048,7 +2072,7 @@
               <a:t>!</a:t>
             </a:r>
             <a:r>
-              <a:rPr lang="zh-CN" altLang="en-US" sz="1200" dirty="0" smtClean="0">
+              <a:rPr lang="zh-CN" altLang="en-US" sz="1200" dirty="0">
                 <a:solidFill>
                   <a:schemeClr val="tx2">
                     <a:lumMod val="60000"/>
@@ -2060,7 +2084,7 @@
               </a:rPr>
               <a:t>做为设计师也要多少了解这些，在与技术的交流中会有所帮助。</a:t>
             </a:r>
-            <a:endParaRPr lang="en-US" altLang="zh-CN" sz="1200" dirty="0" smtClean="0">
+            <a:endParaRPr lang="en-US" altLang="zh-CN" sz="1200" dirty="0">
               <a:solidFill>
                 <a:schemeClr val="tx2">
                   <a:lumMod val="60000"/>
@@ -2093,6 +2117,7 @@
           <a:p>
             <a:fld id="{FD140B6F-3FEA-4ABD-AEEC-54E41C3D422B}" type="slidenum">
               <a:rPr lang="zh-CN" altLang="en-US" smtClean="0"/>
+              <a:t>27</a:t>
             </a:fld>
             <a:endParaRPr lang="zh-CN" altLang="en-US" dirty="0"/>
           </a:p>
@@ -2153,18 +2178,18 @@
           <a:lstStyle/>
           <a:p>
             <a:r>
-              <a:rPr lang="zh-CN" altLang="en-US" dirty="0" smtClean="0"/>
+              <a:rPr lang="zh-CN" altLang="en-US" dirty="0"/>
               <a:t>效果图做好是一幅完整的图片，不可能把这一整张的图片都用在网页里。</a:t>
             </a:r>
-            <a:endParaRPr lang="en-US" altLang="zh-CN" dirty="0" smtClean="0"/>
-          </a:p>
-          <a:p>
-            <a:r>
-              <a:rPr lang="zh-CN" altLang="en-US" dirty="0" smtClean="0"/>
+            <a:endParaRPr lang="en-US" altLang="zh-CN" dirty="0"/>
+          </a:p>
+          <a:p>
+            <a:r>
+              <a:rPr lang="zh-CN" altLang="en-US" dirty="0"/>
               <a:t>把效果图中有用的部分剪切下来作为</a:t>
             </a:r>
             <a:r>
-              <a:rPr lang="zh-CN" altLang="en-US" sz="1200" u="none" strike="noStrike" kern="1200" dirty="0" smtClean="0">
+              <a:rPr lang="zh-CN" altLang="en-US" sz="1200" u="none" strike="noStrike" kern="1200" dirty="0">
                 <a:solidFill>
                   <a:schemeClr val="tx1"/>
                 </a:solidFill>
@@ -2176,11 +2201,11 @@
               <a:t>网页制作</a:t>
             </a:r>
             <a:r>
-              <a:rPr lang="zh-CN" altLang="en-US" dirty="0" smtClean="0"/>
+              <a:rPr lang="zh-CN" altLang="en-US" dirty="0"/>
               <a:t>时的素材，这个过程就是</a:t>
             </a:r>
             <a:r>
-              <a:rPr lang="zh-CN" altLang="en-US" sz="1200" u="none" strike="noStrike" kern="1200" dirty="0" smtClean="0">
+              <a:rPr lang="zh-CN" altLang="en-US" sz="1200" u="none" strike="noStrike" kern="1200" dirty="0">
                 <a:solidFill>
                   <a:schemeClr val="tx1"/>
                 </a:solidFill>
@@ -2192,18 +2217,18 @@
               <a:t>切图</a:t>
             </a:r>
             <a:r>
-              <a:rPr lang="zh-CN" altLang="en-US" dirty="0" smtClean="0"/>
+              <a:rPr lang="zh-CN" altLang="en-US" dirty="0"/>
               <a:t>。</a:t>
             </a:r>
-            <a:endParaRPr lang="en-US" altLang="zh-CN" dirty="0" smtClean="0"/>
-          </a:p>
-          <a:p>
-            <a:r>
-              <a:rPr lang="zh-CN" altLang="en-US" dirty="0" smtClean="0"/>
+            <a:endParaRPr lang="en-US" altLang="zh-CN" dirty="0"/>
+          </a:p>
+          <a:p>
+            <a:r>
+              <a:rPr lang="zh-CN" altLang="en-US" dirty="0"/>
               <a:t>（当然是用剪切、选择工具也可以，但是用</a:t>
             </a:r>
             <a:r>
-              <a:rPr lang="zh-CN" altLang="en-US" sz="1200" u="none" strike="noStrike" kern="1200" dirty="0" smtClean="0">
+              <a:rPr lang="zh-CN" altLang="en-US" sz="1200" u="none" strike="noStrike" kern="1200" dirty="0">
                 <a:solidFill>
                   <a:schemeClr val="tx1"/>
                 </a:solidFill>
@@ -2215,13 +2240,13 @@
               <a:t>切片工具</a:t>
             </a:r>
             <a:r>
-              <a:rPr lang="zh-CN" altLang="en-US" dirty="0" smtClean="0"/>
+              <a:rPr lang="zh-CN" altLang="en-US" dirty="0"/>
               <a:t>处理更精确。）</a:t>
             </a:r>
-            <a:endParaRPr lang="en-US" altLang="zh-CN" dirty="0" smtClean="0"/>
-          </a:p>
-          <a:p>
-            <a:endParaRPr lang="en-US" altLang="zh-CN" dirty="0" smtClean="0"/>
+            <a:endParaRPr lang="en-US" altLang="zh-CN" dirty="0"/>
+          </a:p>
+          <a:p>
+            <a:endParaRPr lang="en-US" altLang="zh-CN" dirty="0"/>
           </a:p>
           <a:p>
             <a:pPr marL="0" marR="0" indent="0" algn="l" defTabSz="914400" rtl="0" eaLnBrk="1" fontAlgn="auto" latinLnBrk="0" hangingPunct="1">
@@ -2241,7 +2266,7 @@
               <a:defRPr/>
             </a:pPr>
             <a:r>
-              <a:rPr lang="zh-CN" altLang="en-US" sz="1200" dirty="0" smtClean="0">
+              <a:rPr lang="zh-CN" altLang="en-US" sz="1200" dirty="0">
                 <a:solidFill>
                   <a:schemeClr val="tx2">
                     <a:lumMod val="60000"/>
@@ -2254,7 +2279,7 @@
               <a:t>大家经常看到的网页，并非单单是设计师的功劳，一般设计师出来的的设计稿还要经过单独的切图经由开发同学技术实现，切图作为设计师与开发者之间的桥梁，它的作用很关键，合适的切图、精准的位置可以最大限度的还原效果图的设计，精妙的切图更会有事半功倍的效果哦</a:t>
             </a:r>
             <a:r>
-              <a:rPr lang="en-US" altLang="zh-CN" sz="1200" dirty="0" smtClean="0">
+              <a:rPr lang="en-US" altLang="zh-CN" sz="1200" dirty="0">
                 <a:solidFill>
                   <a:schemeClr val="tx2">
                     <a:lumMod val="60000"/>
@@ -2267,7 +2292,7 @@
               <a:t>!</a:t>
             </a:r>
             <a:r>
-              <a:rPr lang="zh-CN" altLang="en-US" sz="1200" dirty="0" smtClean="0">
+              <a:rPr lang="zh-CN" altLang="en-US" sz="1200" dirty="0">
                 <a:solidFill>
                   <a:schemeClr val="tx2">
                     <a:lumMod val="60000"/>
@@ -2279,7 +2304,7 @@
               </a:rPr>
               <a:t>做为设计师也要多少了解这些，在与技术的交流中会有所帮助。</a:t>
             </a:r>
-            <a:endParaRPr lang="en-US" altLang="zh-CN" sz="1200" dirty="0" smtClean="0">
+            <a:endParaRPr lang="en-US" altLang="zh-CN" sz="1200" dirty="0">
               <a:solidFill>
                 <a:schemeClr val="tx2">
                   <a:lumMod val="60000"/>
@@ -2312,6 +2337,7 @@
           <a:p>
             <a:fld id="{FD140B6F-3FEA-4ABD-AEEC-54E41C3D422B}" type="slidenum">
               <a:rPr lang="zh-CN" altLang="en-US" smtClean="0"/>
+              <a:t>28</a:t>
             </a:fld>
             <a:endParaRPr lang="zh-CN" altLang="en-US" dirty="0"/>
           </a:p>
@@ -2372,18 +2398,18 @@
           <a:lstStyle/>
           <a:p>
             <a:r>
-              <a:rPr lang="zh-CN" altLang="en-US" dirty="0" smtClean="0"/>
+              <a:rPr lang="zh-CN" altLang="en-US" dirty="0"/>
               <a:t>效果图做好是一幅完整的图片，不可能把这一整张的图片都用在网页里。</a:t>
             </a:r>
-            <a:endParaRPr lang="en-US" altLang="zh-CN" dirty="0" smtClean="0"/>
-          </a:p>
-          <a:p>
-            <a:r>
-              <a:rPr lang="zh-CN" altLang="en-US" dirty="0" smtClean="0"/>
+            <a:endParaRPr lang="en-US" altLang="zh-CN" dirty="0"/>
+          </a:p>
+          <a:p>
+            <a:r>
+              <a:rPr lang="zh-CN" altLang="en-US" dirty="0"/>
               <a:t>把效果图中有用的部分剪切下来作为</a:t>
             </a:r>
             <a:r>
-              <a:rPr lang="zh-CN" altLang="en-US" sz="1200" u="none" strike="noStrike" kern="1200" dirty="0" smtClean="0">
+              <a:rPr lang="zh-CN" altLang="en-US" sz="1200" u="none" strike="noStrike" kern="1200" dirty="0">
                 <a:solidFill>
                   <a:schemeClr val="tx1"/>
                 </a:solidFill>
@@ -2395,11 +2421,11 @@
               <a:t>网页制作</a:t>
             </a:r>
             <a:r>
-              <a:rPr lang="zh-CN" altLang="en-US" dirty="0" smtClean="0"/>
+              <a:rPr lang="zh-CN" altLang="en-US" dirty="0"/>
               <a:t>时的素材，这个过程就是</a:t>
             </a:r>
             <a:r>
-              <a:rPr lang="zh-CN" altLang="en-US" sz="1200" u="none" strike="noStrike" kern="1200" dirty="0" smtClean="0">
+              <a:rPr lang="zh-CN" altLang="en-US" sz="1200" u="none" strike="noStrike" kern="1200" dirty="0">
                 <a:solidFill>
                   <a:schemeClr val="tx1"/>
                 </a:solidFill>
@@ -2411,18 +2437,18 @@
               <a:t>切图</a:t>
             </a:r>
             <a:r>
-              <a:rPr lang="zh-CN" altLang="en-US" dirty="0" smtClean="0"/>
+              <a:rPr lang="zh-CN" altLang="en-US" dirty="0"/>
               <a:t>。</a:t>
             </a:r>
-            <a:endParaRPr lang="en-US" altLang="zh-CN" dirty="0" smtClean="0"/>
-          </a:p>
-          <a:p>
-            <a:r>
-              <a:rPr lang="zh-CN" altLang="en-US" dirty="0" smtClean="0"/>
+            <a:endParaRPr lang="en-US" altLang="zh-CN" dirty="0"/>
+          </a:p>
+          <a:p>
+            <a:r>
+              <a:rPr lang="zh-CN" altLang="en-US" dirty="0"/>
               <a:t>（当然是用剪切、选择工具也可以，但是用</a:t>
             </a:r>
             <a:r>
-              <a:rPr lang="zh-CN" altLang="en-US" sz="1200" u="none" strike="noStrike" kern="1200" dirty="0" smtClean="0">
+              <a:rPr lang="zh-CN" altLang="en-US" sz="1200" u="none" strike="noStrike" kern="1200" dirty="0">
                 <a:solidFill>
                   <a:schemeClr val="tx1"/>
                 </a:solidFill>
@@ -2434,13 +2460,13 @@
               <a:t>切片工具</a:t>
             </a:r>
             <a:r>
-              <a:rPr lang="zh-CN" altLang="en-US" dirty="0" smtClean="0"/>
+              <a:rPr lang="zh-CN" altLang="en-US" dirty="0"/>
               <a:t>处理更精确。）</a:t>
             </a:r>
-            <a:endParaRPr lang="en-US" altLang="zh-CN" dirty="0" smtClean="0"/>
-          </a:p>
-          <a:p>
-            <a:endParaRPr lang="en-US" altLang="zh-CN" dirty="0" smtClean="0"/>
+            <a:endParaRPr lang="en-US" altLang="zh-CN" dirty="0"/>
+          </a:p>
+          <a:p>
+            <a:endParaRPr lang="en-US" altLang="zh-CN" dirty="0"/>
           </a:p>
           <a:p>
             <a:pPr marL="0" marR="0" indent="0" algn="l" defTabSz="914400" rtl="0" eaLnBrk="1" fontAlgn="auto" latinLnBrk="0" hangingPunct="1">
@@ -2460,7 +2486,7 @@
               <a:defRPr/>
             </a:pPr>
             <a:r>
-              <a:rPr lang="zh-CN" altLang="en-US" sz="1200" dirty="0" smtClean="0">
+              <a:rPr lang="zh-CN" altLang="en-US" sz="1200" dirty="0">
                 <a:solidFill>
                   <a:schemeClr val="tx2">
                     <a:lumMod val="60000"/>
@@ -2473,7 +2499,7 @@
               <a:t>大家经常看到的网页，并非单单是设计师的功劳，一般设计师出来的的设计稿还要经过单独的切图经由开发同学技术实现，切图作为设计师与开发者之间的桥梁，它的作用很关键，合适的切图、精准的位置可以最大限度的还原效果图的设计，精妙的切图更会有事半功倍的效果哦</a:t>
             </a:r>
             <a:r>
-              <a:rPr lang="en-US" altLang="zh-CN" sz="1200" dirty="0" smtClean="0">
+              <a:rPr lang="en-US" altLang="zh-CN" sz="1200" dirty="0">
                 <a:solidFill>
                   <a:schemeClr val="tx2">
                     <a:lumMod val="60000"/>
@@ -2486,7 +2512,7 @@
               <a:t>!</a:t>
             </a:r>
             <a:r>
-              <a:rPr lang="zh-CN" altLang="en-US" sz="1200" dirty="0" smtClean="0">
+              <a:rPr lang="zh-CN" altLang="en-US" sz="1200" dirty="0">
                 <a:solidFill>
                   <a:schemeClr val="tx2">
                     <a:lumMod val="60000"/>
@@ -2498,7 +2524,7 @@
               </a:rPr>
               <a:t>做为设计师也要多少了解这些，在与技术的交流中会有所帮助。</a:t>
             </a:r>
-            <a:endParaRPr lang="en-US" altLang="zh-CN" sz="1200" dirty="0" smtClean="0">
+            <a:endParaRPr lang="en-US" altLang="zh-CN" sz="1200" dirty="0">
               <a:solidFill>
                 <a:schemeClr val="tx2">
                   <a:lumMod val="60000"/>
@@ -2531,6 +2557,7 @@
           <a:p>
             <a:fld id="{FD140B6F-3FEA-4ABD-AEEC-54E41C3D422B}" type="slidenum">
               <a:rPr lang="zh-CN" altLang="en-US" smtClean="0"/>
+              <a:t>29</a:t>
             </a:fld>
             <a:endParaRPr lang="zh-CN" altLang="en-US" dirty="0"/>
           </a:p>
@@ -2591,18 +2618,18 @@
           <a:lstStyle/>
           <a:p>
             <a:r>
-              <a:rPr lang="zh-CN" altLang="en-US" dirty="0" smtClean="0"/>
+              <a:rPr lang="zh-CN" altLang="en-US" dirty="0"/>
               <a:t>效果图做好是一幅完整的图片，不可能把这一整张的图片都用在网页里。</a:t>
             </a:r>
-            <a:endParaRPr lang="en-US" altLang="zh-CN" dirty="0" smtClean="0"/>
-          </a:p>
-          <a:p>
-            <a:r>
-              <a:rPr lang="zh-CN" altLang="en-US" dirty="0" smtClean="0"/>
+            <a:endParaRPr lang="en-US" altLang="zh-CN" dirty="0"/>
+          </a:p>
+          <a:p>
+            <a:r>
+              <a:rPr lang="zh-CN" altLang="en-US" dirty="0"/>
               <a:t>把效果图中有用的部分剪切下来作为</a:t>
             </a:r>
             <a:r>
-              <a:rPr lang="zh-CN" altLang="en-US" sz="1200" u="none" strike="noStrike" kern="1200" dirty="0" smtClean="0">
+              <a:rPr lang="zh-CN" altLang="en-US" sz="1200" u="none" strike="noStrike" kern="1200" dirty="0">
                 <a:solidFill>
                   <a:schemeClr val="tx1"/>
                 </a:solidFill>
@@ -2614,11 +2641,11 @@
               <a:t>网页制作</a:t>
             </a:r>
             <a:r>
-              <a:rPr lang="zh-CN" altLang="en-US" dirty="0" smtClean="0"/>
+              <a:rPr lang="zh-CN" altLang="en-US" dirty="0"/>
               <a:t>时的素材，这个过程就是</a:t>
             </a:r>
             <a:r>
-              <a:rPr lang="zh-CN" altLang="en-US" sz="1200" u="none" strike="noStrike" kern="1200" dirty="0" smtClean="0">
+              <a:rPr lang="zh-CN" altLang="en-US" sz="1200" u="none" strike="noStrike" kern="1200" dirty="0">
                 <a:solidFill>
                   <a:schemeClr val="tx1"/>
                 </a:solidFill>
@@ -2630,18 +2657,18 @@
               <a:t>切图</a:t>
             </a:r>
             <a:r>
-              <a:rPr lang="zh-CN" altLang="en-US" dirty="0" smtClean="0"/>
+              <a:rPr lang="zh-CN" altLang="en-US" dirty="0"/>
               <a:t>。</a:t>
             </a:r>
-            <a:endParaRPr lang="en-US" altLang="zh-CN" dirty="0" smtClean="0"/>
-          </a:p>
-          <a:p>
-            <a:r>
-              <a:rPr lang="zh-CN" altLang="en-US" dirty="0" smtClean="0"/>
+            <a:endParaRPr lang="en-US" altLang="zh-CN" dirty="0"/>
+          </a:p>
+          <a:p>
+            <a:r>
+              <a:rPr lang="zh-CN" altLang="en-US" dirty="0"/>
               <a:t>（当然是用剪切、选择工具也可以，但是用</a:t>
             </a:r>
             <a:r>
-              <a:rPr lang="zh-CN" altLang="en-US" sz="1200" u="none" strike="noStrike" kern="1200" dirty="0" smtClean="0">
+              <a:rPr lang="zh-CN" altLang="en-US" sz="1200" u="none" strike="noStrike" kern="1200" dirty="0">
                 <a:solidFill>
                   <a:schemeClr val="tx1"/>
                 </a:solidFill>
@@ -2653,13 +2680,13 @@
               <a:t>切片工具</a:t>
             </a:r>
             <a:r>
-              <a:rPr lang="zh-CN" altLang="en-US" dirty="0" smtClean="0"/>
+              <a:rPr lang="zh-CN" altLang="en-US" dirty="0"/>
               <a:t>处理更精确。）</a:t>
             </a:r>
-            <a:endParaRPr lang="en-US" altLang="zh-CN" dirty="0" smtClean="0"/>
-          </a:p>
-          <a:p>
-            <a:endParaRPr lang="en-US" altLang="zh-CN" dirty="0" smtClean="0"/>
+            <a:endParaRPr lang="en-US" altLang="zh-CN" dirty="0"/>
+          </a:p>
+          <a:p>
+            <a:endParaRPr lang="en-US" altLang="zh-CN" dirty="0"/>
           </a:p>
           <a:p>
             <a:pPr marL="0" marR="0" indent="0" algn="l" defTabSz="914400" rtl="0" eaLnBrk="1" fontAlgn="auto" latinLnBrk="0" hangingPunct="1">
@@ -2679,7 +2706,7 @@
               <a:defRPr/>
             </a:pPr>
             <a:r>
-              <a:rPr lang="zh-CN" altLang="en-US" sz="1200" dirty="0" smtClean="0">
+              <a:rPr lang="zh-CN" altLang="en-US" sz="1200" dirty="0">
                 <a:solidFill>
                   <a:schemeClr val="tx2">
                     <a:lumMod val="60000"/>
@@ -2692,7 +2719,7 @@
               <a:t>大家经常看到的网页，并非单单是设计师的功劳，一般设计师出来的的设计稿还要经过单独的切图经由开发同学技术实现，切图作为设计师与开发者之间的桥梁，它的作用很关键，合适的切图、精准的位置可以最大限度的还原效果图的设计，精妙的切图更会有事半功倍的效果哦</a:t>
             </a:r>
             <a:r>
-              <a:rPr lang="en-US" altLang="zh-CN" sz="1200" dirty="0" smtClean="0">
+              <a:rPr lang="en-US" altLang="zh-CN" sz="1200" dirty="0">
                 <a:solidFill>
                   <a:schemeClr val="tx2">
                     <a:lumMod val="60000"/>
@@ -2705,7 +2732,7 @@
               <a:t>!</a:t>
             </a:r>
             <a:r>
-              <a:rPr lang="zh-CN" altLang="en-US" sz="1200" dirty="0" smtClean="0">
+              <a:rPr lang="zh-CN" altLang="en-US" sz="1200" dirty="0">
                 <a:solidFill>
                   <a:schemeClr val="tx2">
                     <a:lumMod val="60000"/>
@@ -2717,7 +2744,7 @@
               </a:rPr>
               <a:t>做为设计师也要多少了解这些，在与技术的交流中会有所帮助。</a:t>
             </a:r>
-            <a:endParaRPr lang="en-US" altLang="zh-CN" sz="1200" dirty="0" smtClean="0">
+            <a:endParaRPr lang="en-US" altLang="zh-CN" sz="1200" dirty="0">
               <a:solidFill>
                 <a:schemeClr val="tx2">
                   <a:lumMod val="60000"/>
@@ -2750,6 +2777,7 @@
           <a:p>
             <a:fld id="{FD140B6F-3FEA-4ABD-AEEC-54E41C3D422B}" type="slidenum">
               <a:rPr lang="zh-CN" altLang="en-US" smtClean="0"/>
+              <a:t>5</a:t>
             </a:fld>
             <a:endParaRPr lang="zh-CN" altLang="en-US" dirty="0"/>
           </a:p>
@@ -2810,18 +2838,18 @@
           <a:lstStyle/>
           <a:p>
             <a:r>
-              <a:rPr lang="zh-CN" altLang="en-US" dirty="0" smtClean="0"/>
+              <a:rPr lang="zh-CN" altLang="en-US" dirty="0"/>
               <a:t>效果图做好是一幅完整的图片，不可能把这一整张的图片都用在网页里。</a:t>
             </a:r>
-            <a:endParaRPr lang="en-US" altLang="zh-CN" dirty="0" smtClean="0"/>
-          </a:p>
-          <a:p>
-            <a:r>
-              <a:rPr lang="zh-CN" altLang="en-US" dirty="0" smtClean="0"/>
+            <a:endParaRPr lang="en-US" altLang="zh-CN" dirty="0"/>
+          </a:p>
+          <a:p>
+            <a:r>
+              <a:rPr lang="zh-CN" altLang="en-US" dirty="0"/>
               <a:t>把效果图中有用的部分剪切下来作为</a:t>
             </a:r>
             <a:r>
-              <a:rPr lang="zh-CN" altLang="en-US" sz="1200" u="none" strike="noStrike" kern="1200" dirty="0" smtClean="0">
+              <a:rPr lang="zh-CN" altLang="en-US" sz="1200" u="none" strike="noStrike" kern="1200" dirty="0">
                 <a:solidFill>
                   <a:schemeClr val="tx1"/>
                 </a:solidFill>
@@ -2833,11 +2861,11 @@
               <a:t>网页制作</a:t>
             </a:r>
             <a:r>
-              <a:rPr lang="zh-CN" altLang="en-US" dirty="0" smtClean="0"/>
+              <a:rPr lang="zh-CN" altLang="en-US" dirty="0"/>
               <a:t>时的素材，这个过程就是</a:t>
             </a:r>
             <a:r>
-              <a:rPr lang="zh-CN" altLang="en-US" sz="1200" u="none" strike="noStrike" kern="1200" dirty="0" smtClean="0">
+              <a:rPr lang="zh-CN" altLang="en-US" sz="1200" u="none" strike="noStrike" kern="1200" dirty="0">
                 <a:solidFill>
                   <a:schemeClr val="tx1"/>
                 </a:solidFill>
@@ -2849,18 +2877,18 @@
               <a:t>切图</a:t>
             </a:r>
             <a:r>
-              <a:rPr lang="zh-CN" altLang="en-US" dirty="0" smtClean="0"/>
+              <a:rPr lang="zh-CN" altLang="en-US" dirty="0"/>
               <a:t>。</a:t>
             </a:r>
-            <a:endParaRPr lang="en-US" altLang="zh-CN" dirty="0" smtClean="0"/>
-          </a:p>
-          <a:p>
-            <a:r>
-              <a:rPr lang="zh-CN" altLang="en-US" dirty="0" smtClean="0"/>
+            <a:endParaRPr lang="en-US" altLang="zh-CN" dirty="0"/>
+          </a:p>
+          <a:p>
+            <a:r>
+              <a:rPr lang="zh-CN" altLang="en-US" dirty="0"/>
               <a:t>（当然是用剪切、选择工具也可以，但是用</a:t>
             </a:r>
             <a:r>
-              <a:rPr lang="zh-CN" altLang="en-US" sz="1200" u="none" strike="noStrike" kern="1200" dirty="0" smtClean="0">
+              <a:rPr lang="zh-CN" altLang="en-US" sz="1200" u="none" strike="noStrike" kern="1200" dirty="0">
                 <a:solidFill>
                   <a:schemeClr val="tx1"/>
                 </a:solidFill>
@@ -2872,13 +2900,13 @@
               <a:t>切片工具</a:t>
             </a:r>
             <a:r>
-              <a:rPr lang="zh-CN" altLang="en-US" dirty="0" smtClean="0"/>
+              <a:rPr lang="zh-CN" altLang="en-US" dirty="0"/>
               <a:t>处理更精确。）</a:t>
             </a:r>
-            <a:endParaRPr lang="en-US" altLang="zh-CN" dirty="0" smtClean="0"/>
-          </a:p>
-          <a:p>
-            <a:endParaRPr lang="en-US" altLang="zh-CN" dirty="0" smtClean="0"/>
+            <a:endParaRPr lang="en-US" altLang="zh-CN" dirty="0"/>
+          </a:p>
+          <a:p>
+            <a:endParaRPr lang="en-US" altLang="zh-CN" dirty="0"/>
           </a:p>
           <a:p>
             <a:pPr marL="0" marR="0" indent="0" algn="l" defTabSz="914400" rtl="0" eaLnBrk="1" fontAlgn="auto" latinLnBrk="0" hangingPunct="1">
@@ -2898,7 +2926,7 @@
               <a:defRPr/>
             </a:pPr>
             <a:r>
-              <a:rPr lang="zh-CN" altLang="en-US" sz="1200" dirty="0" smtClean="0">
+              <a:rPr lang="zh-CN" altLang="en-US" sz="1200" dirty="0">
                 <a:solidFill>
                   <a:schemeClr val="tx2">
                     <a:lumMod val="60000"/>
@@ -2911,7 +2939,7 @@
               <a:t>大家经常看到的网页，并非单单是设计师的功劳，一般设计师出来的的设计稿还要经过单独的切图经由开发同学技术实现，切图作为设计师与开发者之间的桥梁，它的作用很关键，合适的切图、精准的位置可以最大限度的还原效果图的设计，精妙的切图更会有事半功倍的效果哦</a:t>
             </a:r>
             <a:r>
-              <a:rPr lang="en-US" altLang="zh-CN" sz="1200" dirty="0" smtClean="0">
+              <a:rPr lang="en-US" altLang="zh-CN" sz="1200" dirty="0">
                 <a:solidFill>
                   <a:schemeClr val="tx2">
                     <a:lumMod val="60000"/>
@@ -2924,7 +2952,7 @@
               <a:t>!</a:t>
             </a:r>
             <a:r>
-              <a:rPr lang="zh-CN" altLang="en-US" sz="1200" dirty="0" smtClean="0">
+              <a:rPr lang="zh-CN" altLang="en-US" sz="1200" dirty="0">
                 <a:solidFill>
                   <a:schemeClr val="tx2">
                     <a:lumMod val="60000"/>
@@ -2936,7 +2964,7 @@
               </a:rPr>
               <a:t>做为设计师也要多少了解这些，在与技术的交流中会有所帮助。</a:t>
             </a:r>
-            <a:endParaRPr lang="en-US" altLang="zh-CN" sz="1200" dirty="0" smtClean="0">
+            <a:endParaRPr lang="en-US" altLang="zh-CN" sz="1200" dirty="0">
               <a:solidFill>
                 <a:schemeClr val="tx2">
                   <a:lumMod val="60000"/>
@@ -2969,6 +2997,7 @@
           <a:p>
             <a:fld id="{FD140B6F-3FEA-4ABD-AEEC-54E41C3D422B}" type="slidenum">
               <a:rPr lang="zh-CN" altLang="en-US" smtClean="0"/>
+              <a:t>6</a:t>
             </a:fld>
             <a:endParaRPr lang="zh-CN" altLang="en-US" dirty="0"/>
           </a:p>
@@ -3029,18 +3058,18 @@
           <a:lstStyle/>
           <a:p>
             <a:r>
-              <a:rPr lang="zh-CN" altLang="en-US" dirty="0" smtClean="0"/>
+              <a:rPr lang="zh-CN" altLang="en-US" dirty="0"/>
               <a:t>效果图做好是一幅完整的图片，不可能把这一整张的图片都用在网页里。</a:t>
             </a:r>
-            <a:endParaRPr lang="en-US" altLang="zh-CN" dirty="0" smtClean="0"/>
-          </a:p>
-          <a:p>
-            <a:r>
-              <a:rPr lang="zh-CN" altLang="en-US" dirty="0" smtClean="0"/>
+            <a:endParaRPr lang="en-US" altLang="zh-CN" dirty="0"/>
+          </a:p>
+          <a:p>
+            <a:r>
+              <a:rPr lang="zh-CN" altLang="en-US" dirty="0"/>
               <a:t>把效果图中有用的部分剪切下来作为</a:t>
             </a:r>
             <a:r>
-              <a:rPr lang="zh-CN" altLang="en-US" sz="1200" u="none" strike="noStrike" kern="1200" dirty="0" smtClean="0">
+              <a:rPr lang="zh-CN" altLang="en-US" sz="1200" u="none" strike="noStrike" kern="1200" dirty="0">
                 <a:solidFill>
                   <a:schemeClr val="tx1"/>
                 </a:solidFill>
@@ -3052,11 +3081,11 @@
               <a:t>网页制作</a:t>
             </a:r>
             <a:r>
-              <a:rPr lang="zh-CN" altLang="en-US" dirty="0" smtClean="0"/>
+              <a:rPr lang="zh-CN" altLang="en-US" dirty="0"/>
               <a:t>时的素材，这个过程就是</a:t>
             </a:r>
             <a:r>
-              <a:rPr lang="zh-CN" altLang="en-US" sz="1200" u="none" strike="noStrike" kern="1200" dirty="0" smtClean="0">
+              <a:rPr lang="zh-CN" altLang="en-US" sz="1200" u="none" strike="noStrike" kern="1200" dirty="0">
                 <a:solidFill>
                   <a:schemeClr val="tx1"/>
                 </a:solidFill>
@@ -3068,18 +3097,18 @@
               <a:t>切图</a:t>
             </a:r>
             <a:r>
-              <a:rPr lang="zh-CN" altLang="en-US" dirty="0" smtClean="0"/>
+              <a:rPr lang="zh-CN" altLang="en-US" dirty="0"/>
               <a:t>。</a:t>
             </a:r>
-            <a:endParaRPr lang="en-US" altLang="zh-CN" dirty="0" smtClean="0"/>
-          </a:p>
-          <a:p>
-            <a:r>
-              <a:rPr lang="zh-CN" altLang="en-US" dirty="0" smtClean="0"/>
+            <a:endParaRPr lang="en-US" altLang="zh-CN" dirty="0"/>
+          </a:p>
+          <a:p>
+            <a:r>
+              <a:rPr lang="zh-CN" altLang="en-US" dirty="0"/>
               <a:t>（当然是用剪切、选择工具也可以，但是用</a:t>
             </a:r>
             <a:r>
-              <a:rPr lang="zh-CN" altLang="en-US" sz="1200" u="none" strike="noStrike" kern="1200" dirty="0" smtClean="0">
+              <a:rPr lang="zh-CN" altLang="en-US" sz="1200" u="none" strike="noStrike" kern="1200" dirty="0">
                 <a:solidFill>
                   <a:schemeClr val="tx1"/>
                 </a:solidFill>
@@ -3091,13 +3120,13 @@
               <a:t>切片工具</a:t>
             </a:r>
             <a:r>
-              <a:rPr lang="zh-CN" altLang="en-US" dirty="0" smtClean="0"/>
+              <a:rPr lang="zh-CN" altLang="en-US" dirty="0"/>
               <a:t>处理更精确。）</a:t>
             </a:r>
-            <a:endParaRPr lang="en-US" altLang="zh-CN" dirty="0" smtClean="0"/>
-          </a:p>
-          <a:p>
-            <a:endParaRPr lang="en-US" altLang="zh-CN" dirty="0" smtClean="0"/>
+            <a:endParaRPr lang="en-US" altLang="zh-CN" dirty="0"/>
+          </a:p>
+          <a:p>
+            <a:endParaRPr lang="en-US" altLang="zh-CN" dirty="0"/>
           </a:p>
           <a:p>
             <a:pPr marL="0" marR="0" indent="0" algn="l" defTabSz="914400" rtl="0" eaLnBrk="1" fontAlgn="auto" latinLnBrk="0" hangingPunct="1">
@@ -3117,7 +3146,7 @@
               <a:defRPr/>
             </a:pPr>
             <a:r>
-              <a:rPr lang="zh-CN" altLang="en-US" sz="1200" dirty="0" smtClean="0">
+              <a:rPr lang="zh-CN" altLang="en-US" sz="1200" dirty="0">
                 <a:solidFill>
                   <a:schemeClr val="tx2">
                     <a:lumMod val="60000"/>
@@ -3130,7 +3159,7 @@
               <a:t>大家经常看到的网页，并非单单是设计师的功劳，一般设计师出来的的设计稿还要经过单独的切图经由开发同学技术实现，切图作为设计师与开发者之间的桥梁，它的作用很关键，合适的切图、精准的位置可以最大限度的还原效果图的设计，精妙的切图更会有事半功倍的效果哦</a:t>
             </a:r>
             <a:r>
-              <a:rPr lang="en-US" altLang="zh-CN" sz="1200" dirty="0" smtClean="0">
+              <a:rPr lang="en-US" altLang="zh-CN" sz="1200" dirty="0">
                 <a:solidFill>
                   <a:schemeClr val="tx2">
                     <a:lumMod val="60000"/>
@@ -3143,7 +3172,7 @@
               <a:t>!</a:t>
             </a:r>
             <a:r>
-              <a:rPr lang="zh-CN" altLang="en-US" sz="1200" dirty="0" smtClean="0">
+              <a:rPr lang="zh-CN" altLang="en-US" sz="1200" dirty="0">
                 <a:solidFill>
                   <a:schemeClr val="tx2">
                     <a:lumMod val="60000"/>
@@ -3155,7 +3184,7 @@
               </a:rPr>
               <a:t>做为设计师也要多少了解这些，在与技术的交流中会有所帮助。</a:t>
             </a:r>
-            <a:endParaRPr lang="en-US" altLang="zh-CN" sz="1200" dirty="0" smtClean="0">
+            <a:endParaRPr lang="en-US" altLang="zh-CN" sz="1200" dirty="0">
               <a:solidFill>
                 <a:schemeClr val="tx2">
                   <a:lumMod val="60000"/>
@@ -3188,6 +3217,7 @@
           <a:p>
             <a:fld id="{FD140B6F-3FEA-4ABD-AEEC-54E41C3D422B}" type="slidenum">
               <a:rPr lang="zh-CN" altLang="en-US" smtClean="0"/>
+              <a:t>8</a:t>
             </a:fld>
             <a:endParaRPr lang="zh-CN" altLang="en-US" dirty="0"/>
           </a:p>
@@ -3248,18 +3278,18 @@
           <a:lstStyle/>
           <a:p>
             <a:r>
-              <a:rPr lang="zh-CN" altLang="en-US" dirty="0" smtClean="0"/>
+              <a:rPr lang="zh-CN" altLang="en-US" dirty="0"/>
               <a:t>效果图做好是一幅完整的图片，不可能把这一整张的图片都用在网页里。</a:t>
             </a:r>
-            <a:endParaRPr lang="en-US" altLang="zh-CN" dirty="0" smtClean="0"/>
-          </a:p>
-          <a:p>
-            <a:r>
-              <a:rPr lang="zh-CN" altLang="en-US" dirty="0" smtClean="0"/>
+            <a:endParaRPr lang="en-US" altLang="zh-CN" dirty="0"/>
+          </a:p>
+          <a:p>
+            <a:r>
+              <a:rPr lang="zh-CN" altLang="en-US" dirty="0"/>
               <a:t>把效果图中有用的部分剪切下来作为</a:t>
             </a:r>
             <a:r>
-              <a:rPr lang="zh-CN" altLang="en-US" sz="1200" u="none" strike="noStrike" kern="1200" dirty="0" smtClean="0">
+              <a:rPr lang="zh-CN" altLang="en-US" sz="1200" u="none" strike="noStrike" kern="1200" dirty="0">
                 <a:solidFill>
                   <a:schemeClr val="tx1"/>
                 </a:solidFill>
@@ -3271,11 +3301,11 @@
               <a:t>网页制作</a:t>
             </a:r>
             <a:r>
-              <a:rPr lang="zh-CN" altLang="en-US" dirty="0" smtClean="0"/>
+              <a:rPr lang="zh-CN" altLang="en-US" dirty="0"/>
               <a:t>时的素材，这个过程就是</a:t>
             </a:r>
             <a:r>
-              <a:rPr lang="zh-CN" altLang="en-US" sz="1200" u="none" strike="noStrike" kern="1200" dirty="0" smtClean="0">
+              <a:rPr lang="zh-CN" altLang="en-US" sz="1200" u="none" strike="noStrike" kern="1200" dirty="0">
                 <a:solidFill>
                   <a:schemeClr val="tx1"/>
                 </a:solidFill>
@@ -3287,18 +3317,18 @@
               <a:t>切图</a:t>
             </a:r>
             <a:r>
-              <a:rPr lang="zh-CN" altLang="en-US" dirty="0" smtClean="0"/>
+              <a:rPr lang="zh-CN" altLang="en-US" dirty="0"/>
               <a:t>。</a:t>
             </a:r>
-            <a:endParaRPr lang="en-US" altLang="zh-CN" dirty="0" smtClean="0"/>
-          </a:p>
-          <a:p>
-            <a:r>
-              <a:rPr lang="zh-CN" altLang="en-US" dirty="0" smtClean="0"/>
+            <a:endParaRPr lang="en-US" altLang="zh-CN" dirty="0"/>
+          </a:p>
+          <a:p>
+            <a:r>
+              <a:rPr lang="zh-CN" altLang="en-US" dirty="0"/>
               <a:t>（当然是用剪切、选择工具也可以，但是用</a:t>
             </a:r>
             <a:r>
-              <a:rPr lang="zh-CN" altLang="en-US" sz="1200" u="none" strike="noStrike" kern="1200" dirty="0" smtClean="0">
+              <a:rPr lang="zh-CN" altLang="en-US" sz="1200" u="none" strike="noStrike" kern="1200" dirty="0">
                 <a:solidFill>
                   <a:schemeClr val="tx1"/>
                 </a:solidFill>
@@ -3310,13 +3340,13 @@
               <a:t>切片工具</a:t>
             </a:r>
             <a:r>
-              <a:rPr lang="zh-CN" altLang="en-US" dirty="0" smtClean="0"/>
+              <a:rPr lang="zh-CN" altLang="en-US" dirty="0"/>
               <a:t>处理更精确。）</a:t>
             </a:r>
-            <a:endParaRPr lang="en-US" altLang="zh-CN" dirty="0" smtClean="0"/>
-          </a:p>
-          <a:p>
-            <a:endParaRPr lang="en-US" altLang="zh-CN" dirty="0" smtClean="0"/>
+            <a:endParaRPr lang="en-US" altLang="zh-CN" dirty="0"/>
+          </a:p>
+          <a:p>
+            <a:endParaRPr lang="en-US" altLang="zh-CN" dirty="0"/>
           </a:p>
           <a:p>
             <a:pPr marL="0" marR="0" indent="0" algn="l" defTabSz="914400" rtl="0" eaLnBrk="1" fontAlgn="auto" latinLnBrk="0" hangingPunct="1">
@@ -3336,7 +3366,7 @@
               <a:defRPr/>
             </a:pPr>
             <a:r>
-              <a:rPr lang="zh-CN" altLang="en-US" sz="1200" dirty="0" smtClean="0">
+              <a:rPr lang="zh-CN" altLang="en-US" sz="1200" dirty="0">
                 <a:solidFill>
                   <a:schemeClr val="tx2">
                     <a:lumMod val="60000"/>
@@ -3349,7 +3379,7 @@
               <a:t>大家经常看到的网页，并非单单是设计师的功劳，一般设计师出来的的设计稿还要经过单独的切图经由开发同学技术实现，切图作为设计师与开发者之间的桥梁，它的作用很关键，合适的切图、精准的位置可以最大限度的还原效果图的设计，精妙的切图更会有事半功倍的效果哦</a:t>
             </a:r>
             <a:r>
-              <a:rPr lang="en-US" altLang="zh-CN" sz="1200" dirty="0" smtClean="0">
+              <a:rPr lang="en-US" altLang="zh-CN" sz="1200" dirty="0">
                 <a:solidFill>
                   <a:schemeClr val="tx2">
                     <a:lumMod val="60000"/>
@@ -3362,7 +3392,7 @@
               <a:t>!</a:t>
             </a:r>
             <a:r>
-              <a:rPr lang="zh-CN" altLang="en-US" sz="1200" dirty="0" smtClean="0">
+              <a:rPr lang="zh-CN" altLang="en-US" sz="1200" dirty="0">
                 <a:solidFill>
                   <a:schemeClr val="tx2">
                     <a:lumMod val="60000"/>
@@ -3374,7 +3404,7 @@
               </a:rPr>
               <a:t>做为设计师也要多少了解这些，在与技术的交流中会有所帮助。</a:t>
             </a:r>
-            <a:endParaRPr lang="en-US" altLang="zh-CN" sz="1200" dirty="0" smtClean="0">
+            <a:endParaRPr lang="en-US" altLang="zh-CN" sz="1200" dirty="0">
               <a:solidFill>
                 <a:schemeClr val="tx2">
                   <a:lumMod val="60000"/>
@@ -3407,6 +3437,7 @@
           <a:p>
             <a:fld id="{FD140B6F-3FEA-4ABD-AEEC-54E41C3D422B}" type="slidenum">
               <a:rPr lang="zh-CN" altLang="en-US" smtClean="0"/>
+              <a:t>13</a:t>
             </a:fld>
             <a:endParaRPr lang="zh-CN" altLang="en-US" dirty="0"/>
           </a:p>
@@ -3467,18 +3498,18 @@
           <a:lstStyle/>
           <a:p>
             <a:r>
-              <a:rPr lang="zh-CN" altLang="en-US" dirty="0" smtClean="0"/>
+              <a:rPr lang="zh-CN" altLang="en-US" dirty="0"/>
               <a:t>效果图做好是一幅完整的图片，不可能把这一整张的图片都用在网页里。</a:t>
             </a:r>
-            <a:endParaRPr lang="en-US" altLang="zh-CN" dirty="0" smtClean="0"/>
-          </a:p>
-          <a:p>
-            <a:r>
-              <a:rPr lang="zh-CN" altLang="en-US" dirty="0" smtClean="0"/>
+            <a:endParaRPr lang="en-US" altLang="zh-CN" dirty="0"/>
+          </a:p>
+          <a:p>
+            <a:r>
+              <a:rPr lang="zh-CN" altLang="en-US" dirty="0"/>
               <a:t>把效果图中有用的部分剪切下来作为</a:t>
             </a:r>
             <a:r>
-              <a:rPr lang="zh-CN" altLang="en-US" sz="1200" u="none" strike="noStrike" kern="1200" dirty="0" smtClean="0">
+              <a:rPr lang="zh-CN" altLang="en-US" sz="1200" u="none" strike="noStrike" kern="1200" dirty="0">
                 <a:solidFill>
                   <a:schemeClr val="tx1"/>
                 </a:solidFill>
@@ -3490,11 +3521,11 @@
               <a:t>网页制作</a:t>
             </a:r>
             <a:r>
-              <a:rPr lang="zh-CN" altLang="en-US" dirty="0" smtClean="0"/>
+              <a:rPr lang="zh-CN" altLang="en-US" dirty="0"/>
               <a:t>时的素材，这个过程就是</a:t>
             </a:r>
             <a:r>
-              <a:rPr lang="zh-CN" altLang="en-US" sz="1200" u="none" strike="noStrike" kern="1200" dirty="0" smtClean="0">
+              <a:rPr lang="zh-CN" altLang="en-US" sz="1200" u="none" strike="noStrike" kern="1200" dirty="0">
                 <a:solidFill>
                   <a:schemeClr val="tx1"/>
                 </a:solidFill>
@@ -3506,18 +3537,18 @@
               <a:t>切图</a:t>
             </a:r>
             <a:r>
-              <a:rPr lang="zh-CN" altLang="en-US" dirty="0" smtClean="0"/>
+              <a:rPr lang="zh-CN" altLang="en-US" dirty="0"/>
               <a:t>。</a:t>
             </a:r>
-            <a:endParaRPr lang="en-US" altLang="zh-CN" dirty="0" smtClean="0"/>
-          </a:p>
-          <a:p>
-            <a:r>
-              <a:rPr lang="zh-CN" altLang="en-US" dirty="0" smtClean="0"/>
+            <a:endParaRPr lang="en-US" altLang="zh-CN" dirty="0"/>
+          </a:p>
+          <a:p>
+            <a:r>
+              <a:rPr lang="zh-CN" altLang="en-US" dirty="0"/>
               <a:t>（当然是用剪切、选择工具也可以，但是用</a:t>
             </a:r>
             <a:r>
-              <a:rPr lang="zh-CN" altLang="en-US" sz="1200" u="none" strike="noStrike" kern="1200" dirty="0" smtClean="0">
+              <a:rPr lang="zh-CN" altLang="en-US" sz="1200" u="none" strike="noStrike" kern="1200" dirty="0">
                 <a:solidFill>
                   <a:schemeClr val="tx1"/>
                 </a:solidFill>
@@ -3529,13 +3560,13 @@
               <a:t>切片工具</a:t>
             </a:r>
             <a:r>
-              <a:rPr lang="zh-CN" altLang="en-US" dirty="0" smtClean="0"/>
+              <a:rPr lang="zh-CN" altLang="en-US" dirty="0"/>
               <a:t>处理更精确。）</a:t>
             </a:r>
-            <a:endParaRPr lang="en-US" altLang="zh-CN" dirty="0" smtClean="0"/>
-          </a:p>
-          <a:p>
-            <a:endParaRPr lang="en-US" altLang="zh-CN" dirty="0" smtClean="0"/>
+            <a:endParaRPr lang="en-US" altLang="zh-CN" dirty="0"/>
+          </a:p>
+          <a:p>
+            <a:endParaRPr lang="en-US" altLang="zh-CN" dirty="0"/>
           </a:p>
           <a:p>
             <a:pPr marL="0" marR="0" indent="0" algn="l" defTabSz="914400" rtl="0" eaLnBrk="1" fontAlgn="auto" latinLnBrk="0" hangingPunct="1">
@@ -3555,7 +3586,7 @@
               <a:defRPr/>
             </a:pPr>
             <a:r>
-              <a:rPr lang="zh-CN" altLang="en-US" sz="1200" dirty="0" smtClean="0">
+              <a:rPr lang="zh-CN" altLang="en-US" sz="1200" dirty="0">
                 <a:solidFill>
                   <a:schemeClr val="tx2">
                     <a:lumMod val="60000"/>
@@ -3568,7 +3599,7 @@
               <a:t>大家经常看到的网页，并非单单是设计师的功劳，一般设计师出来的的设计稿还要经过单独的切图经由开发同学技术实现，切图作为设计师与开发者之间的桥梁，它的作用很关键，合适的切图、精准的位置可以最大限度的还原效果图的设计，精妙的切图更会有事半功倍的效果哦</a:t>
             </a:r>
             <a:r>
-              <a:rPr lang="en-US" altLang="zh-CN" sz="1200" dirty="0" smtClean="0">
+              <a:rPr lang="en-US" altLang="zh-CN" sz="1200" dirty="0">
                 <a:solidFill>
                   <a:schemeClr val="tx2">
                     <a:lumMod val="60000"/>
@@ -3581,7 +3612,7 @@
               <a:t>!</a:t>
             </a:r>
             <a:r>
-              <a:rPr lang="zh-CN" altLang="en-US" sz="1200" dirty="0" smtClean="0">
+              <a:rPr lang="zh-CN" altLang="en-US" sz="1200" dirty="0">
                 <a:solidFill>
                   <a:schemeClr val="tx2">
                     <a:lumMod val="60000"/>
@@ -3593,7 +3624,7 @@
               </a:rPr>
               <a:t>做为设计师也要多少了解这些，在与技术的交流中会有所帮助。</a:t>
             </a:r>
-            <a:endParaRPr lang="en-US" altLang="zh-CN" sz="1200" dirty="0" smtClean="0">
+            <a:endParaRPr lang="en-US" altLang="zh-CN" sz="1200" dirty="0">
               <a:solidFill>
                 <a:schemeClr val="tx2">
                   <a:lumMod val="60000"/>
@@ -3626,6 +3657,7 @@
           <a:p>
             <a:fld id="{FD140B6F-3FEA-4ABD-AEEC-54E41C3D422B}" type="slidenum">
               <a:rPr lang="zh-CN" altLang="en-US" smtClean="0"/>
+              <a:t>15</a:t>
             </a:fld>
             <a:endParaRPr lang="zh-CN" altLang="en-US" dirty="0"/>
           </a:p>
@@ -3686,18 +3718,18 @@
           <a:lstStyle/>
           <a:p>
             <a:r>
-              <a:rPr lang="zh-CN" altLang="en-US" dirty="0" smtClean="0"/>
+              <a:rPr lang="zh-CN" altLang="en-US" dirty="0"/>
               <a:t>效果图做好是一幅完整的图片，不可能把这一整张的图片都用在网页里。</a:t>
             </a:r>
-            <a:endParaRPr lang="en-US" altLang="zh-CN" dirty="0" smtClean="0"/>
-          </a:p>
-          <a:p>
-            <a:r>
-              <a:rPr lang="zh-CN" altLang="en-US" dirty="0" smtClean="0"/>
+            <a:endParaRPr lang="en-US" altLang="zh-CN" dirty="0"/>
+          </a:p>
+          <a:p>
+            <a:r>
+              <a:rPr lang="zh-CN" altLang="en-US" dirty="0"/>
               <a:t>把效果图中有用的部分剪切下来作为</a:t>
             </a:r>
             <a:r>
-              <a:rPr lang="zh-CN" altLang="en-US" sz="1200" u="none" strike="noStrike" kern="1200" dirty="0" smtClean="0">
+              <a:rPr lang="zh-CN" altLang="en-US" sz="1200" u="none" strike="noStrike" kern="1200" dirty="0">
                 <a:solidFill>
                   <a:schemeClr val="tx1"/>
                 </a:solidFill>
@@ -3709,11 +3741,11 @@
               <a:t>网页制作</a:t>
             </a:r>
             <a:r>
-              <a:rPr lang="zh-CN" altLang="en-US" dirty="0" smtClean="0"/>
+              <a:rPr lang="zh-CN" altLang="en-US" dirty="0"/>
               <a:t>时的素材，这个过程就是</a:t>
             </a:r>
             <a:r>
-              <a:rPr lang="zh-CN" altLang="en-US" sz="1200" u="none" strike="noStrike" kern="1200" dirty="0" smtClean="0">
+              <a:rPr lang="zh-CN" altLang="en-US" sz="1200" u="none" strike="noStrike" kern="1200" dirty="0">
                 <a:solidFill>
                   <a:schemeClr val="tx1"/>
                 </a:solidFill>
@@ -3725,18 +3757,18 @@
               <a:t>切图</a:t>
             </a:r>
             <a:r>
-              <a:rPr lang="zh-CN" altLang="en-US" dirty="0" smtClean="0"/>
+              <a:rPr lang="zh-CN" altLang="en-US" dirty="0"/>
               <a:t>。</a:t>
             </a:r>
-            <a:endParaRPr lang="en-US" altLang="zh-CN" dirty="0" smtClean="0"/>
-          </a:p>
-          <a:p>
-            <a:r>
-              <a:rPr lang="zh-CN" altLang="en-US" dirty="0" smtClean="0"/>
+            <a:endParaRPr lang="en-US" altLang="zh-CN" dirty="0"/>
+          </a:p>
+          <a:p>
+            <a:r>
+              <a:rPr lang="zh-CN" altLang="en-US" dirty="0"/>
               <a:t>（当然是用剪切、选择工具也可以，但是用</a:t>
             </a:r>
             <a:r>
-              <a:rPr lang="zh-CN" altLang="en-US" sz="1200" u="none" strike="noStrike" kern="1200" dirty="0" smtClean="0">
+              <a:rPr lang="zh-CN" altLang="en-US" sz="1200" u="none" strike="noStrike" kern="1200" dirty="0">
                 <a:solidFill>
                   <a:schemeClr val="tx1"/>
                 </a:solidFill>
@@ -3748,13 +3780,13 @@
               <a:t>切片工具</a:t>
             </a:r>
             <a:r>
-              <a:rPr lang="zh-CN" altLang="en-US" dirty="0" smtClean="0"/>
+              <a:rPr lang="zh-CN" altLang="en-US" dirty="0"/>
               <a:t>处理更精确。）</a:t>
             </a:r>
-            <a:endParaRPr lang="en-US" altLang="zh-CN" dirty="0" smtClean="0"/>
-          </a:p>
-          <a:p>
-            <a:endParaRPr lang="en-US" altLang="zh-CN" dirty="0" smtClean="0"/>
+            <a:endParaRPr lang="en-US" altLang="zh-CN" dirty="0"/>
+          </a:p>
+          <a:p>
+            <a:endParaRPr lang="en-US" altLang="zh-CN" dirty="0"/>
           </a:p>
           <a:p>
             <a:pPr marL="0" marR="0" indent="0" algn="l" defTabSz="914400" rtl="0" eaLnBrk="1" fontAlgn="auto" latinLnBrk="0" hangingPunct="1">
@@ -3774,7 +3806,7 @@
               <a:defRPr/>
             </a:pPr>
             <a:r>
-              <a:rPr lang="zh-CN" altLang="en-US" sz="1200" dirty="0" smtClean="0">
+              <a:rPr lang="zh-CN" altLang="en-US" sz="1200" dirty="0">
                 <a:solidFill>
                   <a:schemeClr val="tx2">
                     <a:lumMod val="60000"/>
@@ -3787,7 +3819,7 @@
               <a:t>大家经常看到的网页，并非单单是设计师的功劳，一般设计师出来的的设计稿还要经过单独的切图经由开发同学技术实现，切图作为设计师与开发者之间的桥梁，它的作用很关键，合适的切图、精准的位置可以最大限度的还原效果图的设计，精妙的切图更会有事半功倍的效果哦</a:t>
             </a:r>
             <a:r>
-              <a:rPr lang="en-US" altLang="zh-CN" sz="1200" dirty="0" smtClean="0">
+              <a:rPr lang="en-US" altLang="zh-CN" sz="1200" dirty="0">
                 <a:solidFill>
                   <a:schemeClr val="tx2">
                     <a:lumMod val="60000"/>
@@ -3800,7 +3832,7 @@
               <a:t>!</a:t>
             </a:r>
             <a:r>
-              <a:rPr lang="zh-CN" altLang="en-US" sz="1200" dirty="0" smtClean="0">
+              <a:rPr lang="zh-CN" altLang="en-US" sz="1200" dirty="0">
                 <a:solidFill>
                   <a:schemeClr val="tx2">
                     <a:lumMod val="60000"/>
@@ -3812,7 +3844,7 @@
               </a:rPr>
               <a:t>做为设计师也要多少了解这些，在与技术的交流中会有所帮助。</a:t>
             </a:r>
-            <a:endParaRPr lang="en-US" altLang="zh-CN" sz="1200" dirty="0" smtClean="0">
+            <a:endParaRPr lang="en-US" altLang="zh-CN" sz="1200" dirty="0">
               <a:solidFill>
                 <a:schemeClr val="tx2">
                   <a:lumMod val="60000"/>
@@ -3845,6 +3877,7 @@
           <a:p>
             <a:fld id="{FD140B6F-3FEA-4ABD-AEEC-54E41C3D422B}" type="slidenum">
               <a:rPr lang="zh-CN" altLang="en-US" smtClean="0"/>
+              <a:t>16</a:t>
             </a:fld>
             <a:endParaRPr lang="zh-CN" altLang="en-US" dirty="0"/>
           </a:p>
@@ -3905,18 +3938,18 @@
           <a:lstStyle/>
           <a:p>
             <a:r>
-              <a:rPr lang="zh-CN" altLang="en-US" dirty="0" smtClean="0"/>
+              <a:rPr lang="zh-CN" altLang="en-US" dirty="0"/>
               <a:t>效果图做好是一幅完整的图片，不可能把这一整张的图片都用在网页里。</a:t>
             </a:r>
-            <a:endParaRPr lang="en-US" altLang="zh-CN" dirty="0" smtClean="0"/>
-          </a:p>
-          <a:p>
-            <a:r>
-              <a:rPr lang="zh-CN" altLang="en-US" dirty="0" smtClean="0"/>
+            <a:endParaRPr lang="en-US" altLang="zh-CN" dirty="0"/>
+          </a:p>
+          <a:p>
+            <a:r>
+              <a:rPr lang="zh-CN" altLang="en-US" dirty="0"/>
               <a:t>把效果图中有用的部分剪切下来作为</a:t>
             </a:r>
             <a:r>
-              <a:rPr lang="zh-CN" altLang="en-US" sz="1200" u="none" strike="noStrike" kern="1200" dirty="0" smtClean="0">
+              <a:rPr lang="zh-CN" altLang="en-US" sz="1200" u="none" strike="noStrike" kern="1200" dirty="0">
                 <a:solidFill>
                   <a:schemeClr val="tx1"/>
                 </a:solidFill>
@@ -3928,11 +3961,11 @@
               <a:t>网页制作</a:t>
             </a:r>
             <a:r>
-              <a:rPr lang="zh-CN" altLang="en-US" dirty="0" smtClean="0"/>
+              <a:rPr lang="zh-CN" altLang="en-US" dirty="0"/>
               <a:t>时的素材，这个过程就是</a:t>
             </a:r>
             <a:r>
-              <a:rPr lang="zh-CN" altLang="en-US" sz="1200" u="none" strike="noStrike" kern="1200" dirty="0" smtClean="0">
+              <a:rPr lang="zh-CN" altLang="en-US" sz="1200" u="none" strike="noStrike" kern="1200" dirty="0">
                 <a:solidFill>
                   <a:schemeClr val="tx1"/>
                 </a:solidFill>
@@ -3944,18 +3977,18 @@
               <a:t>切图</a:t>
             </a:r>
             <a:r>
-              <a:rPr lang="zh-CN" altLang="en-US" dirty="0" smtClean="0"/>
+              <a:rPr lang="zh-CN" altLang="en-US" dirty="0"/>
               <a:t>。</a:t>
             </a:r>
-            <a:endParaRPr lang="en-US" altLang="zh-CN" dirty="0" smtClean="0"/>
-          </a:p>
-          <a:p>
-            <a:r>
-              <a:rPr lang="zh-CN" altLang="en-US" dirty="0" smtClean="0"/>
+            <a:endParaRPr lang="en-US" altLang="zh-CN" dirty="0"/>
+          </a:p>
+          <a:p>
+            <a:r>
+              <a:rPr lang="zh-CN" altLang="en-US" dirty="0"/>
               <a:t>（当然是用剪切、选择工具也可以，但是用</a:t>
             </a:r>
             <a:r>
-              <a:rPr lang="zh-CN" altLang="en-US" sz="1200" u="none" strike="noStrike" kern="1200" dirty="0" smtClean="0">
+              <a:rPr lang="zh-CN" altLang="en-US" sz="1200" u="none" strike="noStrike" kern="1200" dirty="0">
                 <a:solidFill>
                   <a:schemeClr val="tx1"/>
                 </a:solidFill>
@@ -3967,13 +4000,13 @@
               <a:t>切片工具</a:t>
             </a:r>
             <a:r>
-              <a:rPr lang="zh-CN" altLang="en-US" dirty="0" smtClean="0"/>
+              <a:rPr lang="zh-CN" altLang="en-US" dirty="0"/>
               <a:t>处理更精确。）</a:t>
             </a:r>
-            <a:endParaRPr lang="en-US" altLang="zh-CN" dirty="0" smtClean="0"/>
-          </a:p>
-          <a:p>
-            <a:endParaRPr lang="en-US" altLang="zh-CN" dirty="0" smtClean="0"/>
+            <a:endParaRPr lang="en-US" altLang="zh-CN" dirty="0"/>
+          </a:p>
+          <a:p>
+            <a:endParaRPr lang="en-US" altLang="zh-CN" dirty="0"/>
           </a:p>
           <a:p>
             <a:pPr marL="0" marR="0" indent="0" algn="l" defTabSz="914400" rtl="0" eaLnBrk="1" fontAlgn="auto" latinLnBrk="0" hangingPunct="1">
@@ -3993,7 +4026,7 @@
               <a:defRPr/>
             </a:pPr>
             <a:r>
-              <a:rPr lang="zh-CN" altLang="en-US" sz="1200" dirty="0" smtClean="0">
+              <a:rPr lang="zh-CN" altLang="en-US" sz="1200" dirty="0">
                 <a:solidFill>
                   <a:schemeClr val="tx2">
                     <a:lumMod val="60000"/>
@@ -4006,7 +4039,7 @@
               <a:t>大家经常看到的网页，并非单单是设计师的功劳，一般设计师出来的的设计稿还要经过单独的切图经由开发同学技术实现，切图作为设计师与开发者之间的桥梁，它的作用很关键，合适的切图、精准的位置可以最大限度的还原效果图的设计，精妙的切图更会有事半功倍的效果哦</a:t>
             </a:r>
             <a:r>
-              <a:rPr lang="en-US" altLang="zh-CN" sz="1200" dirty="0" smtClean="0">
+              <a:rPr lang="en-US" altLang="zh-CN" sz="1200" dirty="0">
                 <a:solidFill>
                   <a:schemeClr val="tx2">
                     <a:lumMod val="60000"/>
@@ -4019,7 +4052,7 @@
               <a:t>!</a:t>
             </a:r>
             <a:r>
-              <a:rPr lang="zh-CN" altLang="en-US" sz="1200" dirty="0" smtClean="0">
+              <a:rPr lang="zh-CN" altLang="en-US" sz="1200" dirty="0">
                 <a:solidFill>
                   <a:schemeClr val="tx2">
                     <a:lumMod val="60000"/>
@@ -4031,7 +4064,7 @@
               </a:rPr>
               <a:t>做为设计师也要多少了解这些，在与技术的交流中会有所帮助。</a:t>
             </a:r>
-            <a:endParaRPr lang="en-US" altLang="zh-CN" sz="1200" dirty="0" smtClean="0">
+            <a:endParaRPr lang="en-US" altLang="zh-CN" sz="1200" dirty="0">
               <a:solidFill>
                 <a:schemeClr val="tx2">
                   <a:lumMod val="60000"/>
@@ -4064,6 +4097,7 @@
           <a:p>
             <a:fld id="{FD140B6F-3FEA-4ABD-AEEC-54E41C3D422B}" type="slidenum">
               <a:rPr lang="zh-CN" altLang="en-US" smtClean="0"/>
+              <a:t>17</a:t>
             </a:fld>
             <a:endParaRPr lang="zh-CN" altLang="en-US" dirty="0"/>
           </a:p>
@@ -4124,18 +4158,18 @@
           <a:lstStyle/>
           <a:p>
             <a:r>
-              <a:rPr lang="zh-CN" altLang="en-US" dirty="0" smtClean="0"/>
+              <a:rPr lang="zh-CN" altLang="en-US" dirty="0"/>
               <a:t>效果图做好是一幅完整的图片，不可能把这一整张的图片都用在网页里。</a:t>
             </a:r>
-            <a:endParaRPr lang="en-US" altLang="zh-CN" dirty="0" smtClean="0"/>
-          </a:p>
-          <a:p>
-            <a:r>
-              <a:rPr lang="zh-CN" altLang="en-US" dirty="0" smtClean="0"/>
+            <a:endParaRPr lang="en-US" altLang="zh-CN" dirty="0"/>
+          </a:p>
+          <a:p>
+            <a:r>
+              <a:rPr lang="zh-CN" altLang="en-US" dirty="0"/>
               <a:t>把效果图中有用的部分剪切下来作为</a:t>
             </a:r>
             <a:r>
-              <a:rPr lang="zh-CN" altLang="en-US" sz="1200" u="none" strike="noStrike" kern="1200" dirty="0" smtClean="0">
+              <a:rPr lang="zh-CN" altLang="en-US" sz="1200" u="none" strike="noStrike" kern="1200" dirty="0">
                 <a:solidFill>
                   <a:schemeClr val="tx1"/>
                 </a:solidFill>
@@ -4147,11 +4181,11 @@
               <a:t>网页制作</a:t>
             </a:r>
             <a:r>
-              <a:rPr lang="zh-CN" altLang="en-US" dirty="0" smtClean="0"/>
+              <a:rPr lang="zh-CN" altLang="en-US" dirty="0"/>
               <a:t>时的素材，这个过程就是</a:t>
             </a:r>
             <a:r>
-              <a:rPr lang="zh-CN" altLang="en-US" sz="1200" u="none" strike="noStrike" kern="1200" dirty="0" smtClean="0">
+              <a:rPr lang="zh-CN" altLang="en-US" sz="1200" u="none" strike="noStrike" kern="1200" dirty="0">
                 <a:solidFill>
                   <a:schemeClr val="tx1"/>
                 </a:solidFill>
@@ -4163,18 +4197,18 @@
               <a:t>切图</a:t>
             </a:r>
             <a:r>
-              <a:rPr lang="zh-CN" altLang="en-US" dirty="0" smtClean="0"/>
+              <a:rPr lang="zh-CN" altLang="en-US" dirty="0"/>
               <a:t>。</a:t>
             </a:r>
-            <a:endParaRPr lang="en-US" altLang="zh-CN" dirty="0" smtClean="0"/>
-          </a:p>
-          <a:p>
-            <a:r>
-              <a:rPr lang="zh-CN" altLang="en-US" dirty="0" smtClean="0"/>
+            <a:endParaRPr lang="en-US" altLang="zh-CN" dirty="0"/>
+          </a:p>
+          <a:p>
+            <a:r>
+              <a:rPr lang="zh-CN" altLang="en-US" dirty="0"/>
               <a:t>（当然是用剪切、选择工具也可以，但是用</a:t>
             </a:r>
             <a:r>
-              <a:rPr lang="zh-CN" altLang="en-US" sz="1200" u="none" strike="noStrike" kern="1200" dirty="0" smtClean="0">
+              <a:rPr lang="zh-CN" altLang="en-US" sz="1200" u="none" strike="noStrike" kern="1200" dirty="0">
                 <a:solidFill>
                   <a:schemeClr val="tx1"/>
                 </a:solidFill>
@@ -4186,13 +4220,13 @@
               <a:t>切片工具</a:t>
             </a:r>
             <a:r>
-              <a:rPr lang="zh-CN" altLang="en-US" dirty="0" smtClean="0"/>
+              <a:rPr lang="zh-CN" altLang="en-US" dirty="0"/>
               <a:t>处理更精确。）</a:t>
             </a:r>
-            <a:endParaRPr lang="en-US" altLang="zh-CN" dirty="0" smtClean="0"/>
-          </a:p>
-          <a:p>
-            <a:endParaRPr lang="en-US" altLang="zh-CN" dirty="0" smtClean="0"/>
+            <a:endParaRPr lang="en-US" altLang="zh-CN" dirty="0"/>
+          </a:p>
+          <a:p>
+            <a:endParaRPr lang="en-US" altLang="zh-CN" dirty="0"/>
           </a:p>
           <a:p>
             <a:pPr marL="0" marR="0" indent="0" algn="l" defTabSz="914400" rtl="0" eaLnBrk="1" fontAlgn="auto" latinLnBrk="0" hangingPunct="1">
@@ -4212,7 +4246,7 @@
               <a:defRPr/>
             </a:pPr>
             <a:r>
-              <a:rPr lang="zh-CN" altLang="en-US" sz="1200" dirty="0" smtClean="0">
+              <a:rPr lang="zh-CN" altLang="en-US" sz="1200" dirty="0">
                 <a:solidFill>
                   <a:schemeClr val="tx2">
                     <a:lumMod val="60000"/>
@@ -4225,7 +4259,7 @@
               <a:t>大家经常看到的网页，并非单单是设计师的功劳，一般设计师出来的的设计稿还要经过单独的切图经由开发同学技术实现，切图作为设计师与开发者之间的桥梁，它的作用很关键，合适的切图、精准的位置可以最大限度的还原效果图的设计，精妙的切图更会有事半功倍的效果哦</a:t>
             </a:r>
             <a:r>
-              <a:rPr lang="en-US" altLang="zh-CN" sz="1200" dirty="0" smtClean="0">
+              <a:rPr lang="en-US" altLang="zh-CN" sz="1200" dirty="0">
                 <a:solidFill>
                   <a:schemeClr val="tx2">
                     <a:lumMod val="60000"/>
@@ -4238,7 +4272,7 @@
               <a:t>!</a:t>
             </a:r>
             <a:r>
-              <a:rPr lang="zh-CN" altLang="en-US" sz="1200" dirty="0" smtClean="0">
+              <a:rPr lang="zh-CN" altLang="en-US" sz="1200" dirty="0">
                 <a:solidFill>
                   <a:schemeClr val="tx2">
                     <a:lumMod val="60000"/>
@@ -4250,7 +4284,7 @@
               </a:rPr>
               <a:t>做为设计师也要多少了解这些，在与技术的交流中会有所帮助。</a:t>
             </a:r>
-            <a:endParaRPr lang="en-US" altLang="zh-CN" sz="1200" dirty="0" smtClean="0">
+            <a:endParaRPr lang="en-US" altLang="zh-CN" sz="1200" dirty="0">
               <a:solidFill>
                 <a:schemeClr val="tx2">
                   <a:lumMod val="60000"/>
@@ -4283,6 +4317,7 @@
           <a:p>
             <a:fld id="{FD140B6F-3FEA-4ABD-AEEC-54E41C3D422B}" type="slidenum">
               <a:rPr lang="zh-CN" altLang="en-US" smtClean="0"/>
+              <a:t>18</a:t>
             </a:fld>
             <a:endParaRPr lang="zh-CN" altLang="en-US" dirty="0"/>
           </a:p>
@@ -4334,10 +4369,9 @@
           <a:lstStyle/>
           <a:p>
             <a:r>
-              <a:rPr lang="zh-CN" altLang="en-US" smtClean="0"/>
+              <a:rPr lang="zh-CN" altLang="en-US"/>
               <a:t>单击此处编辑母版标题样式</a:t>
             </a:r>
-            <a:endParaRPr lang="zh-CN" altLang="en-US"/>
           </a:p>
         </p:txBody>
       </p:sp>
@@ -4453,10 +4487,9 @@
           </a:lstStyle>
           <a:p>
             <a:r>
-              <a:rPr lang="zh-CN" altLang="en-US" smtClean="0"/>
+              <a:rPr lang="zh-CN" altLang="en-US"/>
               <a:t>单击此处编辑母版副标题样式</a:t>
             </a:r>
-            <a:endParaRPr lang="zh-CN" altLang="en-US"/>
           </a:p>
         </p:txBody>
       </p:sp>
@@ -4477,6 +4510,7 @@
           <a:p>
             <a:fld id="{530820CF-B880-4189-942D-D702A7CBA730}" type="datetimeFigureOut">
               <a:rPr lang="zh-CN" altLang="en-US" smtClean="0"/>
+              <a:t>2017/8/19</a:t>
             </a:fld>
             <a:endParaRPr lang="zh-CN" altLang="en-US"/>
           </a:p>
@@ -4518,6 +4552,7 @@
           <a:p>
             <a:fld id="{0C913308-F349-4B6D-A68A-DD1791B4A57B}" type="slidenum">
               <a:rPr lang="zh-CN" altLang="en-US" smtClean="0"/>
+              <a:t>‹#›</a:t>
             </a:fld>
             <a:endParaRPr lang="zh-CN" altLang="en-US"/>
           </a:p>
@@ -4528,13 +4563,6 @@
   <p:clrMapOvr>
     <a:masterClrMapping/>
   </p:clrMapOvr>
-  <p:timing>
-    <p:tnLst>
-      <p:par>
-        <p:cTn id="1" dur="indefinite" restart="never" nodeType="tmRoot"/>
-      </p:par>
-    </p:tnLst>
-  </p:timing>
 </p:sldLayout>
 </file>
 
@@ -4571,10 +4599,9 @@
           <a:lstStyle/>
           <a:p>
             <a:r>
-              <a:rPr lang="zh-CN" altLang="en-US" smtClean="0"/>
+              <a:rPr lang="zh-CN" altLang="en-US"/>
               <a:t>单击此处编辑母版标题样式</a:t>
             </a:r>
-            <a:endParaRPr lang="zh-CN" altLang="en-US"/>
           </a:p>
         </p:txBody>
       </p:sp>
@@ -4595,42 +4622,37 @@
           <a:p>
             <a:pPr lvl="0"/>
             <a:r>
-              <a:rPr lang="zh-CN" altLang="en-US" smtClean="0"/>
+              <a:rPr lang="zh-CN" altLang="en-US"/>
               <a:t>单击此处编辑母版文本样式</a:t>
             </a:r>
-            <a:endParaRPr lang="zh-CN" altLang="en-US" smtClean="0"/>
           </a:p>
           <a:p>
             <a:pPr lvl="1"/>
             <a:r>
-              <a:rPr lang="zh-CN" altLang="en-US" smtClean="0"/>
+              <a:rPr lang="zh-CN" altLang="en-US"/>
               <a:t>第二级</a:t>
             </a:r>
-            <a:endParaRPr lang="zh-CN" altLang="en-US" smtClean="0"/>
           </a:p>
           <a:p>
             <a:pPr lvl="2"/>
             <a:r>
-              <a:rPr lang="zh-CN" altLang="en-US" smtClean="0"/>
+              <a:rPr lang="zh-CN" altLang="en-US"/>
               <a:t>第三级</a:t>
             </a:r>
-            <a:endParaRPr lang="zh-CN" altLang="en-US" smtClean="0"/>
           </a:p>
           <a:p>
             <a:pPr lvl="3"/>
             <a:r>
-              <a:rPr lang="zh-CN" altLang="en-US" smtClean="0"/>
+              <a:rPr lang="zh-CN" altLang="en-US"/>
               <a:t>第四级</a:t>
             </a:r>
-            <a:endParaRPr lang="zh-CN" altLang="en-US" smtClean="0"/>
           </a:p>
           <a:p>
             <a:pPr lvl="4"/>
             <a:r>
-              <a:rPr lang="zh-CN" altLang="en-US" smtClean="0"/>
+              <a:rPr lang="zh-CN" altLang="en-US"/>
               <a:t>第五级</a:t>
             </a:r>
-            <a:endParaRPr lang="zh-CN" altLang="en-US"/>
           </a:p>
         </p:txBody>
       </p:sp>
@@ -4651,6 +4673,7 @@
           <a:p>
             <a:fld id="{530820CF-B880-4189-942D-D702A7CBA730}" type="datetimeFigureOut">
               <a:rPr lang="zh-CN" altLang="en-US" smtClean="0"/>
+              <a:t>2017/8/19</a:t>
             </a:fld>
             <a:endParaRPr lang="zh-CN" altLang="en-US"/>
           </a:p>
@@ -4692,6 +4715,7 @@
           <a:p>
             <a:fld id="{0C913308-F349-4B6D-A68A-DD1791B4A57B}" type="slidenum">
               <a:rPr lang="zh-CN" altLang="en-US" smtClean="0"/>
+              <a:t>‹#›</a:t>
             </a:fld>
             <a:endParaRPr lang="zh-CN" altLang="en-US"/>
           </a:p>
@@ -4702,13 +4726,6 @@
   <p:clrMapOvr>
     <a:masterClrMapping/>
   </p:clrMapOvr>
-  <p:timing>
-    <p:tnLst>
-      <p:par>
-        <p:cTn id="1" dur="indefinite" restart="never" nodeType="tmRoot"/>
-      </p:par>
-    </p:tnLst>
-  </p:timing>
 </p:sldLayout>
 </file>
 
@@ -4754,10 +4771,9 @@
           </a:lstStyle>
           <a:p>
             <a:r>
-              <a:rPr lang="zh-CN" altLang="en-US" smtClean="0"/>
+              <a:rPr lang="zh-CN" altLang="en-US"/>
               <a:t>单击此处编辑母版标题样式</a:t>
             </a:r>
-            <a:endParaRPr lang="zh-CN" altLang="en-US"/>
           </a:p>
         </p:txBody>
       </p:sp>
@@ -4874,10 +4890,9 @@
           <a:p>
             <a:pPr lvl="0"/>
             <a:r>
-              <a:rPr lang="zh-CN" altLang="en-US" smtClean="0"/>
+              <a:rPr lang="zh-CN" altLang="en-US"/>
               <a:t>单击此处编辑母版文本样式</a:t>
             </a:r>
-            <a:endParaRPr lang="zh-CN" altLang="en-US" smtClean="0"/>
           </a:p>
         </p:txBody>
       </p:sp>
@@ -4898,6 +4913,7 @@
           <a:p>
             <a:fld id="{530820CF-B880-4189-942D-D702A7CBA730}" type="datetimeFigureOut">
               <a:rPr lang="zh-CN" altLang="en-US" smtClean="0"/>
+              <a:t>2017/8/19</a:t>
             </a:fld>
             <a:endParaRPr lang="zh-CN" altLang="en-US"/>
           </a:p>
@@ -4939,6 +4955,7 @@
           <a:p>
             <a:fld id="{0C913308-F349-4B6D-A68A-DD1791B4A57B}" type="slidenum">
               <a:rPr lang="zh-CN" altLang="en-US" smtClean="0"/>
+              <a:t>‹#›</a:t>
             </a:fld>
             <a:endParaRPr lang="zh-CN" altLang="en-US"/>
           </a:p>
@@ -4949,13 +4966,6 @@
   <p:clrMapOvr>
     <a:masterClrMapping/>
   </p:clrMapOvr>
-  <p:timing>
-    <p:tnLst>
-      <p:par>
-        <p:cTn id="1" dur="indefinite" restart="never" nodeType="tmRoot"/>
-      </p:par>
-    </p:tnLst>
-  </p:timing>
 </p:sldLayout>
 </file>
 
@@ -4992,10 +5002,9 @@
           <a:lstStyle/>
           <a:p>
             <a:r>
-              <a:rPr lang="zh-CN" altLang="en-US" dirty="0" smtClean="0"/>
+              <a:rPr lang="zh-CN" altLang="en-US" dirty="0"/>
               <a:t>单击此处编辑母版标题样式</a:t>
             </a:r>
-            <a:endParaRPr lang="zh-CN" altLang="en-US" dirty="0"/>
           </a:p>
         </p:txBody>
       </p:sp>
@@ -5049,42 +5058,37 @@
           <a:p>
             <a:pPr lvl="0"/>
             <a:r>
-              <a:rPr lang="zh-CN" altLang="en-US" smtClean="0"/>
+              <a:rPr lang="zh-CN" altLang="en-US"/>
               <a:t>单击此处编辑母版文本样式</a:t>
             </a:r>
-            <a:endParaRPr lang="zh-CN" altLang="en-US" smtClean="0"/>
           </a:p>
           <a:p>
             <a:pPr lvl="1"/>
             <a:r>
-              <a:rPr lang="zh-CN" altLang="en-US" smtClean="0"/>
+              <a:rPr lang="zh-CN" altLang="en-US"/>
               <a:t>第二级</a:t>
             </a:r>
-            <a:endParaRPr lang="zh-CN" altLang="en-US" smtClean="0"/>
           </a:p>
           <a:p>
             <a:pPr lvl="2"/>
             <a:r>
-              <a:rPr lang="zh-CN" altLang="en-US" smtClean="0"/>
+              <a:rPr lang="zh-CN" altLang="en-US"/>
               <a:t>第三级</a:t>
             </a:r>
-            <a:endParaRPr lang="zh-CN" altLang="en-US" smtClean="0"/>
           </a:p>
           <a:p>
             <a:pPr lvl="3"/>
             <a:r>
-              <a:rPr lang="zh-CN" altLang="en-US" smtClean="0"/>
+              <a:rPr lang="zh-CN" altLang="en-US"/>
               <a:t>第四级</a:t>
             </a:r>
-            <a:endParaRPr lang="zh-CN" altLang="en-US" smtClean="0"/>
           </a:p>
           <a:p>
             <a:pPr lvl="4"/>
             <a:r>
-              <a:rPr lang="zh-CN" altLang="en-US" smtClean="0"/>
+              <a:rPr lang="zh-CN" altLang="en-US"/>
               <a:t>第五级</a:t>
             </a:r>
-            <a:endParaRPr lang="zh-CN" altLang="en-US"/>
           </a:p>
         </p:txBody>
       </p:sp>
@@ -5138,42 +5142,37 @@
           <a:p>
             <a:pPr lvl="0"/>
             <a:r>
-              <a:rPr lang="zh-CN" altLang="en-US" smtClean="0"/>
+              <a:rPr lang="zh-CN" altLang="en-US"/>
               <a:t>单击此处编辑母版文本样式</a:t>
             </a:r>
-            <a:endParaRPr lang="zh-CN" altLang="en-US" smtClean="0"/>
           </a:p>
           <a:p>
             <a:pPr lvl="1"/>
             <a:r>
-              <a:rPr lang="zh-CN" altLang="en-US" smtClean="0"/>
+              <a:rPr lang="zh-CN" altLang="en-US"/>
               <a:t>第二级</a:t>
             </a:r>
-            <a:endParaRPr lang="zh-CN" altLang="en-US" smtClean="0"/>
           </a:p>
           <a:p>
             <a:pPr lvl="2"/>
             <a:r>
-              <a:rPr lang="zh-CN" altLang="en-US" smtClean="0"/>
+              <a:rPr lang="zh-CN" altLang="en-US"/>
               <a:t>第三级</a:t>
             </a:r>
-            <a:endParaRPr lang="zh-CN" altLang="en-US" smtClean="0"/>
           </a:p>
           <a:p>
             <a:pPr lvl="3"/>
             <a:r>
-              <a:rPr lang="zh-CN" altLang="en-US" smtClean="0"/>
+              <a:rPr lang="zh-CN" altLang="en-US"/>
               <a:t>第四级</a:t>
             </a:r>
-            <a:endParaRPr lang="zh-CN" altLang="en-US" smtClean="0"/>
           </a:p>
           <a:p>
             <a:pPr lvl="4"/>
             <a:r>
-              <a:rPr lang="zh-CN" altLang="en-US" smtClean="0"/>
+              <a:rPr lang="zh-CN" altLang="en-US"/>
               <a:t>第五级</a:t>
             </a:r>
-            <a:endParaRPr lang="zh-CN" altLang="en-US"/>
           </a:p>
         </p:txBody>
       </p:sp>
@@ -5194,6 +5193,7 @@
           <a:p>
             <a:fld id="{530820CF-B880-4189-942D-D702A7CBA730}" type="datetimeFigureOut">
               <a:rPr lang="zh-CN" altLang="en-US" smtClean="0"/>
+              <a:t>2017/8/19</a:t>
             </a:fld>
             <a:endParaRPr lang="zh-CN" altLang="en-US"/>
           </a:p>
@@ -5235,6 +5235,7 @@
           <a:p>
             <a:fld id="{0C913308-F349-4B6D-A68A-DD1791B4A57B}" type="slidenum">
               <a:rPr lang="zh-CN" altLang="en-US" smtClean="0"/>
+              <a:t>‹#›</a:t>
             </a:fld>
             <a:endParaRPr lang="zh-CN" altLang="en-US"/>
           </a:p>
@@ -5245,13 +5246,6 @@
   <p:clrMapOvr>
     <a:masterClrMapping/>
   </p:clrMapOvr>
-  <p:timing>
-    <p:tnLst>
-      <p:par>
-        <p:cTn id="1" dur="indefinite" restart="never" nodeType="tmRoot"/>
-      </p:par>
-    </p:tnLst>
-  </p:timing>
 </p:sldLayout>
 </file>
 
@@ -5292,10 +5286,9 @@
           </a:lstStyle>
           <a:p>
             <a:r>
-              <a:rPr lang="zh-CN" altLang="en-US" smtClean="0"/>
+              <a:rPr lang="zh-CN" altLang="en-US"/>
               <a:t>单击此处编辑母版标题样式</a:t>
             </a:r>
-            <a:endParaRPr lang="zh-CN" altLang="en-US"/>
           </a:p>
         </p:txBody>
       </p:sp>
@@ -5358,10 +5351,9 @@
           <a:p>
             <a:pPr lvl="0"/>
             <a:r>
-              <a:rPr lang="zh-CN" altLang="en-US" smtClean="0"/>
+              <a:rPr lang="zh-CN" altLang="en-US"/>
               <a:t>单击此处编辑母版文本样式</a:t>
             </a:r>
-            <a:endParaRPr lang="zh-CN" altLang="en-US" smtClean="0"/>
           </a:p>
         </p:txBody>
       </p:sp>
@@ -5415,42 +5407,37 @@
           <a:p>
             <a:pPr lvl="0"/>
             <a:r>
-              <a:rPr lang="zh-CN" altLang="en-US" smtClean="0"/>
+              <a:rPr lang="zh-CN" altLang="en-US"/>
               <a:t>单击此处编辑母版文本样式</a:t>
             </a:r>
-            <a:endParaRPr lang="zh-CN" altLang="en-US" smtClean="0"/>
           </a:p>
           <a:p>
             <a:pPr lvl="1"/>
             <a:r>
-              <a:rPr lang="zh-CN" altLang="en-US" smtClean="0"/>
+              <a:rPr lang="zh-CN" altLang="en-US"/>
               <a:t>第二级</a:t>
             </a:r>
-            <a:endParaRPr lang="zh-CN" altLang="en-US" smtClean="0"/>
           </a:p>
           <a:p>
             <a:pPr lvl="2"/>
             <a:r>
-              <a:rPr lang="zh-CN" altLang="en-US" smtClean="0"/>
+              <a:rPr lang="zh-CN" altLang="en-US"/>
               <a:t>第三级</a:t>
             </a:r>
-            <a:endParaRPr lang="zh-CN" altLang="en-US" smtClean="0"/>
           </a:p>
           <a:p>
             <a:pPr lvl="3"/>
             <a:r>
-              <a:rPr lang="zh-CN" altLang="en-US" smtClean="0"/>
+              <a:rPr lang="zh-CN" altLang="en-US"/>
               <a:t>第四级</a:t>
             </a:r>
-            <a:endParaRPr lang="zh-CN" altLang="en-US" smtClean="0"/>
           </a:p>
           <a:p>
             <a:pPr lvl="4"/>
             <a:r>
-              <a:rPr lang="zh-CN" altLang="en-US" smtClean="0"/>
+              <a:rPr lang="zh-CN" altLang="en-US"/>
               <a:t>第五级</a:t>
             </a:r>
-            <a:endParaRPr lang="zh-CN" altLang="en-US"/>
           </a:p>
         </p:txBody>
       </p:sp>
@@ -5513,10 +5500,9 @@
           <a:p>
             <a:pPr lvl="0"/>
             <a:r>
-              <a:rPr lang="zh-CN" altLang="en-US" smtClean="0"/>
+              <a:rPr lang="zh-CN" altLang="en-US"/>
               <a:t>单击此处编辑母版文本样式</a:t>
             </a:r>
-            <a:endParaRPr lang="zh-CN" altLang="en-US" smtClean="0"/>
           </a:p>
         </p:txBody>
       </p:sp>
@@ -5570,42 +5556,37 @@
           <a:p>
             <a:pPr lvl="0"/>
             <a:r>
-              <a:rPr lang="zh-CN" altLang="en-US" dirty="0" smtClean="0"/>
+              <a:rPr lang="zh-CN" altLang="en-US" dirty="0"/>
               <a:t>单击此处编辑母版文本样式</a:t>
             </a:r>
-            <a:endParaRPr lang="zh-CN" altLang="en-US" dirty="0" smtClean="0"/>
           </a:p>
           <a:p>
             <a:pPr lvl="1"/>
             <a:r>
-              <a:rPr lang="zh-CN" altLang="en-US" dirty="0" smtClean="0"/>
+              <a:rPr lang="zh-CN" altLang="en-US" dirty="0"/>
               <a:t>第二级</a:t>
             </a:r>
-            <a:endParaRPr lang="zh-CN" altLang="en-US" dirty="0" smtClean="0"/>
           </a:p>
           <a:p>
             <a:pPr lvl="2"/>
             <a:r>
-              <a:rPr lang="zh-CN" altLang="en-US" dirty="0" smtClean="0"/>
+              <a:rPr lang="zh-CN" altLang="en-US" dirty="0"/>
               <a:t>第三级</a:t>
             </a:r>
-            <a:endParaRPr lang="zh-CN" altLang="en-US" dirty="0" smtClean="0"/>
           </a:p>
           <a:p>
             <a:pPr lvl="3"/>
             <a:r>
-              <a:rPr lang="zh-CN" altLang="en-US" dirty="0" smtClean="0"/>
+              <a:rPr lang="zh-CN" altLang="en-US" dirty="0"/>
               <a:t>第四级</a:t>
             </a:r>
-            <a:endParaRPr lang="zh-CN" altLang="en-US" dirty="0" smtClean="0"/>
           </a:p>
           <a:p>
             <a:pPr lvl="4"/>
             <a:r>
-              <a:rPr lang="zh-CN" altLang="en-US" dirty="0" smtClean="0"/>
+              <a:rPr lang="zh-CN" altLang="en-US" dirty="0"/>
               <a:t>第五级</a:t>
             </a:r>
-            <a:endParaRPr lang="zh-CN" altLang="en-US" dirty="0"/>
           </a:p>
         </p:txBody>
       </p:sp>
@@ -5626,6 +5607,7 @@
           <a:p>
             <a:fld id="{530820CF-B880-4189-942D-D702A7CBA730}" type="datetimeFigureOut">
               <a:rPr lang="zh-CN" altLang="en-US" smtClean="0"/>
+              <a:t>2017/8/19</a:t>
             </a:fld>
             <a:endParaRPr lang="zh-CN" altLang="en-US"/>
           </a:p>
@@ -5667,6 +5649,7 @@
           <a:p>
             <a:fld id="{0C913308-F349-4B6D-A68A-DD1791B4A57B}" type="slidenum">
               <a:rPr lang="zh-CN" altLang="en-US" smtClean="0"/>
+              <a:t>‹#›</a:t>
             </a:fld>
             <a:endParaRPr lang="zh-CN" altLang="en-US"/>
           </a:p>
@@ -5677,13 +5660,6 @@
   <p:clrMapOvr>
     <a:masterClrMapping/>
   </p:clrMapOvr>
-  <p:timing>
-    <p:tnLst>
-      <p:par>
-        <p:cTn id="1" dur="indefinite" restart="never" nodeType="tmRoot"/>
-      </p:par>
-    </p:tnLst>
-  </p:timing>
 </p:sldLayout>
 </file>
 
@@ -5720,10 +5696,9 @@
           <a:lstStyle/>
           <a:p>
             <a:r>
-              <a:rPr lang="zh-CN" altLang="en-US" smtClean="0"/>
+              <a:rPr lang="zh-CN" altLang="en-US"/>
               <a:t>单击此处编辑母版标题样式</a:t>
             </a:r>
-            <a:endParaRPr lang="zh-CN" altLang="en-US"/>
           </a:p>
         </p:txBody>
       </p:sp>
@@ -5744,6 +5719,7 @@
           <a:p>
             <a:fld id="{530820CF-B880-4189-942D-D702A7CBA730}" type="datetimeFigureOut">
               <a:rPr lang="zh-CN" altLang="en-US" smtClean="0"/>
+              <a:t>2017/8/19</a:t>
             </a:fld>
             <a:endParaRPr lang="zh-CN" altLang="en-US"/>
           </a:p>
@@ -5785,6 +5761,7 @@
           <a:p>
             <a:fld id="{0C913308-F349-4B6D-A68A-DD1791B4A57B}" type="slidenum">
               <a:rPr lang="zh-CN" altLang="en-US" smtClean="0"/>
+              <a:t>‹#›</a:t>
             </a:fld>
             <a:endParaRPr lang="zh-CN" altLang="en-US"/>
           </a:p>
@@ -5795,13 +5772,6 @@
   <p:clrMapOvr>
     <a:masterClrMapping/>
   </p:clrMapOvr>
-  <p:timing>
-    <p:tnLst>
-      <p:par>
-        <p:cTn id="1" dur="indefinite" restart="never" nodeType="tmRoot"/>
-      </p:par>
-    </p:tnLst>
-  </p:timing>
 </p:sldLayout>
 </file>
 
@@ -5839,6 +5809,7 @@
           <a:p>
             <a:fld id="{530820CF-B880-4189-942D-D702A7CBA730}" type="datetimeFigureOut">
               <a:rPr lang="zh-CN" altLang="en-US" smtClean="0"/>
+              <a:t>2017/8/19</a:t>
             </a:fld>
             <a:endParaRPr lang="zh-CN" altLang="en-US"/>
           </a:p>
@@ -5880,6 +5851,7 @@
           <a:p>
             <a:fld id="{0C913308-F349-4B6D-A68A-DD1791B4A57B}" type="slidenum">
               <a:rPr lang="zh-CN" altLang="en-US" smtClean="0"/>
+              <a:t>‹#›</a:t>
             </a:fld>
             <a:endParaRPr lang="zh-CN" altLang="en-US"/>
           </a:p>
@@ -5890,13 +5862,6 @@
   <p:clrMapOvr>
     <a:masterClrMapping/>
   </p:clrMapOvr>
-  <p:timing>
-    <p:tnLst>
-      <p:par>
-        <p:cTn id="1" dur="indefinite" restart="never" nodeType="tmRoot"/>
-      </p:par>
-    </p:tnLst>
-  </p:timing>
 </p:sldLayout>
 </file>
 
@@ -5906,7 +5871,7 @@
     <p:bg>
       <p:bgPr>
         <a:blipFill dpi="0" rotWithShape="1">
-          <a:blip r:embed="rId8" cstate="print">
+          <a:blip r:embed="rId9" cstate="print">
             <a:lum/>
           </a:blip>
           <a:srcRect/>
@@ -5957,10 +5922,9 @@
           <a:lstStyle/>
           <a:p>
             <a:r>
-              <a:rPr lang="zh-CN" altLang="en-US" dirty="0" smtClean="0"/>
+              <a:rPr lang="zh-CN" altLang="en-US" dirty="0"/>
               <a:t>单击此处编辑母版标题样式</a:t>
             </a:r>
-            <a:endParaRPr lang="zh-CN" altLang="en-US" dirty="0"/>
           </a:p>
         </p:txBody>
       </p:sp>
@@ -5991,42 +5955,37 @@
           <a:p>
             <a:pPr lvl="0"/>
             <a:r>
-              <a:rPr lang="zh-CN" altLang="en-US" dirty="0" smtClean="0"/>
+              <a:rPr lang="zh-CN" altLang="en-US" dirty="0"/>
               <a:t>单击此处编辑母版文本样式</a:t>
             </a:r>
-            <a:endParaRPr lang="zh-CN" altLang="en-US" dirty="0" smtClean="0"/>
           </a:p>
           <a:p>
             <a:pPr lvl="1"/>
             <a:r>
-              <a:rPr lang="zh-CN" altLang="en-US" dirty="0" smtClean="0"/>
+              <a:rPr lang="zh-CN" altLang="en-US" dirty="0"/>
               <a:t>第二级</a:t>
             </a:r>
-            <a:endParaRPr lang="zh-CN" altLang="en-US" dirty="0" smtClean="0"/>
           </a:p>
           <a:p>
             <a:pPr lvl="2"/>
             <a:r>
-              <a:rPr lang="zh-CN" altLang="en-US" dirty="0" smtClean="0"/>
+              <a:rPr lang="zh-CN" altLang="en-US" dirty="0"/>
               <a:t>第三级</a:t>
             </a:r>
-            <a:endParaRPr lang="zh-CN" altLang="en-US" dirty="0" smtClean="0"/>
           </a:p>
           <a:p>
             <a:pPr lvl="3"/>
             <a:r>
-              <a:rPr lang="zh-CN" altLang="en-US" dirty="0" smtClean="0"/>
+              <a:rPr lang="zh-CN" altLang="en-US" dirty="0"/>
               <a:t>第四级</a:t>
             </a:r>
-            <a:endParaRPr lang="zh-CN" altLang="en-US" dirty="0" smtClean="0"/>
           </a:p>
           <a:p>
             <a:pPr lvl="4"/>
             <a:r>
-              <a:rPr lang="zh-CN" altLang="en-US" dirty="0" smtClean="0"/>
+              <a:rPr lang="zh-CN" altLang="en-US" dirty="0"/>
               <a:t>第五级</a:t>
             </a:r>
-            <a:endParaRPr lang="zh-CN" altLang="en-US" dirty="0"/>
           </a:p>
         </p:txBody>
       </p:sp>
@@ -6066,6 +6025,7 @@
           <a:p>
             <a:fld id="{530820CF-B880-4189-942D-D702A7CBA730}" type="datetimeFigureOut">
               <a:rPr lang="zh-CN" altLang="en-US" smtClean="0"/>
+              <a:t>2017/8/19</a:t>
             </a:fld>
             <a:endParaRPr lang="zh-CN" altLang="en-US" dirty="0"/>
           </a:p>
@@ -6145,6 +6105,7 @@
           <a:p>
             <a:fld id="{0C913308-F349-4B6D-A68A-DD1791B4A57B}" type="slidenum">
               <a:rPr lang="zh-CN" altLang="en-US" smtClean="0"/>
+              <a:t>‹#›</a:t>
             </a:fld>
             <a:endParaRPr lang="zh-CN" altLang="en-US" dirty="0"/>
           </a:p>
@@ -6162,13 +6123,6 @@
     <p:sldLayoutId id="2147483654" r:id="rId6"/>
     <p:sldLayoutId id="2147483655" r:id="rId7"/>
   </p:sldLayoutIdLst>
-  <p:timing>
-    <p:tnLst>
-      <p:par>
-        <p:cTn id="1" dur="indefinite" restart="never" nodeType="tmRoot"/>
-      </p:par>
-    </p:tnLst>
-  </p:timing>
   <p:txStyles>
     <p:titleStyle>
       <a:lvl1pPr algn="l" defTabSz="914400" rtl="0" eaLnBrk="1" latinLnBrk="0" hangingPunct="1">
@@ -6519,7 +6473,6 @@
               <a:rPr lang="zh-CN" altLang="en-US" sz="4000" dirty="0"/>
               <a:t>培训与实战</a:t>
             </a:r>
-            <a:endParaRPr lang="zh-CN" altLang="en-US" sz="4000" dirty="0"/>
           </a:p>
         </p:txBody>
       </p:sp>
@@ -6528,25 +6481,18 @@
   <p:clrMapOvr>
     <a:masterClrMapping/>
   </p:clrMapOvr>
-  <mc:AlternateContent xmlns:mc="http://schemas.openxmlformats.org/markup-compatibility/2006">
-    <mc:Choice xmlns:p14="http://schemas.microsoft.com/office/powerpoint/2010/main" Requires="p14">
+  <mc:AlternateContent xmlns:mc="http://schemas.openxmlformats.org/markup-compatibility/2006" xmlns:p14="http://schemas.microsoft.com/office/powerpoint/2010/main">
+    <mc:Choice Requires="p14">
       <p:transition spd="slow" p14:dur="1400">
         <p14:ripple/>
       </p:transition>
     </mc:Choice>
-    <mc:Fallback>
+    <mc:Fallback xmlns="">
       <p:transition spd="slow">
         <p:fade/>
       </p:transition>
     </mc:Fallback>
   </mc:AlternateContent>
-  <p:timing>
-    <p:tnLst>
-      <p:par>
-        <p:cTn id="1" dur="indefinite" restart="never" nodeType="tmRoot"/>
-      </p:par>
-    </p:tnLst>
-  </p:timing>
 </p:sld>
 </file>
 
@@ -6559,7 +6505,14 @@
         <p:cNvGrpSpPr/>
         <p:nvPr/>
       </p:nvGrpSpPr>
-      <p:grpSpPr/>
+      <p:grpSpPr>
+        <a:xfrm>
+          <a:off x="0" y="0"/>
+          <a:ext cx="0" cy="0"/>
+          <a:chOff x="0" y="0"/>
+          <a:chExt cx="0" cy="0"/>
+        </a:xfrm>
+      </p:grpSpPr>
       <p:sp>
         <p:nvSpPr>
           <p:cNvPr id="2" name="标题 1"/>
@@ -6575,6 +6528,7 @@
           <a:bodyPr>
             <a:normAutofit/>
           </a:bodyPr>
+          <a:lstStyle/>
           <a:p>
             <a:r>
               <a:rPr lang="en-US" altLang="zh-CN"/>
@@ -6584,7 +6538,6 @@
               <a:rPr lang="zh-CN" altLang="zh-CN"/>
               <a:t>技术架构</a:t>
             </a:r>
-            <a:endParaRPr lang="zh-CN" altLang="zh-CN"/>
           </a:p>
         </p:txBody>
       </p:sp>
@@ -6626,13 +6579,13 @@
         </p:style>
         <p:txBody>
           <a:bodyPr rtlCol="0" anchor="ctr"/>
+          <a:lstStyle/>
           <a:p>
             <a:pPr algn="ctr"/>
             <a:r>
               <a:rPr lang="zh-CN" altLang="en-US"/>
               <a:t>暴露接口</a:t>
             </a:r>
-            <a:endParaRPr lang="zh-CN" altLang="en-US"/>
           </a:p>
         </p:txBody>
       </p:sp>
@@ -6672,13 +6625,13 @@
         </p:style>
         <p:txBody>
           <a:bodyPr rtlCol="0" anchor="ctr"/>
+          <a:lstStyle/>
           <a:p>
             <a:pPr algn="ctr"/>
             <a:r>
               <a:rPr lang="zh-CN" altLang="en-US"/>
               <a:t>服务注册</a:t>
             </a:r>
-            <a:endParaRPr lang="zh-CN" altLang="en-US"/>
           </a:p>
         </p:txBody>
       </p:sp>
@@ -6718,13 +6671,13 @@
         </p:style>
         <p:txBody>
           <a:bodyPr rtlCol="0" anchor="ctr"/>
+          <a:lstStyle/>
           <a:p>
             <a:pPr algn="ctr"/>
             <a:r>
               <a:rPr lang="zh-CN" altLang="en-US"/>
               <a:t>传输</a:t>
             </a:r>
-            <a:endParaRPr lang="zh-CN" altLang="en-US"/>
           </a:p>
         </p:txBody>
       </p:sp>
@@ -6764,13 +6717,13 @@
         </p:style>
         <p:txBody>
           <a:bodyPr rtlCol="0" anchor="ctr"/>
+          <a:lstStyle/>
           <a:p>
             <a:pPr algn="ctr"/>
             <a:r>
               <a:rPr lang="zh-CN" altLang="en-US"/>
               <a:t>序列化</a:t>
             </a:r>
-            <a:endParaRPr lang="zh-CN" altLang="en-US"/>
           </a:p>
         </p:txBody>
       </p:sp>
@@ -6812,17 +6765,13 @@
         </p:style>
         <p:txBody>
           <a:bodyPr rtlCol="0" anchor="ctr"/>
+          <a:lstStyle/>
           <a:p>
             <a:pPr algn="ctr"/>
             <a:r>
               <a:rPr lang="zh-CN" altLang="en-US"/>
-              <a:t>代理</a:t>
-            </a:r>
-            <a:r>
-              <a:rPr lang="zh-CN" altLang="en-US"/>
-              <a:t>接口</a:t>
-            </a:r>
-            <a:endParaRPr lang="zh-CN" altLang="en-US"/>
+              <a:t>代理接口</a:t>
+            </a:r>
           </a:p>
         </p:txBody>
       </p:sp>
@@ -6862,13 +6811,13 @@
         </p:style>
         <p:txBody>
           <a:bodyPr rtlCol="0" anchor="ctr"/>
+          <a:lstStyle/>
           <a:p>
             <a:pPr algn="ctr"/>
             <a:r>
               <a:rPr lang="zh-CN" altLang="en-US"/>
               <a:t>服务发现</a:t>
             </a:r>
-            <a:endParaRPr lang="zh-CN" altLang="en-US"/>
           </a:p>
         </p:txBody>
       </p:sp>
@@ -6908,13 +6857,13 @@
         </p:style>
         <p:txBody>
           <a:bodyPr rtlCol="0" anchor="ctr"/>
+          <a:lstStyle/>
           <a:p>
             <a:pPr algn="ctr"/>
             <a:r>
               <a:rPr lang="zh-CN" altLang="en-US"/>
               <a:t>传输</a:t>
             </a:r>
-            <a:endParaRPr lang="zh-CN" altLang="en-US"/>
           </a:p>
         </p:txBody>
       </p:sp>
@@ -6954,13 +6903,13 @@
         </p:style>
         <p:txBody>
           <a:bodyPr rtlCol="0" anchor="ctr"/>
+          <a:lstStyle/>
           <a:p>
             <a:pPr algn="ctr"/>
             <a:r>
               <a:rPr lang="zh-CN" altLang="en-US"/>
               <a:t>序列化</a:t>
             </a:r>
-            <a:endParaRPr lang="zh-CN" altLang="en-US"/>
           </a:p>
         </p:txBody>
       </p:sp>
@@ -6984,12 +6933,12 @@
           <a:bodyPr wrap="none" rtlCol="0">
             <a:spAutoFit/>
           </a:bodyPr>
+          <a:lstStyle/>
           <a:p>
             <a:r>
               <a:rPr lang="zh-CN" altLang="en-US"/>
               <a:t>服务提供方</a:t>
             </a:r>
-            <a:endParaRPr lang="zh-CN" altLang="en-US"/>
           </a:p>
         </p:txBody>
       </p:sp>
@@ -7013,12 +6962,12 @@
           <a:bodyPr wrap="none" rtlCol="0">
             <a:spAutoFit/>
           </a:bodyPr>
+          <a:lstStyle/>
           <a:p>
             <a:r>
               <a:rPr lang="zh-CN" altLang="en-US"/>
               <a:t>服务消费方</a:t>
             </a:r>
-            <a:endParaRPr lang="zh-CN" altLang="en-US"/>
           </a:p>
         </p:txBody>
       </p:sp>
@@ -7060,6 +7009,7 @@
         </p:style>
         <p:txBody>
           <a:bodyPr rtlCol="0" anchor="ctr"/>
+          <a:lstStyle/>
           <a:p>
             <a:pPr algn="ctr"/>
             <a:endParaRPr lang="zh-CN" altLang="en-US"/>
@@ -7086,12 +7036,12 @@
           <a:bodyPr wrap="none" rtlCol="0">
             <a:spAutoFit/>
           </a:bodyPr>
+          <a:lstStyle/>
           <a:p>
             <a:r>
               <a:rPr lang="en-US" altLang="en-US"/>
               <a:t>Service, Reference</a:t>
             </a:r>
-            <a:endParaRPr lang="en-US" altLang="en-US"/>
           </a:p>
         </p:txBody>
       </p:sp>
@@ -7131,6 +7081,7 @@
         </p:style>
         <p:txBody>
           <a:bodyPr rtlCol="0" anchor="ctr"/>
+          <a:lstStyle/>
           <a:p>
             <a:pPr algn="ctr"/>
             <a:endParaRPr lang="zh-CN" altLang="en-US"/>
@@ -7173,6 +7124,7 @@
         </p:style>
         <p:txBody>
           <a:bodyPr rtlCol="0" anchor="ctr"/>
+          <a:lstStyle/>
           <a:p>
             <a:pPr algn="ctr"/>
             <a:endParaRPr lang="zh-CN" altLang="en-US"/>
@@ -7215,6 +7167,7 @@
         </p:style>
         <p:txBody>
           <a:bodyPr rtlCol="0" anchor="ctr"/>
+          <a:lstStyle/>
           <a:p>
             <a:pPr algn="ctr"/>
             <a:endParaRPr lang="zh-CN" altLang="en-US"/>
@@ -7241,12 +7194,12 @@
           <a:bodyPr wrap="none" rtlCol="0">
             <a:spAutoFit/>
           </a:bodyPr>
+          <a:lstStyle/>
           <a:p>
             <a:r>
               <a:rPr lang="en-US" altLang="zh-CN"/>
               <a:t>Zookeeper</a:t>
             </a:r>
-            <a:endParaRPr lang="en-US" altLang="zh-CN"/>
           </a:p>
         </p:txBody>
       </p:sp>
@@ -7259,7 +7212,7 @@
         <p:spPr>
           <a:xfrm>
             <a:off x="3451860" y="3518535"/>
-            <a:ext cx="2468880" cy="368300"/>
+            <a:ext cx="2350452" cy="369332"/>
           </a:xfrm>
           <a:prstGeom prst="rect">
             <a:avLst/>
@@ -7270,12 +7223,13 @@
           <a:bodyPr wrap="none" rtlCol="0">
             <a:spAutoFit/>
           </a:bodyPr>
-          <a:p>
-            <a:r>
-              <a:rPr lang="en-US" altLang="zh-CN"/>
-              <a:t>Netty,Mina,dubbo,rmi</a:t>
-            </a:r>
-            <a:endParaRPr lang="en-US" altLang="zh-CN"/>
+          <a:lstStyle/>
+          <a:p>
+            <a:r>
+              <a:rPr lang="en-US" altLang="zh-CN" dirty="0" err="1"/>
+              <a:t>Netty,Mina,dubbo,http</a:t>
+            </a:r>
+            <a:endParaRPr lang="en-US" altLang="zh-CN" dirty="0"/>
           </a:p>
         </p:txBody>
       </p:sp>
@@ -7288,7 +7242,7 @@
         <p:spPr>
           <a:xfrm>
             <a:off x="3404235" y="3947795"/>
-            <a:ext cx="2697480" cy="368300"/>
+            <a:ext cx="2985304" cy="369332"/>
           </a:xfrm>
           <a:prstGeom prst="rect">
             <a:avLst/>
@@ -7299,12 +7253,17 @@
           <a:bodyPr wrap="none" rtlCol="0">
             <a:spAutoFit/>
           </a:bodyPr>
-          <a:p>
-            <a:r>
-              <a:rPr lang="en-US" altLang="zh-CN"/>
-              <a:t>hessian, protobuf,java</a:t>
-            </a:r>
-            <a:endParaRPr lang="en-US" altLang="zh-CN"/>
+          <a:lstStyle/>
+          <a:p>
+            <a:r>
+              <a:rPr lang="en-US" altLang="zh-CN" dirty="0"/>
+              <a:t>hessian, </a:t>
+            </a:r>
+            <a:r>
+              <a:rPr lang="en-US" altLang="zh-CN" dirty="0" err="1"/>
+              <a:t>protobuf,thrift,injvm</a:t>
+            </a:r>
+            <a:endParaRPr lang="en-US" altLang="zh-CN" dirty="0"/>
           </a:p>
         </p:txBody>
       </p:sp>
@@ -7354,22 +7313,21 @@
           <a:lstStyle/>
           <a:p>
             <a:r>
-              <a:rPr lang="en-US" altLang="zh-CN" dirty="0" smtClean="0"/>
+              <a:rPr lang="en-US" altLang="zh-CN" dirty="0"/>
               <a:t>Dubbo</a:t>
             </a:r>
             <a:r>
-              <a:rPr lang="zh-CN" altLang="en-US" dirty="0" smtClean="0"/>
+              <a:rPr lang="zh-CN" altLang="en-US" dirty="0"/>
               <a:t>基本原理</a:t>
             </a:r>
             <a:r>
-              <a:rPr lang="en-US" altLang="zh-CN" dirty="0" smtClean="0"/>
+              <a:rPr lang="en-US" altLang="zh-CN" dirty="0"/>
               <a:t>-</a:t>
             </a:r>
             <a:r>
-              <a:rPr lang="zh-CN" altLang="en-US" dirty="0" smtClean="0"/>
+              <a:rPr lang="zh-CN" altLang="en-US" dirty="0"/>
               <a:t>分布式服务框架</a:t>
             </a:r>
-            <a:endParaRPr lang="zh-CN" altLang="en-US" dirty="0"/>
           </a:p>
         </p:txBody>
       </p:sp>
@@ -7413,12 +7371,6 @@
               </a:rPr>
               <a:t>Service</a:t>
             </a:r>
-            <a:endParaRPr lang="en-US" altLang="zh-CN" sz="1200" b="1" dirty="0">
-              <a:solidFill>
-                <a:srgbClr val="FFFFFF"/>
-              </a:solidFill>
-              <a:latin typeface="Trebuchet MS" panose="020B0603020202020204" pitchFamily="34" charset="0"/>
-            </a:endParaRPr>
           </a:p>
           <a:p>
             <a:pPr algn="ctr"/>
@@ -7431,12 +7383,6 @@
               </a:rPr>
               <a:t>Consumer</a:t>
             </a:r>
-            <a:endParaRPr lang="en-US" altLang="zh-CN" sz="1200" b="1" dirty="0">
-              <a:solidFill>
-                <a:srgbClr val="FFFFFF"/>
-              </a:solidFill>
-              <a:latin typeface="Trebuchet MS" panose="020B0603020202020204" pitchFamily="34" charset="0"/>
-            </a:endParaRPr>
           </a:p>
         </p:txBody>
       </p:sp>
@@ -7481,7 +7427,6 @@
               <a:rPr lang="en-US" sz="1400" dirty="0"/>
               <a:t>Dubbo</a:t>
             </a:r>
-            <a:endParaRPr lang="en-US" sz="1400" dirty="0"/>
           </a:p>
           <a:p>
             <a:pPr algn="ctr">
@@ -7535,12 +7480,6 @@
               </a:rPr>
               <a:t>Service</a:t>
             </a:r>
-            <a:endParaRPr lang="en-US" altLang="zh-CN" sz="1200" b="1" dirty="0">
-              <a:solidFill>
-                <a:srgbClr val="FFFFFF"/>
-              </a:solidFill>
-              <a:latin typeface="Trebuchet MS" panose="020B0603020202020204" pitchFamily="34" charset="0"/>
-            </a:endParaRPr>
           </a:p>
           <a:p>
             <a:pPr algn="ctr"/>
@@ -7553,12 +7492,6 @@
               </a:rPr>
               <a:t>Provider</a:t>
             </a:r>
-            <a:endParaRPr lang="en-US" altLang="zh-CN" sz="1200" b="1" dirty="0">
-              <a:solidFill>
-                <a:srgbClr val="FFFFFF"/>
-              </a:solidFill>
-              <a:latin typeface="Trebuchet MS" panose="020B0603020202020204" pitchFamily="34" charset="0"/>
-            </a:endParaRPr>
           </a:p>
         </p:txBody>
       </p:sp>
@@ -7665,12 +7598,6 @@
               </a:rPr>
               <a:t>Dubbo Invoker</a:t>
             </a:r>
-            <a:endParaRPr lang="en-US" altLang="zh-CN" sz="1200" b="1" dirty="0">
-              <a:solidFill>
-                <a:srgbClr val="FFFFFF"/>
-              </a:solidFill>
-              <a:latin typeface="Trebuchet MS" panose="020B0603020202020204" pitchFamily="34" charset="0"/>
-            </a:endParaRPr>
           </a:p>
         </p:txBody>
       </p:sp>
@@ -7720,12 +7647,6 @@
               </a:rPr>
               <a:t>Dubbo Exporter</a:t>
             </a:r>
-            <a:endParaRPr lang="en-US" altLang="zh-CN" sz="1200" b="1" dirty="0">
-              <a:solidFill>
-                <a:srgbClr val="FFFFFF"/>
-              </a:solidFill>
-              <a:latin typeface="Trebuchet MS" panose="020B0603020202020204" pitchFamily="34" charset="0"/>
-            </a:endParaRPr>
           </a:p>
         </p:txBody>
       </p:sp>
@@ -7763,34 +7684,26 @@
                 <a:ea typeface="+mj-ea"/>
                 <a:cs typeface="Apple LiGothic Medium"/>
               </a:rPr>
-              <a:t>2</a:t>
-            </a:r>
-            <a:r>
-              <a:rPr lang="en-US" altLang="zh-CN" sz="1400" dirty="0" smtClean="0">
+              <a:t>2.</a:t>
+            </a:r>
+            <a:r>
+              <a:rPr lang="zh-CN" altLang="en-US" sz="1400" dirty="0">
                 <a:latin typeface="+mj-ea"/>
                 <a:ea typeface="+mj-ea"/>
                 <a:cs typeface="Apple LiGothic Medium"/>
               </a:rPr>
-              <a:t>.</a:t>
-            </a:r>
-            <a:r>
-              <a:rPr lang="zh-CN" altLang="en-US" sz="1400" dirty="0" smtClean="0">
+              <a:t>启动时</a:t>
+            </a:r>
+            <a:r>
+              <a:rPr lang="en-US" sz="1400" dirty="0" err="1">
                 <a:latin typeface="+mj-ea"/>
                 <a:ea typeface="+mj-ea"/>
                 <a:cs typeface="Apple LiGothic Medium"/>
               </a:rPr>
-              <a:t>启动时</a:t>
-            </a:r>
-            <a:r>
-              <a:rPr lang="en-US" sz="1400" dirty="0" err="1" smtClean="0">
-                <a:latin typeface="+mj-ea"/>
-                <a:ea typeface="+mj-ea"/>
-                <a:cs typeface="Apple LiGothic Medium"/>
-              </a:rPr>
               <a:t>订阅服务</a:t>
             </a:r>
             <a:r>
-              <a:rPr lang="zh-CN" altLang="en-US" sz="1400" dirty="0" smtClean="0">
+              <a:rPr lang="zh-CN" altLang="en-US" sz="1400" dirty="0">
                 <a:latin typeface="+mj-ea"/>
                 <a:ea typeface="+mj-ea"/>
                 <a:cs typeface="Apple LiGothic Medium"/>
@@ -7839,34 +7752,26 @@
                 <a:ea typeface="+mj-ea"/>
                 <a:cs typeface="Apple LiGothic Medium"/>
               </a:rPr>
-              <a:t>1</a:t>
-            </a:r>
-            <a:r>
-              <a:rPr lang="en-US" altLang="zh-CN" sz="1400" dirty="0" smtClean="0">
+              <a:t>1.</a:t>
+            </a:r>
+            <a:r>
+              <a:rPr lang="zh-CN" altLang="en-US" sz="1400" dirty="0">
                 <a:latin typeface="+mj-ea"/>
                 <a:ea typeface="+mj-ea"/>
                 <a:cs typeface="Apple LiGothic Medium"/>
               </a:rPr>
-              <a:t>.</a:t>
-            </a:r>
-            <a:r>
-              <a:rPr lang="zh-CN" altLang="en-US" sz="1400" dirty="0" smtClean="0">
+              <a:t>启动时</a:t>
+            </a:r>
+            <a:r>
+              <a:rPr lang="en-US" sz="1400" dirty="0" err="1">
                 <a:latin typeface="+mj-ea"/>
                 <a:ea typeface="+mj-ea"/>
                 <a:cs typeface="Apple LiGothic Medium"/>
               </a:rPr>
-              <a:t>启动时</a:t>
-            </a:r>
-            <a:r>
-              <a:rPr lang="en-US" sz="1400" dirty="0" err="1" smtClean="0">
-                <a:latin typeface="+mj-ea"/>
-                <a:ea typeface="+mj-ea"/>
-                <a:cs typeface="Apple LiGothic Medium"/>
-              </a:rPr>
               <a:t>注册服务</a:t>
             </a:r>
             <a:r>
-              <a:rPr lang="zh-CN" altLang="en-US" sz="1400" dirty="0" smtClean="0">
+              <a:rPr lang="zh-CN" altLang="en-US" sz="1400" dirty="0">
                 <a:latin typeface="+mj-ea"/>
                 <a:ea typeface="+mj-ea"/>
                 <a:cs typeface="Apple LiGothic Medium"/>
@@ -7915,25 +7820,17 @@
                 <a:ea typeface="+mj-ea"/>
                 <a:cs typeface="Apple LiGothic Medium"/>
               </a:rPr>
-              <a:t>4</a:t>
-            </a:r>
-            <a:r>
-              <a:rPr lang="en-US" altLang="zh-CN" sz="1400" dirty="0" smtClean="0">
-                <a:latin typeface="+mj-ea"/>
-                <a:ea typeface="+mj-ea"/>
-                <a:cs typeface="Apple LiGothic Medium"/>
-              </a:rPr>
-              <a:t>.</a:t>
-            </a:r>
-            <a:r>
-              <a:rPr lang="zh-CN" altLang="en-US" sz="1400" dirty="0" smtClean="0">
+              <a:t>4.</a:t>
+            </a:r>
+            <a:r>
+              <a:rPr lang="zh-CN" altLang="en-US" sz="1400" dirty="0">
                 <a:latin typeface="+mj-ea"/>
                 <a:cs typeface="Apple LiGothic Medium"/>
               </a:rPr>
               <a:t>随机</a:t>
             </a:r>
             <a:r>
-              <a:rPr lang="zh-CN" altLang="en-US" sz="1400" dirty="0" smtClean="0">
+              <a:rPr lang="zh-CN" altLang="en-US" sz="1400" dirty="0">
                 <a:latin typeface="+mj-ea"/>
                 <a:ea typeface="+mj-ea"/>
                 <a:cs typeface="Apple LiGothic Medium"/>
@@ -7982,34 +7879,26 @@
                 <a:ea typeface="+mj-ea"/>
                 <a:cs typeface="Apple LiGothic Medium"/>
               </a:rPr>
-              <a:t>3</a:t>
-            </a:r>
-            <a:r>
-              <a:rPr lang="en-US" altLang="zh-CN" sz="1400" dirty="0" smtClean="0">
+              <a:t>3.</a:t>
+            </a:r>
+            <a:r>
+              <a:rPr lang="zh-CN" altLang="en-US" sz="1400" dirty="0">
                 <a:latin typeface="+mj-ea"/>
                 <a:ea typeface="+mj-ea"/>
                 <a:cs typeface="Apple LiGothic Medium"/>
               </a:rPr>
-              <a:t>.</a:t>
-            </a:r>
-            <a:r>
-              <a:rPr lang="zh-CN" altLang="en-US" sz="1400" dirty="0" smtClean="0">
+              <a:t>变更时</a:t>
+            </a:r>
+            <a:r>
+              <a:rPr lang="en-US" sz="1400" dirty="0">
                 <a:latin typeface="+mj-ea"/>
                 <a:ea typeface="+mj-ea"/>
                 <a:cs typeface="Apple LiGothic Medium"/>
               </a:rPr>
-              <a:t>变更时</a:t>
-            </a:r>
-            <a:r>
-              <a:rPr lang="en-US" sz="1400" dirty="0" smtClean="0">
-                <a:latin typeface="+mj-ea"/>
-                <a:ea typeface="+mj-ea"/>
-                <a:cs typeface="Apple LiGothic Medium"/>
-              </a:rPr>
               <a:t>推送服务</a:t>
             </a:r>
             <a:r>
-              <a:rPr lang="zh-CN" altLang="en-US" sz="1400" dirty="0" smtClean="0">
+              <a:rPr lang="zh-CN" altLang="en-US" sz="1400" dirty="0">
                 <a:latin typeface="+mj-ea"/>
                 <a:ea typeface="+mj-ea"/>
                 <a:cs typeface="Apple LiGothic Medium"/>
@@ -8062,10 +7951,9 @@
               <a:defRPr/>
             </a:pPr>
             <a:r>
-              <a:rPr lang="en-US" sz="1400" dirty="0" smtClean="0"/>
+              <a:rPr lang="en-US" sz="1400" dirty="0"/>
               <a:t>Dubbo</a:t>
             </a:r>
-            <a:endParaRPr lang="en-US" sz="1400" dirty="0"/>
           </a:p>
           <a:p>
             <a:pPr algn="ctr">
@@ -8079,7 +7967,6 @@
               <a:rPr lang="en-US" altLang="zh-CN" sz="1400" dirty="0"/>
               <a:t>onitor</a:t>
             </a:r>
-            <a:endParaRPr lang="en-US" altLang="zh-CN" sz="1400" dirty="0"/>
           </a:p>
         </p:txBody>
       </p:sp>
@@ -8173,18 +8060,10 @@
                 <a:ea typeface="+mj-ea"/>
                 <a:cs typeface="Apple LiGothic Medium"/>
               </a:rPr>
-              <a:t>5</a:t>
-            </a:r>
-            <a:r>
-              <a:rPr lang="en-US" altLang="zh-CN" sz="1400" dirty="0" smtClean="0">
-                <a:latin typeface="+mj-ea"/>
-                <a:ea typeface="+mj-ea"/>
-                <a:cs typeface="Apple LiGothic Medium"/>
-              </a:rPr>
-              <a:t>.</a:t>
-            </a:r>
-            <a:r>
-              <a:rPr lang="zh-CN" altLang="en-US" sz="1400" dirty="0" smtClean="0">
+              <a:t>5.</a:t>
+            </a:r>
+            <a:r>
+              <a:rPr lang="zh-CN" altLang="en-US" sz="1400" dirty="0">
                 <a:latin typeface="+mj-ea"/>
                 <a:ea typeface="+mj-ea"/>
                 <a:cs typeface="Apple LiGothic Medium"/>
@@ -8303,10 +8182,9 @@
           <a:lstStyle/>
           <a:p>
             <a:r>
-              <a:rPr lang="zh-CN" altLang="en-US" sz="1400" dirty="0" smtClean="0"/>
+              <a:rPr lang="zh-CN" altLang="en-US" sz="1400" dirty="0"/>
               <a:t>长连接</a:t>
             </a:r>
-            <a:endParaRPr lang="zh-CN" altLang="en-US" sz="1400" dirty="0"/>
           </a:p>
         </p:txBody>
       </p:sp>
@@ -8333,10 +8211,9 @@
           <a:lstStyle/>
           <a:p>
             <a:r>
-              <a:rPr lang="zh-CN" altLang="en-US" sz="1400" dirty="0" smtClean="0"/>
+              <a:rPr lang="zh-CN" altLang="en-US" sz="1400" dirty="0"/>
               <a:t>短连接</a:t>
             </a:r>
-            <a:endParaRPr lang="zh-CN" altLang="en-US" sz="1400" dirty="0"/>
           </a:p>
         </p:txBody>
       </p:sp>
@@ -8417,13 +8294,6 @@
   <p:clrMapOvr>
     <a:masterClrMapping/>
   </p:clrMapOvr>
-  <p:timing>
-    <p:tnLst>
-      <p:par>
-        <p:cTn id="1" dur="indefinite" restart="never" nodeType="tmRoot"/>
-      </p:par>
-    </p:tnLst>
-  </p:timing>
 </p:sld>
 </file>
 
@@ -8468,14 +8338,14 @@
           <a:p>
             <a:pPr algn="ctr"/>
             <a:r>
-              <a:rPr lang="en-US" altLang="zh-CN" sz="4000" dirty="0" smtClean="0"/>
+              <a:rPr lang="en-US" altLang="zh-CN" sz="4000" dirty="0"/>
               <a:t>4</a:t>
             </a:r>
             <a:r>
-              <a:rPr lang="zh-CN" altLang="en-US" sz="4000" dirty="0" smtClean="0"/>
+              <a:rPr lang="zh-CN" altLang="en-US" sz="4000" dirty="0"/>
               <a:t>、快速启动</a:t>
             </a:r>
-            <a:endParaRPr lang="en-US" altLang="zh-CN" sz="4000" dirty="0" smtClean="0"/>
+            <a:endParaRPr lang="en-US" altLang="zh-CN" sz="4000" dirty="0"/>
           </a:p>
         </p:txBody>
       </p:sp>
@@ -8484,13 +8354,6 @@
   <p:clrMapOvr>
     <a:masterClrMapping/>
   </p:clrMapOvr>
-  <p:timing>
-    <p:tnLst>
-      <p:par>
-        <p:cTn id="1" dur="indefinite" restart="never" nodeType="tmRoot"/>
-      </p:par>
-    </p:tnLst>
-  </p:timing>
 </p:sld>
 </file>
 
@@ -8533,10 +8396,10 @@
           <a:p>
             <a:pPr marL="514350" indent="-514350"/>
             <a:r>
-              <a:rPr lang="zh-CN" altLang="en-US" dirty="0" smtClean="0"/>
+              <a:rPr lang="zh-CN" altLang="en-US" dirty="0"/>
               <a:t>快速启动</a:t>
             </a:r>
-            <a:endParaRPr lang="en-US" altLang="zh-CN" dirty="0" smtClean="0"/>
+            <a:endParaRPr lang="en-US" altLang="zh-CN" dirty="0"/>
           </a:p>
         </p:txBody>
       </p:sp>
@@ -8563,7 +8426,7 @@
           <a:lstStyle/>
           <a:p>
             <a:r>
-              <a:rPr lang="zh-CN" altLang="en-US" sz="3600" dirty="0" smtClean="0">
+              <a:rPr lang="zh-CN" altLang="en-US" sz="3600" dirty="0">
                 <a:solidFill>
                   <a:schemeClr val="tx2">
                     <a:lumMod val="60000"/>
@@ -8575,7 +8438,7 @@
               </a:rPr>
               <a:t>快速启动</a:t>
             </a:r>
-            <a:endParaRPr lang="en-US" altLang="zh-CN" sz="3600" dirty="0" smtClean="0">
+            <a:endParaRPr lang="en-US" altLang="zh-CN" sz="3600" dirty="0">
               <a:solidFill>
                 <a:schemeClr val="tx2">
                   <a:lumMod val="60000"/>
@@ -8587,7 +8450,7 @@
             </a:endParaRPr>
           </a:p>
           <a:p>
-            <a:endParaRPr lang="en-US" altLang="zh-CN" sz="2400" dirty="0" smtClean="0">
+            <a:endParaRPr lang="en-US" altLang="zh-CN" sz="2400" dirty="0">
               <a:latin typeface="微软雅黑" panose="020B0503020204020204" pitchFamily="34" charset="-122"/>
               <a:ea typeface="微软雅黑" panose="020B0503020204020204" pitchFamily="34" charset="-122"/>
             </a:endParaRPr>
@@ -8666,13 +8529,6 @@
   <p:clrMapOvr>
     <a:masterClrMapping/>
   </p:clrMapOvr>
-  <p:timing>
-    <p:tnLst>
-      <p:par>
-        <p:cTn id="1" dur="indefinite" restart="never" nodeType="tmRoot"/>
-      </p:par>
-    </p:tnLst>
-  </p:timing>
 </p:sld>
 </file>
 
@@ -8717,14 +8573,14 @@
           <a:p>
             <a:pPr algn="ctr"/>
             <a:r>
-              <a:rPr lang="en-US" altLang="zh-CN" sz="4000" dirty="0" smtClean="0"/>
+              <a:rPr lang="en-US" altLang="zh-CN" sz="4000" dirty="0"/>
               <a:t>5</a:t>
             </a:r>
             <a:r>
-              <a:rPr lang="zh-CN" altLang="en-US" sz="4000" dirty="0" smtClean="0"/>
+              <a:rPr lang="zh-CN" altLang="en-US" sz="4000" dirty="0"/>
               <a:t>、服务提供者</a:t>
             </a:r>
-            <a:endParaRPr lang="en-US" altLang="zh-CN" sz="4000" dirty="0" smtClean="0"/>
+            <a:endParaRPr lang="en-US" altLang="zh-CN" sz="4000" dirty="0"/>
           </a:p>
         </p:txBody>
       </p:sp>
@@ -8733,13 +8589,6 @@
   <p:clrMapOvr>
     <a:masterClrMapping/>
   </p:clrMapOvr>
-  <p:timing>
-    <p:tnLst>
-      <p:par>
-        <p:cTn id="1" dur="indefinite" restart="never" nodeType="tmRoot"/>
-      </p:par>
-    </p:tnLst>
-  </p:timing>
 </p:sld>
 </file>
 
@@ -8782,10 +8631,10 @@
           <a:p>
             <a:pPr marL="514350" indent="-514350"/>
             <a:r>
-              <a:rPr lang="zh-CN" altLang="en-US" dirty="0" smtClean="0"/>
+              <a:rPr lang="zh-CN" altLang="en-US" dirty="0"/>
               <a:t>服务提供者</a:t>
             </a:r>
-            <a:endParaRPr lang="en-US" altLang="zh-CN" dirty="0" smtClean="0"/>
+            <a:endParaRPr lang="en-US" altLang="zh-CN" dirty="0"/>
           </a:p>
         </p:txBody>
       </p:sp>
@@ -8822,22 +8671,9 @@
                 <a:latin typeface="微软雅黑" panose="020B0503020204020204" pitchFamily="34" charset="-122"/>
                 <a:ea typeface="微软雅黑" panose="020B0503020204020204" pitchFamily="34" charset="-122"/>
               </a:rPr>
-              <a:t>定义服务</a:t>
-            </a:r>
-            <a:r>
-              <a:rPr lang="zh-CN" altLang="en-US" sz="3600" dirty="0" smtClean="0">
-                <a:solidFill>
-                  <a:schemeClr val="tx2">
-                    <a:lumMod val="60000"/>
-                    <a:lumOff val="40000"/>
-                  </a:schemeClr>
-                </a:solidFill>
-                <a:latin typeface="微软雅黑" panose="020B0503020204020204" pitchFamily="34" charset="-122"/>
-                <a:ea typeface="微软雅黑" panose="020B0503020204020204" pitchFamily="34" charset="-122"/>
-              </a:rPr>
-              <a:t>接口</a:t>
-            </a:r>
-            <a:endParaRPr lang="en-US" altLang="zh-CN" sz="3600" dirty="0" smtClean="0">
+              <a:t>定义服务接口</a:t>
+            </a:r>
+            <a:endParaRPr lang="en-US" altLang="zh-CN" sz="3600" dirty="0">
               <a:solidFill>
                 <a:schemeClr val="tx2">
                   <a:lumMod val="60000"/>
@@ -8849,7 +8685,7 @@
             </a:endParaRPr>
           </a:p>
           <a:p>
-            <a:endParaRPr lang="en-US" altLang="zh-CN" sz="2400" dirty="0" smtClean="0">
+            <a:endParaRPr lang="en-US" altLang="zh-CN" sz="2400" dirty="0">
               <a:latin typeface="微软雅黑" panose="020B0503020204020204" pitchFamily="34" charset="-122"/>
               <a:ea typeface="微软雅黑" panose="020B0503020204020204" pitchFamily="34" charset="-122"/>
             </a:endParaRPr>
@@ -8884,7 +8720,7 @@
           <p:nvPr/>
         </p:nvPicPr>
         <p:blipFill>
-          <a:blip r:embed="rId1" cstate="print">
+          <a:blip r:embed="rId3" cstate="print">
             <a:extLst>
               <a:ext uri="{28A0092B-C50C-407E-A947-70E740481C1C}">
                 <a14:useLocalDpi xmlns:a14="http://schemas.microsoft.com/office/drawing/2010/main" val="0"/>
@@ -8944,13 +8780,6 @@
   <p:clrMapOvr>
     <a:masterClrMapping/>
   </p:clrMapOvr>
-  <p:timing>
-    <p:tnLst>
-      <p:par>
-        <p:cTn id="1" dur="indefinite" restart="never" nodeType="tmRoot"/>
-      </p:par>
-    </p:tnLst>
-  </p:timing>
 </p:sld>
 </file>
 
@@ -8996,7 +8825,7 @@
               <a:rPr lang="zh-CN" altLang="en-US" dirty="0"/>
               <a:t>在服务提供方实现接口</a:t>
             </a:r>
-            <a:endParaRPr lang="en-US" altLang="zh-CN" dirty="0" smtClean="0"/>
+            <a:endParaRPr lang="en-US" altLang="zh-CN" dirty="0"/>
           </a:p>
         </p:txBody>
       </p:sp>
@@ -9033,22 +8862,9 @@
                 <a:latin typeface="微软雅黑" panose="020B0503020204020204" pitchFamily="34" charset="-122"/>
                 <a:ea typeface="微软雅黑" panose="020B0503020204020204" pitchFamily="34" charset="-122"/>
               </a:rPr>
-              <a:t>在服务提供方实现</a:t>
-            </a:r>
-            <a:r>
-              <a:rPr lang="zh-CN" altLang="en-US" sz="3600" dirty="0" smtClean="0">
-                <a:solidFill>
-                  <a:schemeClr val="tx2">
-                    <a:lumMod val="60000"/>
-                    <a:lumOff val="40000"/>
-                  </a:schemeClr>
-                </a:solidFill>
-                <a:latin typeface="微软雅黑" panose="020B0503020204020204" pitchFamily="34" charset="-122"/>
-                <a:ea typeface="微软雅黑" panose="020B0503020204020204" pitchFamily="34" charset="-122"/>
-              </a:rPr>
-              <a:t>接口</a:t>
-            </a:r>
-            <a:endParaRPr lang="en-US" altLang="zh-CN" sz="3600" dirty="0" smtClean="0">
+              <a:t>在服务提供方实现接口</a:t>
+            </a:r>
+            <a:endParaRPr lang="en-US" altLang="zh-CN" sz="3600" dirty="0">
               <a:solidFill>
                 <a:schemeClr val="tx2">
                   <a:lumMod val="60000"/>
@@ -9060,7 +8876,7 @@
             </a:endParaRPr>
           </a:p>
           <a:p>
-            <a:endParaRPr lang="en-US" altLang="zh-CN" sz="2400" dirty="0" smtClean="0">
+            <a:endParaRPr lang="en-US" altLang="zh-CN" sz="2400" dirty="0">
               <a:latin typeface="微软雅黑" panose="020B0503020204020204" pitchFamily="34" charset="-122"/>
               <a:ea typeface="微软雅黑" panose="020B0503020204020204" pitchFamily="34" charset="-122"/>
             </a:endParaRPr>
@@ -9095,7 +8911,7 @@
           <p:nvPr/>
         </p:nvPicPr>
         <p:blipFill>
-          <a:blip r:embed="rId1" cstate="print">
+          <a:blip r:embed="rId3" cstate="print">
             <a:extLst>
               <a:ext uri="{28A0092B-C50C-407E-A947-70E740481C1C}">
                 <a14:useLocalDpi xmlns:a14="http://schemas.microsoft.com/office/drawing/2010/main" val="0"/>
@@ -9155,13 +8971,6 @@
   <p:clrMapOvr>
     <a:masterClrMapping/>
   </p:clrMapOvr>
-  <p:timing>
-    <p:tnLst>
-      <p:par>
-        <p:cTn id="1" dur="indefinite" restart="never" nodeType="tmRoot"/>
-      </p:par>
-    </p:tnLst>
-  </p:timing>
 </p:sld>
 </file>
 
@@ -9215,7 +9024,7 @@
               <a:rPr lang="zh-CN" altLang="en-US" dirty="0"/>
               <a:t>配置声明暴露服务</a:t>
             </a:r>
-            <a:endParaRPr lang="en-US" altLang="zh-CN" dirty="0" smtClean="0"/>
+            <a:endParaRPr lang="en-US" altLang="zh-CN" dirty="0"/>
           </a:p>
         </p:txBody>
       </p:sp>
@@ -9228,7 +9037,7 @@
           <p:nvPr/>
         </p:nvPicPr>
         <p:blipFill>
-          <a:blip r:embed="rId1" cstate="print">
+          <a:blip r:embed="rId3" cstate="print">
             <a:extLst>
               <a:ext uri="{28A0092B-C50C-407E-A947-70E740481C1C}">
                 <a14:useLocalDpi xmlns:a14="http://schemas.microsoft.com/office/drawing/2010/main" val="0"/>
@@ -9288,13 +9097,6 @@
   <p:clrMapOvr>
     <a:masterClrMapping/>
   </p:clrMapOvr>
-  <p:timing>
-    <p:tnLst>
-      <p:par>
-        <p:cTn id="1" dur="indefinite" restart="never" nodeType="tmRoot"/>
-      </p:par>
-    </p:tnLst>
-  </p:timing>
 </p:sld>
 </file>
 
@@ -9348,7 +9150,7 @@
               <a:rPr lang="zh-CN" altLang="en-US" dirty="0"/>
               <a:t>配置</a:t>
             </a:r>
-            <a:endParaRPr lang="en-US" altLang="zh-CN" dirty="0" smtClean="0"/>
+            <a:endParaRPr lang="en-US" altLang="zh-CN" dirty="0"/>
           </a:p>
         </p:txBody>
       </p:sp>
@@ -9361,7 +9163,7 @@
           <p:nvPr/>
         </p:nvPicPr>
         <p:blipFill>
-          <a:blip r:embed="rId1" cstate="print">
+          <a:blip r:embed="rId3" cstate="print">
             <a:extLst>
               <a:ext uri="{28A0092B-C50C-407E-A947-70E740481C1C}">
                 <a14:useLocalDpi xmlns:a14="http://schemas.microsoft.com/office/drawing/2010/main" val="0"/>
@@ -9421,13 +9223,6 @@
   <p:clrMapOvr>
     <a:masterClrMapping/>
   </p:clrMapOvr>
-  <p:timing>
-    <p:tnLst>
-      <p:par>
-        <p:cTn id="1" dur="indefinite" restart="never" nodeType="tmRoot"/>
-      </p:par>
-    </p:tnLst>
-  </p:timing>
 </p:sld>
 </file>
 
@@ -9472,14 +9267,14 @@
           <a:p>
             <a:pPr algn="ctr"/>
             <a:r>
-              <a:rPr lang="en-US" altLang="zh-CN" sz="4000" dirty="0" smtClean="0"/>
+              <a:rPr lang="en-US" altLang="zh-CN" sz="4000" dirty="0"/>
               <a:t>6</a:t>
             </a:r>
             <a:r>
-              <a:rPr lang="zh-CN" altLang="en-US" sz="4000" dirty="0" smtClean="0"/>
+              <a:rPr lang="zh-CN" altLang="en-US" sz="4000" dirty="0"/>
               <a:t>、服务消费者</a:t>
             </a:r>
-            <a:endParaRPr lang="en-US" altLang="zh-CN" sz="4000" dirty="0" smtClean="0"/>
+            <a:endParaRPr lang="en-US" altLang="zh-CN" sz="4000" dirty="0"/>
           </a:p>
         </p:txBody>
       </p:sp>
@@ -9488,13 +9283,6 @@
   <p:clrMapOvr>
     <a:masterClrMapping/>
   </p:clrMapOvr>
-  <p:timing>
-    <p:tnLst>
-      <p:par>
-        <p:cTn id="1" dur="indefinite" restart="never" nodeType="tmRoot"/>
-      </p:par>
-    </p:tnLst>
-  </p:timing>
 </p:sld>
 </file>
 
@@ -9537,10 +9325,9 @@
           <a:p>
             <a:pPr algn="ctr"/>
             <a:r>
-              <a:rPr lang="zh-CN" altLang="en-US" dirty="0" smtClean="0"/>
+              <a:rPr lang="zh-CN" altLang="en-US" dirty="0"/>
               <a:t>课程内容</a:t>
             </a:r>
-            <a:endParaRPr lang="zh-CN" altLang="en-US" dirty="0"/>
           </a:p>
         </p:txBody>
       </p:sp>
@@ -9582,16 +9369,9 @@
                 <a:latin typeface="微软雅黑" panose="020B0503020204020204" pitchFamily="34" charset="-122"/>
                 <a:ea typeface="微软雅黑" panose="020B0503020204020204" pitchFamily="34" charset="-122"/>
               </a:rPr>
-              <a:t>是</a:t>
-            </a:r>
-            <a:r>
-              <a:rPr lang="zh-CN" altLang="en-US" sz="2800" dirty="0" smtClean="0">
-                <a:latin typeface="微软雅黑" panose="020B0503020204020204" pitchFamily="34" charset="-122"/>
-                <a:ea typeface="微软雅黑" panose="020B0503020204020204" pitchFamily="34" charset="-122"/>
-              </a:rPr>
-              <a:t>什么？</a:t>
-            </a:r>
-            <a:endParaRPr lang="en-US" altLang="zh-CN" sz="2800" dirty="0" smtClean="0">
+              <a:t>是什么？</a:t>
+            </a:r>
+            <a:endParaRPr lang="en-US" altLang="zh-CN" sz="2800" dirty="0">
               <a:latin typeface="微软雅黑" panose="020B0503020204020204" pitchFamily="34" charset="-122"/>
               <a:ea typeface="微软雅黑" panose="020B0503020204020204" pitchFamily="34" charset="-122"/>
             </a:endParaRPr>
@@ -9613,16 +9393,9 @@
                 <a:latin typeface="微软雅黑" panose="020B0503020204020204" pitchFamily="34" charset="-122"/>
                 <a:ea typeface="微软雅黑" panose="020B0503020204020204" pitchFamily="34" charset="-122"/>
               </a:rPr>
-              <a:t>能做什么</a:t>
-            </a:r>
-            <a:r>
-              <a:rPr lang="zh-CN" altLang="en-US" sz="2800" dirty="0" smtClean="0">
-                <a:latin typeface="微软雅黑" panose="020B0503020204020204" pitchFamily="34" charset="-122"/>
-                <a:ea typeface="微软雅黑" panose="020B0503020204020204" pitchFamily="34" charset="-122"/>
-              </a:rPr>
-              <a:t>？</a:t>
-            </a:r>
-            <a:endParaRPr lang="en-US" altLang="zh-CN" sz="2800" dirty="0" smtClean="0">
+              <a:t>能做什么？</a:t>
+            </a:r>
+            <a:endParaRPr lang="en-US" altLang="zh-CN" sz="2800" dirty="0">
               <a:latin typeface="微软雅黑" panose="020B0503020204020204" pitchFamily="34" charset="-122"/>
               <a:ea typeface="微软雅黑" panose="020B0503020204020204" pitchFamily="34" charset="-122"/>
             </a:endParaRPr>
@@ -9633,20 +9406,20 @@
               <a:buAutoNum type="arabicPeriod"/>
             </a:pPr>
             <a:r>
-              <a:rPr lang="en-US" altLang="zh-CN" sz="2800" dirty="0" smtClean="0">
+              <a:rPr lang="en-US" altLang="zh-CN" sz="2800" dirty="0">
                 <a:latin typeface="微软雅黑" panose="020B0503020204020204" pitchFamily="34" charset="-122"/>
                 <a:ea typeface="微软雅黑" panose="020B0503020204020204" pitchFamily="34" charset="-122"/>
               </a:rPr>
               <a:t>Dubbo</a:t>
             </a:r>
             <a:r>
-              <a:rPr lang="zh-CN" altLang="en-US" sz="2800" dirty="0" smtClean="0">
+              <a:rPr lang="zh-CN" altLang="en-US" sz="2800" dirty="0">
                 <a:latin typeface="微软雅黑" panose="020B0503020204020204" pitchFamily="34" charset="-122"/>
                 <a:ea typeface="微软雅黑" panose="020B0503020204020204" pitchFamily="34" charset="-122"/>
               </a:rPr>
               <a:t>的原理</a:t>
             </a:r>
-            <a:endParaRPr lang="en-US" altLang="zh-CN" sz="2800" dirty="0" smtClean="0">
+            <a:endParaRPr lang="en-US" altLang="zh-CN" sz="2800" dirty="0">
               <a:latin typeface="微软雅黑" panose="020B0503020204020204" pitchFamily="34" charset="-122"/>
               <a:ea typeface="微软雅黑" panose="020B0503020204020204" pitchFamily="34" charset="-122"/>
             </a:endParaRPr>
@@ -9657,13 +9430,13 @@
               <a:buAutoNum type="arabicPeriod"/>
             </a:pPr>
             <a:r>
-              <a:rPr lang="zh-CN" altLang="en-US" sz="2800" dirty="0" smtClean="0">
+              <a:rPr lang="zh-CN" altLang="en-US" sz="2800" dirty="0">
                 <a:latin typeface="微软雅黑" panose="020B0503020204020204" pitchFamily="34" charset="-122"/>
                 <a:ea typeface="微软雅黑" panose="020B0503020204020204" pitchFamily="34" charset="-122"/>
               </a:rPr>
               <a:t>快速启动</a:t>
             </a:r>
-            <a:endParaRPr lang="en-US" altLang="zh-CN" sz="2800" dirty="0" smtClean="0">
+            <a:endParaRPr lang="en-US" altLang="zh-CN" sz="2800" dirty="0">
               <a:latin typeface="微软雅黑" panose="020B0503020204020204" pitchFamily="34" charset="-122"/>
               <a:ea typeface="微软雅黑" panose="020B0503020204020204" pitchFamily="34" charset="-122"/>
             </a:endParaRPr>
@@ -9674,13 +9447,13 @@
               <a:buAutoNum type="arabicPeriod"/>
             </a:pPr>
             <a:r>
-              <a:rPr lang="zh-CN" altLang="en-US" sz="2800" dirty="0" smtClean="0">
+              <a:rPr lang="zh-CN" altLang="en-US" sz="2800" dirty="0">
                 <a:latin typeface="微软雅黑" panose="020B0503020204020204" pitchFamily="34" charset="-122"/>
                 <a:ea typeface="微软雅黑" panose="020B0503020204020204" pitchFamily="34" charset="-122"/>
               </a:rPr>
               <a:t>服务提供者</a:t>
             </a:r>
-            <a:endParaRPr lang="en-US" altLang="zh-CN" sz="2800" dirty="0" smtClean="0">
+            <a:endParaRPr lang="en-US" altLang="zh-CN" sz="2800" dirty="0">
               <a:latin typeface="微软雅黑" panose="020B0503020204020204" pitchFamily="34" charset="-122"/>
               <a:ea typeface="微软雅黑" panose="020B0503020204020204" pitchFamily="34" charset="-122"/>
             </a:endParaRPr>
@@ -9691,13 +9464,13 @@
               <a:buAutoNum type="arabicPeriod"/>
             </a:pPr>
             <a:r>
-              <a:rPr lang="zh-CN" altLang="en-US" sz="2800" dirty="0" smtClean="0">
+              <a:rPr lang="zh-CN" altLang="en-US" sz="2800" dirty="0">
                 <a:latin typeface="微软雅黑" panose="020B0503020204020204" pitchFamily="34" charset="-122"/>
                 <a:ea typeface="微软雅黑" panose="020B0503020204020204" pitchFamily="34" charset="-122"/>
               </a:rPr>
               <a:t>服务消费者</a:t>
             </a:r>
-            <a:endParaRPr lang="en-US" altLang="zh-CN" sz="2800" dirty="0" smtClean="0">
+            <a:endParaRPr lang="en-US" altLang="zh-CN" sz="2800" dirty="0">
               <a:latin typeface="微软雅黑" panose="020B0503020204020204" pitchFamily="34" charset="-122"/>
               <a:ea typeface="微软雅黑" panose="020B0503020204020204" pitchFamily="34" charset="-122"/>
             </a:endParaRPr>
@@ -9719,14 +9492,7 @@
                 <a:latin typeface="微软雅黑" panose="020B0503020204020204" pitchFamily="34" charset="-122"/>
                 <a:ea typeface="微软雅黑" panose="020B0503020204020204" pitchFamily="34" charset="-122"/>
               </a:rPr>
-              <a:t>注册中心</a:t>
-            </a:r>
-            <a:r>
-              <a:rPr lang="zh-CN" altLang="en-US" sz="2800" dirty="0" smtClean="0">
-                <a:latin typeface="微软雅黑" panose="020B0503020204020204" pitchFamily="34" charset="-122"/>
-                <a:ea typeface="微软雅黑" panose="020B0503020204020204" pitchFamily="34" charset="-122"/>
-              </a:rPr>
-              <a:t>安装</a:t>
+              <a:t>注册中心安装</a:t>
             </a:r>
             <a:endParaRPr lang="zh-CN" altLang="en-US" sz="2800" dirty="0"/>
           </a:p>
@@ -9737,25 +9503,18 @@
   <p:clrMapOvr>
     <a:masterClrMapping/>
   </p:clrMapOvr>
-  <mc:AlternateContent xmlns:mc="http://schemas.openxmlformats.org/markup-compatibility/2006">
-    <mc:Choice xmlns:p14="http://schemas.microsoft.com/office/powerpoint/2010/main" Requires="p14">
+  <mc:AlternateContent xmlns:mc="http://schemas.openxmlformats.org/markup-compatibility/2006" xmlns:p14="http://schemas.microsoft.com/office/powerpoint/2010/main">
+    <mc:Choice Requires="p14">
       <p:transition p14:dur="100">
         <p:cut/>
       </p:transition>
     </mc:Choice>
-    <mc:Fallback>
+    <mc:Fallback xmlns="">
       <p:transition>
         <p:cut/>
       </p:transition>
     </mc:Fallback>
   </mc:AlternateContent>
-  <p:timing>
-    <p:tnLst>
-      <p:par>
-        <p:cTn id="1" dur="indefinite" restart="never" nodeType="tmRoot"/>
-      </p:par>
-    </p:tnLst>
-  </p:timing>
 </p:sld>
 </file>
 
@@ -9809,7 +9568,7 @@
               <a:rPr lang="zh-CN" altLang="en-US" dirty="0"/>
               <a:t>配置引用远程服务</a:t>
             </a:r>
-            <a:endParaRPr lang="en-US" altLang="zh-CN" dirty="0" smtClean="0"/>
+            <a:endParaRPr lang="en-US" altLang="zh-CN" dirty="0"/>
           </a:p>
         </p:txBody>
       </p:sp>
@@ -9822,7 +9581,7 @@
           <p:nvPr/>
         </p:nvPicPr>
         <p:blipFill>
-          <a:blip r:embed="rId1" cstate="print">
+          <a:blip r:embed="rId3" cstate="print">
             <a:extLst>
               <a:ext uri="{28A0092B-C50C-407E-A947-70E740481C1C}">
                 <a14:useLocalDpi xmlns:a14="http://schemas.microsoft.com/office/drawing/2010/main" val="0"/>
@@ -9882,13 +9641,6 @@
   <p:clrMapOvr>
     <a:masterClrMapping/>
   </p:clrMapOvr>
-  <p:timing>
-    <p:tnLst>
-      <p:par>
-        <p:cTn id="1" dur="indefinite" restart="never" nodeType="tmRoot"/>
-      </p:par>
-    </p:tnLst>
-  </p:timing>
 </p:sld>
 </file>
 
@@ -9964,7 +9716,6 @@
               <a:rPr lang="en-US" altLang="zh-CN" sz="2000" dirty="0"/>
               <a:t>)</a:t>
             </a:r>
-            <a:endParaRPr lang="en-US" altLang="zh-CN" sz="2000" dirty="0" smtClean="0"/>
           </a:p>
         </p:txBody>
       </p:sp>
@@ -9977,7 +9728,7 @@
           <p:nvPr/>
         </p:nvPicPr>
         <p:blipFill>
-          <a:blip r:embed="rId1" cstate="print">
+          <a:blip r:embed="rId3" cstate="print">
             <a:extLst>
               <a:ext uri="{28A0092B-C50C-407E-A947-70E740481C1C}">
                 <a14:useLocalDpi xmlns:a14="http://schemas.microsoft.com/office/drawing/2010/main" val="0"/>
@@ -10037,13 +9788,6 @@
   <p:clrMapOvr>
     <a:masterClrMapping/>
   </p:clrMapOvr>
-  <p:timing>
-    <p:tnLst>
-      <p:par>
-        <p:cTn id="1" dur="indefinite" restart="never" nodeType="tmRoot"/>
-      </p:par>
-    </p:tnLst>
-  </p:timing>
 </p:sld>
 </file>
 
@@ -10088,11 +9832,11 @@
           <a:p>
             <a:pPr algn="ctr"/>
             <a:r>
-              <a:rPr lang="en-US" altLang="zh-CN" sz="4000" dirty="0" smtClean="0"/>
+              <a:rPr lang="en-US" altLang="zh-CN" sz="4000" dirty="0"/>
               <a:t>6</a:t>
             </a:r>
             <a:r>
-              <a:rPr lang="zh-CN" altLang="en-US" sz="4000" dirty="0" smtClean="0"/>
+              <a:rPr lang="zh-CN" altLang="en-US" sz="4000" dirty="0"/>
               <a:t>、</a:t>
             </a:r>
             <a:r>
@@ -10103,7 +9847,7 @@
               <a:rPr lang="zh-CN" altLang="en-US" sz="4000" dirty="0"/>
               <a:t>注册中心安装</a:t>
             </a:r>
-            <a:endParaRPr lang="en-US" altLang="zh-CN" sz="4000" dirty="0" smtClean="0"/>
+            <a:endParaRPr lang="en-US" altLang="zh-CN" sz="4000" dirty="0"/>
           </a:p>
         </p:txBody>
       </p:sp>
@@ -10112,13 +9856,6 @@
   <p:clrMapOvr>
     <a:masterClrMapping/>
   </p:clrMapOvr>
-  <p:timing>
-    <p:tnLst>
-      <p:par>
-        <p:cTn id="1" dur="indefinite" restart="never" nodeType="tmRoot"/>
-      </p:par>
-    </p:tnLst>
-  </p:timing>
 </p:sld>
 </file>
 
@@ -10170,7 +9907,7 @@
               <a:rPr lang="zh-CN" altLang="en-US" sz="2400" dirty="0"/>
               <a:t>注册中心安装</a:t>
             </a:r>
-            <a:endParaRPr lang="en-US" altLang="zh-CN" sz="2400" dirty="0" smtClean="0"/>
+            <a:endParaRPr lang="en-US" altLang="zh-CN" sz="2400" dirty="0"/>
           </a:p>
         </p:txBody>
       </p:sp>
@@ -10258,411 +9995,8 @@
                 <a:latin typeface="微软雅黑" panose="020B0503020204020204" pitchFamily="34" charset="-122"/>
                 <a:ea typeface="微软雅黑" panose="020B0503020204020204" pitchFamily="34" charset="-122"/>
               </a:rPr>
-              <a:t>注册中心</a:t>
-            </a:r>
-            <a:r>
-              <a:rPr lang="zh-CN" altLang="en-US" sz="2400" dirty="0" smtClean="0">
-                <a:solidFill>
-                  <a:schemeClr val="tx2">
-                    <a:lumMod val="75000"/>
-                  </a:schemeClr>
-                </a:solidFill>
-                <a:latin typeface="微软雅黑" panose="020B0503020204020204" pitchFamily="34" charset="-122"/>
-                <a:ea typeface="微软雅黑" panose="020B0503020204020204" pitchFamily="34" charset="-122"/>
-              </a:rPr>
-              <a:t>客户端。</a:t>
-            </a:r>
-            <a:endParaRPr lang="en-US" altLang="zh-CN" sz="2400" dirty="0" smtClean="0">
-              <a:solidFill>
-                <a:schemeClr val="tx2">
-                  <a:lumMod val="75000"/>
-                </a:schemeClr>
-              </a:solidFill>
-              <a:latin typeface="微软雅黑" panose="020B0503020204020204" pitchFamily="34" charset="-122"/>
-              <a:ea typeface="微软雅黑" panose="020B0503020204020204" pitchFamily="34" charset="-122"/>
-            </a:endParaRPr>
-          </a:p>
-          <a:p>
-            <a:endParaRPr lang="en-US" altLang="zh-CN" sz="2400" dirty="0" smtClean="0">
-              <a:solidFill>
-                <a:schemeClr val="tx2">
-                  <a:lumMod val="75000"/>
-                </a:schemeClr>
-              </a:solidFill>
-              <a:latin typeface="微软雅黑" panose="020B0503020204020204" pitchFamily="34" charset="-122"/>
-              <a:ea typeface="微软雅黑" panose="020B0503020204020204" pitchFamily="34" charset="-122"/>
-            </a:endParaRPr>
-          </a:p>
-          <a:p>
-            <a:pPr marL="342900" indent="-342900">
-              <a:buFont typeface="Wingdings" panose="05000000000000000000" pitchFamily="2" charset="2"/>
-              <a:buChar char="n"/>
-            </a:pPr>
-            <a:r>
-              <a:rPr lang="en-US" altLang="zh-CN" sz="2400" dirty="0">
-                <a:solidFill>
-                  <a:schemeClr val="tx2">
-                    <a:lumMod val="75000"/>
-                  </a:schemeClr>
-                </a:solidFill>
-                <a:latin typeface="微软雅黑" panose="020B0503020204020204" pitchFamily="34" charset="-122"/>
-                <a:ea typeface="微软雅黑" panose="020B0503020204020204" pitchFamily="34" charset="-122"/>
-              </a:rPr>
-              <a:t>Zookeeper</a:t>
-            </a:r>
-            <a:r>
-              <a:rPr lang="zh-CN" altLang="en-US" sz="2400" dirty="0">
-                <a:solidFill>
-                  <a:schemeClr val="tx2">
-                    <a:lumMod val="75000"/>
-                  </a:schemeClr>
-                </a:solidFill>
-                <a:latin typeface="微软雅黑" panose="020B0503020204020204" pitchFamily="34" charset="-122"/>
-                <a:ea typeface="微软雅黑" panose="020B0503020204020204" pitchFamily="34" charset="-122"/>
-              </a:rPr>
-              <a:t>是</a:t>
-            </a:r>
-            <a:r>
-              <a:rPr lang="en-US" altLang="zh-CN" sz="2400" dirty="0">
-                <a:solidFill>
-                  <a:schemeClr val="tx2">
-                    <a:lumMod val="75000"/>
-                  </a:schemeClr>
-                </a:solidFill>
-                <a:latin typeface="微软雅黑" panose="020B0503020204020204" pitchFamily="34" charset="-122"/>
-                <a:ea typeface="微软雅黑" panose="020B0503020204020204" pitchFamily="34" charset="-122"/>
-              </a:rPr>
-              <a:t>Apache Hadoop</a:t>
-            </a:r>
-            <a:r>
-              <a:rPr lang="zh-CN" altLang="en-US" sz="2400" dirty="0">
-                <a:solidFill>
-                  <a:schemeClr val="tx2">
-                    <a:lumMod val="75000"/>
-                  </a:schemeClr>
-                </a:solidFill>
-                <a:latin typeface="微软雅黑" panose="020B0503020204020204" pitchFamily="34" charset="-122"/>
-                <a:ea typeface="微软雅黑" panose="020B0503020204020204" pitchFamily="34" charset="-122"/>
-              </a:rPr>
-              <a:t>的子项目，强度相对较好，建议生产环境使用该注册中心</a:t>
-            </a:r>
-            <a:r>
-              <a:rPr lang="zh-CN" altLang="en-US" sz="2400" dirty="0" smtClean="0">
-                <a:solidFill>
-                  <a:schemeClr val="tx2">
-                    <a:lumMod val="75000"/>
-                  </a:schemeClr>
-                </a:solidFill>
-                <a:latin typeface="微软雅黑" panose="020B0503020204020204" pitchFamily="34" charset="-122"/>
-                <a:ea typeface="微软雅黑" panose="020B0503020204020204" pitchFamily="34" charset="-122"/>
-              </a:rPr>
-              <a:t>。</a:t>
-            </a:r>
-            <a:endParaRPr lang="en-US" altLang="zh-CN" sz="2400" dirty="0" smtClean="0">
-              <a:solidFill>
-                <a:schemeClr val="tx2">
-                  <a:lumMod val="75000"/>
-                </a:schemeClr>
-              </a:solidFill>
-              <a:latin typeface="微软雅黑" panose="020B0503020204020204" pitchFamily="34" charset="-122"/>
-              <a:ea typeface="微软雅黑" panose="020B0503020204020204" pitchFamily="34" charset="-122"/>
-            </a:endParaRPr>
-          </a:p>
-          <a:p>
-            <a:endParaRPr lang="en-US" altLang="zh-CN" sz="2400" dirty="0" smtClean="0">
-              <a:solidFill>
-                <a:schemeClr val="tx2">
-                  <a:lumMod val="75000"/>
-                </a:schemeClr>
-              </a:solidFill>
-              <a:latin typeface="微软雅黑" panose="020B0503020204020204" pitchFamily="34" charset="-122"/>
-              <a:ea typeface="微软雅黑" panose="020B0503020204020204" pitchFamily="34" charset="-122"/>
-            </a:endParaRPr>
-          </a:p>
-          <a:p>
-            <a:pPr marL="342900" indent="-342900">
-              <a:buFont typeface="Wingdings" panose="05000000000000000000" pitchFamily="2" charset="2"/>
-              <a:buChar char="n"/>
-            </a:pPr>
-            <a:r>
-              <a:rPr lang="en-US" altLang="zh-CN" sz="2400" dirty="0">
-                <a:solidFill>
-                  <a:schemeClr val="tx2">
-                    <a:lumMod val="75000"/>
-                  </a:schemeClr>
-                </a:solidFill>
-                <a:latin typeface="微软雅黑" panose="020B0503020204020204" pitchFamily="34" charset="-122"/>
-                <a:ea typeface="微软雅黑" panose="020B0503020204020204" pitchFamily="34" charset="-122"/>
-              </a:rPr>
-              <a:t>Dubbo</a:t>
-            </a:r>
-            <a:r>
-              <a:rPr lang="zh-CN" altLang="en-US" sz="2400" dirty="0">
-                <a:solidFill>
-                  <a:schemeClr val="tx2">
-                    <a:lumMod val="75000"/>
-                  </a:schemeClr>
-                </a:solidFill>
-                <a:latin typeface="微软雅黑" panose="020B0503020204020204" pitchFamily="34" charset="-122"/>
-                <a:ea typeface="微软雅黑" panose="020B0503020204020204" pitchFamily="34" charset="-122"/>
-              </a:rPr>
-              <a:t>未对</a:t>
-            </a:r>
-            <a:r>
-              <a:rPr lang="en-US" altLang="zh-CN" sz="2400" dirty="0">
-                <a:solidFill>
-                  <a:schemeClr val="tx2">
-                    <a:lumMod val="75000"/>
-                  </a:schemeClr>
-                </a:solidFill>
-                <a:latin typeface="微软雅黑" panose="020B0503020204020204" pitchFamily="34" charset="-122"/>
-                <a:ea typeface="微软雅黑" panose="020B0503020204020204" pitchFamily="34" charset="-122"/>
-              </a:rPr>
-              <a:t>Zookeeper</a:t>
-            </a:r>
-            <a:r>
-              <a:rPr lang="zh-CN" altLang="en-US" sz="2400" dirty="0">
-                <a:solidFill>
-                  <a:schemeClr val="tx2">
-                    <a:lumMod val="75000"/>
-                  </a:schemeClr>
-                </a:solidFill>
-                <a:latin typeface="微软雅黑" panose="020B0503020204020204" pitchFamily="34" charset="-122"/>
-                <a:ea typeface="微软雅黑" panose="020B0503020204020204" pitchFamily="34" charset="-122"/>
-              </a:rPr>
-              <a:t>服务器端做任何侵入修改，只需安装原生的</a:t>
-            </a:r>
-            <a:r>
-              <a:rPr lang="en-US" altLang="zh-CN" sz="2400" dirty="0">
-                <a:solidFill>
-                  <a:schemeClr val="tx2">
-                    <a:lumMod val="75000"/>
-                  </a:schemeClr>
-                </a:solidFill>
-                <a:latin typeface="微软雅黑" panose="020B0503020204020204" pitchFamily="34" charset="-122"/>
-                <a:ea typeface="微软雅黑" panose="020B0503020204020204" pitchFamily="34" charset="-122"/>
-              </a:rPr>
-              <a:t>Zookeeper</a:t>
-            </a:r>
-            <a:r>
-              <a:rPr lang="zh-CN" altLang="en-US" sz="2400" dirty="0">
-                <a:solidFill>
-                  <a:schemeClr val="tx2">
-                    <a:lumMod val="75000"/>
-                  </a:schemeClr>
-                </a:solidFill>
-                <a:latin typeface="微软雅黑" panose="020B0503020204020204" pitchFamily="34" charset="-122"/>
-                <a:ea typeface="微软雅黑" panose="020B0503020204020204" pitchFamily="34" charset="-122"/>
-              </a:rPr>
-              <a:t>服务器即可，所有注册中心逻辑适配都在调用</a:t>
-            </a:r>
-            <a:r>
-              <a:rPr lang="en-US" altLang="zh-CN" sz="2400" dirty="0">
-                <a:solidFill>
-                  <a:schemeClr val="tx2">
-                    <a:lumMod val="75000"/>
-                  </a:schemeClr>
-                </a:solidFill>
-                <a:latin typeface="微软雅黑" panose="020B0503020204020204" pitchFamily="34" charset="-122"/>
-                <a:ea typeface="微软雅黑" panose="020B0503020204020204" pitchFamily="34" charset="-122"/>
-              </a:rPr>
-              <a:t>Zookeeper</a:t>
-            </a:r>
-            <a:r>
-              <a:rPr lang="zh-CN" altLang="en-US" sz="2400" dirty="0">
-                <a:solidFill>
-                  <a:schemeClr val="tx2">
-                    <a:lumMod val="75000"/>
-                  </a:schemeClr>
-                </a:solidFill>
-                <a:latin typeface="微软雅黑" panose="020B0503020204020204" pitchFamily="34" charset="-122"/>
-                <a:ea typeface="微软雅黑" panose="020B0503020204020204" pitchFamily="34" charset="-122"/>
-              </a:rPr>
-              <a:t>客户端时完成</a:t>
-            </a:r>
-            <a:r>
-              <a:rPr lang="zh-CN" altLang="en-US" sz="2400" dirty="0" smtClean="0">
-                <a:solidFill>
-                  <a:schemeClr val="tx2">
-                    <a:lumMod val="75000"/>
-                  </a:schemeClr>
-                </a:solidFill>
-                <a:latin typeface="微软雅黑" panose="020B0503020204020204" pitchFamily="34" charset="-122"/>
-                <a:ea typeface="微软雅黑" panose="020B0503020204020204" pitchFamily="34" charset="-122"/>
-              </a:rPr>
-              <a:t>。</a:t>
-            </a:r>
-            <a:endParaRPr lang="en-US" altLang="zh-CN" sz="2400" dirty="0" smtClean="0">
-              <a:solidFill>
-                <a:schemeClr val="tx2">
-                  <a:lumMod val="75000"/>
-                </a:schemeClr>
-              </a:solidFill>
-              <a:latin typeface="微软雅黑" panose="020B0503020204020204" pitchFamily="34" charset="-122"/>
-              <a:ea typeface="微软雅黑" panose="020B0503020204020204" pitchFamily="34" charset="-122"/>
-            </a:endParaRPr>
-          </a:p>
-          <a:p>
-            <a:pPr marL="342900" indent="-342900">
-              <a:buFont typeface="Wingdings" panose="05000000000000000000" pitchFamily="2" charset="2"/>
-              <a:buChar char="n"/>
-            </a:pPr>
-            <a:endParaRPr lang="en-US" altLang="zh-CN" sz="2400" dirty="0" smtClean="0">
-              <a:solidFill>
-                <a:schemeClr val="tx2">
-                  <a:lumMod val="75000"/>
-                </a:schemeClr>
-              </a:solidFill>
-              <a:latin typeface="微软雅黑" panose="020B0503020204020204" pitchFamily="34" charset="-122"/>
-              <a:ea typeface="微软雅黑" panose="020B0503020204020204" pitchFamily="34" charset="-122"/>
-            </a:endParaRPr>
-          </a:p>
-          <a:p>
-            <a:pPr marL="342900" indent="-342900">
-              <a:buFont typeface="Wingdings" panose="05000000000000000000" pitchFamily="2" charset="2"/>
-              <a:buChar char="n"/>
-            </a:pPr>
-            <a:r>
-              <a:rPr lang="zh-CN" altLang="en-US" sz="2400" dirty="0">
-                <a:solidFill>
-                  <a:schemeClr val="tx2">
-                    <a:lumMod val="75000"/>
-                  </a:schemeClr>
-                </a:solidFill>
-                <a:latin typeface="微软雅黑" panose="020B0503020204020204" pitchFamily="34" charset="-122"/>
-                <a:ea typeface="微软雅黑" panose="020B0503020204020204" pitchFamily="34" charset="-122"/>
-              </a:rPr>
-              <a:t>如果需要，可以考虑使用</a:t>
-            </a:r>
-            <a:r>
-              <a:rPr lang="en-US" altLang="zh-CN" sz="2400" dirty="0" err="1">
-                <a:solidFill>
-                  <a:schemeClr val="tx2">
-                    <a:lumMod val="75000"/>
-                  </a:schemeClr>
-                </a:solidFill>
-                <a:latin typeface="微软雅黑" panose="020B0503020204020204" pitchFamily="34" charset="-122"/>
-                <a:ea typeface="微软雅黑" panose="020B0503020204020204" pitchFamily="34" charset="-122"/>
-              </a:rPr>
-              <a:t>taobao</a:t>
-            </a:r>
-            <a:r>
-              <a:rPr lang="zh-CN" altLang="en-US" sz="2400" dirty="0">
-                <a:solidFill>
-                  <a:schemeClr val="tx2">
-                    <a:lumMod val="75000"/>
-                  </a:schemeClr>
-                </a:solidFill>
-                <a:latin typeface="微软雅黑" panose="020B0503020204020204" pitchFamily="34" charset="-122"/>
-                <a:ea typeface="微软雅黑" panose="020B0503020204020204" pitchFamily="34" charset="-122"/>
-              </a:rPr>
-              <a:t>的</a:t>
-            </a:r>
-            <a:r>
-              <a:rPr lang="en-US" altLang="zh-CN" sz="2400" dirty="0">
-                <a:solidFill>
-                  <a:schemeClr val="tx2">
-                    <a:lumMod val="75000"/>
-                  </a:schemeClr>
-                </a:solidFill>
-                <a:latin typeface="微软雅黑" panose="020B0503020204020204" pitchFamily="34" charset="-122"/>
-                <a:ea typeface="微软雅黑" panose="020B0503020204020204" pitchFamily="34" charset="-122"/>
-              </a:rPr>
-              <a:t>zookeeper</a:t>
-            </a:r>
-            <a:r>
-              <a:rPr lang="zh-CN" altLang="en-US" sz="2400" dirty="0">
-                <a:solidFill>
-                  <a:schemeClr val="tx2">
-                    <a:lumMod val="75000"/>
-                  </a:schemeClr>
-                </a:solidFill>
-                <a:latin typeface="微软雅黑" panose="020B0503020204020204" pitchFamily="34" charset="-122"/>
-                <a:ea typeface="微软雅黑" panose="020B0503020204020204" pitchFamily="34" charset="-122"/>
-              </a:rPr>
-              <a:t>监控：</a:t>
-            </a:r>
-            <a:r>
-              <a:rPr lang="en-US" altLang="zh-CN" sz="2400" dirty="0">
-                <a:solidFill>
-                  <a:schemeClr val="tx2">
-                    <a:lumMod val="75000"/>
-                  </a:schemeClr>
-                </a:solidFill>
-                <a:latin typeface="微软雅黑" panose="020B0503020204020204" pitchFamily="34" charset="-122"/>
-                <a:ea typeface="微软雅黑" panose="020B0503020204020204" pitchFamily="34" charset="-122"/>
-                <a:hlinkClick r:id="rId1"/>
-              </a:rPr>
-              <a:t>http://</a:t>
-            </a:r>
-            <a:r>
-              <a:rPr lang="en-US" altLang="zh-CN" sz="2400" dirty="0" smtClean="0">
-                <a:solidFill>
-                  <a:schemeClr val="tx2">
-                    <a:lumMod val="75000"/>
-                  </a:schemeClr>
-                </a:solidFill>
-                <a:latin typeface="微软雅黑" panose="020B0503020204020204" pitchFamily="34" charset="-122"/>
-                <a:ea typeface="微软雅黑" panose="020B0503020204020204" pitchFamily="34" charset="-122"/>
-                <a:hlinkClick r:id="rId1"/>
-              </a:rPr>
-              <a:t>rdc.taobao.com/team/jm/archives/1450</a:t>
-            </a:r>
-            <a:endParaRPr lang="en-US" altLang="zh-CN" sz="2400" dirty="0" smtClean="0">
-              <a:solidFill>
-                <a:schemeClr val="tx2">
-                  <a:lumMod val="75000"/>
-                </a:schemeClr>
-              </a:solidFill>
-              <a:latin typeface="微软雅黑" panose="020B0503020204020204" pitchFamily="34" charset="-122"/>
-              <a:ea typeface="微软雅黑" panose="020B0503020204020204" pitchFamily="34" charset="-122"/>
-            </a:endParaRPr>
-          </a:p>
-          <a:p>
-            <a:endParaRPr lang="en-US" altLang="zh-CN" sz="2400" dirty="0" smtClean="0">
-              <a:solidFill>
-                <a:schemeClr val="tx2">
-                  <a:lumMod val="75000"/>
-                </a:schemeClr>
-              </a:solidFill>
-              <a:latin typeface="微软雅黑" panose="020B0503020204020204" pitchFamily="34" charset="-122"/>
-              <a:ea typeface="微软雅黑" panose="020B0503020204020204" pitchFamily="34" charset="-122"/>
-            </a:endParaRPr>
-          </a:p>
-          <a:p>
-            <a:endParaRPr lang="en-US" altLang="zh-CN" sz="2400" dirty="0" smtClean="0">
-              <a:solidFill>
-                <a:schemeClr val="tx2">
-                  <a:lumMod val="75000"/>
-                </a:schemeClr>
-              </a:solidFill>
-              <a:latin typeface="微软雅黑" panose="020B0503020204020204" pitchFamily="34" charset="-122"/>
-              <a:ea typeface="微软雅黑" panose="020B0503020204020204" pitchFamily="34" charset="-122"/>
-            </a:endParaRPr>
-          </a:p>
-          <a:p>
-            <a:endParaRPr lang="en-US" altLang="zh-CN" sz="2400" dirty="0" smtClean="0">
-              <a:solidFill>
-                <a:schemeClr val="tx2">
-                  <a:lumMod val="75000"/>
-                </a:schemeClr>
-              </a:solidFill>
-              <a:latin typeface="微软雅黑" panose="020B0503020204020204" pitchFamily="34" charset="-122"/>
-              <a:ea typeface="微软雅黑" panose="020B0503020204020204" pitchFamily="34" charset="-122"/>
-            </a:endParaRPr>
-          </a:p>
-          <a:p>
-            <a:endParaRPr lang="en-US" altLang="zh-CN" sz="2400" dirty="0" smtClean="0">
-              <a:solidFill>
-                <a:schemeClr val="tx2">
-                  <a:lumMod val="75000"/>
-                </a:schemeClr>
-              </a:solidFill>
-              <a:latin typeface="微软雅黑" panose="020B0503020204020204" pitchFamily="34" charset="-122"/>
-              <a:ea typeface="微软雅黑" panose="020B0503020204020204" pitchFamily="34" charset="-122"/>
-            </a:endParaRPr>
-          </a:p>
-          <a:p>
+              <a:t>注册中心客户端。</a:t>
+            </a:r>
             <a:endParaRPr lang="en-US" altLang="zh-CN" sz="2400" dirty="0">
               <a:solidFill>
                 <a:schemeClr val="tx2">
@@ -10674,42 +10008,388 @@
             </a:endParaRPr>
           </a:p>
           <a:p>
-            <a:endParaRPr lang="en-US" altLang="zh-CN" sz="2400" dirty="0" smtClean="0">
+            <a:endParaRPr lang="en-US" altLang="zh-CN" sz="2400" dirty="0">
+              <a:solidFill>
+                <a:schemeClr val="tx2">
+                  <a:lumMod val="75000"/>
+                </a:schemeClr>
+              </a:solidFill>
               <a:latin typeface="微软雅黑" panose="020B0503020204020204" pitchFamily="34" charset="-122"/>
               <a:ea typeface="微软雅黑" panose="020B0503020204020204" pitchFamily="34" charset="-122"/>
             </a:endParaRPr>
           </a:p>
           <a:p>
-            <a:r>
-              <a:rPr lang="zh-CN" altLang="en-US" dirty="0" smtClean="0">
-                <a:latin typeface="微软雅黑" panose="020B0503020204020204" pitchFamily="34" charset="-122"/>
-                <a:ea typeface="微软雅黑" panose="020B0503020204020204" pitchFamily="34" charset="-122"/>
-              </a:rPr>
-              <a:t>网址：</a:t>
-            </a:r>
-            <a:endParaRPr lang="en-US" altLang="zh-CN" dirty="0" smtClean="0">
+            <a:pPr marL="342900" indent="-342900">
+              <a:buFont typeface="Wingdings" panose="05000000000000000000" pitchFamily="2" charset="2"/>
+              <a:buChar char="n"/>
+            </a:pPr>
+            <a:r>
+              <a:rPr lang="en-US" altLang="zh-CN" sz="2400" dirty="0">
+                <a:solidFill>
+                  <a:schemeClr val="tx2">
+                    <a:lumMod val="75000"/>
+                  </a:schemeClr>
+                </a:solidFill>
+                <a:latin typeface="微软雅黑" panose="020B0503020204020204" pitchFamily="34" charset="-122"/>
+                <a:ea typeface="微软雅黑" panose="020B0503020204020204" pitchFamily="34" charset="-122"/>
+              </a:rPr>
+              <a:t>Zookeeper</a:t>
+            </a:r>
+            <a:r>
+              <a:rPr lang="zh-CN" altLang="en-US" sz="2400" dirty="0">
+                <a:solidFill>
+                  <a:schemeClr val="tx2">
+                    <a:lumMod val="75000"/>
+                  </a:schemeClr>
+                </a:solidFill>
+                <a:latin typeface="微软雅黑" panose="020B0503020204020204" pitchFamily="34" charset="-122"/>
+                <a:ea typeface="微软雅黑" panose="020B0503020204020204" pitchFamily="34" charset="-122"/>
+              </a:rPr>
+              <a:t>是</a:t>
+            </a:r>
+            <a:r>
+              <a:rPr lang="en-US" altLang="zh-CN" sz="2400" dirty="0">
+                <a:solidFill>
+                  <a:schemeClr val="tx2">
+                    <a:lumMod val="75000"/>
+                  </a:schemeClr>
+                </a:solidFill>
+                <a:latin typeface="微软雅黑" panose="020B0503020204020204" pitchFamily="34" charset="-122"/>
+                <a:ea typeface="微软雅黑" panose="020B0503020204020204" pitchFamily="34" charset="-122"/>
+              </a:rPr>
+              <a:t>Apache Hadoop</a:t>
+            </a:r>
+            <a:r>
+              <a:rPr lang="zh-CN" altLang="en-US" sz="2400" dirty="0">
+                <a:solidFill>
+                  <a:schemeClr val="tx2">
+                    <a:lumMod val="75000"/>
+                  </a:schemeClr>
+                </a:solidFill>
+                <a:latin typeface="微软雅黑" panose="020B0503020204020204" pitchFamily="34" charset="-122"/>
+                <a:ea typeface="微软雅黑" panose="020B0503020204020204" pitchFamily="34" charset="-122"/>
+              </a:rPr>
+              <a:t>的子项目，强度相对较好，建议生产环境使用该注册中心。</a:t>
+            </a:r>
+            <a:endParaRPr lang="en-US" altLang="zh-CN" sz="2400" dirty="0">
+              <a:solidFill>
+                <a:schemeClr val="tx2">
+                  <a:lumMod val="75000"/>
+                </a:schemeClr>
+              </a:solidFill>
               <a:latin typeface="微软雅黑" panose="020B0503020204020204" pitchFamily="34" charset="-122"/>
               <a:ea typeface="微软雅黑" panose="020B0503020204020204" pitchFamily="34" charset="-122"/>
             </a:endParaRPr>
           </a:p>
           <a:p>
+            <a:endParaRPr lang="en-US" altLang="zh-CN" sz="2400" dirty="0">
+              <a:solidFill>
+                <a:schemeClr val="tx2">
+                  <a:lumMod val="75000"/>
+                </a:schemeClr>
+              </a:solidFill>
+              <a:latin typeface="微软雅黑" panose="020B0503020204020204" pitchFamily="34" charset="-122"/>
+              <a:ea typeface="微软雅黑" panose="020B0503020204020204" pitchFamily="34" charset="-122"/>
+            </a:endParaRPr>
+          </a:p>
+          <a:p>
+            <a:pPr marL="342900" indent="-342900">
+              <a:buFont typeface="Wingdings" panose="05000000000000000000" pitchFamily="2" charset="2"/>
+              <a:buChar char="n"/>
+            </a:pPr>
+            <a:r>
+              <a:rPr lang="en-US" altLang="zh-CN" sz="2400" dirty="0">
+                <a:solidFill>
+                  <a:schemeClr val="tx2">
+                    <a:lumMod val="75000"/>
+                  </a:schemeClr>
+                </a:solidFill>
+                <a:latin typeface="微软雅黑" panose="020B0503020204020204" pitchFamily="34" charset="-122"/>
+                <a:ea typeface="微软雅黑" panose="020B0503020204020204" pitchFamily="34" charset="-122"/>
+              </a:rPr>
+              <a:t>Dubbo</a:t>
+            </a:r>
+            <a:r>
+              <a:rPr lang="zh-CN" altLang="en-US" sz="2400" dirty="0">
+                <a:solidFill>
+                  <a:schemeClr val="tx2">
+                    <a:lumMod val="75000"/>
+                  </a:schemeClr>
+                </a:solidFill>
+                <a:latin typeface="微软雅黑" panose="020B0503020204020204" pitchFamily="34" charset="-122"/>
+                <a:ea typeface="微软雅黑" panose="020B0503020204020204" pitchFamily="34" charset="-122"/>
+              </a:rPr>
+              <a:t>未对</a:t>
+            </a:r>
+            <a:r>
+              <a:rPr lang="en-US" altLang="zh-CN" sz="2400" dirty="0">
+                <a:solidFill>
+                  <a:schemeClr val="tx2">
+                    <a:lumMod val="75000"/>
+                  </a:schemeClr>
+                </a:solidFill>
+                <a:latin typeface="微软雅黑" panose="020B0503020204020204" pitchFamily="34" charset="-122"/>
+                <a:ea typeface="微软雅黑" panose="020B0503020204020204" pitchFamily="34" charset="-122"/>
+              </a:rPr>
+              <a:t>Zookeeper</a:t>
+            </a:r>
+            <a:r>
+              <a:rPr lang="zh-CN" altLang="en-US" sz="2400" dirty="0">
+                <a:solidFill>
+                  <a:schemeClr val="tx2">
+                    <a:lumMod val="75000"/>
+                  </a:schemeClr>
+                </a:solidFill>
+                <a:latin typeface="微软雅黑" panose="020B0503020204020204" pitchFamily="34" charset="-122"/>
+                <a:ea typeface="微软雅黑" panose="020B0503020204020204" pitchFamily="34" charset="-122"/>
+              </a:rPr>
+              <a:t>服务器端做任何侵入修改，只需安装原生的</a:t>
+            </a:r>
+            <a:r>
+              <a:rPr lang="en-US" altLang="zh-CN" sz="2400" dirty="0">
+                <a:solidFill>
+                  <a:schemeClr val="tx2">
+                    <a:lumMod val="75000"/>
+                  </a:schemeClr>
+                </a:solidFill>
+                <a:latin typeface="微软雅黑" panose="020B0503020204020204" pitchFamily="34" charset="-122"/>
+                <a:ea typeface="微软雅黑" panose="020B0503020204020204" pitchFamily="34" charset="-122"/>
+              </a:rPr>
+              <a:t>Zookeeper</a:t>
+            </a:r>
+            <a:r>
+              <a:rPr lang="zh-CN" altLang="en-US" sz="2400" dirty="0">
+                <a:solidFill>
+                  <a:schemeClr val="tx2">
+                    <a:lumMod val="75000"/>
+                  </a:schemeClr>
+                </a:solidFill>
+                <a:latin typeface="微软雅黑" panose="020B0503020204020204" pitchFamily="34" charset="-122"/>
+                <a:ea typeface="微软雅黑" panose="020B0503020204020204" pitchFamily="34" charset="-122"/>
+              </a:rPr>
+              <a:t>服务器即可，所有注册中心逻辑适配都在调用</a:t>
+            </a:r>
+            <a:r>
+              <a:rPr lang="en-US" altLang="zh-CN" sz="2400" dirty="0">
+                <a:solidFill>
+                  <a:schemeClr val="tx2">
+                    <a:lumMod val="75000"/>
+                  </a:schemeClr>
+                </a:solidFill>
+                <a:latin typeface="微软雅黑" panose="020B0503020204020204" pitchFamily="34" charset="-122"/>
+                <a:ea typeface="微软雅黑" panose="020B0503020204020204" pitchFamily="34" charset="-122"/>
+              </a:rPr>
+              <a:t>Zookeeper</a:t>
+            </a:r>
+            <a:r>
+              <a:rPr lang="zh-CN" altLang="en-US" sz="2400" dirty="0">
+                <a:solidFill>
+                  <a:schemeClr val="tx2">
+                    <a:lumMod val="75000"/>
+                  </a:schemeClr>
+                </a:solidFill>
+                <a:latin typeface="微软雅黑" panose="020B0503020204020204" pitchFamily="34" charset="-122"/>
+                <a:ea typeface="微软雅黑" panose="020B0503020204020204" pitchFamily="34" charset="-122"/>
+              </a:rPr>
+              <a:t>客户端时完成。</a:t>
+            </a:r>
+            <a:endParaRPr lang="en-US" altLang="zh-CN" sz="2400" dirty="0">
+              <a:solidFill>
+                <a:schemeClr val="tx2">
+                  <a:lumMod val="75000"/>
+                </a:schemeClr>
+              </a:solidFill>
+              <a:latin typeface="微软雅黑" panose="020B0503020204020204" pitchFamily="34" charset="-122"/>
+              <a:ea typeface="微软雅黑" panose="020B0503020204020204" pitchFamily="34" charset="-122"/>
+            </a:endParaRPr>
+          </a:p>
+          <a:p>
+            <a:pPr marL="342900" indent="-342900">
+              <a:buFont typeface="Wingdings" panose="05000000000000000000" pitchFamily="2" charset="2"/>
+              <a:buChar char="n"/>
+            </a:pPr>
+            <a:endParaRPr lang="en-US" altLang="zh-CN" sz="2400" dirty="0">
+              <a:solidFill>
+                <a:schemeClr val="tx2">
+                  <a:lumMod val="75000"/>
+                </a:schemeClr>
+              </a:solidFill>
+              <a:latin typeface="微软雅黑" panose="020B0503020204020204" pitchFamily="34" charset="-122"/>
+              <a:ea typeface="微软雅黑" panose="020B0503020204020204" pitchFamily="34" charset="-122"/>
+            </a:endParaRPr>
+          </a:p>
+          <a:p>
+            <a:pPr marL="342900" indent="-342900">
+              <a:buFont typeface="Wingdings" panose="05000000000000000000" pitchFamily="2" charset="2"/>
+              <a:buChar char="n"/>
+            </a:pPr>
+            <a:r>
+              <a:rPr lang="zh-CN" altLang="en-US" sz="2400" dirty="0">
+                <a:solidFill>
+                  <a:schemeClr val="tx2">
+                    <a:lumMod val="75000"/>
+                  </a:schemeClr>
+                </a:solidFill>
+                <a:latin typeface="微软雅黑" panose="020B0503020204020204" pitchFamily="34" charset="-122"/>
+                <a:ea typeface="微软雅黑" panose="020B0503020204020204" pitchFamily="34" charset="-122"/>
+              </a:rPr>
+              <a:t>如果需要，可以考虑使用</a:t>
+            </a:r>
+            <a:r>
+              <a:rPr lang="en-US" altLang="zh-CN" sz="2400" dirty="0" err="1">
+                <a:solidFill>
+                  <a:schemeClr val="tx2">
+                    <a:lumMod val="75000"/>
+                  </a:schemeClr>
+                </a:solidFill>
+                <a:latin typeface="微软雅黑" panose="020B0503020204020204" pitchFamily="34" charset="-122"/>
+                <a:ea typeface="微软雅黑" panose="020B0503020204020204" pitchFamily="34" charset="-122"/>
+              </a:rPr>
+              <a:t>taobao</a:t>
+            </a:r>
+            <a:r>
+              <a:rPr lang="zh-CN" altLang="en-US" sz="2400" dirty="0">
+                <a:solidFill>
+                  <a:schemeClr val="tx2">
+                    <a:lumMod val="75000"/>
+                  </a:schemeClr>
+                </a:solidFill>
+                <a:latin typeface="微软雅黑" panose="020B0503020204020204" pitchFamily="34" charset="-122"/>
+                <a:ea typeface="微软雅黑" panose="020B0503020204020204" pitchFamily="34" charset="-122"/>
+              </a:rPr>
+              <a:t>的</a:t>
+            </a:r>
+            <a:r>
+              <a:rPr lang="en-US" altLang="zh-CN" sz="2400" dirty="0">
+                <a:solidFill>
+                  <a:schemeClr val="tx2">
+                    <a:lumMod val="75000"/>
+                  </a:schemeClr>
+                </a:solidFill>
+                <a:latin typeface="微软雅黑" panose="020B0503020204020204" pitchFamily="34" charset="-122"/>
+                <a:ea typeface="微软雅黑" panose="020B0503020204020204" pitchFamily="34" charset="-122"/>
+              </a:rPr>
+              <a:t>zookeeper</a:t>
+            </a:r>
+            <a:r>
+              <a:rPr lang="zh-CN" altLang="en-US" sz="2400" dirty="0">
+                <a:solidFill>
+                  <a:schemeClr val="tx2">
+                    <a:lumMod val="75000"/>
+                  </a:schemeClr>
+                </a:solidFill>
+                <a:latin typeface="微软雅黑" panose="020B0503020204020204" pitchFamily="34" charset="-122"/>
+                <a:ea typeface="微软雅黑" panose="020B0503020204020204" pitchFamily="34" charset="-122"/>
+              </a:rPr>
+              <a:t>监控：</a:t>
+            </a:r>
+            <a:r>
+              <a:rPr lang="en-US" altLang="zh-CN" sz="2400" dirty="0">
+                <a:solidFill>
+                  <a:schemeClr val="tx2">
+                    <a:lumMod val="75000"/>
+                  </a:schemeClr>
+                </a:solidFill>
+                <a:latin typeface="微软雅黑" panose="020B0503020204020204" pitchFamily="34" charset="-122"/>
+                <a:ea typeface="微软雅黑" panose="020B0503020204020204" pitchFamily="34" charset="-122"/>
+                <a:hlinkClick r:id="rId3"/>
+              </a:rPr>
+              <a:t>http://rdc.taobao.com/team/jm/archives/1450</a:t>
+            </a:r>
+            <a:endParaRPr lang="en-US" altLang="zh-CN" sz="2400" dirty="0">
+              <a:solidFill>
+                <a:schemeClr val="tx2">
+                  <a:lumMod val="75000"/>
+                </a:schemeClr>
+              </a:solidFill>
+              <a:latin typeface="微软雅黑" panose="020B0503020204020204" pitchFamily="34" charset="-122"/>
+              <a:ea typeface="微软雅黑" panose="020B0503020204020204" pitchFamily="34" charset="-122"/>
+            </a:endParaRPr>
+          </a:p>
+          <a:p>
+            <a:endParaRPr lang="en-US" altLang="zh-CN" sz="2400" dirty="0">
+              <a:solidFill>
+                <a:schemeClr val="tx2">
+                  <a:lumMod val="75000"/>
+                </a:schemeClr>
+              </a:solidFill>
+              <a:latin typeface="微软雅黑" panose="020B0503020204020204" pitchFamily="34" charset="-122"/>
+              <a:ea typeface="微软雅黑" panose="020B0503020204020204" pitchFamily="34" charset="-122"/>
+            </a:endParaRPr>
+          </a:p>
+          <a:p>
+            <a:endParaRPr lang="en-US" altLang="zh-CN" sz="2400" dirty="0">
+              <a:solidFill>
+                <a:schemeClr val="tx2">
+                  <a:lumMod val="75000"/>
+                </a:schemeClr>
+              </a:solidFill>
+              <a:latin typeface="微软雅黑" panose="020B0503020204020204" pitchFamily="34" charset="-122"/>
+              <a:ea typeface="微软雅黑" panose="020B0503020204020204" pitchFamily="34" charset="-122"/>
+            </a:endParaRPr>
+          </a:p>
+          <a:p>
+            <a:endParaRPr lang="en-US" altLang="zh-CN" sz="2400" dirty="0">
+              <a:solidFill>
+                <a:schemeClr val="tx2">
+                  <a:lumMod val="75000"/>
+                </a:schemeClr>
+              </a:solidFill>
+              <a:latin typeface="微软雅黑" panose="020B0503020204020204" pitchFamily="34" charset="-122"/>
+              <a:ea typeface="微软雅黑" panose="020B0503020204020204" pitchFamily="34" charset="-122"/>
+            </a:endParaRPr>
+          </a:p>
+          <a:p>
+            <a:endParaRPr lang="en-US" altLang="zh-CN" sz="2400" dirty="0">
+              <a:solidFill>
+                <a:schemeClr val="tx2">
+                  <a:lumMod val="75000"/>
+                </a:schemeClr>
+              </a:solidFill>
+              <a:latin typeface="微软雅黑" panose="020B0503020204020204" pitchFamily="34" charset="-122"/>
+              <a:ea typeface="微软雅黑" panose="020B0503020204020204" pitchFamily="34" charset="-122"/>
+            </a:endParaRPr>
+          </a:p>
+          <a:p>
+            <a:endParaRPr lang="en-US" altLang="zh-CN" sz="2400" dirty="0">
+              <a:solidFill>
+                <a:schemeClr val="tx2">
+                  <a:lumMod val="75000"/>
+                </a:schemeClr>
+              </a:solidFill>
+              <a:latin typeface="微软雅黑" panose="020B0503020204020204" pitchFamily="34" charset="-122"/>
+              <a:ea typeface="微软雅黑" panose="020B0503020204020204" pitchFamily="34" charset="-122"/>
+            </a:endParaRPr>
+          </a:p>
+          <a:p>
+            <a:endParaRPr lang="en-US" altLang="zh-CN" sz="2400" dirty="0">
+              <a:latin typeface="微软雅黑" panose="020B0503020204020204" pitchFamily="34" charset="-122"/>
+              <a:ea typeface="微软雅黑" panose="020B0503020204020204" pitchFamily="34" charset="-122"/>
+            </a:endParaRPr>
+          </a:p>
+          <a:p>
+            <a:r>
+              <a:rPr lang="zh-CN" altLang="en-US" dirty="0">
+                <a:latin typeface="微软雅黑" panose="020B0503020204020204" pitchFamily="34" charset="-122"/>
+                <a:ea typeface="微软雅黑" panose="020B0503020204020204" pitchFamily="34" charset="-122"/>
+              </a:rPr>
+              <a:t>网址：</a:t>
+            </a:r>
+            <a:endParaRPr lang="en-US" altLang="zh-CN" dirty="0">
+              <a:latin typeface="微软雅黑" panose="020B0503020204020204" pitchFamily="34" charset="-122"/>
+              <a:ea typeface="微软雅黑" panose="020B0503020204020204" pitchFamily="34" charset="-122"/>
+            </a:endParaRPr>
+          </a:p>
+          <a:p>
             <a:r>
               <a:rPr lang="en-US" altLang="zh-CN" dirty="0">
                 <a:latin typeface="微软雅黑" panose="020B0503020204020204" pitchFamily="34" charset="-122"/>
                 <a:ea typeface="微软雅黑" panose="020B0503020204020204" pitchFamily="34" charset="-122"/>
-                <a:hlinkClick r:id="rId2"/>
-              </a:rPr>
-              <a:t>http://</a:t>
-            </a:r>
-            <a:r>
-              <a:rPr lang="en-US" altLang="zh-CN" dirty="0" smtClean="0">
-                <a:latin typeface="微软雅黑" panose="020B0503020204020204" pitchFamily="34" charset="-122"/>
-                <a:ea typeface="微软雅黑" panose="020B0503020204020204" pitchFamily="34" charset="-122"/>
-                <a:hlinkClick r:id="rId2"/>
-              </a:rPr>
-              <a:t>alibaba.github.io/dubbo-doc-static/Zookeeper+Registry+Installation-zh.htm</a:t>
-            </a:r>
-            <a:endParaRPr lang="en-US" altLang="zh-CN" dirty="0" smtClean="0">
+                <a:hlinkClick r:id="rId4"/>
+              </a:rPr>
+              <a:t>http://alibaba.github.io/dubbo-doc-static/Zookeeper+Registry+Installation-zh.htm</a:t>
+            </a:r>
+            <a:endParaRPr lang="en-US" altLang="zh-CN" dirty="0">
               <a:latin typeface="微软雅黑" panose="020B0503020204020204" pitchFamily="34" charset="-122"/>
               <a:ea typeface="微软雅黑" panose="020B0503020204020204" pitchFamily="34" charset="-122"/>
             </a:endParaRPr>
@@ -10721,13 +10401,6 @@
   <p:clrMapOvr>
     <a:masterClrMapping/>
   </p:clrMapOvr>
-  <p:timing>
-    <p:tnLst>
-      <p:par>
-        <p:cTn id="1" dur="indefinite" restart="never" nodeType="tmRoot"/>
-      </p:par>
-    </p:tnLst>
-  </p:timing>
 </p:sld>
 </file>
 
@@ -10772,10 +10445,10 @@
           <a:p>
             <a:pPr marL="514350" indent="-514350"/>
             <a:r>
-              <a:rPr lang="zh-CN" altLang="en-US" sz="2400" dirty="0" smtClean="0"/>
+              <a:rPr lang="zh-CN" altLang="en-US" sz="2400" dirty="0"/>
               <a:t>安装、配置</a:t>
             </a:r>
-            <a:endParaRPr lang="en-US" altLang="zh-CN" sz="2400" dirty="0" smtClean="0"/>
+            <a:endParaRPr lang="en-US" altLang="zh-CN" sz="2400" dirty="0"/>
           </a:p>
         </p:txBody>
       </p:sp>
@@ -10805,7 +10478,7 @@
               <a:buFont typeface="Wingdings" panose="05000000000000000000" pitchFamily="2" charset="2"/>
               <a:buChar char="n"/>
             </a:pPr>
-            <a:endParaRPr lang="en-US" altLang="zh-CN" dirty="0" smtClean="0">
+            <a:endParaRPr lang="en-US" altLang="zh-CN" dirty="0">
               <a:latin typeface="微软雅黑" panose="020B0503020204020204" pitchFamily="34" charset="-122"/>
               <a:ea typeface="微软雅黑" panose="020B0503020204020204" pitchFamily="34" charset="-122"/>
             </a:endParaRPr>
@@ -10821,7 +10494,7 @@
           <p:nvPr/>
         </p:nvPicPr>
         <p:blipFill>
-          <a:blip r:embed="rId1" cstate="print">
+          <a:blip r:embed="rId3" cstate="print">
             <a:extLst>
               <a:ext uri="{28A0092B-C50C-407E-A947-70E740481C1C}">
                 <a14:useLocalDpi xmlns:a14="http://schemas.microsoft.com/office/drawing/2010/main" val="0"/>
@@ -10881,13 +10554,6 @@
   <p:clrMapOvr>
     <a:masterClrMapping/>
   </p:clrMapOvr>
-  <p:timing>
-    <p:tnLst>
-      <p:par>
-        <p:cTn id="1" dur="indefinite" restart="never" nodeType="tmRoot"/>
-      </p:par>
-    </p:tnLst>
-  </p:timing>
 </p:sld>
 </file>
 
@@ -10932,10 +10598,10 @@
           <a:p>
             <a:pPr marL="514350" indent="-514350"/>
             <a:r>
-              <a:rPr lang="zh-CN" altLang="en-US" sz="2400" dirty="0" smtClean="0"/>
+              <a:rPr lang="zh-CN" altLang="en-US" sz="2400" dirty="0"/>
               <a:t>安装、配置</a:t>
             </a:r>
-            <a:endParaRPr lang="en-US" altLang="zh-CN" sz="2400" dirty="0" smtClean="0"/>
+            <a:endParaRPr lang="en-US" altLang="zh-CN" sz="2400" dirty="0"/>
           </a:p>
         </p:txBody>
       </p:sp>
@@ -10965,7 +10631,7 @@
               <a:buFont typeface="Wingdings" panose="05000000000000000000" pitchFamily="2" charset="2"/>
               <a:buChar char="n"/>
             </a:pPr>
-            <a:endParaRPr lang="en-US" altLang="zh-CN" dirty="0" smtClean="0">
+            <a:endParaRPr lang="en-US" altLang="zh-CN" dirty="0">
               <a:latin typeface="微软雅黑" panose="020B0503020204020204" pitchFamily="34" charset="-122"/>
               <a:ea typeface="微软雅黑" panose="020B0503020204020204" pitchFamily="34" charset="-122"/>
             </a:endParaRPr>
@@ -10981,7 +10647,7 @@
           <p:nvPr/>
         </p:nvPicPr>
         <p:blipFill>
-          <a:blip r:embed="rId1" cstate="print">
+          <a:blip r:embed="rId3" cstate="print">
             <a:extLst>
               <a:ext uri="{28A0092B-C50C-407E-A947-70E740481C1C}">
                 <a14:useLocalDpi xmlns:a14="http://schemas.microsoft.com/office/drawing/2010/main" val="0"/>
@@ -11041,13 +10707,6 @@
   <p:clrMapOvr>
     <a:masterClrMapping/>
   </p:clrMapOvr>
-  <p:timing>
-    <p:tnLst>
-      <p:par>
-        <p:cTn id="1" dur="indefinite" restart="never" nodeType="tmRoot"/>
-      </p:par>
-    </p:tnLst>
-  </p:timing>
 </p:sld>
 </file>
 
@@ -11092,10 +10751,10 @@
           <a:p>
             <a:pPr marL="514350" indent="-514350"/>
             <a:r>
-              <a:rPr lang="zh-CN" altLang="en-US" sz="2400" dirty="0" smtClean="0"/>
+              <a:rPr lang="zh-CN" altLang="en-US" sz="2400" dirty="0"/>
               <a:t>安装、配置</a:t>
             </a:r>
-            <a:endParaRPr lang="en-US" altLang="zh-CN" sz="2400" dirty="0" smtClean="0"/>
+            <a:endParaRPr lang="en-US" altLang="zh-CN" sz="2400" dirty="0"/>
           </a:p>
         </p:txBody>
       </p:sp>
@@ -11125,7 +10784,7 @@
               <a:buFont typeface="Wingdings" panose="05000000000000000000" pitchFamily="2" charset="2"/>
               <a:buChar char="n"/>
             </a:pPr>
-            <a:endParaRPr lang="en-US" altLang="zh-CN" dirty="0" smtClean="0">
+            <a:endParaRPr lang="en-US" altLang="zh-CN" dirty="0">
               <a:latin typeface="微软雅黑" panose="020B0503020204020204" pitchFamily="34" charset="-122"/>
               <a:ea typeface="微软雅黑" panose="020B0503020204020204" pitchFamily="34" charset="-122"/>
             </a:endParaRPr>
@@ -11141,7 +10800,7 @@
           <p:nvPr/>
         </p:nvPicPr>
         <p:blipFill>
-          <a:blip r:embed="rId1" cstate="print">
+          <a:blip r:embed="rId3" cstate="print">
             <a:extLst>
               <a:ext uri="{28A0092B-C50C-407E-A947-70E740481C1C}">
                 <a14:useLocalDpi xmlns:a14="http://schemas.microsoft.com/office/drawing/2010/main" val="0"/>
@@ -11201,13 +10860,6 @@
   <p:clrMapOvr>
     <a:masterClrMapping/>
   </p:clrMapOvr>
-  <p:timing>
-    <p:tnLst>
-      <p:par>
-        <p:cTn id="1" dur="indefinite" restart="never" nodeType="tmRoot"/>
-      </p:par>
-    </p:tnLst>
-  </p:timing>
 </p:sld>
 </file>
 
@@ -11252,10 +10904,10 @@
           <a:p>
             <a:pPr marL="514350" indent="-514350"/>
             <a:r>
-              <a:rPr lang="zh-CN" altLang="en-US" sz="2400" dirty="0" smtClean="0"/>
+              <a:rPr lang="zh-CN" altLang="en-US" sz="2400" dirty="0"/>
               <a:t>启动、停止</a:t>
             </a:r>
-            <a:endParaRPr lang="en-US" altLang="zh-CN" sz="2400" dirty="0" smtClean="0"/>
+            <a:endParaRPr lang="en-US" altLang="zh-CN" sz="2400" dirty="0"/>
           </a:p>
         </p:txBody>
       </p:sp>
@@ -11285,7 +10937,7 @@
               <a:buFont typeface="Wingdings" panose="05000000000000000000" pitchFamily="2" charset="2"/>
               <a:buChar char="n"/>
             </a:pPr>
-            <a:endParaRPr lang="en-US" altLang="zh-CN" dirty="0" smtClean="0">
+            <a:endParaRPr lang="en-US" altLang="zh-CN" dirty="0">
               <a:latin typeface="微软雅黑" panose="020B0503020204020204" pitchFamily="34" charset="-122"/>
               <a:ea typeface="微软雅黑" panose="020B0503020204020204" pitchFamily="34" charset="-122"/>
             </a:endParaRPr>
@@ -11301,7 +10953,7 @@
           <p:nvPr/>
         </p:nvPicPr>
         <p:blipFill>
-          <a:blip r:embed="rId1" cstate="print">
+          <a:blip r:embed="rId3" cstate="print">
             <a:extLst>
               <a:ext uri="{28A0092B-C50C-407E-A947-70E740481C1C}">
                 <a14:useLocalDpi xmlns:a14="http://schemas.microsoft.com/office/drawing/2010/main" val="0"/>
@@ -11361,13 +11013,6 @@
   <p:clrMapOvr>
     <a:masterClrMapping/>
   </p:clrMapOvr>
-  <p:timing>
-    <p:tnLst>
-      <p:par>
-        <p:cTn id="1" dur="indefinite" restart="never" nodeType="tmRoot"/>
-      </p:par>
-    </p:tnLst>
-  </p:timing>
 </p:sld>
 </file>
 
@@ -11415,7 +11060,7 @@
               <a:rPr lang="zh-CN" altLang="en-US" sz="2400" dirty="0"/>
               <a:t>用法</a:t>
             </a:r>
-            <a:endParaRPr lang="en-US" altLang="zh-CN" sz="2400" dirty="0" smtClean="0"/>
+            <a:endParaRPr lang="en-US" altLang="zh-CN" sz="2400" dirty="0"/>
           </a:p>
         </p:txBody>
       </p:sp>
@@ -11445,7 +11090,7 @@
               <a:buFont typeface="Wingdings" panose="05000000000000000000" pitchFamily="2" charset="2"/>
               <a:buChar char="n"/>
             </a:pPr>
-            <a:endParaRPr lang="en-US" altLang="zh-CN" dirty="0" smtClean="0">
+            <a:endParaRPr lang="en-US" altLang="zh-CN" dirty="0">
               <a:latin typeface="微软雅黑" panose="020B0503020204020204" pitchFamily="34" charset="-122"/>
               <a:ea typeface="微软雅黑" panose="020B0503020204020204" pitchFamily="34" charset="-122"/>
             </a:endParaRPr>
@@ -11461,7 +11106,7 @@
           <p:nvPr/>
         </p:nvPicPr>
         <p:blipFill>
-          <a:blip r:embed="rId1" cstate="print">
+          <a:blip r:embed="rId3" cstate="print">
             <a:extLst>
               <a:ext uri="{28A0092B-C50C-407E-A947-70E740481C1C}">
                 <a14:useLocalDpi xmlns:a14="http://schemas.microsoft.com/office/drawing/2010/main" val="0"/>
@@ -11521,13 +11166,6 @@
   <p:clrMapOvr>
     <a:masterClrMapping/>
   </p:clrMapOvr>
-  <p:timing>
-    <p:tnLst>
-      <p:par>
-        <p:cTn id="1" dur="indefinite" restart="never" nodeType="tmRoot"/>
-      </p:par>
-    </p:tnLst>
-  </p:timing>
 </p:sld>
 </file>
 
@@ -11572,10 +11210,10 @@
           <a:p>
             <a:pPr marL="514350" indent="-514350"/>
             <a:r>
-              <a:rPr lang="zh-CN" altLang="en-US" sz="2000" dirty="0" smtClean="0"/>
+              <a:rPr lang="zh-CN" altLang="en-US" sz="2000" dirty="0"/>
               <a:t>参考资料</a:t>
             </a:r>
-            <a:endParaRPr lang="en-US" altLang="zh-CN" sz="2000" dirty="0" smtClean="0"/>
+            <a:endParaRPr lang="en-US" altLang="zh-CN" sz="2000" dirty="0"/>
           </a:p>
         </p:txBody>
       </p:sp>
@@ -11606,85 +11244,8 @@
                 <a:latin typeface="微软雅黑" panose="020B0503020204020204" pitchFamily="34" charset="-122"/>
                 <a:ea typeface="微软雅黑" panose="020B0503020204020204" pitchFamily="34" charset="-122"/>
               </a:rPr>
-              <a:t>开</a:t>
-            </a:r>
-            <a:r>
-              <a:rPr lang="zh-CN" altLang="en-US" sz="2400" dirty="0" smtClean="0">
-                <a:latin typeface="微软雅黑" panose="020B0503020204020204" pitchFamily="34" charset="-122"/>
-                <a:ea typeface="微软雅黑" panose="020B0503020204020204" pitchFamily="34" charset="-122"/>
-              </a:rPr>
-              <a:t>源网址：</a:t>
-            </a:r>
-            <a:endParaRPr lang="en-US" altLang="zh-CN" sz="2400" dirty="0" smtClean="0">
-              <a:latin typeface="微软雅黑" panose="020B0503020204020204" pitchFamily="34" charset="-122"/>
-              <a:ea typeface="微软雅黑" panose="020B0503020204020204" pitchFamily="34" charset="-122"/>
-            </a:endParaRPr>
-          </a:p>
-          <a:p>
-            <a:r>
-              <a:rPr lang="en-US" altLang="zh-CN" sz="2400" dirty="0" smtClean="0">
-                <a:hlinkClick r:id="rId1"/>
-              </a:rPr>
-              <a:t>http</a:t>
-            </a:r>
-            <a:r>
-              <a:rPr lang="en-US" altLang="zh-CN" sz="2400" dirty="0">
-                <a:hlinkClick r:id="rId1"/>
-              </a:rPr>
-              <a:t>://</a:t>
-            </a:r>
-            <a:r>
-              <a:rPr lang="en-US" altLang="zh-CN" sz="2400" dirty="0" smtClean="0">
-                <a:hlinkClick r:id="rId1"/>
-              </a:rPr>
-              <a:t>alibaba.github.io/dubbo-doc-static/Home-zh.htm</a:t>
-            </a:r>
-            <a:endParaRPr lang="en-US" altLang="zh-CN" sz="2400" dirty="0" smtClean="0"/>
-          </a:p>
-          <a:p>
-            <a:endParaRPr lang="en-US" altLang="zh-CN" sz="2400" dirty="0" smtClean="0">
-              <a:hlinkClick r:id="rId2"/>
-            </a:endParaRPr>
-          </a:p>
-          <a:p>
-            <a:endParaRPr lang="en-US" altLang="zh-CN" sz="2400" dirty="0" smtClean="0">
-              <a:latin typeface="微软雅黑" panose="020B0503020204020204" pitchFamily="34" charset="-122"/>
-              <a:ea typeface="微软雅黑" panose="020B0503020204020204" pitchFamily="34" charset="-122"/>
-            </a:endParaRPr>
-          </a:p>
-          <a:p>
-            <a:r>
-              <a:rPr lang="en-US" altLang="zh-CN" sz="2400" dirty="0" smtClean="0">
-                <a:latin typeface="微软雅黑" panose="020B0503020204020204" pitchFamily="34" charset="-122"/>
-                <a:ea typeface="微软雅黑" panose="020B0503020204020204" pitchFamily="34" charset="-122"/>
-              </a:rPr>
-              <a:t>Zookeeper</a:t>
-            </a:r>
-            <a:r>
-              <a:rPr lang="zh-CN" altLang="en-US" sz="2400" dirty="0" smtClean="0">
-                <a:latin typeface="微软雅黑" panose="020B0503020204020204" pitchFamily="34" charset="-122"/>
-                <a:ea typeface="微软雅黑" panose="020B0503020204020204" pitchFamily="34" charset="-122"/>
-              </a:rPr>
-              <a:t>下载地址：</a:t>
-            </a:r>
-            <a:endParaRPr lang="en-US" altLang="zh-CN" sz="2400" dirty="0" smtClean="0">
-              <a:latin typeface="微软雅黑" panose="020B0503020204020204" pitchFamily="34" charset="-122"/>
-              <a:ea typeface="微软雅黑" panose="020B0503020204020204" pitchFamily="34" charset="-122"/>
-            </a:endParaRPr>
-          </a:p>
-          <a:p>
-            <a:r>
-              <a:rPr lang="en-US" altLang="zh-CN" sz="2400" dirty="0">
-                <a:hlinkClick r:id="rId3"/>
-              </a:rPr>
-              <a:t>http://zookeeper.apache.org/releases.html</a:t>
-            </a:r>
-            <a:endParaRPr lang="en-US" altLang="zh-CN" sz="2400" dirty="0" smtClean="0">
-              <a:latin typeface="微软雅黑" panose="020B0503020204020204" pitchFamily="34" charset="-122"/>
-              <a:ea typeface="微软雅黑" panose="020B0503020204020204" pitchFamily="34" charset="-122"/>
-            </a:endParaRPr>
-          </a:p>
-          <a:p>
+              <a:t>开源网址：</a:t>
+            </a:r>
             <a:endParaRPr lang="en-US" altLang="zh-CN" sz="2400" dirty="0">
               <a:latin typeface="微软雅黑" panose="020B0503020204020204" pitchFamily="34" charset="-122"/>
               <a:ea typeface="微软雅黑" panose="020B0503020204020204" pitchFamily="34" charset="-122"/>
@@ -11692,7 +11253,27 @@
           </a:p>
           <a:p>
             <a:r>
-              <a:rPr lang="en-US" altLang="zh-CN" sz="2400" dirty="0" smtClean="0">
+              <a:rPr lang="en-US" altLang="zh-CN" sz="2400" dirty="0">
+                <a:hlinkClick r:id="rId3"/>
+              </a:rPr>
+              <a:t>http://alibaba.github.io/dubbo-doc-static/Home-zh.htm</a:t>
+            </a:r>
+            <a:endParaRPr lang="en-US" altLang="zh-CN" sz="2400" dirty="0"/>
+          </a:p>
+          <a:p>
+            <a:endParaRPr lang="en-US" altLang="zh-CN" sz="2400" dirty="0">
+              <a:hlinkClick r:id="rId4"/>
+            </a:endParaRPr>
+          </a:p>
+          <a:p>
+            <a:endParaRPr lang="en-US" altLang="zh-CN" sz="2400" dirty="0">
+              <a:latin typeface="微软雅黑" panose="020B0503020204020204" pitchFamily="34" charset="-122"/>
+              <a:ea typeface="微软雅黑" panose="020B0503020204020204" pitchFamily="34" charset="-122"/>
+            </a:endParaRPr>
+          </a:p>
+          <a:p>
+            <a:r>
+              <a:rPr lang="en-US" altLang="zh-CN" sz="2400" dirty="0">
                 <a:latin typeface="微软雅黑" panose="020B0503020204020204" pitchFamily="34" charset="-122"/>
                 <a:ea typeface="微软雅黑" panose="020B0503020204020204" pitchFamily="34" charset="-122"/>
               </a:rPr>
@@ -11703,33 +11284,58 @@
                 <a:latin typeface="微软雅黑" panose="020B0503020204020204" pitchFamily="34" charset="-122"/>
                 <a:ea typeface="微软雅黑" panose="020B0503020204020204" pitchFamily="34" charset="-122"/>
               </a:rPr>
-              <a:t>注册中心</a:t>
-            </a:r>
-            <a:r>
-              <a:rPr lang="zh-CN" altLang="en-US" sz="2400" dirty="0" smtClean="0">
-                <a:latin typeface="微软雅黑" panose="020B0503020204020204" pitchFamily="34" charset="-122"/>
-                <a:ea typeface="微软雅黑" panose="020B0503020204020204" pitchFamily="34" charset="-122"/>
-              </a:rPr>
-              <a:t>安装：</a:t>
-            </a:r>
-            <a:endParaRPr lang="en-US" altLang="zh-CN" sz="2400" dirty="0" smtClean="0">
-              <a:hlinkClick r:id="rId2"/>
+              <a:t>下载地址：</a:t>
+            </a:r>
+            <a:endParaRPr lang="en-US" altLang="zh-CN" sz="2400" dirty="0">
+              <a:latin typeface="微软雅黑" panose="020B0503020204020204" pitchFamily="34" charset="-122"/>
+              <a:ea typeface="微软雅黑" panose="020B0503020204020204" pitchFamily="34" charset="-122"/>
             </a:endParaRPr>
           </a:p>
           <a:p>
             <a:r>
-              <a:rPr lang="en-US" altLang="zh-CN" sz="2400" dirty="0" smtClean="0">
-                <a:hlinkClick r:id="rId2"/>
-              </a:rPr>
-              <a:t>http</a:t>
-            </a:r>
-            <a:r>
               <a:rPr lang="en-US" altLang="zh-CN" sz="2400" dirty="0">
-                <a:hlinkClick r:id="rId2"/>
-              </a:rPr>
-              <a:t>://alibaba.github.io/dubbo-doc-static/Zookeeper+Registry+Installation-zh.htm</a:t>
-            </a:r>
-            <a:endParaRPr lang="en-US" altLang="zh-CN" sz="2400" dirty="0" smtClean="0">
+                <a:hlinkClick r:id="rId5"/>
+              </a:rPr>
+              <a:t>http://zookeeper.apache.org/releases.html</a:t>
+            </a:r>
+            <a:endParaRPr lang="en-US" altLang="zh-CN" sz="2400" dirty="0">
+              <a:latin typeface="微软雅黑" panose="020B0503020204020204" pitchFamily="34" charset="-122"/>
+              <a:ea typeface="微软雅黑" panose="020B0503020204020204" pitchFamily="34" charset="-122"/>
+            </a:endParaRPr>
+          </a:p>
+          <a:p>
+            <a:endParaRPr lang="en-US" altLang="zh-CN" sz="2400" dirty="0">
+              <a:latin typeface="微软雅黑" panose="020B0503020204020204" pitchFamily="34" charset="-122"/>
+              <a:ea typeface="微软雅黑" panose="020B0503020204020204" pitchFamily="34" charset="-122"/>
+            </a:endParaRPr>
+          </a:p>
+          <a:p>
+            <a:r>
+              <a:rPr lang="en-US" altLang="zh-CN" sz="2400" dirty="0">
+                <a:latin typeface="微软雅黑" panose="020B0503020204020204" pitchFamily="34" charset="-122"/>
+                <a:ea typeface="微软雅黑" panose="020B0503020204020204" pitchFamily="34" charset="-122"/>
+              </a:rPr>
+              <a:t>Zookeeper</a:t>
+            </a:r>
+            <a:r>
+              <a:rPr lang="zh-CN" altLang="en-US" sz="2400" dirty="0">
+                <a:latin typeface="微软雅黑" panose="020B0503020204020204" pitchFamily="34" charset="-122"/>
+                <a:ea typeface="微软雅黑" panose="020B0503020204020204" pitchFamily="34" charset="-122"/>
+              </a:rPr>
+              <a:t>注册中心安装：</a:t>
+            </a:r>
+            <a:endParaRPr lang="en-US" altLang="zh-CN" sz="2400" dirty="0">
+              <a:hlinkClick r:id="rId4"/>
+            </a:endParaRPr>
+          </a:p>
+          <a:p>
+            <a:r>
+              <a:rPr lang="en-US" altLang="zh-CN" sz="2400" dirty="0">
+                <a:hlinkClick r:id="rId4"/>
+              </a:rPr>
+              <a:t>http://alibaba.github.io/dubbo-doc-static/Zookeeper+Registry+Installation-zh.htm</a:t>
+            </a:r>
+            <a:endParaRPr lang="en-US" altLang="zh-CN" sz="2400" dirty="0">
               <a:latin typeface="微软雅黑" panose="020B0503020204020204" pitchFamily="34" charset="-122"/>
               <a:ea typeface="微软雅黑" panose="020B0503020204020204" pitchFamily="34" charset="-122"/>
             </a:endParaRPr>
@@ -11741,13 +11347,6 @@
   <p:clrMapOvr>
     <a:masterClrMapping/>
   </p:clrMapOvr>
-  <p:timing>
-    <p:tnLst>
-      <p:par>
-        <p:cTn id="1" dur="indefinite" restart="never" nodeType="tmRoot"/>
-      </p:par>
-    </p:tnLst>
-  </p:timing>
 </p:sld>
 </file>
 
@@ -11790,10 +11389,9 @@
           <a:p>
             <a:pPr algn="ctr"/>
             <a:r>
-              <a:rPr lang="zh-CN" altLang="en-US" dirty="0" smtClean="0"/>
+              <a:rPr lang="zh-CN" altLang="en-US" dirty="0"/>
               <a:t>课程目标</a:t>
             </a:r>
-            <a:endParaRPr lang="zh-CN" altLang="en-US" dirty="0"/>
           </a:p>
         </p:txBody>
       </p:sp>
@@ -11824,27 +11422,27 @@
               <a:buAutoNum type="arabicPeriod"/>
             </a:pPr>
             <a:r>
-              <a:rPr lang="zh-CN" altLang="en-US" sz="2800" dirty="0" smtClean="0">
+              <a:rPr lang="zh-CN" altLang="en-US" sz="2800" dirty="0">
                 <a:latin typeface="微软雅黑" panose="020B0503020204020204" pitchFamily="34" charset="-122"/>
                 <a:ea typeface="微软雅黑" panose="020B0503020204020204" pitchFamily="34" charset="-122"/>
               </a:rPr>
               <a:t>对</a:t>
             </a:r>
             <a:r>
-              <a:rPr lang="en-US" altLang="zh-CN" sz="2800" dirty="0" smtClean="0">
+              <a:rPr lang="en-US" altLang="zh-CN" sz="2800" dirty="0">
                 <a:latin typeface="微软雅黑" panose="020B0503020204020204" pitchFamily="34" charset="-122"/>
                 <a:ea typeface="微软雅黑" panose="020B0503020204020204" pitchFamily="34" charset="-122"/>
               </a:rPr>
               <a:t>Dubbo</a:t>
             </a:r>
             <a:r>
-              <a:rPr lang="zh-CN" altLang="en-US" sz="2800" dirty="0" smtClean="0">
+              <a:rPr lang="zh-CN" altLang="en-US" sz="2800" dirty="0">
                 <a:latin typeface="微软雅黑" panose="020B0503020204020204" pitchFamily="34" charset="-122"/>
                 <a:ea typeface="微软雅黑" panose="020B0503020204020204" pitchFamily="34" charset="-122"/>
               </a:rPr>
               <a:t>有基本的认识</a:t>
             </a:r>
-            <a:endParaRPr lang="en-US" altLang="zh-CN" sz="2800" dirty="0" smtClean="0">
+            <a:endParaRPr lang="en-US" altLang="zh-CN" sz="2800" dirty="0">
               <a:latin typeface="微软雅黑" panose="020B0503020204020204" pitchFamily="34" charset="-122"/>
               <a:ea typeface="微软雅黑" panose="020B0503020204020204" pitchFamily="34" charset="-122"/>
             </a:endParaRPr>
@@ -11855,27 +11453,27 @@
               <a:buAutoNum type="arabicPeriod"/>
             </a:pPr>
             <a:r>
-              <a:rPr lang="zh-CN" altLang="en-US" sz="2800" dirty="0" smtClean="0">
+              <a:rPr lang="zh-CN" altLang="en-US" sz="2800" dirty="0">
                 <a:latin typeface="微软雅黑" panose="020B0503020204020204" pitchFamily="34" charset="-122"/>
                 <a:ea typeface="微软雅黑" panose="020B0503020204020204" pitchFamily="34" charset="-122"/>
               </a:rPr>
               <a:t>掌握</a:t>
             </a:r>
             <a:r>
-              <a:rPr lang="en-US" altLang="zh-CN" sz="2800" dirty="0" smtClean="0">
+              <a:rPr lang="en-US" altLang="zh-CN" sz="2800" dirty="0">
                 <a:latin typeface="微软雅黑" panose="020B0503020204020204" pitchFamily="34" charset="-122"/>
                 <a:ea typeface="微软雅黑" panose="020B0503020204020204" pitchFamily="34" charset="-122"/>
               </a:rPr>
               <a:t>Dubbo</a:t>
             </a:r>
             <a:r>
-              <a:rPr lang="zh-CN" altLang="en-US" sz="2800" dirty="0" smtClean="0">
+              <a:rPr lang="zh-CN" altLang="en-US" sz="2800" dirty="0">
                 <a:latin typeface="微软雅黑" panose="020B0503020204020204" pitchFamily="34" charset="-122"/>
                 <a:ea typeface="微软雅黑" panose="020B0503020204020204" pitchFamily="34" charset="-122"/>
               </a:rPr>
               <a:t>的基本原理</a:t>
             </a:r>
-            <a:endParaRPr lang="en-US" altLang="zh-CN" sz="2800" dirty="0" smtClean="0">
+            <a:endParaRPr lang="en-US" altLang="zh-CN" sz="2800" dirty="0">
               <a:latin typeface="微软雅黑" panose="020B0503020204020204" pitchFamily="34" charset="-122"/>
               <a:ea typeface="微软雅黑" panose="020B0503020204020204" pitchFamily="34" charset="-122"/>
             </a:endParaRPr>
@@ -11886,27 +11484,27 @@
               <a:buAutoNum type="arabicPeriod"/>
             </a:pPr>
             <a:r>
-              <a:rPr lang="zh-CN" altLang="en-US" sz="2800" dirty="0" smtClean="0">
+              <a:rPr lang="zh-CN" altLang="en-US" sz="2800" dirty="0">
                 <a:latin typeface="微软雅黑" panose="020B0503020204020204" pitchFamily="34" charset="-122"/>
                 <a:ea typeface="微软雅黑" panose="020B0503020204020204" pitchFamily="34" charset="-122"/>
               </a:rPr>
               <a:t>能够快速启动</a:t>
             </a:r>
             <a:r>
-              <a:rPr lang="en-US" altLang="zh-CN" sz="2800" dirty="0" smtClean="0">
+              <a:rPr lang="en-US" altLang="zh-CN" sz="2800" dirty="0">
                 <a:latin typeface="微软雅黑" panose="020B0503020204020204" pitchFamily="34" charset="-122"/>
                 <a:ea typeface="微软雅黑" panose="020B0503020204020204" pitchFamily="34" charset="-122"/>
               </a:rPr>
               <a:t>Dubbo</a:t>
             </a:r>
             <a:r>
-              <a:rPr lang="zh-CN" altLang="en-US" sz="2800" dirty="0" smtClean="0">
+              <a:rPr lang="zh-CN" altLang="en-US" sz="2800" dirty="0">
                 <a:latin typeface="微软雅黑" panose="020B0503020204020204" pitchFamily="34" charset="-122"/>
                 <a:ea typeface="微软雅黑" panose="020B0503020204020204" pitchFamily="34" charset="-122"/>
               </a:rPr>
               <a:t>示例</a:t>
             </a:r>
-            <a:endParaRPr lang="en-US" altLang="zh-CN" sz="2800" dirty="0" smtClean="0">
+            <a:endParaRPr lang="en-US" altLang="zh-CN" sz="2800" dirty="0">
               <a:latin typeface="微软雅黑" panose="020B0503020204020204" pitchFamily="34" charset="-122"/>
               <a:ea typeface="微软雅黑" panose="020B0503020204020204" pitchFamily="34" charset="-122"/>
             </a:endParaRPr>
@@ -11918,25 +11516,18 @@
   <p:clrMapOvr>
     <a:masterClrMapping/>
   </p:clrMapOvr>
-  <mc:AlternateContent xmlns:mc="http://schemas.openxmlformats.org/markup-compatibility/2006">
-    <mc:Choice xmlns:p14="http://schemas.microsoft.com/office/powerpoint/2010/main" Requires="p14">
+  <mc:AlternateContent xmlns:mc="http://schemas.openxmlformats.org/markup-compatibility/2006" xmlns:p14="http://schemas.microsoft.com/office/powerpoint/2010/main">
+    <mc:Choice Requires="p14">
       <p:transition p14:dur="100">
         <p:cut/>
       </p:transition>
     </mc:Choice>
-    <mc:Fallback>
+    <mc:Fallback xmlns="">
       <p:transition>
         <p:cut/>
       </p:transition>
     </mc:Fallback>
   </mc:AlternateContent>
-  <p:timing>
-    <p:tnLst>
-      <p:par>
-        <p:cTn id="1" dur="indefinite" restart="never" nodeType="tmRoot"/>
-      </p:par>
-    </p:tnLst>
-  </p:timing>
 </p:sld>
 </file>
 
@@ -11981,22 +11572,22 @@
           <a:p>
             <a:pPr algn="ctr"/>
             <a:r>
-              <a:rPr lang="en-US" altLang="zh-CN" sz="4000" dirty="0" smtClean="0"/>
+              <a:rPr lang="en-US" altLang="zh-CN" sz="4000" dirty="0"/>
               <a:t>1</a:t>
             </a:r>
             <a:r>
-              <a:rPr lang="zh-CN" altLang="en-US" sz="4000" dirty="0" smtClean="0"/>
+              <a:rPr lang="zh-CN" altLang="en-US" sz="4000" dirty="0"/>
               <a:t>、</a:t>
             </a:r>
             <a:r>
-              <a:rPr lang="en-US" altLang="zh-CN" sz="4000" dirty="0" smtClean="0"/>
+              <a:rPr lang="en-US" altLang="zh-CN" sz="4000" dirty="0"/>
               <a:t>Dubbo</a:t>
             </a:r>
             <a:r>
-              <a:rPr lang="zh-CN" altLang="en-US" sz="4000" dirty="0" smtClean="0"/>
+              <a:rPr lang="zh-CN" altLang="en-US" sz="4000" dirty="0"/>
               <a:t>是什么？</a:t>
             </a:r>
-            <a:endParaRPr lang="en-US" altLang="zh-CN" sz="2800" dirty="0" smtClean="0">
+            <a:endParaRPr lang="en-US" altLang="zh-CN" sz="2800" dirty="0">
               <a:latin typeface="微软雅黑" panose="020B0503020204020204" pitchFamily="34" charset="-122"/>
               <a:ea typeface="微软雅黑" panose="020B0503020204020204" pitchFamily="34" charset="-122"/>
             </a:endParaRPr>
@@ -12008,13 +11599,6 @@
   <p:clrMapOvr>
     <a:masterClrMapping/>
   </p:clrMapOvr>
-  <p:timing>
-    <p:tnLst>
-      <p:par>
-        <p:cTn id="1" dur="indefinite" restart="never" nodeType="tmRoot"/>
-      </p:par>
-    </p:tnLst>
-  </p:timing>
 </p:sld>
 </file>
 
@@ -12057,18 +11641,17 @@
           <a:p>
             <a:pPr marL="514350" indent="-514350"/>
             <a:r>
-              <a:rPr lang="en-US" altLang="zh-CN" dirty="0" smtClean="0"/>
+              <a:rPr lang="en-US" altLang="zh-CN" dirty="0"/>
               <a:t>Dubbo</a:t>
             </a:r>
             <a:r>
-              <a:rPr lang="zh-CN" altLang="en-US" dirty="0" smtClean="0"/>
+              <a:rPr lang="zh-CN" altLang="en-US" dirty="0"/>
               <a:t>是什么</a:t>
             </a:r>
             <a:r>
-              <a:rPr lang="en-US" altLang="zh-CN" dirty="0" smtClean="0"/>
+              <a:rPr lang="en-US" altLang="zh-CN" dirty="0"/>
               <a:t>?</a:t>
             </a:r>
-            <a:endParaRPr lang="en-US" altLang="zh-CN" dirty="0" smtClean="0"/>
           </a:p>
         </p:txBody>
       </p:sp>
@@ -12095,7 +11678,7 @@
           <a:lstStyle/>
           <a:p>
             <a:r>
-              <a:rPr lang="en-US" altLang="zh-CN" sz="3600" dirty="0" smtClean="0">
+              <a:rPr lang="en-US" altLang="zh-CN" sz="3600" dirty="0">
                 <a:solidFill>
                   <a:schemeClr val="tx2">
                     <a:lumMod val="60000"/>
@@ -12108,7 +11691,7 @@
               <a:t>Dubbo</a:t>
             </a:r>
             <a:r>
-              <a:rPr lang="zh-CN" altLang="en-US" sz="3600" dirty="0" smtClean="0">
+              <a:rPr lang="zh-CN" altLang="en-US" sz="3600" dirty="0">
                 <a:solidFill>
                   <a:schemeClr val="tx2">
                     <a:lumMod val="60000"/>
@@ -12120,7 +11703,7 @@
               </a:rPr>
               <a:t>是什么？</a:t>
             </a:r>
-            <a:endParaRPr lang="en-US" altLang="zh-CN" sz="3600" dirty="0" smtClean="0">
+            <a:endParaRPr lang="en-US" altLang="zh-CN" sz="3600" dirty="0">
               <a:solidFill>
                 <a:schemeClr val="tx2">
                   <a:lumMod val="60000"/>
@@ -12132,14 +11715,14 @@
             </a:endParaRPr>
           </a:p>
           <a:p>
-            <a:endParaRPr lang="en-US" altLang="zh-CN" sz="2400" dirty="0" smtClean="0">
+            <a:endParaRPr lang="en-US" altLang="zh-CN" sz="2400" dirty="0">
               <a:latin typeface="微软雅黑" panose="020B0503020204020204" pitchFamily="34" charset="-122"/>
               <a:ea typeface="微软雅黑" panose="020B0503020204020204" pitchFamily="34" charset="-122"/>
             </a:endParaRPr>
           </a:p>
           <a:p>
             <a:r>
-              <a:rPr lang="en-US" altLang="zh-CN" sz="2400" dirty="0" err="1" smtClean="0">
+              <a:rPr lang="en-US" altLang="zh-CN" sz="2400" dirty="0" err="1">
                 <a:latin typeface="微软雅黑" panose="020B0503020204020204" pitchFamily="34" charset="-122"/>
                 <a:ea typeface="微软雅黑" panose="020B0503020204020204" pitchFamily="34" charset="-122"/>
               </a:rPr>
@@ -12178,16 +11761,9 @@
                 <a:latin typeface="微软雅黑" panose="020B0503020204020204" pitchFamily="34" charset="-122"/>
                 <a:ea typeface="微软雅黑" panose="020B0503020204020204" pitchFamily="34" charset="-122"/>
               </a:rPr>
-              <a:t>服务治理方案</a:t>
-            </a:r>
-            <a:r>
-              <a:rPr lang="zh-CN" altLang="en-US" sz="2400" dirty="0" smtClean="0">
-                <a:latin typeface="微软雅黑" panose="020B0503020204020204" pitchFamily="34" charset="-122"/>
-                <a:ea typeface="微软雅黑" panose="020B0503020204020204" pitchFamily="34" charset="-122"/>
-              </a:rPr>
-              <a:t>。</a:t>
-            </a:r>
-            <a:endParaRPr lang="en-US" altLang="zh-CN" sz="2400" dirty="0" smtClean="0">
+              <a:t>服务治理方案。</a:t>
+            </a:r>
+            <a:endParaRPr lang="en-US" altLang="zh-CN" sz="2400" dirty="0">
               <a:latin typeface="微软雅黑" panose="020B0503020204020204" pitchFamily="34" charset="-122"/>
               <a:ea typeface="微软雅黑" panose="020B0503020204020204" pitchFamily="34" charset="-122"/>
             </a:endParaRPr>
@@ -12199,13 +11775,6 @@
   <p:clrMapOvr>
     <a:masterClrMapping/>
   </p:clrMapOvr>
-  <p:timing>
-    <p:tnLst>
-      <p:par>
-        <p:cTn id="1" dur="indefinite" restart="never" nodeType="tmRoot"/>
-      </p:par>
-    </p:tnLst>
-  </p:timing>
 </p:sld>
 </file>
 
@@ -12248,14 +11817,14 @@
           <a:p>
             <a:pPr marL="514350" indent="-514350"/>
             <a:r>
-              <a:rPr lang="en-US" altLang="zh-CN" dirty="0" smtClean="0"/>
+              <a:rPr lang="en-US" altLang="zh-CN" dirty="0"/>
               <a:t>Dubbo</a:t>
             </a:r>
             <a:r>
-              <a:rPr lang="zh-CN" altLang="en-US" dirty="0" smtClean="0"/>
+              <a:rPr lang="zh-CN" altLang="en-US" dirty="0"/>
               <a:t>核心部分</a:t>
             </a:r>
-            <a:endParaRPr lang="en-US" altLang="zh-CN" dirty="0" smtClean="0"/>
+            <a:endParaRPr lang="en-US" altLang="zh-CN" dirty="0"/>
           </a:p>
         </p:txBody>
       </p:sp>
@@ -12292,22 +11861,9 @@
                 <a:latin typeface="微软雅黑" panose="020B0503020204020204" pitchFamily="34" charset="-122"/>
                 <a:ea typeface="微软雅黑" panose="020B0503020204020204" pitchFamily="34" charset="-122"/>
               </a:rPr>
-              <a:t>其核心部分</a:t>
-            </a:r>
-            <a:r>
-              <a:rPr lang="zh-CN" altLang="en-US" sz="3600" dirty="0" smtClean="0">
-                <a:solidFill>
-                  <a:schemeClr val="tx2">
-                    <a:lumMod val="60000"/>
-                    <a:lumOff val="40000"/>
-                  </a:schemeClr>
-                </a:solidFill>
-                <a:latin typeface="微软雅黑" panose="020B0503020204020204" pitchFamily="34" charset="-122"/>
-                <a:ea typeface="微软雅黑" panose="020B0503020204020204" pitchFamily="34" charset="-122"/>
-              </a:rPr>
-              <a:t>包含：</a:t>
-            </a:r>
-            <a:endParaRPr lang="en-US" altLang="zh-CN" sz="3600" dirty="0" smtClean="0">
+              <a:t>其核心部分包含：</a:t>
+            </a:r>
+            <a:endParaRPr lang="en-US" altLang="zh-CN" sz="3600" dirty="0">
               <a:solidFill>
                 <a:schemeClr val="tx2">
                   <a:lumMod val="60000"/>
@@ -12319,7 +11875,7 @@
             </a:endParaRPr>
           </a:p>
           <a:p>
-            <a:endParaRPr lang="en-US" altLang="zh-CN" sz="2400" dirty="0" smtClean="0">
+            <a:endParaRPr lang="en-US" altLang="zh-CN" sz="2400" dirty="0">
               <a:latin typeface="微软雅黑" panose="020B0503020204020204" pitchFamily="34" charset="-122"/>
               <a:ea typeface="微软雅黑" panose="020B0503020204020204" pitchFamily="34" charset="-122"/>
             </a:endParaRPr>
@@ -12344,18 +11900,11 @@
               <a:t>: </a:t>
             </a:r>
             <a:r>
-              <a:rPr lang="zh-CN" altLang="en-US" sz="2000" dirty="0" smtClean="0">
-                <a:latin typeface="微软雅黑" panose="020B0503020204020204" pitchFamily="34" charset="-122"/>
-                <a:ea typeface="微软雅黑" panose="020B0503020204020204" pitchFamily="34" charset="-122"/>
-              </a:rPr>
-              <a:t>提供</a:t>
-            </a:r>
-            <a:r>
               <a:rPr lang="zh-CN" altLang="en-US" sz="2000" dirty="0">
                 <a:latin typeface="微软雅黑" panose="020B0503020204020204" pitchFamily="34" charset="-122"/>
                 <a:ea typeface="微软雅黑" panose="020B0503020204020204" pitchFamily="34" charset="-122"/>
               </a:rPr>
-              <a:t>对多种基于长连接的</a:t>
+              <a:t>提供对多种基于长连接的</a:t>
             </a:r>
             <a:r>
               <a:rPr lang="en-US" altLang="zh-CN" sz="2000" dirty="0">
@@ -12383,22 +11932,15 @@
                 <a:latin typeface="微软雅黑" panose="020B0503020204020204" pitchFamily="34" charset="-122"/>
                 <a:ea typeface="微软雅黑" panose="020B0503020204020204" pitchFamily="34" charset="-122"/>
               </a:rPr>
-              <a:t>响应”模式的信息交换方式</a:t>
-            </a:r>
-            <a:r>
-              <a:rPr lang="zh-CN" altLang="en-US" sz="2000" dirty="0" smtClean="0">
-                <a:latin typeface="微软雅黑" panose="020B0503020204020204" pitchFamily="34" charset="-122"/>
-                <a:ea typeface="微软雅黑" panose="020B0503020204020204" pitchFamily="34" charset="-122"/>
-              </a:rPr>
-              <a:t>。</a:t>
-            </a:r>
-            <a:endParaRPr lang="en-US" altLang="zh-CN" sz="2000" dirty="0" smtClean="0">
+              <a:t>响应”模式的信息交换方式。</a:t>
+            </a:r>
+            <a:endParaRPr lang="en-US" altLang="zh-CN" sz="2000" dirty="0">
               <a:latin typeface="微软雅黑" panose="020B0503020204020204" pitchFamily="34" charset="-122"/>
               <a:ea typeface="微软雅黑" panose="020B0503020204020204" pitchFamily="34" charset="-122"/>
             </a:endParaRPr>
           </a:p>
           <a:p>
-            <a:endParaRPr lang="en-US" altLang="zh-CN" dirty="0" smtClean="0">
+            <a:endParaRPr lang="en-US" altLang="zh-CN" dirty="0">
               <a:latin typeface="微软雅黑" panose="020B0503020204020204" pitchFamily="34" charset="-122"/>
               <a:ea typeface="微软雅黑" panose="020B0503020204020204" pitchFamily="34" charset="-122"/>
             </a:endParaRPr>
@@ -12416,7 +11958,7 @@
               <a:t>集群容错</a:t>
             </a:r>
             <a:r>
-              <a:rPr lang="en-US" altLang="zh-CN" sz="2400" dirty="0" smtClean="0">
+              <a:rPr lang="en-US" altLang="zh-CN" sz="2400" dirty="0">
                 <a:latin typeface="微软雅黑" panose="020B0503020204020204" pitchFamily="34" charset="-122"/>
                 <a:ea typeface="微软雅黑" panose="020B0503020204020204" pitchFamily="34" charset="-122"/>
               </a:rPr>
@@ -12429,13 +11971,13 @@
               </a:rPr>
               <a:t>提供基于接口方法的透明远程过程调用，包括多协议支持，以及软负载均衡，失败容错，地址路由，动态配置等集群支持。</a:t>
             </a:r>
-            <a:endParaRPr lang="en-US" altLang="zh-CN" sz="2000" dirty="0" smtClean="0">
+            <a:endParaRPr lang="en-US" altLang="zh-CN" sz="2000" dirty="0">
               <a:latin typeface="微软雅黑" panose="020B0503020204020204" pitchFamily="34" charset="-122"/>
               <a:ea typeface="微软雅黑" panose="020B0503020204020204" pitchFamily="34" charset="-122"/>
             </a:endParaRPr>
           </a:p>
           <a:p>
-            <a:endParaRPr lang="en-US" altLang="zh-CN" sz="2400" dirty="0" smtClean="0">
+            <a:endParaRPr lang="en-US" altLang="zh-CN" sz="2400" dirty="0">
               <a:latin typeface="微软雅黑" panose="020B0503020204020204" pitchFamily="34" charset="-122"/>
               <a:ea typeface="微软雅黑" panose="020B0503020204020204" pitchFamily="34" charset="-122"/>
             </a:endParaRPr>
@@ -12453,7 +11995,7 @@
               <a:t>自动发现</a:t>
             </a:r>
             <a:r>
-              <a:rPr lang="en-US" altLang="zh-CN" sz="2400" dirty="0" smtClean="0">
+              <a:rPr lang="en-US" altLang="zh-CN" sz="2400" dirty="0">
                 <a:latin typeface="微软雅黑" panose="020B0503020204020204" pitchFamily="34" charset="-122"/>
                 <a:ea typeface="微软雅黑" panose="020B0503020204020204" pitchFamily="34" charset="-122"/>
               </a:rPr>
@@ -12466,7 +12008,7 @@
               </a:rPr>
               <a:t>基于注册中心目录服务，使服务消费方能动态的查找服务提供方，使地址透明，使服务提供方可以平滑增加或减少机器。</a:t>
             </a:r>
-            <a:endParaRPr lang="en-US" altLang="zh-CN" sz="2000" dirty="0" smtClean="0">
+            <a:endParaRPr lang="en-US" altLang="zh-CN" sz="2000" dirty="0">
               <a:latin typeface="微软雅黑" panose="020B0503020204020204" pitchFamily="34" charset="-122"/>
               <a:ea typeface="微软雅黑" panose="020B0503020204020204" pitchFamily="34" charset="-122"/>
             </a:endParaRPr>
@@ -12478,13 +12020,6 @@
   <p:clrMapOvr>
     <a:masterClrMapping/>
   </p:clrMapOvr>
-  <p:timing>
-    <p:tnLst>
-      <p:par>
-        <p:cTn id="1" dur="indefinite" restart="never" nodeType="tmRoot"/>
-      </p:par>
-    </p:tnLst>
-  </p:timing>
 </p:sld>
 </file>
 
@@ -12529,22 +12064,22 @@
           <a:p>
             <a:pPr algn="ctr"/>
             <a:r>
-              <a:rPr lang="en-US" altLang="zh-CN" sz="4000" dirty="0" smtClean="0"/>
+              <a:rPr lang="en-US" altLang="zh-CN" sz="4000" dirty="0"/>
               <a:t>2</a:t>
             </a:r>
             <a:r>
-              <a:rPr lang="zh-CN" altLang="en-US" sz="4000" dirty="0" smtClean="0"/>
+              <a:rPr lang="zh-CN" altLang="en-US" sz="4000" dirty="0"/>
               <a:t>、</a:t>
             </a:r>
             <a:r>
-              <a:rPr lang="en-US" altLang="zh-CN" sz="4000" dirty="0" smtClean="0"/>
+              <a:rPr lang="en-US" altLang="zh-CN" sz="4000" dirty="0"/>
               <a:t>Dubbo</a:t>
             </a:r>
             <a:r>
-              <a:rPr lang="zh-CN" altLang="en-US" sz="4000" dirty="0" smtClean="0"/>
+              <a:rPr lang="zh-CN" altLang="en-US" sz="4000" dirty="0"/>
               <a:t>能做什么？</a:t>
             </a:r>
-            <a:endParaRPr lang="en-US" altLang="zh-CN" sz="2800" dirty="0" smtClean="0">
+            <a:endParaRPr lang="en-US" altLang="zh-CN" sz="2800" dirty="0">
               <a:latin typeface="微软雅黑" panose="020B0503020204020204" pitchFamily="34" charset="-122"/>
               <a:ea typeface="微软雅黑" panose="020B0503020204020204" pitchFamily="34" charset="-122"/>
             </a:endParaRPr>
@@ -12556,13 +12091,6 @@
   <p:clrMapOvr>
     <a:masterClrMapping/>
   </p:clrMapOvr>
-  <p:timing>
-    <p:tnLst>
-      <p:par>
-        <p:cTn id="1" dur="indefinite" restart="never" nodeType="tmRoot"/>
-      </p:par>
-    </p:tnLst>
-  </p:timing>
 </p:sld>
 </file>
 
@@ -12605,18 +12133,17 @@
           <a:p>
             <a:pPr marL="514350" indent="-514350"/>
             <a:r>
-              <a:rPr lang="en-US" altLang="zh-CN" dirty="0" smtClean="0"/>
+              <a:rPr lang="en-US" altLang="zh-CN" dirty="0"/>
               <a:t>Dubbo</a:t>
             </a:r>
             <a:r>
-              <a:rPr lang="zh-CN" altLang="en-US" dirty="0" smtClean="0"/>
+              <a:rPr lang="zh-CN" altLang="en-US" dirty="0"/>
               <a:t>能做什么</a:t>
             </a:r>
             <a:r>
-              <a:rPr lang="en-US" altLang="zh-CN" dirty="0" smtClean="0"/>
+              <a:rPr lang="en-US" altLang="zh-CN" dirty="0"/>
               <a:t>?</a:t>
             </a:r>
-            <a:endParaRPr lang="en-US" altLang="zh-CN" dirty="0" smtClean="0"/>
           </a:p>
         </p:txBody>
       </p:sp>
@@ -12643,7 +12170,7 @@
           <a:lstStyle/>
           <a:p>
             <a:r>
-              <a:rPr lang="en-US" altLang="zh-CN" sz="3600" dirty="0" smtClean="0">
+              <a:rPr lang="en-US" altLang="zh-CN" sz="3600" dirty="0">
                 <a:solidFill>
                   <a:schemeClr val="tx2">
                     <a:lumMod val="60000"/>
@@ -12656,7 +12183,7 @@
               <a:t>Dubbo</a:t>
             </a:r>
             <a:r>
-              <a:rPr lang="zh-CN" altLang="en-US" sz="3600" dirty="0" smtClean="0">
+              <a:rPr lang="zh-CN" altLang="en-US" sz="3600" dirty="0">
                 <a:solidFill>
                   <a:schemeClr val="tx2">
                     <a:lumMod val="60000"/>
@@ -12668,7 +12195,7 @@
               </a:rPr>
               <a:t>能做什么？</a:t>
             </a:r>
-            <a:endParaRPr lang="en-US" altLang="zh-CN" sz="3600" dirty="0" smtClean="0">
+            <a:endParaRPr lang="en-US" altLang="zh-CN" sz="3600" dirty="0">
               <a:solidFill>
                 <a:schemeClr val="tx2">
                   <a:lumMod val="60000"/>
@@ -12680,7 +12207,7 @@
             </a:endParaRPr>
           </a:p>
           <a:p>
-            <a:endParaRPr lang="en-US" altLang="zh-CN" sz="2400" dirty="0" smtClean="0">
+            <a:endParaRPr lang="en-US" altLang="zh-CN" sz="2400" dirty="0">
               <a:latin typeface="微软雅黑" panose="020B0503020204020204" pitchFamily="34" charset="-122"/>
               <a:ea typeface="微软雅黑" panose="020B0503020204020204" pitchFamily="34" charset="-122"/>
             </a:endParaRPr>
@@ -12709,64 +12236,9 @@
                 <a:latin typeface="微软雅黑" panose="020B0503020204020204" pitchFamily="34" charset="-122"/>
                 <a:ea typeface="微软雅黑" panose="020B0503020204020204" pitchFamily="34" charset="-122"/>
               </a:rPr>
-              <a:t>侵入</a:t>
-            </a:r>
-            <a:r>
-              <a:rPr lang="zh-CN" altLang="en-US" sz="2400" dirty="0" smtClean="0">
-                <a:latin typeface="微软雅黑" panose="020B0503020204020204" pitchFamily="34" charset="-122"/>
-                <a:ea typeface="微软雅黑" panose="020B0503020204020204" pitchFamily="34" charset="-122"/>
-              </a:rPr>
-              <a:t>。</a:t>
-            </a:r>
-            <a:endParaRPr lang="en-US" altLang="zh-CN" sz="2400" dirty="0" smtClean="0">
-              <a:latin typeface="微软雅黑" panose="020B0503020204020204" pitchFamily="34" charset="-122"/>
-              <a:ea typeface="微软雅黑" panose="020B0503020204020204" pitchFamily="34" charset="-122"/>
-            </a:endParaRPr>
-          </a:p>
-          <a:p>
-            <a:pPr marL="342900" indent="-342900">
-              <a:buFont typeface="Wingdings" panose="05000000000000000000" pitchFamily="2" charset="2"/>
-              <a:buChar char="n"/>
-            </a:pPr>
-            <a:endParaRPr lang="en-US" altLang="zh-CN" sz="2400" dirty="0" smtClean="0">
-              <a:latin typeface="微软雅黑" panose="020B0503020204020204" pitchFamily="34" charset="-122"/>
-              <a:ea typeface="微软雅黑" panose="020B0503020204020204" pitchFamily="34" charset="-122"/>
-            </a:endParaRPr>
-          </a:p>
-          <a:p>
-            <a:pPr marL="342900" indent="-342900">
-              <a:buFont typeface="Wingdings" panose="05000000000000000000" pitchFamily="2" charset="2"/>
-              <a:buChar char="n"/>
-            </a:pPr>
-            <a:r>
-              <a:rPr lang="zh-CN" altLang="en-US" sz="2400" dirty="0">
-                <a:latin typeface="微软雅黑" panose="020B0503020204020204" pitchFamily="34" charset="-122"/>
-                <a:ea typeface="微软雅黑" panose="020B0503020204020204" pitchFamily="34" charset="-122"/>
-              </a:rPr>
-              <a:t>软负载均衡及容错机制，可在内网替代</a:t>
-            </a:r>
-            <a:r>
-              <a:rPr lang="en-US" altLang="zh-CN" sz="2400" dirty="0">
-                <a:latin typeface="微软雅黑" panose="020B0503020204020204" pitchFamily="34" charset="-122"/>
-                <a:ea typeface="微软雅黑" panose="020B0503020204020204" pitchFamily="34" charset="-122"/>
-              </a:rPr>
-              <a:t>F5</a:t>
-            </a:r>
-            <a:r>
-              <a:rPr lang="zh-CN" altLang="en-US" sz="2400" dirty="0">
-                <a:latin typeface="微软雅黑" panose="020B0503020204020204" pitchFamily="34" charset="-122"/>
-                <a:ea typeface="微软雅黑" panose="020B0503020204020204" pitchFamily="34" charset="-122"/>
-              </a:rPr>
-              <a:t>等硬件负载均衡器，降低成本，减少单点</a:t>
-            </a:r>
-            <a:r>
-              <a:rPr lang="zh-CN" altLang="en-US" sz="2400" dirty="0" smtClean="0">
-                <a:latin typeface="微软雅黑" panose="020B0503020204020204" pitchFamily="34" charset="-122"/>
-                <a:ea typeface="微软雅黑" panose="020B0503020204020204" pitchFamily="34" charset="-122"/>
-              </a:rPr>
-              <a:t>。</a:t>
-            </a:r>
-            <a:endParaRPr lang="en-US" altLang="zh-CN" sz="2400" dirty="0" smtClean="0">
+              <a:t>侵入。</a:t>
+            </a:r>
+            <a:endParaRPr lang="en-US" altLang="zh-CN" sz="2400" dirty="0">
               <a:latin typeface="微软雅黑" panose="020B0503020204020204" pitchFamily="34" charset="-122"/>
               <a:ea typeface="微软雅黑" panose="020B0503020204020204" pitchFamily="34" charset="-122"/>
             </a:endParaRPr>
@@ -12791,6 +12263,47 @@
                 <a:latin typeface="微软雅黑" panose="020B0503020204020204" pitchFamily="34" charset="-122"/>
                 <a:ea typeface="微软雅黑" panose="020B0503020204020204" pitchFamily="34" charset="-122"/>
               </a:rPr>
+              <a:t>软负载均衡及容错机制，可在内网替代</a:t>
+            </a:r>
+            <a:r>
+              <a:rPr lang="en-US" altLang="zh-CN" sz="2400" dirty="0">
+                <a:latin typeface="微软雅黑" panose="020B0503020204020204" pitchFamily="34" charset="-122"/>
+                <a:ea typeface="微软雅黑" panose="020B0503020204020204" pitchFamily="34" charset="-122"/>
+              </a:rPr>
+              <a:t>F5</a:t>
+            </a:r>
+            <a:r>
+              <a:rPr lang="zh-CN" altLang="en-US" sz="2400" dirty="0">
+                <a:latin typeface="微软雅黑" panose="020B0503020204020204" pitchFamily="34" charset="-122"/>
+                <a:ea typeface="微软雅黑" panose="020B0503020204020204" pitchFamily="34" charset="-122"/>
+              </a:rPr>
+              <a:t>等硬件负载均衡器，降低成本，减少单点。</a:t>
+            </a:r>
+            <a:endParaRPr lang="en-US" altLang="zh-CN" sz="2400" dirty="0">
+              <a:latin typeface="微软雅黑" panose="020B0503020204020204" pitchFamily="34" charset="-122"/>
+              <a:ea typeface="微软雅黑" panose="020B0503020204020204" pitchFamily="34" charset="-122"/>
+            </a:endParaRPr>
+          </a:p>
+          <a:p>
+            <a:pPr marL="342900" indent="-342900">
+              <a:buFont typeface="Wingdings" panose="05000000000000000000" pitchFamily="2" charset="2"/>
+              <a:buChar char="n"/>
+            </a:pPr>
+            <a:endParaRPr lang="en-US" altLang="zh-CN" sz="2400" dirty="0">
+              <a:latin typeface="微软雅黑" panose="020B0503020204020204" pitchFamily="34" charset="-122"/>
+              <a:ea typeface="微软雅黑" panose="020B0503020204020204" pitchFamily="34" charset="-122"/>
+            </a:endParaRPr>
+          </a:p>
+          <a:p>
+            <a:pPr marL="342900" indent="-342900">
+              <a:buFont typeface="Wingdings" panose="05000000000000000000" pitchFamily="2" charset="2"/>
+              <a:buChar char="n"/>
+            </a:pPr>
+            <a:r>
+              <a:rPr lang="zh-CN" altLang="en-US" sz="2400" dirty="0">
+                <a:latin typeface="微软雅黑" panose="020B0503020204020204" pitchFamily="34" charset="-122"/>
+                <a:ea typeface="微软雅黑" panose="020B0503020204020204" pitchFamily="34" charset="-122"/>
+              </a:rPr>
               <a:t>服务自动注册与发现，不再需要写死服务提供方地址，注册中心基于接口名查询服务提供者的</a:t>
             </a:r>
             <a:r>
@@ -12807,7 +12320,7 @@
               </a:rPr>
               <a:t>地址，并且能够平滑添加或删除服务提供者。</a:t>
             </a:r>
-            <a:endParaRPr lang="en-US" altLang="zh-CN" sz="2400" dirty="0" smtClean="0">
+            <a:endParaRPr lang="en-US" altLang="zh-CN" sz="2400" dirty="0">
               <a:latin typeface="微软雅黑" panose="020B0503020204020204" pitchFamily="34" charset="-122"/>
               <a:ea typeface="微软雅黑" panose="020B0503020204020204" pitchFamily="34" charset="-122"/>
             </a:endParaRPr>
@@ -12819,13 +12332,6 @@
   <p:clrMapOvr>
     <a:masterClrMapping/>
   </p:clrMapOvr>
-  <p:timing>
-    <p:tnLst>
-      <p:par>
-        <p:cTn id="1" dur="indefinite" restart="never" nodeType="tmRoot"/>
-      </p:par>
-    </p:tnLst>
-  </p:timing>
 </p:sld>
 </file>
 
@@ -12870,22 +12376,22 @@
           <a:p>
             <a:pPr algn="ctr"/>
             <a:r>
-              <a:rPr lang="en-US" altLang="zh-CN" sz="4000" dirty="0" smtClean="0"/>
+              <a:rPr lang="en-US" altLang="zh-CN" sz="4000" dirty="0"/>
               <a:t>3</a:t>
             </a:r>
             <a:r>
-              <a:rPr lang="zh-CN" altLang="en-US" sz="4000" dirty="0" smtClean="0"/>
+              <a:rPr lang="zh-CN" altLang="en-US" sz="4000" dirty="0"/>
               <a:t>、</a:t>
             </a:r>
             <a:r>
-              <a:rPr lang="en-US" altLang="zh-CN" sz="4000" dirty="0" smtClean="0"/>
+              <a:rPr lang="en-US" altLang="zh-CN" sz="4000" dirty="0"/>
               <a:t>Dubbo</a:t>
             </a:r>
             <a:r>
-              <a:rPr lang="zh-CN" altLang="en-US" sz="4000" dirty="0" smtClean="0"/>
+              <a:rPr lang="zh-CN" altLang="en-US" sz="4000" dirty="0"/>
               <a:t>的原理</a:t>
             </a:r>
-            <a:endParaRPr lang="en-US" altLang="zh-CN" sz="4000" dirty="0" smtClean="0"/>
+            <a:endParaRPr lang="en-US" altLang="zh-CN" sz="4000" dirty="0"/>
           </a:p>
         </p:txBody>
       </p:sp>
@@ -12894,13 +12400,6 @@
   <p:clrMapOvr>
     <a:masterClrMapping/>
   </p:clrMapOvr>
-  <p:timing>
-    <p:tnLst>
-      <p:par>
-        <p:cTn id="1" dur="indefinite" restart="never" nodeType="tmRoot"/>
-      </p:par>
-    </p:tnLst>
-  </p:timing>
 </p:sld>
 </file>
 
@@ -13182,6 +12681,8 @@
       </a:bgFillStyleLst>
     </a:fmtScheme>
   </a:themeElements>
+  <a:objectDefaults/>
+  <a:extraClrSchemeLst/>
   <a:extLst>
     <a:ext uri="{05A4C25C-085E-4340-85A3-A5531E510DB2}">
       <thm15:themeFamily xmlns:thm15="http://schemas.microsoft.com/office/thememl/2012/main" name="Office Theme" id="{62F939B6-93AF-4DB8-9C6B-D6C7DFDC589F}" vid="{4A3C46E8-61CC-4603-A589-7422A47A8E4A}"/>
@@ -13468,6 +12969,8 @@
       </a:bgFillStyleLst>
     </a:fmtScheme>
   </a:themeElements>
+  <a:objectDefaults/>
+  <a:extraClrSchemeLst/>
   <a:extLst>
     <a:ext uri="{05A4C25C-085E-4340-85A3-A5531E510DB2}">
       <thm15:themeFamily xmlns:thm15="http://schemas.microsoft.com/office/thememl/2012/main" name="Office Theme" id="{62F939B6-93AF-4DB8-9C6B-D6C7DFDC589F}" vid="{4A3C46E8-61CC-4603-A589-7422A47A8E4A}"/>
